--- a/Docs/Multiple overriding or OOP approach to double dispatch.pptx
+++ b/Docs/Multiple overriding or OOP approach to double dispatch.pptx
@@ -6,8 +6,13 @@
   </p:sldMasterIdLst>
   <p:sldIdLst>
     <p:sldId id="256" r:id="rId2"/>
-    <p:sldId id="257" r:id="rId3"/>
-    <p:sldId id="258" r:id="rId4"/>
+    <p:sldId id="259" r:id="rId3"/>
+    <p:sldId id="261" r:id="rId4"/>
+    <p:sldId id="262" r:id="rId5"/>
+    <p:sldId id="260" r:id="rId6"/>
+    <p:sldId id="258" r:id="rId7"/>
+    <p:sldId id="257" r:id="rId8"/>
+    <p:sldId id="263" r:id="rId9"/>
   </p:sldIdLst>
   <p:sldSz cx="9144000" cy="6858000" type="screen4x3"/>
   <p:notesSz cx="6858000" cy="9144000"/>
@@ -290,7 +295,7 @@
           <a:p>
             <a:fld id="{AF64F92D-8699-4330-B05A-7BBEC7B54D41}" type="datetimeFigureOut">
               <a:rPr lang="en-US" smtClean="0"/>
-              <a:t>5/17/2023</a:t>
+              <a:t>8/1/2023</a:t>
             </a:fld>
             <a:endParaRPr lang="en-US"/>
           </a:p>
@@ -460,7 +465,7 @@
           <a:p>
             <a:fld id="{AF64F92D-8699-4330-B05A-7BBEC7B54D41}" type="datetimeFigureOut">
               <a:rPr lang="en-US" smtClean="0"/>
-              <a:t>5/17/2023</a:t>
+              <a:t>8/1/2023</a:t>
             </a:fld>
             <a:endParaRPr lang="en-US"/>
           </a:p>
@@ -640,7 +645,7 @@
           <a:p>
             <a:fld id="{AF64F92D-8699-4330-B05A-7BBEC7B54D41}" type="datetimeFigureOut">
               <a:rPr lang="en-US" smtClean="0"/>
-              <a:t>5/17/2023</a:t>
+              <a:t>8/1/2023</a:t>
             </a:fld>
             <a:endParaRPr lang="en-US"/>
           </a:p>
@@ -1003,7 +1008,7 @@
           <a:p>
             <a:fld id="{AF64F92D-8699-4330-B05A-7BBEC7B54D41}" type="datetimeFigureOut">
               <a:rPr lang="en-US" smtClean="0"/>
-              <a:t>5/17/2023</a:t>
+              <a:t>8/1/2023</a:t>
             </a:fld>
             <a:endParaRPr lang="en-US"/>
           </a:p>
@@ -1249,7 +1254,7 @@
           <a:p>
             <a:fld id="{AF64F92D-8699-4330-B05A-7BBEC7B54D41}" type="datetimeFigureOut">
               <a:rPr lang="en-US" smtClean="0"/>
-              <a:t>5/17/2023</a:t>
+              <a:t>8/1/2023</a:t>
             </a:fld>
             <a:endParaRPr lang="en-US"/>
           </a:p>
@@ -1537,7 +1542,7 @@
           <a:p>
             <a:fld id="{AF64F92D-8699-4330-B05A-7BBEC7B54D41}" type="datetimeFigureOut">
               <a:rPr lang="en-US" smtClean="0"/>
-              <a:t>5/17/2023</a:t>
+              <a:t>8/1/2023</a:t>
             </a:fld>
             <a:endParaRPr lang="en-US"/>
           </a:p>
@@ -1959,7 +1964,7 @@
           <a:p>
             <a:fld id="{AF64F92D-8699-4330-B05A-7BBEC7B54D41}" type="datetimeFigureOut">
               <a:rPr lang="en-US" smtClean="0"/>
-              <a:t>5/17/2023</a:t>
+              <a:t>8/1/2023</a:t>
             </a:fld>
             <a:endParaRPr lang="en-US"/>
           </a:p>
@@ -2077,7 +2082,7 @@
           <a:p>
             <a:fld id="{AF64F92D-8699-4330-B05A-7BBEC7B54D41}" type="datetimeFigureOut">
               <a:rPr lang="en-US" smtClean="0"/>
-              <a:t>5/17/2023</a:t>
+              <a:t>8/1/2023</a:t>
             </a:fld>
             <a:endParaRPr lang="en-US"/>
           </a:p>
@@ -2172,7 +2177,7 @@
           <a:p>
             <a:fld id="{AF64F92D-8699-4330-B05A-7BBEC7B54D41}" type="datetimeFigureOut">
               <a:rPr lang="en-US" smtClean="0"/>
-              <a:t>5/17/2023</a:t>
+              <a:t>8/1/2023</a:t>
             </a:fld>
             <a:endParaRPr lang="en-US"/>
           </a:p>
@@ -2449,7 +2454,7 @@
           <a:p>
             <a:fld id="{AF64F92D-8699-4330-B05A-7BBEC7B54D41}" type="datetimeFigureOut">
               <a:rPr lang="en-US" smtClean="0"/>
-              <a:t>5/17/2023</a:t>
+              <a:t>8/1/2023</a:t>
             </a:fld>
             <a:endParaRPr lang="en-US"/>
           </a:p>
@@ -2702,7 +2707,7 @@
           <a:p>
             <a:fld id="{AF64F92D-8699-4330-B05A-7BBEC7B54D41}" type="datetimeFigureOut">
               <a:rPr lang="en-US" smtClean="0"/>
-              <a:t>5/17/2023</a:t>
+              <a:t>8/1/2023</a:t>
             </a:fld>
             <a:endParaRPr lang="en-US"/>
           </a:p>
@@ -2915,7 +2920,7 @@
           <a:p>
             <a:fld id="{AF64F92D-8699-4330-B05A-7BBEC7B54D41}" type="datetimeFigureOut">
               <a:rPr lang="en-US" smtClean="0"/>
-              <a:t>5/17/2023</a:t>
+              <a:t>8/1/2023</a:t>
             </a:fld>
             <a:endParaRPr lang="en-US"/>
           </a:p>
@@ -3303,12 +3308,18 @@
         </p:nvSpPr>
         <p:spPr/>
         <p:txBody>
-          <a:bodyPr/>
+          <a:bodyPr>
+            <a:normAutofit fontScale="90000"/>
+          </a:bodyPr>
           <a:lstStyle/>
           <a:p>
             <a:r>
               <a:rPr lang="en-US" dirty="0" smtClean="0"/>
-              <a:t>Multiple overriding or OOP approach to double dispatch</a:t>
+              <a:t>Multiple overriding or OOP approach to double </a:t>
+            </a:r>
+            <a:r>
+              <a:rPr lang="en-US" dirty="0" smtClean="0"/>
+              <a:t>dispatch and covariance type-safety</a:t>
             </a:r>
             <a:endParaRPr lang="en-US" dirty="0"/>
           </a:p>
@@ -3324,12 +3335,26 @@
             <p:ph type="subTitle" idx="1"/>
           </p:nvPr>
         </p:nvSpPr>
-        <p:spPr/>
+        <p:spPr>
+          <a:xfrm>
+            <a:off x="1371600" y="4365104"/>
+            <a:ext cx="6400800" cy="1273696"/>
+          </a:xfrm>
+        </p:spPr>
         <p:txBody>
           <a:bodyPr/>
           <a:lstStyle/>
           <a:p>
-            <a:endParaRPr lang="en-US"/>
+            <a:r>
+              <a:rPr lang="en-US" dirty="0" smtClean="0"/>
+              <a:t>Alexey Kanatov</a:t>
+            </a:r>
+          </a:p>
+          <a:p>
+            <a:r>
+              <a:rPr lang="en-US" dirty="0" smtClean="0"/>
+              <a:t>2023</a:t>
+            </a:r>
           </a:p>
         </p:txBody>
       </p:sp>
@@ -3385,845 +3410,128 @@
           </a:bodyPr>
           <a:lstStyle/>
           <a:p>
-            <a:pPr marL="0" indent="0">
-              <a:buNone/>
-            </a:pPr>
-            <a:r>
-              <a:rPr lang="en-US" altLang="en-US" sz="1800" dirty="0">
-                <a:solidFill>
-                  <a:srgbClr val="0000FF"/>
-                </a:solidFill>
-                <a:latin typeface="Lucida Console" pitchFamily="49" charset="0"/>
-                <a:ea typeface="+mn-ea"/>
-                <a:cs typeface="+mn-cs"/>
-              </a:rPr>
-              <a:t>// Source #1</a:t>
-            </a:r>
-          </a:p>
-          <a:p>
-            <a:pPr marL="0" indent="0">
-              <a:buNone/>
-            </a:pPr>
-            <a:r>
-              <a:rPr lang="en-US" altLang="en-US" sz="1800" b="1" dirty="0" smtClean="0">
-                <a:solidFill>
-                  <a:srgbClr val="0000FF"/>
-                </a:solidFill>
-                <a:latin typeface="Lucida Console" pitchFamily="49" charset="0"/>
-                <a:ea typeface="+mn-ea"/>
-                <a:cs typeface="+mn-cs"/>
-              </a:rPr>
-              <a:t>abstract unit</a:t>
-            </a:r>
-            <a:r>
-              <a:rPr lang="en-US" altLang="en-US" sz="1800" dirty="0" smtClean="0">
-                <a:solidFill>
-                  <a:srgbClr val="0000FF"/>
-                </a:solidFill>
-                <a:latin typeface="Lucida Console" pitchFamily="49" charset="0"/>
-                <a:ea typeface="+mn-ea"/>
-                <a:cs typeface="+mn-cs"/>
-              </a:rPr>
+            <a:r>
+              <a:rPr lang="en-US" altLang="en-US" sz="2400" u="sng" dirty="0" smtClean="0"/>
+              <a:t>Variance</a:t>
+            </a:r>
+            <a:r>
+              <a:rPr lang="en-US" altLang="en-US" sz="2400" dirty="0" smtClean="0"/>
+              <a:t> in programming: invariance, covariance, </a:t>
+            </a:r>
+            <a:r>
+              <a:rPr lang="en-US" altLang="en-US" sz="2400" dirty="0" err="1" smtClean="0"/>
+              <a:t>contravariance</a:t>
+            </a:r>
+            <a:r>
+              <a:rPr lang="en-US" altLang="en-US" sz="2400" dirty="0" smtClean="0"/>
+              <a:t> applied for overriding while inheriting and in polymorphic assignments (arguments passing) </a:t>
+            </a:r>
+          </a:p>
+          <a:p>
+            <a:pPr lvl="1"/>
+            <a:r>
+              <a:rPr lang="en-US" altLang="en-US" sz="2400" b="1" dirty="0" smtClean="0"/>
+              <a:t>Issue</a:t>
+            </a:r>
+            <a:r>
+              <a:rPr lang="en-US" altLang="en-US" sz="2400" dirty="0" smtClean="0"/>
+              <a:t>:</a:t>
+            </a:r>
+          </a:p>
+          <a:p>
+            <a:pPr lvl="2"/>
+            <a:r>
+              <a:rPr lang="en-US" altLang="en-US" sz="2400" dirty="0" smtClean="0"/>
+              <a:t>covariance may lead to type system breakage during program execution</a:t>
+            </a:r>
+          </a:p>
+          <a:p>
+            <a:r>
+              <a:rPr lang="en-US" altLang="en-US" sz="2400" u="sng" dirty="0" smtClean="0"/>
+              <a:t>Dynamic dispatch</a:t>
+            </a:r>
+            <a:r>
+              <a:rPr lang="en-US" altLang="en-US" sz="2400" dirty="0" smtClean="0"/>
+              <a:t>: dispatch by </a:t>
+            </a:r>
+            <a:r>
+              <a:rPr lang="en-US" altLang="en-US" sz="2400" dirty="0" smtClean="0">
+                <a:latin typeface="Lucida Console" panose="020B0609040504020204" pitchFamily="49" charset="0"/>
+              </a:rPr>
+              <a:t>‘</a:t>
+            </a:r>
+            <a:r>
+              <a:rPr lang="en-US" altLang="en-US" sz="2400" dirty="0" err="1" smtClean="0">
+                <a:latin typeface="Lucida Console" panose="020B0609040504020204" pitchFamily="49" charset="0"/>
+              </a:rPr>
+              <a:t>this’|’self’|’Current</a:t>
+            </a:r>
+            <a:r>
+              <a:rPr lang="en-US" altLang="en-US" sz="2400" dirty="0" smtClean="0">
+                <a:latin typeface="Lucida Console" panose="020B0609040504020204" pitchFamily="49" charset="0"/>
+              </a:rPr>
+              <a:t>’</a:t>
+            </a:r>
+            <a:r>
+              <a:rPr lang="en-US" altLang="en-US" sz="2400" dirty="0" smtClean="0"/>
+              <a:t>, double (multiple) dispatch</a:t>
+            </a:r>
+            <a:r>
+              <a:rPr lang="en-US" altLang="en-US" sz="2400" dirty="0"/>
               <a:t> </a:t>
             </a:r>
             <a:r>
-              <a:rPr lang="en-US" altLang="en-US" sz="1800" dirty="0" smtClean="0">
-                <a:solidFill>
-                  <a:srgbClr val="0000FF"/>
-                </a:solidFill>
-                <a:latin typeface="Lucida Console" pitchFamily="49" charset="0"/>
-                <a:ea typeface="+mn-ea"/>
-                <a:cs typeface="+mn-cs"/>
-              </a:rPr>
-              <a:t>Figure</a:t>
-            </a:r>
-            <a:endParaRPr lang="en-US" altLang="en-US" sz="1800" dirty="0">
-              <a:solidFill>
-                <a:srgbClr val="0000FF"/>
-              </a:solidFill>
-              <a:latin typeface="Lucida Console" pitchFamily="49" charset="0"/>
-              <a:ea typeface="+mn-ea"/>
-              <a:cs typeface="+mn-cs"/>
-            </a:endParaRPr>
-          </a:p>
-          <a:p>
-            <a:pPr marL="0" indent="0">
-              <a:buNone/>
-            </a:pPr>
-            <a:r>
-              <a:rPr lang="en-US" altLang="en-US" sz="1800" dirty="0">
-                <a:solidFill>
-                  <a:srgbClr val="0000FF"/>
-                </a:solidFill>
-                <a:latin typeface="Lucida Console" pitchFamily="49" charset="0"/>
-                <a:ea typeface="+mn-ea"/>
-                <a:cs typeface="+mn-cs"/>
-              </a:rPr>
-              <a:t>     </a:t>
-            </a:r>
-            <a:r>
-              <a:rPr lang="en-US" altLang="en-US" sz="1800" dirty="0" err="1">
-                <a:solidFill>
-                  <a:srgbClr val="0000FF"/>
-                </a:solidFill>
-                <a:latin typeface="Lucida Console" pitchFamily="49" charset="0"/>
-                <a:ea typeface="+mn-ea"/>
-                <a:cs typeface="+mn-cs"/>
-              </a:rPr>
-              <a:t>inscribedInto</a:t>
-            </a:r>
-            <a:r>
-              <a:rPr lang="en-US" altLang="en-US" sz="1800" dirty="0">
-                <a:solidFill>
-                  <a:srgbClr val="0000FF"/>
-                </a:solidFill>
-                <a:latin typeface="Lucida Console" pitchFamily="49" charset="0"/>
-                <a:ea typeface="+mn-ea"/>
-                <a:cs typeface="+mn-cs"/>
-              </a:rPr>
-              <a:t> (other: Figure): </a:t>
-            </a:r>
-            <a:r>
-              <a:rPr lang="en-US" altLang="en-US" sz="1800" dirty="0" smtClean="0">
-                <a:solidFill>
-                  <a:srgbClr val="0000FF"/>
-                </a:solidFill>
-                <a:latin typeface="Lucida Console" pitchFamily="49" charset="0"/>
-                <a:ea typeface="+mn-ea"/>
-                <a:cs typeface="+mn-cs"/>
-              </a:rPr>
-              <a:t>Boolean </a:t>
-            </a:r>
-            <a:r>
-              <a:rPr lang="en-US" altLang="en-US" sz="1800" b="1" dirty="0">
-                <a:solidFill>
-                  <a:srgbClr val="0000FF"/>
-                </a:solidFill>
-                <a:latin typeface="Lucida Console" pitchFamily="49" charset="0"/>
-              </a:rPr>
-              <a:t>abstract</a:t>
-            </a:r>
-            <a:endParaRPr lang="en-US" altLang="en-US" sz="1800" b="1" dirty="0">
-              <a:solidFill>
-                <a:srgbClr val="0000FF"/>
-              </a:solidFill>
-              <a:latin typeface="Lucida Console" pitchFamily="49" charset="0"/>
-              <a:ea typeface="+mn-ea"/>
-              <a:cs typeface="+mn-cs"/>
-            </a:endParaRPr>
-          </a:p>
-          <a:p>
-            <a:pPr marL="0" indent="0">
-              <a:buNone/>
-            </a:pPr>
-            <a:r>
-              <a:rPr lang="en-US" altLang="en-US" sz="1800" b="1" dirty="0">
-                <a:solidFill>
-                  <a:srgbClr val="0000FF"/>
-                </a:solidFill>
-                <a:latin typeface="Lucida Console" pitchFamily="49" charset="0"/>
-                <a:ea typeface="+mn-ea"/>
-                <a:cs typeface="+mn-cs"/>
-              </a:rPr>
-              <a:t>end</a:t>
-            </a:r>
-          </a:p>
-          <a:p>
-            <a:pPr marL="0" indent="0">
-              <a:buNone/>
-            </a:pPr>
-            <a:r>
-              <a:rPr lang="en-US" altLang="en-US" sz="1800" dirty="0">
-                <a:solidFill>
-                  <a:srgbClr val="0000FF"/>
-                </a:solidFill>
-                <a:latin typeface="Lucida Console" pitchFamily="49" charset="0"/>
-                <a:ea typeface="+mn-ea"/>
-                <a:cs typeface="+mn-cs"/>
-              </a:rPr>
-              <a:t>// Source #2</a:t>
-            </a:r>
-          </a:p>
-          <a:p>
-            <a:pPr marL="0" indent="0">
-              <a:buNone/>
-            </a:pPr>
-            <a:r>
-              <a:rPr lang="en-US" altLang="en-US" sz="1800" b="1" dirty="0">
-                <a:solidFill>
-                  <a:srgbClr val="0000FF"/>
-                </a:solidFill>
-                <a:latin typeface="Lucida Console" pitchFamily="49" charset="0"/>
-                <a:ea typeface="+mn-ea"/>
-                <a:cs typeface="+mn-cs"/>
-              </a:rPr>
-              <a:t>unit</a:t>
-            </a:r>
-            <a:r>
-              <a:rPr lang="en-US" altLang="en-US" sz="1800" dirty="0">
-                <a:solidFill>
-                  <a:srgbClr val="0000FF"/>
-                </a:solidFill>
-                <a:latin typeface="Lucida Console" pitchFamily="49" charset="0"/>
-                <a:ea typeface="+mn-ea"/>
-                <a:cs typeface="+mn-cs"/>
-              </a:rPr>
-              <a:t> Circle </a:t>
-            </a:r>
-            <a:r>
-              <a:rPr lang="en-US" altLang="en-US" sz="1800" b="1" dirty="0">
-                <a:solidFill>
-                  <a:srgbClr val="0000FF"/>
-                </a:solidFill>
-                <a:latin typeface="Lucida Console" pitchFamily="49" charset="0"/>
-                <a:ea typeface="+mn-ea"/>
-                <a:cs typeface="+mn-cs"/>
-              </a:rPr>
-              <a:t>extend</a:t>
-            </a:r>
-            <a:r>
-              <a:rPr lang="en-US" altLang="en-US" sz="1800" dirty="0">
-                <a:solidFill>
-                  <a:srgbClr val="0000FF"/>
-                </a:solidFill>
-                <a:latin typeface="Lucida Console" pitchFamily="49" charset="0"/>
-                <a:ea typeface="+mn-ea"/>
-                <a:cs typeface="+mn-cs"/>
-              </a:rPr>
-              <a:t> </a:t>
-            </a:r>
-            <a:r>
-              <a:rPr lang="en-US" altLang="en-US" sz="1800" dirty="0" smtClean="0">
-                <a:solidFill>
-                  <a:srgbClr val="0000FF"/>
-                </a:solidFill>
-                <a:latin typeface="Lucida Console" pitchFamily="49" charset="0"/>
-                <a:ea typeface="+mn-ea"/>
-                <a:cs typeface="+mn-cs"/>
-              </a:rPr>
-              <a:t>Figure</a:t>
-            </a:r>
-            <a:endParaRPr lang="en-US" altLang="en-US" sz="1800" dirty="0">
-              <a:solidFill>
-                <a:srgbClr val="0000FF"/>
-              </a:solidFill>
-              <a:latin typeface="Lucida Console" pitchFamily="49" charset="0"/>
-              <a:ea typeface="+mn-ea"/>
-              <a:cs typeface="+mn-cs"/>
-            </a:endParaRPr>
-          </a:p>
-          <a:p>
-            <a:pPr marL="0" indent="0">
-              <a:buNone/>
-            </a:pPr>
-            <a:r>
-              <a:rPr lang="en-US" altLang="en-US" sz="1800" dirty="0">
-                <a:solidFill>
-                  <a:srgbClr val="0000FF"/>
-                </a:solidFill>
-                <a:latin typeface="Lucida Console" pitchFamily="49" charset="0"/>
-                <a:ea typeface="+mn-ea"/>
-                <a:cs typeface="+mn-cs"/>
-              </a:rPr>
-              <a:t> </a:t>
-            </a:r>
-            <a:r>
-              <a:rPr lang="en-US" altLang="en-US" sz="1800" b="1" dirty="0">
-                <a:solidFill>
-                  <a:srgbClr val="0000FF"/>
-                </a:solidFill>
-                <a:latin typeface="Lucida Console" pitchFamily="49" charset="0"/>
-                <a:ea typeface="+mn-ea"/>
-                <a:cs typeface="+mn-cs"/>
-              </a:rPr>
-              <a:t>override</a:t>
-            </a:r>
-            <a:r>
-              <a:rPr lang="en-US" altLang="en-US" sz="1800" dirty="0">
-                <a:solidFill>
-                  <a:srgbClr val="0000FF"/>
-                </a:solidFill>
-                <a:latin typeface="Lucida Console" pitchFamily="49" charset="0"/>
-                <a:ea typeface="+mn-ea"/>
-                <a:cs typeface="+mn-cs"/>
-              </a:rPr>
-              <a:t> </a:t>
-            </a:r>
-            <a:r>
-              <a:rPr lang="en-US" altLang="en-US" sz="1800" dirty="0" err="1">
-                <a:solidFill>
-                  <a:srgbClr val="0000FF"/>
-                </a:solidFill>
-                <a:latin typeface="Lucida Console" pitchFamily="49" charset="0"/>
-                <a:ea typeface="+mn-ea"/>
-                <a:cs typeface="+mn-cs"/>
-              </a:rPr>
-              <a:t>inscribedInto</a:t>
-            </a:r>
-            <a:r>
-              <a:rPr lang="en-US" altLang="en-US" sz="1800" dirty="0">
-                <a:solidFill>
-                  <a:srgbClr val="0000FF"/>
-                </a:solidFill>
-                <a:latin typeface="Lucida Console" pitchFamily="49" charset="0"/>
-                <a:ea typeface="+mn-ea"/>
-                <a:cs typeface="+mn-cs"/>
-              </a:rPr>
-              <a:t> (other: Circle): Boolean </a:t>
-            </a:r>
-            <a:r>
-              <a:rPr lang="en-US" altLang="en-US" sz="1800" b="1" dirty="0" smtClean="0">
-                <a:solidFill>
-                  <a:srgbClr val="0000FF"/>
-                </a:solidFill>
-                <a:latin typeface="Lucida Console" pitchFamily="49" charset="0"/>
-                <a:ea typeface="+mn-ea"/>
-                <a:cs typeface="+mn-cs"/>
-              </a:rPr>
-              <a:t>do</a:t>
-            </a:r>
-            <a:r>
-              <a:rPr lang="en-US" altLang="en-US" sz="1800" dirty="0" smtClean="0">
-                <a:solidFill>
-                  <a:srgbClr val="0000FF"/>
-                </a:solidFill>
-                <a:latin typeface="Lucida Console" pitchFamily="49" charset="0"/>
-                <a:ea typeface="+mn-ea"/>
-                <a:cs typeface="+mn-cs"/>
-              </a:rPr>
-              <a:t> </a:t>
-            </a:r>
-            <a:r>
-              <a:rPr lang="en-US" altLang="en-US" sz="1800" dirty="0">
-                <a:solidFill>
-                  <a:srgbClr val="0000FF"/>
-                </a:solidFill>
-                <a:latin typeface="Lucida Console" pitchFamily="49" charset="0"/>
-                <a:ea typeface="+mn-ea"/>
-                <a:cs typeface="+mn-cs"/>
-              </a:rPr>
-              <a:t>… </a:t>
-            </a:r>
-            <a:r>
-              <a:rPr lang="en-US" altLang="en-US" sz="1800" b="1" dirty="0">
-                <a:solidFill>
-                  <a:srgbClr val="0000FF"/>
-                </a:solidFill>
-                <a:latin typeface="Lucida Console" pitchFamily="49" charset="0"/>
-                <a:ea typeface="+mn-ea"/>
-                <a:cs typeface="+mn-cs"/>
-              </a:rPr>
-              <a:t>end</a:t>
-            </a:r>
-          </a:p>
-          <a:p>
-            <a:pPr marL="0" indent="0">
-              <a:buNone/>
-            </a:pPr>
-            <a:r>
-              <a:rPr lang="en-US" altLang="en-US" sz="1800" b="1" dirty="0">
-                <a:solidFill>
-                  <a:srgbClr val="0000FF"/>
-                </a:solidFill>
-                <a:latin typeface="Lucida Console" pitchFamily="49" charset="0"/>
-                <a:ea typeface="+mn-ea"/>
-                <a:cs typeface="+mn-cs"/>
-              </a:rPr>
-              <a:t>end</a:t>
-            </a:r>
-          </a:p>
-          <a:p>
-            <a:pPr marL="0" indent="0">
-              <a:buNone/>
-            </a:pPr>
-            <a:r>
-              <a:rPr lang="en-US" altLang="en-US" sz="1800" dirty="0">
-                <a:solidFill>
-                  <a:srgbClr val="0000FF"/>
-                </a:solidFill>
-                <a:latin typeface="Lucida Console" pitchFamily="49" charset="0"/>
-                <a:ea typeface="+mn-ea"/>
-                <a:cs typeface="+mn-cs"/>
-              </a:rPr>
-              <a:t>// Source #3</a:t>
-            </a:r>
-          </a:p>
-          <a:p>
-            <a:pPr marL="0" indent="0">
-              <a:buNone/>
-            </a:pPr>
-            <a:r>
-              <a:rPr lang="en-US" altLang="en-US" sz="1800" b="1" dirty="0">
-                <a:solidFill>
-                  <a:srgbClr val="0000FF"/>
-                </a:solidFill>
-                <a:latin typeface="Lucida Console" pitchFamily="49" charset="0"/>
-                <a:ea typeface="+mn-ea"/>
-                <a:cs typeface="+mn-cs"/>
-              </a:rPr>
-              <a:t>unit</a:t>
-            </a:r>
-            <a:r>
-              <a:rPr lang="en-US" altLang="en-US" sz="1800" dirty="0">
-                <a:solidFill>
-                  <a:srgbClr val="0000FF"/>
-                </a:solidFill>
-                <a:latin typeface="Lucida Console" pitchFamily="49" charset="0"/>
-                <a:ea typeface="+mn-ea"/>
-                <a:cs typeface="+mn-cs"/>
-              </a:rPr>
-              <a:t> Triangle </a:t>
-            </a:r>
-            <a:r>
-              <a:rPr lang="en-US" altLang="en-US" sz="1800" b="1" dirty="0">
-                <a:solidFill>
-                  <a:srgbClr val="0000FF"/>
-                </a:solidFill>
-                <a:latin typeface="Lucida Console" pitchFamily="49" charset="0"/>
-                <a:ea typeface="+mn-ea"/>
-                <a:cs typeface="+mn-cs"/>
-              </a:rPr>
-              <a:t>extend</a:t>
-            </a:r>
-            <a:r>
-              <a:rPr lang="en-US" altLang="en-US" sz="1800" dirty="0">
-                <a:solidFill>
-                  <a:srgbClr val="0000FF"/>
-                </a:solidFill>
-                <a:latin typeface="Lucida Console" pitchFamily="49" charset="0"/>
-                <a:ea typeface="+mn-ea"/>
-                <a:cs typeface="+mn-cs"/>
-              </a:rPr>
-              <a:t> </a:t>
-            </a:r>
-            <a:r>
-              <a:rPr lang="en-US" altLang="en-US" sz="1800" dirty="0" smtClean="0">
-                <a:solidFill>
-                  <a:srgbClr val="0000FF"/>
-                </a:solidFill>
-                <a:latin typeface="Lucida Console" pitchFamily="49" charset="0"/>
-                <a:ea typeface="+mn-ea"/>
-                <a:cs typeface="+mn-cs"/>
-              </a:rPr>
-              <a:t>Figure</a:t>
-            </a:r>
-            <a:endParaRPr lang="en-US" altLang="en-US" sz="1800" dirty="0">
-              <a:solidFill>
-                <a:srgbClr val="0000FF"/>
-              </a:solidFill>
-              <a:latin typeface="Lucida Console" pitchFamily="49" charset="0"/>
-              <a:ea typeface="+mn-ea"/>
-              <a:cs typeface="+mn-cs"/>
-            </a:endParaRPr>
-          </a:p>
-          <a:p>
-            <a:pPr marL="0" indent="0">
-              <a:buNone/>
-            </a:pPr>
-            <a:r>
-              <a:rPr lang="en-US" altLang="en-US" sz="1800" dirty="0">
-                <a:solidFill>
-                  <a:srgbClr val="0000FF"/>
-                </a:solidFill>
-                <a:latin typeface="Lucida Console" pitchFamily="49" charset="0"/>
-                <a:ea typeface="+mn-ea"/>
-                <a:cs typeface="+mn-cs"/>
-              </a:rPr>
-              <a:t> </a:t>
-            </a:r>
-            <a:r>
-              <a:rPr lang="en-US" altLang="en-US" sz="1800" b="1" dirty="0">
-                <a:solidFill>
-                  <a:srgbClr val="0000FF"/>
-                </a:solidFill>
-                <a:latin typeface="Lucida Console" pitchFamily="49" charset="0"/>
-                <a:ea typeface="+mn-ea"/>
-                <a:cs typeface="+mn-cs"/>
-              </a:rPr>
-              <a:t>override</a:t>
-            </a:r>
-            <a:r>
-              <a:rPr lang="en-US" altLang="en-US" sz="1800" dirty="0">
-                <a:solidFill>
-                  <a:srgbClr val="0000FF"/>
-                </a:solidFill>
-                <a:latin typeface="Lucida Console" pitchFamily="49" charset="0"/>
-                <a:ea typeface="+mn-ea"/>
-                <a:cs typeface="+mn-cs"/>
-              </a:rPr>
-              <a:t> </a:t>
-            </a:r>
-            <a:r>
-              <a:rPr lang="en-US" altLang="en-US" sz="1800" dirty="0" err="1">
-                <a:solidFill>
-                  <a:srgbClr val="0000FF"/>
-                </a:solidFill>
-                <a:latin typeface="Lucida Console" pitchFamily="49" charset="0"/>
-                <a:ea typeface="+mn-ea"/>
-                <a:cs typeface="+mn-cs"/>
-              </a:rPr>
-              <a:t>inscribedInto</a:t>
-            </a:r>
-            <a:r>
-              <a:rPr lang="en-US" altLang="en-US" sz="1800" dirty="0">
-                <a:solidFill>
-                  <a:srgbClr val="0000FF"/>
-                </a:solidFill>
-                <a:latin typeface="Lucida Console" pitchFamily="49" charset="0"/>
-                <a:ea typeface="+mn-ea"/>
-                <a:cs typeface="+mn-cs"/>
-              </a:rPr>
-              <a:t> (other: Triangle): Boolean </a:t>
-            </a:r>
-            <a:r>
-              <a:rPr lang="en-US" altLang="en-US" sz="1800" b="1" dirty="0">
-                <a:solidFill>
-                  <a:srgbClr val="0000FF"/>
-                </a:solidFill>
-                <a:latin typeface="Lucida Console" pitchFamily="49" charset="0"/>
-              </a:rPr>
-              <a:t>do</a:t>
-            </a:r>
-            <a:r>
-              <a:rPr lang="en-US" altLang="en-US" sz="1800" dirty="0">
-                <a:solidFill>
-                  <a:srgbClr val="0000FF"/>
-                </a:solidFill>
-                <a:latin typeface="Lucida Console" pitchFamily="49" charset="0"/>
-              </a:rPr>
-              <a:t> … </a:t>
-            </a:r>
-            <a:r>
-              <a:rPr lang="en-US" altLang="en-US" sz="1800" b="1" dirty="0">
-                <a:solidFill>
-                  <a:srgbClr val="0000FF"/>
-                </a:solidFill>
-                <a:latin typeface="Lucida Console" pitchFamily="49" charset="0"/>
-              </a:rPr>
-              <a:t>end</a:t>
-            </a:r>
-            <a:endParaRPr lang="en-US" altLang="en-US" sz="1800" dirty="0">
-              <a:solidFill>
-                <a:srgbClr val="0000FF"/>
-              </a:solidFill>
-              <a:latin typeface="Lucida Console" pitchFamily="49" charset="0"/>
-              <a:ea typeface="+mn-ea"/>
-              <a:cs typeface="+mn-cs"/>
-            </a:endParaRPr>
-          </a:p>
-          <a:p>
-            <a:pPr marL="0" indent="0">
-              <a:buNone/>
-            </a:pPr>
-            <a:r>
-              <a:rPr lang="en-US" altLang="en-US" sz="1800" b="1" dirty="0">
-                <a:solidFill>
-                  <a:srgbClr val="0000FF"/>
-                </a:solidFill>
-                <a:latin typeface="Lucida Console" pitchFamily="49" charset="0"/>
-                <a:ea typeface="+mn-ea"/>
-                <a:cs typeface="+mn-cs"/>
-              </a:rPr>
-              <a:t>end </a:t>
-            </a:r>
-          </a:p>
-          <a:p>
-            <a:pPr marL="0" indent="0">
-              <a:buNone/>
-            </a:pPr>
-            <a:r>
-              <a:rPr lang="en-US" altLang="en-US" sz="1800" b="1" dirty="0">
-                <a:solidFill>
-                  <a:srgbClr val="0000FF"/>
-                </a:solidFill>
-                <a:latin typeface="Lucida Console" pitchFamily="49" charset="0"/>
-                <a:ea typeface="+mn-ea"/>
-                <a:cs typeface="+mn-cs"/>
-              </a:rPr>
-              <a:t>extend unit</a:t>
-            </a:r>
-            <a:r>
-              <a:rPr lang="en-US" altLang="en-US" sz="1800" dirty="0">
-                <a:solidFill>
-                  <a:srgbClr val="0000FF"/>
-                </a:solidFill>
-                <a:latin typeface="Lucida Console" pitchFamily="49" charset="0"/>
-                <a:ea typeface="+mn-ea"/>
-                <a:cs typeface="+mn-cs"/>
-              </a:rPr>
-              <a:t> </a:t>
-            </a:r>
-            <a:r>
-              <a:rPr lang="en-US" altLang="en-US" sz="1800" dirty="0" smtClean="0">
-                <a:solidFill>
-                  <a:srgbClr val="0000FF"/>
-                </a:solidFill>
-                <a:latin typeface="Lucida Console" pitchFamily="49" charset="0"/>
-                <a:ea typeface="+mn-ea"/>
-                <a:cs typeface="+mn-cs"/>
-              </a:rPr>
-              <a:t>Circle</a:t>
-            </a:r>
-            <a:endParaRPr lang="en-US" altLang="en-US" sz="1800" dirty="0">
-              <a:solidFill>
-                <a:srgbClr val="0000FF"/>
-              </a:solidFill>
-              <a:latin typeface="Lucida Console" pitchFamily="49" charset="0"/>
-              <a:ea typeface="+mn-ea"/>
-              <a:cs typeface="+mn-cs"/>
-            </a:endParaRPr>
-          </a:p>
-          <a:p>
-            <a:pPr marL="0" indent="0">
-              <a:buNone/>
-            </a:pPr>
-            <a:r>
-              <a:rPr lang="en-US" altLang="en-US" sz="1800" b="1" dirty="0">
-                <a:solidFill>
-                  <a:srgbClr val="0000FF"/>
-                </a:solidFill>
-                <a:latin typeface="Lucida Console" pitchFamily="49" charset="0"/>
-                <a:ea typeface="+mn-ea"/>
-                <a:cs typeface="+mn-cs"/>
-              </a:rPr>
-              <a:t> override</a:t>
-            </a:r>
-            <a:r>
-              <a:rPr lang="en-US" altLang="en-US" sz="1800" dirty="0">
-                <a:solidFill>
-                  <a:srgbClr val="0000FF"/>
-                </a:solidFill>
-                <a:latin typeface="Lucida Console" pitchFamily="49" charset="0"/>
-                <a:ea typeface="+mn-ea"/>
-                <a:cs typeface="+mn-cs"/>
-              </a:rPr>
-              <a:t> </a:t>
-            </a:r>
-            <a:r>
-              <a:rPr lang="en-US" altLang="en-US" sz="1800" dirty="0" err="1">
-                <a:solidFill>
-                  <a:srgbClr val="0000FF"/>
-                </a:solidFill>
-                <a:latin typeface="Lucida Console" pitchFamily="49" charset="0"/>
-                <a:ea typeface="+mn-ea"/>
-                <a:cs typeface="+mn-cs"/>
-              </a:rPr>
-              <a:t>inscribedInto</a:t>
-            </a:r>
-            <a:r>
-              <a:rPr lang="en-US" altLang="en-US" sz="1800" dirty="0">
-                <a:solidFill>
-                  <a:srgbClr val="0000FF"/>
-                </a:solidFill>
-                <a:latin typeface="Lucida Console" pitchFamily="49" charset="0"/>
-                <a:ea typeface="+mn-ea"/>
-                <a:cs typeface="+mn-cs"/>
-              </a:rPr>
-              <a:t> (other: Triangle): Boolean </a:t>
-            </a:r>
-            <a:r>
-              <a:rPr lang="en-US" altLang="en-US" sz="1800" b="1" dirty="0">
-                <a:solidFill>
-                  <a:srgbClr val="0000FF"/>
-                </a:solidFill>
-                <a:latin typeface="Lucida Console" pitchFamily="49" charset="0"/>
-              </a:rPr>
-              <a:t>do</a:t>
-            </a:r>
-            <a:r>
-              <a:rPr lang="en-US" altLang="en-US" sz="1800" dirty="0">
-                <a:solidFill>
-                  <a:srgbClr val="0000FF"/>
-                </a:solidFill>
-                <a:latin typeface="Lucida Console" pitchFamily="49" charset="0"/>
-              </a:rPr>
-              <a:t> … </a:t>
-            </a:r>
-            <a:r>
-              <a:rPr lang="en-US" altLang="en-US" sz="1800" b="1" dirty="0">
-                <a:solidFill>
-                  <a:srgbClr val="0000FF"/>
-                </a:solidFill>
-                <a:latin typeface="Lucida Console" pitchFamily="49" charset="0"/>
-              </a:rPr>
-              <a:t>end</a:t>
-            </a:r>
-            <a:endParaRPr lang="en-US" altLang="en-US" sz="1800" dirty="0">
-              <a:solidFill>
-                <a:srgbClr val="0000FF"/>
-              </a:solidFill>
-              <a:latin typeface="Lucida Console" pitchFamily="49" charset="0"/>
-              <a:ea typeface="+mn-ea"/>
-              <a:cs typeface="+mn-cs"/>
-            </a:endParaRPr>
-          </a:p>
-          <a:p>
-            <a:pPr marL="0" indent="0">
-              <a:buNone/>
-            </a:pPr>
-            <a:r>
-              <a:rPr lang="en-US" altLang="en-US" sz="1800" b="1" dirty="0" smtClean="0">
-                <a:solidFill>
-                  <a:srgbClr val="0000FF"/>
-                </a:solidFill>
-                <a:latin typeface="Lucida Console" pitchFamily="49" charset="0"/>
-                <a:ea typeface="+mn-ea"/>
-                <a:cs typeface="+mn-cs"/>
-              </a:rPr>
-              <a:t>end</a:t>
-            </a:r>
-            <a:endParaRPr lang="en-US" altLang="en-US" sz="1800" b="1" dirty="0">
-              <a:solidFill>
-                <a:srgbClr val="0000FF"/>
-              </a:solidFill>
-              <a:latin typeface="Lucida Console" pitchFamily="49" charset="0"/>
-              <a:ea typeface="+mn-ea"/>
-              <a:cs typeface="+mn-cs"/>
-            </a:endParaRPr>
-          </a:p>
-          <a:p>
-            <a:pPr marL="0" indent="0">
-              <a:buNone/>
-            </a:pPr>
-            <a:r>
-              <a:rPr lang="en-US" altLang="en-US" sz="1800" dirty="0">
-                <a:solidFill>
-                  <a:srgbClr val="0000FF"/>
-                </a:solidFill>
-                <a:latin typeface="Lucida Console" pitchFamily="49" charset="0"/>
-                <a:ea typeface="+mn-ea"/>
-                <a:cs typeface="+mn-cs"/>
-              </a:rPr>
-              <a:t>// Source #4</a:t>
-            </a:r>
-          </a:p>
-          <a:p>
-            <a:pPr marL="0" indent="0">
-              <a:buNone/>
-            </a:pPr>
-            <a:r>
-              <a:rPr lang="en-US" altLang="en-US" sz="1800" dirty="0">
-                <a:solidFill>
-                  <a:srgbClr val="0000FF"/>
-                </a:solidFill>
-                <a:latin typeface="Lucida Console" pitchFamily="49" charset="0"/>
-                <a:ea typeface="+mn-ea"/>
-                <a:cs typeface="+mn-cs"/>
-              </a:rPr>
-              <a:t>a: Array [Figure] </a:t>
-            </a:r>
-            <a:r>
-              <a:rPr lang="en-US" altLang="en-US" sz="1800" b="1" dirty="0">
-                <a:solidFill>
-                  <a:srgbClr val="0000FF"/>
-                </a:solidFill>
-                <a:latin typeface="Lucida Console" pitchFamily="49" charset="0"/>
-                <a:ea typeface="+mn-ea"/>
-                <a:cs typeface="+mn-cs"/>
-              </a:rPr>
-              <a:t>is</a:t>
-            </a:r>
-            <a:r>
-              <a:rPr lang="en-US" altLang="en-US" sz="1800" dirty="0">
-                <a:solidFill>
-                  <a:srgbClr val="0000FF"/>
-                </a:solidFill>
-                <a:latin typeface="Lucida Console" pitchFamily="49" charset="0"/>
-                <a:ea typeface="+mn-ea"/>
-                <a:cs typeface="+mn-cs"/>
-              </a:rPr>
-              <a:t> (Circle, Triangle)</a:t>
-            </a:r>
-          </a:p>
-          <a:p>
-            <a:pPr marL="0" indent="0">
-              <a:buNone/>
-            </a:pPr>
-            <a:r>
-              <a:rPr lang="en-US" altLang="en-US" sz="1800" b="1" dirty="0">
-                <a:solidFill>
-                  <a:srgbClr val="0000FF"/>
-                </a:solidFill>
-                <a:latin typeface="Lucida Console" pitchFamily="49" charset="0"/>
-                <a:ea typeface="+mn-ea"/>
-                <a:cs typeface="+mn-cs"/>
-              </a:rPr>
-              <a:t>if</a:t>
-            </a:r>
-            <a:r>
-              <a:rPr lang="en-US" altLang="en-US" sz="1800" dirty="0">
-                <a:solidFill>
-                  <a:srgbClr val="0000FF"/>
-                </a:solidFill>
-                <a:latin typeface="Lucida Console" pitchFamily="49" charset="0"/>
-                <a:ea typeface="+mn-ea"/>
-                <a:cs typeface="+mn-cs"/>
-              </a:rPr>
-              <a:t> a(1).</a:t>
-            </a:r>
-            <a:r>
-              <a:rPr lang="en-US" altLang="en-US" sz="1800" dirty="0" err="1">
-                <a:solidFill>
-                  <a:srgbClr val="0000FF"/>
-                </a:solidFill>
-                <a:latin typeface="Lucida Console" pitchFamily="49" charset="0"/>
-                <a:ea typeface="+mn-ea"/>
-                <a:cs typeface="+mn-cs"/>
-              </a:rPr>
-              <a:t>inscrinedInto</a:t>
-            </a:r>
-            <a:r>
-              <a:rPr lang="en-US" altLang="en-US" sz="1800" dirty="0">
-                <a:solidFill>
-                  <a:srgbClr val="0000FF"/>
-                </a:solidFill>
-                <a:latin typeface="Lucida Console" pitchFamily="49" charset="0"/>
-                <a:ea typeface="+mn-ea"/>
-                <a:cs typeface="+mn-cs"/>
-              </a:rPr>
-              <a:t> (a(2)) </a:t>
-            </a:r>
-            <a:r>
-              <a:rPr lang="en-US" altLang="en-US" sz="1800" b="1" dirty="0" smtClean="0">
-                <a:solidFill>
-                  <a:srgbClr val="0000FF"/>
-                </a:solidFill>
-                <a:latin typeface="Lucida Console" pitchFamily="49" charset="0"/>
-                <a:ea typeface="+mn-ea"/>
-                <a:cs typeface="+mn-cs"/>
-              </a:rPr>
-              <a:t>then </a:t>
-            </a:r>
-            <a:r>
-              <a:rPr lang="en-US" altLang="en-US" sz="1800" dirty="0" smtClean="0">
-                <a:solidFill>
-                  <a:srgbClr val="0000FF"/>
-                </a:solidFill>
-                <a:latin typeface="Lucida Console" pitchFamily="49" charset="0"/>
-                <a:ea typeface="+mn-ea"/>
-                <a:cs typeface="+mn-cs"/>
-              </a:rPr>
-              <a:t>… </a:t>
-            </a:r>
-            <a:r>
-              <a:rPr lang="en-US" altLang="en-US" sz="1800" b="1" dirty="0" smtClean="0">
-                <a:solidFill>
-                  <a:srgbClr val="0000FF"/>
-                </a:solidFill>
-                <a:latin typeface="Lucida Console" pitchFamily="49" charset="0"/>
-                <a:ea typeface="+mn-ea"/>
-                <a:cs typeface="+mn-cs"/>
-              </a:rPr>
-              <a:t>end</a:t>
-            </a:r>
-            <a:endParaRPr lang="en-US" altLang="en-US" sz="1800" b="1" dirty="0">
-              <a:solidFill>
-                <a:srgbClr val="0000FF"/>
-              </a:solidFill>
-              <a:latin typeface="Lucida Console" pitchFamily="49" charset="0"/>
-              <a:ea typeface="+mn-ea"/>
-              <a:cs typeface="+mn-cs"/>
-            </a:endParaRPr>
+              <a:rPr lang="en-US" altLang="en-US" sz="2400" dirty="0" smtClean="0"/>
+              <a:t>– after 1</a:t>
+            </a:r>
+            <a:r>
+              <a:rPr lang="en-US" altLang="en-US" sz="2400" baseline="30000" dirty="0" smtClean="0"/>
+              <a:t>st</a:t>
+            </a:r>
+            <a:r>
+              <a:rPr lang="en-US" altLang="en-US" sz="2400" dirty="0" smtClean="0"/>
+              <a:t> dispatch use actual argument types to find a proper version  to call</a:t>
+            </a:r>
+          </a:p>
+          <a:p>
+            <a:pPr marL="742950" lvl="2" indent="-342900"/>
+            <a:r>
+              <a:rPr lang="en-US" altLang="en-US" sz="2400" b="1" dirty="0" smtClean="0"/>
+              <a:t>Issue</a:t>
+            </a:r>
+            <a:r>
+              <a:rPr lang="en-US" altLang="en-US" sz="2400" dirty="0" smtClean="0"/>
+              <a:t>: </a:t>
+            </a:r>
+          </a:p>
+          <a:p>
+            <a:pPr marL="1200150" lvl="3" indent="-342900"/>
+            <a:r>
+              <a:rPr lang="en-US" altLang="en-US" sz="2400" dirty="0" smtClean="0"/>
+              <a:t>how to handle second dispatch effectively (eliminate </a:t>
+            </a:r>
+            <a:r>
+              <a:rPr lang="en-US" altLang="en-US" sz="2400" dirty="0" smtClean="0">
+                <a:latin typeface="Lucida Console" panose="020B0609040504020204" pitchFamily="49" charset="0"/>
+              </a:rPr>
+              <a:t>‘</a:t>
+            </a:r>
+            <a:r>
+              <a:rPr lang="en-US" altLang="en-US" sz="2400" dirty="0" err="1" smtClean="0">
+                <a:latin typeface="Lucida Console" panose="020B0609040504020204" pitchFamily="49" charset="0"/>
+              </a:rPr>
+              <a:t>instanceof</a:t>
+            </a:r>
+            <a:r>
+              <a:rPr lang="en-US" altLang="en-US" sz="2400" dirty="0" smtClean="0">
+                <a:latin typeface="Lucida Console" panose="020B0609040504020204" pitchFamily="49" charset="0"/>
+              </a:rPr>
+              <a:t>’</a:t>
+            </a:r>
+            <a:r>
+              <a:rPr lang="en-US" altLang="en-US" sz="2400" dirty="0" smtClean="0"/>
+              <a:t> checks)</a:t>
+            </a:r>
           </a:p>
         </p:txBody>
       </p:sp>
@@ -4370,7 +3678,7 @@
         </p:spPr>
         <p:txBody>
           <a:bodyPr vert="horz" lIns="0" tIns="45720" rIns="0" bIns="45720" rtlCol="0" anchor="ctr">
-            <a:normAutofit fontScale="92500"/>
+            <a:normAutofit/>
           </a:bodyPr>
           <a:lstStyle>
             <a:lvl1pPr algn="l" defTabSz="914400" rtl="0" eaLnBrk="1" latinLnBrk="0" hangingPunct="1">
@@ -4396,7 +3704,7 @@
                 </a:solidFill>
                 <a:latin typeface="Comic Sans MS" pitchFamily="66" charset="0"/>
               </a:rPr>
-              <a:t>Double dispatch. Multiple overriding (I)</a:t>
+              <a:t>Introduction &amp; problem statements</a:t>
             </a:r>
             <a:endParaRPr lang="en-US" sz="3400" b="1" dirty="0">
               <a:solidFill>
@@ -4410,7 +3718,7 @@
     </p:spTree>
     <p:extLst>
       <p:ext uri="{BB962C8B-B14F-4D97-AF65-F5344CB8AC3E}">
-        <p14:creationId xmlns:p14="http://schemas.microsoft.com/office/powerpoint/2010/main" val="1487307607"/>
+        <p14:creationId xmlns:p14="http://schemas.microsoft.com/office/powerpoint/2010/main" val="2213936106"/>
       </p:ext>
     </p:extLst>
   </p:cSld>
@@ -4447,6 +3755,2544 @@
           <a:chExt cx="0" cy="0"/>
         </a:xfrm>
       </p:grpSpPr>
+      <p:sp>
+        <p:nvSpPr>
+          <p:cNvPr id="2" name="Объект 1"/>
+          <p:cNvSpPr>
+            <a:spLocks noGrp="1"/>
+          </p:cNvSpPr>
+          <p:nvPr>
+            <p:ph idx="1"/>
+          </p:nvPr>
+        </p:nvSpPr>
+        <p:spPr>
+          <a:xfrm>
+            <a:off x="76201" y="685800"/>
+            <a:ext cx="8991600" cy="6035675"/>
+          </a:xfrm>
+        </p:spPr>
+        <p:txBody>
+          <a:bodyPr>
+            <a:normAutofit fontScale="92500" lnSpcReduction="10000"/>
+          </a:bodyPr>
+          <a:lstStyle/>
+          <a:p>
+            <a:r>
+              <a:rPr lang="en-US" altLang="en-US" sz="2400" dirty="0" smtClean="0"/>
+              <a:t>Covariance matches with inheritance well. Adds flexibility to  design (proper concretization in descendants)</a:t>
+            </a:r>
+          </a:p>
+          <a:p>
+            <a:pPr marL="0" indent="0">
+              <a:buNone/>
+            </a:pPr>
+            <a:r>
+              <a:rPr lang="en-US" altLang="en-US" sz="2400" b="1" dirty="0">
+                <a:solidFill>
+                  <a:srgbClr val="0000FF"/>
+                </a:solidFill>
+                <a:latin typeface="Lucida Console" pitchFamily="49" charset="0"/>
+              </a:rPr>
+              <a:t>unit</a:t>
+            </a:r>
+            <a:r>
+              <a:rPr lang="en-US" altLang="en-US" sz="2400" dirty="0">
+                <a:solidFill>
+                  <a:srgbClr val="0000FF"/>
+                </a:solidFill>
+                <a:latin typeface="Lucida Console" pitchFamily="49" charset="0"/>
+              </a:rPr>
+              <a:t> Base</a:t>
+            </a:r>
+          </a:p>
+          <a:p>
+            <a:pPr marL="0" indent="0">
+              <a:buNone/>
+            </a:pPr>
+            <a:r>
+              <a:rPr lang="en-US" altLang="en-US" sz="2400" dirty="0">
+                <a:solidFill>
+                  <a:srgbClr val="0000FF"/>
+                </a:solidFill>
+                <a:latin typeface="Lucida Console" pitchFamily="49" charset="0"/>
+              </a:rPr>
+              <a:t>   attribute: </a:t>
+            </a:r>
+            <a:r>
+              <a:rPr lang="en-US" altLang="en-US" sz="2400" b="1" dirty="0">
+                <a:solidFill>
+                  <a:srgbClr val="0000FF"/>
+                </a:solidFill>
+                <a:latin typeface="Lucida Console" pitchFamily="49" charset="0"/>
+              </a:rPr>
+              <a:t>as this</a:t>
+            </a:r>
+            <a:r>
+              <a:rPr lang="en-US" altLang="en-US" sz="2400" dirty="0">
+                <a:solidFill>
+                  <a:srgbClr val="0000FF"/>
+                </a:solidFill>
+                <a:latin typeface="Lucida Console" pitchFamily="49" charset="0"/>
+              </a:rPr>
+              <a:t> </a:t>
+            </a:r>
+            <a:r>
+              <a:rPr lang="en-US" altLang="en-US" sz="2400" dirty="0" smtClean="0">
+                <a:solidFill>
+                  <a:srgbClr val="0000FF"/>
+                </a:solidFill>
+                <a:latin typeface="Lucida Console" pitchFamily="49" charset="0"/>
+              </a:rPr>
+              <a:t>/* The type is the same </a:t>
+            </a:r>
+            <a:r>
+              <a:rPr lang="en-US" altLang="en-US" sz="2400" b="1" dirty="0" smtClean="0">
+                <a:solidFill>
+                  <a:srgbClr val="0000FF"/>
+                </a:solidFill>
+                <a:latin typeface="Lucida Console" pitchFamily="49" charset="0"/>
+              </a:rPr>
+              <a:t>as</a:t>
+            </a:r>
+            <a:r>
+              <a:rPr lang="en-US" altLang="en-US" sz="2400" dirty="0" smtClean="0">
+                <a:solidFill>
+                  <a:srgbClr val="0000FF"/>
+                </a:solidFill>
+                <a:latin typeface="Lucida Console" pitchFamily="49" charset="0"/>
+              </a:rPr>
+              <a:t> the current unit */</a:t>
+            </a:r>
+            <a:endParaRPr lang="en-US" altLang="en-US" sz="2400" dirty="0">
+              <a:solidFill>
+                <a:srgbClr val="0000FF"/>
+              </a:solidFill>
+              <a:latin typeface="Lucida Console" pitchFamily="49" charset="0"/>
+            </a:endParaRPr>
+          </a:p>
+          <a:p>
+            <a:pPr marL="0" indent="0">
+              <a:buNone/>
+            </a:pPr>
+            <a:r>
+              <a:rPr lang="en-US" altLang="en-US" sz="2400" dirty="0">
+                <a:solidFill>
+                  <a:srgbClr val="0000FF"/>
+                </a:solidFill>
+                <a:latin typeface="Lucida Console" pitchFamily="49" charset="0"/>
+              </a:rPr>
+              <a:t>   </a:t>
+            </a:r>
+            <a:r>
+              <a:rPr lang="en-US" altLang="en-US" sz="2400" dirty="0" err="1">
+                <a:solidFill>
+                  <a:srgbClr val="0000FF"/>
+                </a:solidFill>
+                <a:latin typeface="Lucida Console" pitchFamily="49" charset="0"/>
+              </a:rPr>
+              <a:t>setAttribute</a:t>
+            </a:r>
+            <a:r>
+              <a:rPr lang="en-US" altLang="en-US" sz="2400" dirty="0">
+                <a:solidFill>
+                  <a:srgbClr val="0000FF"/>
+                </a:solidFill>
+                <a:latin typeface="Lucida Console" pitchFamily="49" charset="0"/>
+              </a:rPr>
+              <a:t> (other: </a:t>
+            </a:r>
+            <a:r>
+              <a:rPr lang="en-US" altLang="en-US" sz="2400" b="1" dirty="0">
+                <a:solidFill>
+                  <a:srgbClr val="0000FF"/>
+                </a:solidFill>
+                <a:latin typeface="Lucida Console" pitchFamily="49" charset="0"/>
+              </a:rPr>
+              <a:t>as</a:t>
+            </a:r>
+            <a:r>
+              <a:rPr lang="en-US" altLang="en-US" sz="2400" dirty="0">
+                <a:solidFill>
+                  <a:srgbClr val="0000FF"/>
+                </a:solidFill>
+                <a:latin typeface="Lucida Console" pitchFamily="49" charset="0"/>
+              </a:rPr>
+              <a:t> </a:t>
+            </a:r>
+            <a:r>
+              <a:rPr lang="en-US" altLang="en-US" sz="2400" dirty="0" smtClean="0">
+                <a:solidFill>
+                  <a:srgbClr val="0000FF"/>
+                </a:solidFill>
+                <a:latin typeface="Lucida Console" pitchFamily="49" charset="0"/>
+              </a:rPr>
+              <a:t>attribute)</a:t>
+            </a:r>
+          </a:p>
+          <a:p>
+            <a:pPr marL="0" indent="0">
+              <a:buNone/>
+            </a:pPr>
+            <a:r>
+              <a:rPr lang="en-US" altLang="en-US" sz="2400" dirty="0" smtClean="0">
+                <a:solidFill>
+                  <a:srgbClr val="0000FF"/>
+                </a:solidFill>
+                <a:latin typeface="Lucida Console" pitchFamily="49" charset="0"/>
+              </a:rPr>
+              <a:t>    /* type of other is the same </a:t>
+            </a:r>
+            <a:r>
+              <a:rPr lang="en-US" altLang="en-US" sz="2400" b="1" dirty="0" smtClean="0">
+                <a:solidFill>
+                  <a:srgbClr val="0000FF"/>
+                </a:solidFill>
+                <a:latin typeface="Lucida Console" pitchFamily="49" charset="0"/>
+              </a:rPr>
+              <a:t>as</a:t>
+            </a:r>
+            <a:r>
+              <a:rPr lang="en-US" altLang="en-US" sz="2400" dirty="0" smtClean="0">
+                <a:solidFill>
+                  <a:srgbClr val="0000FF"/>
+                </a:solidFill>
+                <a:latin typeface="Lucida Console" pitchFamily="49" charset="0"/>
+              </a:rPr>
+              <a:t> type of attribute */</a:t>
+            </a:r>
+          </a:p>
+          <a:p>
+            <a:pPr marL="0" indent="0">
+              <a:buNone/>
+            </a:pPr>
+            <a:r>
+              <a:rPr lang="en-US" altLang="en-US" sz="2400" b="1" dirty="0" smtClean="0">
+                <a:solidFill>
+                  <a:srgbClr val="0000FF"/>
+                </a:solidFill>
+                <a:latin typeface="Lucida Console" pitchFamily="49" charset="0"/>
+              </a:rPr>
+              <a:t>   do </a:t>
+            </a:r>
+            <a:r>
+              <a:rPr lang="en-US" altLang="en-US" sz="2400" dirty="0" smtClean="0">
+                <a:solidFill>
+                  <a:srgbClr val="0000FF"/>
+                </a:solidFill>
+                <a:latin typeface="Lucida Console" pitchFamily="49" charset="0"/>
+              </a:rPr>
+              <a:t>attribute </a:t>
+            </a:r>
+            <a:r>
+              <a:rPr lang="en-US" altLang="en-US" sz="2400" dirty="0">
+                <a:solidFill>
+                  <a:srgbClr val="0000FF"/>
+                </a:solidFill>
+                <a:latin typeface="Lucida Console" pitchFamily="49" charset="0"/>
+              </a:rPr>
+              <a:t>:= </a:t>
+            </a:r>
+            <a:r>
+              <a:rPr lang="en-US" altLang="en-US" sz="2400" dirty="0" smtClean="0">
+                <a:solidFill>
+                  <a:srgbClr val="0000FF"/>
+                </a:solidFill>
+                <a:latin typeface="Lucida Console" pitchFamily="49" charset="0"/>
+              </a:rPr>
+              <a:t>other </a:t>
+            </a:r>
+            <a:r>
+              <a:rPr lang="en-US" altLang="en-US" sz="2400" b="1" dirty="0" smtClean="0">
+                <a:solidFill>
+                  <a:srgbClr val="0000FF"/>
+                </a:solidFill>
+                <a:latin typeface="Lucida Console" pitchFamily="49" charset="0"/>
+              </a:rPr>
+              <a:t>end</a:t>
+            </a:r>
+            <a:endParaRPr lang="en-US" altLang="en-US" sz="2400" b="1" dirty="0">
+              <a:solidFill>
+                <a:srgbClr val="0000FF"/>
+              </a:solidFill>
+              <a:latin typeface="Lucida Console" pitchFamily="49" charset="0"/>
+            </a:endParaRPr>
+          </a:p>
+          <a:p>
+            <a:pPr marL="0" indent="0">
+              <a:buNone/>
+            </a:pPr>
+            <a:r>
+              <a:rPr lang="en-US" altLang="en-US" sz="2400" b="1" dirty="0">
+                <a:solidFill>
+                  <a:srgbClr val="0000FF"/>
+                </a:solidFill>
+                <a:latin typeface="Lucida Console" pitchFamily="49" charset="0"/>
+              </a:rPr>
+              <a:t>end</a:t>
+            </a:r>
+            <a:endParaRPr lang="en-US" altLang="en-US" sz="2400" dirty="0">
+              <a:solidFill>
+                <a:srgbClr val="0000FF"/>
+              </a:solidFill>
+              <a:latin typeface="Lucida Console" pitchFamily="49" charset="0"/>
+            </a:endParaRPr>
+          </a:p>
+          <a:p>
+            <a:pPr marL="0" indent="0">
+              <a:buNone/>
+            </a:pPr>
+            <a:r>
+              <a:rPr lang="en-US" altLang="en-US" sz="2400" b="1" dirty="0">
+                <a:solidFill>
+                  <a:srgbClr val="0000FF"/>
+                </a:solidFill>
+                <a:latin typeface="Lucida Console" pitchFamily="49" charset="0"/>
+              </a:rPr>
+              <a:t>unit</a:t>
+            </a:r>
+            <a:r>
+              <a:rPr lang="en-US" altLang="en-US" sz="2400" dirty="0">
+                <a:solidFill>
+                  <a:srgbClr val="0000FF"/>
+                </a:solidFill>
+                <a:latin typeface="Lucida Console" pitchFamily="49" charset="0"/>
+              </a:rPr>
+              <a:t> Derived </a:t>
+            </a:r>
+            <a:r>
+              <a:rPr lang="en-US" altLang="en-US" sz="2400" b="1" dirty="0">
+                <a:solidFill>
+                  <a:srgbClr val="0000FF"/>
+                </a:solidFill>
+                <a:latin typeface="Lucida Console" pitchFamily="49" charset="0"/>
+              </a:rPr>
+              <a:t>extend</a:t>
+            </a:r>
+            <a:r>
+              <a:rPr lang="en-US" altLang="en-US" sz="2400" dirty="0">
+                <a:solidFill>
+                  <a:srgbClr val="0000FF"/>
+                </a:solidFill>
+                <a:latin typeface="Lucida Console" pitchFamily="49" charset="0"/>
+              </a:rPr>
+              <a:t> </a:t>
+            </a:r>
+            <a:r>
+              <a:rPr lang="en-US" altLang="en-US" sz="2400" dirty="0" smtClean="0">
+                <a:solidFill>
+                  <a:srgbClr val="0000FF"/>
+                </a:solidFill>
+                <a:latin typeface="Lucida Console" pitchFamily="49" charset="0"/>
+              </a:rPr>
+              <a:t>Base</a:t>
+            </a:r>
+          </a:p>
+          <a:p>
+            <a:pPr marL="0" indent="0">
+              <a:buNone/>
+            </a:pPr>
+            <a:r>
+              <a:rPr lang="en-US" altLang="en-US" sz="2400" dirty="0">
+                <a:solidFill>
+                  <a:srgbClr val="0000FF"/>
+                </a:solidFill>
+                <a:latin typeface="Lucida Console" pitchFamily="49" charset="0"/>
+              </a:rPr>
+              <a:t> </a:t>
+            </a:r>
+            <a:r>
+              <a:rPr lang="en-US" altLang="en-US" sz="2400" dirty="0" smtClean="0">
+                <a:solidFill>
+                  <a:srgbClr val="0000FF"/>
+                </a:solidFill>
+                <a:latin typeface="Lucida Console" pitchFamily="49" charset="0"/>
+              </a:rPr>
+              <a:t>  /* attribute and </a:t>
+            </a:r>
+            <a:r>
+              <a:rPr lang="en-US" altLang="en-US" sz="2400" dirty="0" err="1" smtClean="0">
+                <a:solidFill>
+                  <a:srgbClr val="0000FF"/>
+                </a:solidFill>
+                <a:latin typeface="Lucida Console" pitchFamily="49" charset="0"/>
+              </a:rPr>
+              <a:t>setAttribute</a:t>
+            </a:r>
+            <a:r>
+              <a:rPr lang="en-US" altLang="en-US" sz="2400" dirty="0" smtClean="0">
+                <a:solidFill>
+                  <a:srgbClr val="0000FF"/>
+                </a:solidFill>
+                <a:latin typeface="Lucida Console" pitchFamily="49" charset="0"/>
+              </a:rPr>
+              <a:t> got new signatures here – automatic </a:t>
+            </a:r>
+            <a:r>
+              <a:rPr lang="en-US" altLang="en-US" sz="2400" dirty="0" err="1" smtClean="0">
+                <a:solidFill>
+                  <a:srgbClr val="0000FF"/>
+                </a:solidFill>
+                <a:latin typeface="Lucida Console" pitchFamily="49" charset="0"/>
+              </a:rPr>
+              <a:t>redeclaration</a:t>
+            </a:r>
+            <a:r>
+              <a:rPr lang="en-US" altLang="en-US" sz="2400" dirty="0" smtClean="0">
+                <a:solidFill>
+                  <a:srgbClr val="0000FF"/>
+                </a:solidFill>
+                <a:latin typeface="Lucida Console" pitchFamily="49" charset="0"/>
+              </a:rPr>
+              <a:t> */</a:t>
+            </a:r>
+          </a:p>
+          <a:p>
+            <a:pPr marL="0" indent="0">
+              <a:buNone/>
+            </a:pPr>
+            <a:r>
+              <a:rPr lang="en-US" altLang="en-US" sz="2400" b="1" dirty="0" smtClean="0">
+                <a:solidFill>
+                  <a:srgbClr val="0000FF"/>
+                </a:solidFill>
+                <a:latin typeface="Lucida Console" pitchFamily="49" charset="0"/>
+              </a:rPr>
+              <a:t>end</a:t>
+            </a:r>
+            <a:endParaRPr lang="en-US" altLang="en-US" sz="2400" dirty="0">
+              <a:solidFill>
+                <a:srgbClr val="0000FF"/>
+              </a:solidFill>
+              <a:latin typeface="Lucida Console" pitchFamily="49" charset="0"/>
+            </a:endParaRPr>
+          </a:p>
+          <a:p>
+            <a:pPr marL="0" indent="0">
+              <a:buNone/>
+            </a:pPr>
+            <a:r>
+              <a:rPr lang="en-US" altLang="en-US" sz="2400" dirty="0">
+                <a:solidFill>
+                  <a:srgbClr val="0000FF"/>
+                </a:solidFill>
+                <a:latin typeface="Lucida Console" pitchFamily="49" charset="0"/>
+              </a:rPr>
+              <a:t>d </a:t>
+            </a:r>
+            <a:r>
+              <a:rPr lang="en-US" altLang="en-US" sz="2400" b="1" dirty="0">
+                <a:solidFill>
+                  <a:srgbClr val="0000FF"/>
+                </a:solidFill>
+                <a:latin typeface="Lucida Console" pitchFamily="49" charset="0"/>
+              </a:rPr>
+              <a:t>is new</a:t>
+            </a:r>
+            <a:r>
+              <a:rPr lang="en-US" altLang="en-US" sz="2400" dirty="0">
+                <a:solidFill>
+                  <a:srgbClr val="0000FF"/>
+                </a:solidFill>
+                <a:latin typeface="Lucida Console" pitchFamily="49" charset="0"/>
+              </a:rPr>
+              <a:t> Derived</a:t>
+            </a:r>
+          </a:p>
+          <a:p>
+            <a:pPr marL="0" indent="0">
+              <a:buNone/>
+            </a:pPr>
+            <a:r>
+              <a:rPr lang="en-US" altLang="en-US" sz="2400" dirty="0" err="1">
+                <a:solidFill>
+                  <a:srgbClr val="0000FF"/>
+                </a:solidFill>
+                <a:latin typeface="Lucida Console" pitchFamily="49" charset="0"/>
+              </a:rPr>
+              <a:t>d.setAttribute</a:t>
+            </a:r>
+            <a:r>
+              <a:rPr lang="en-US" altLang="en-US" sz="2400" dirty="0">
+                <a:solidFill>
+                  <a:srgbClr val="0000FF"/>
+                </a:solidFill>
+                <a:latin typeface="Lucida Console" pitchFamily="49" charset="0"/>
+              </a:rPr>
+              <a:t> (d</a:t>
+            </a:r>
+            <a:r>
+              <a:rPr lang="en-US" altLang="en-US" sz="2400" dirty="0" smtClean="0">
+                <a:solidFill>
+                  <a:srgbClr val="0000FF"/>
+                </a:solidFill>
+                <a:latin typeface="Lucida Console" pitchFamily="49" charset="0"/>
+              </a:rPr>
+              <a:t>) // </a:t>
+            </a:r>
+            <a:r>
+              <a:rPr lang="en-US" altLang="en-US" sz="2400" dirty="0" err="1" smtClean="0">
+                <a:solidFill>
+                  <a:srgbClr val="0000FF"/>
+                </a:solidFill>
+                <a:latin typeface="Lucida Console" pitchFamily="49" charset="0"/>
+              </a:rPr>
+              <a:t>setAttribute</a:t>
+            </a:r>
+            <a:r>
+              <a:rPr lang="en-US" altLang="en-US" sz="2400" dirty="0" smtClean="0">
+                <a:solidFill>
+                  <a:srgbClr val="0000FF"/>
+                </a:solidFill>
+                <a:latin typeface="Lucida Console" pitchFamily="49" charset="0"/>
+              </a:rPr>
+              <a:t> (Derived)</a:t>
+            </a:r>
+          </a:p>
+          <a:p>
+            <a:pPr marL="0" indent="0">
+              <a:buNone/>
+            </a:pPr>
+            <a:r>
+              <a:rPr lang="en-US" altLang="en-US" sz="2400" dirty="0" smtClean="0">
+                <a:solidFill>
+                  <a:srgbClr val="0000FF"/>
+                </a:solidFill>
+                <a:latin typeface="Lucida Console" pitchFamily="49" charset="0"/>
+              </a:rPr>
+              <a:t>a: Derived := </a:t>
+            </a:r>
+            <a:r>
+              <a:rPr lang="en-US" altLang="en-US" sz="2400" dirty="0" err="1" smtClean="0">
+                <a:solidFill>
+                  <a:srgbClr val="0000FF"/>
+                </a:solidFill>
+                <a:latin typeface="Lucida Console" pitchFamily="49" charset="0"/>
+              </a:rPr>
+              <a:t>d.attribute</a:t>
+            </a:r>
+            <a:r>
+              <a:rPr lang="en-US" altLang="en-US" sz="2400" dirty="0" smtClean="0">
+                <a:solidFill>
+                  <a:srgbClr val="0000FF"/>
+                </a:solidFill>
+                <a:latin typeface="Lucida Console" pitchFamily="49" charset="0"/>
+              </a:rPr>
+              <a:t> // </a:t>
+            </a:r>
+            <a:r>
+              <a:rPr lang="en-US" altLang="en-US" sz="2400" dirty="0" err="1" smtClean="0">
+                <a:solidFill>
+                  <a:srgbClr val="0000FF"/>
+                </a:solidFill>
+                <a:latin typeface="Lucida Console" pitchFamily="49" charset="0"/>
+              </a:rPr>
+              <a:t>d.attribute</a:t>
+            </a:r>
+            <a:r>
+              <a:rPr lang="en-US" altLang="en-US" sz="2400" dirty="0" smtClean="0">
+                <a:solidFill>
+                  <a:srgbClr val="0000FF"/>
+                </a:solidFill>
+                <a:latin typeface="Lucida Console" pitchFamily="49" charset="0"/>
+              </a:rPr>
+              <a:t>: Derived</a:t>
+            </a:r>
+            <a:endParaRPr lang="en-US" altLang="en-US" sz="2400" dirty="0">
+              <a:solidFill>
+                <a:srgbClr val="0000FF"/>
+              </a:solidFill>
+              <a:latin typeface="Lucida Console" pitchFamily="49" charset="0"/>
+            </a:endParaRPr>
+          </a:p>
+          <a:p>
+            <a:pPr marL="0" indent="0">
+              <a:buNone/>
+            </a:pPr>
+            <a:endParaRPr lang="en-US" altLang="en-US" sz="2400" dirty="0" smtClean="0"/>
+          </a:p>
+        </p:txBody>
+      </p:sp>
+      <p:sp>
+        <p:nvSpPr>
+          <p:cNvPr id="4" name="Номер слайда 1"/>
+          <p:cNvSpPr txBox="1">
+            <a:spLocks/>
+          </p:cNvSpPr>
+          <p:nvPr/>
+        </p:nvSpPr>
+        <p:spPr>
+          <a:xfrm>
+            <a:off x="8153400" y="6356350"/>
+            <a:ext cx="533400" cy="365125"/>
+          </a:xfrm>
+          <a:prstGeom prst="rect">
+            <a:avLst/>
+          </a:prstGeom>
+        </p:spPr>
+        <p:txBody>
+          <a:bodyPr/>
+          <a:lstStyle>
+            <a:defPPr>
+              <a:defRPr lang="en-US"/>
+            </a:defPPr>
+            <a:lvl1pPr marL="0" algn="l" defTabSz="914400" rtl="0" eaLnBrk="1" latinLnBrk="0" hangingPunct="1">
+              <a:defRPr sz="1800" kern="1200">
+                <a:solidFill>
+                  <a:schemeClr val="tx1"/>
+                </a:solidFill>
+                <a:latin typeface="+mn-lt"/>
+                <a:ea typeface="+mn-ea"/>
+                <a:cs typeface="+mn-cs"/>
+              </a:defRPr>
+            </a:lvl1pPr>
+            <a:lvl2pPr marL="457200" algn="l" defTabSz="914400" rtl="0" eaLnBrk="1" latinLnBrk="0" hangingPunct="1">
+              <a:defRPr sz="1800" kern="1200">
+                <a:solidFill>
+                  <a:schemeClr val="tx1"/>
+                </a:solidFill>
+                <a:latin typeface="+mn-lt"/>
+                <a:ea typeface="+mn-ea"/>
+                <a:cs typeface="+mn-cs"/>
+              </a:defRPr>
+            </a:lvl2pPr>
+            <a:lvl3pPr marL="914400" algn="l" defTabSz="914400" rtl="0" eaLnBrk="1" latinLnBrk="0" hangingPunct="1">
+              <a:defRPr sz="1800" kern="1200">
+                <a:solidFill>
+                  <a:schemeClr val="tx1"/>
+                </a:solidFill>
+                <a:latin typeface="+mn-lt"/>
+                <a:ea typeface="+mn-ea"/>
+                <a:cs typeface="+mn-cs"/>
+              </a:defRPr>
+            </a:lvl3pPr>
+            <a:lvl4pPr marL="1371600" algn="l" defTabSz="914400" rtl="0" eaLnBrk="1" latinLnBrk="0" hangingPunct="1">
+              <a:defRPr sz="1800" kern="1200">
+                <a:solidFill>
+                  <a:schemeClr val="tx1"/>
+                </a:solidFill>
+                <a:latin typeface="+mn-lt"/>
+                <a:ea typeface="+mn-ea"/>
+                <a:cs typeface="+mn-cs"/>
+              </a:defRPr>
+            </a:lvl4pPr>
+            <a:lvl5pPr marL="1828800" algn="l" defTabSz="914400" rtl="0" eaLnBrk="1" latinLnBrk="0" hangingPunct="1">
+              <a:defRPr sz="1800" kern="1200">
+                <a:solidFill>
+                  <a:schemeClr val="tx1"/>
+                </a:solidFill>
+                <a:latin typeface="+mn-lt"/>
+                <a:ea typeface="+mn-ea"/>
+                <a:cs typeface="+mn-cs"/>
+              </a:defRPr>
+            </a:lvl5pPr>
+            <a:lvl6pPr marL="2286000" algn="l" defTabSz="914400" rtl="0" eaLnBrk="1" latinLnBrk="0" hangingPunct="1">
+              <a:defRPr sz="1800" kern="1200">
+                <a:solidFill>
+                  <a:schemeClr val="tx1"/>
+                </a:solidFill>
+                <a:latin typeface="+mn-lt"/>
+                <a:ea typeface="+mn-ea"/>
+                <a:cs typeface="+mn-cs"/>
+              </a:defRPr>
+            </a:lvl6pPr>
+            <a:lvl7pPr marL="2743200" algn="l" defTabSz="914400" rtl="0" eaLnBrk="1" latinLnBrk="0" hangingPunct="1">
+              <a:defRPr sz="1800" kern="1200">
+                <a:solidFill>
+                  <a:schemeClr val="tx1"/>
+                </a:solidFill>
+                <a:latin typeface="+mn-lt"/>
+                <a:ea typeface="+mn-ea"/>
+                <a:cs typeface="+mn-cs"/>
+              </a:defRPr>
+            </a:lvl7pPr>
+            <a:lvl8pPr marL="3200400" algn="l" defTabSz="914400" rtl="0" eaLnBrk="1" latinLnBrk="0" hangingPunct="1">
+              <a:defRPr sz="1800" kern="1200">
+                <a:solidFill>
+                  <a:schemeClr val="tx1"/>
+                </a:solidFill>
+                <a:latin typeface="+mn-lt"/>
+                <a:ea typeface="+mn-ea"/>
+                <a:cs typeface="+mn-cs"/>
+              </a:defRPr>
+            </a:lvl8pPr>
+            <a:lvl9pPr marL="3657600" algn="l" defTabSz="914400" rtl="0" eaLnBrk="1" latinLnBrk="0" hangingPunct="1">
+              <a:defRPr sz="1800" kern="1200">
+                <a:solidFill>
+                  <a:schemeClr val="tx1"/>
+                </a:solidFill>
+                <a:latin typeface="+mn-lt"/>
+                <a:ea typeface="+mn-ea"/>
+                <a:cs typeface="+mn-cs"/>
+              </a:defRPr>
+            </a:lvl9pPr>
+          </a:lstStyle>
+          <a:p>
+            <a:fld id="{6278F348-CCBC-472B-BC3F-23EBF19EE4D4}" type="slidenum">
+              <a:rPr lang="en-US" smtClean="0"/>
+              <a:pPr/>
+              <a:t>3</a:t>
+            </a:fld>
+            <a:endParaRPr lang="en-US" dirty="0"/>
+          </a:p>
+        </p:txBody>
+      </p:sp>
+      <p:sp>
+        <p:nvSpPr>
+          <p:cNvPr id="6" name="Title 1"/>
+          <p:cNvSpPr txBox="1">
+            <a:spLocks/>
+          </p:cNvSpPr>
+          <p:nvPr/>
+        </p:nvSpPr>
+        <p:spPr>
+          <a:xfrm>
+            <a:off x="685800" y="5862"/>
+            <a:ext cx="8229600" cy="657225"/>
+          </a:xfrm>
+          <a:prstGeom prst="rect">
+            <a:avLst/>
+          </a:prstGeom>
+        </p:spPr>
+        <p:txBody>
+          <a:bodyPr vert="horz" lIns="0" tIns="45720" rIns="0" bIns="45720" rtlCol="0" anchor="ctr">
+            <a:normAutofit/>
+          </a:bodyPr>
+          <a:lstStyle>
+            <a:lvl1pPr algn="l" defTabSz="914400" rtl="0" eaLnBrk="1" latinLnBrk="0" hangingPunct="1">
+              <a:spcBef>
+                <a:spcPct val="0"/>
+              </a:spcBef>
+              <a:buNone/>
+              <a:defRPr kumimoji="1" lang="ko-KR" altLang="en-US" sz="3000" kern="1200" baseline="0" dirty="0">
+                <a:solidFill>
+                  <a:schemeClr val="bg1"/>
+                </a:solidFill>
+                <a:latin typeface="Arial" panose="020B0604020202020204" pitchFamily="34" charset="0"/>
+                <a:ea typeface="Arial Unicode MS" panose="020B0604020202020204" pitchFamily="34" charset="-128"/>
+                <a:cs typeface="+mn-cs"/>
+              </a:defRPr>
+            </a:lvl1pPr>
+          </a:lstStyle>
+          <a:p>
+            <a:r>
+              <a:rPr lang="en-US" sz="3400" b="1" dirty="0" smtClean="0">
+                <a:solidFill>
+                  <a:srgbClr val="CC6600"/>
+                </a:solidFill>
+                <a:latin typeface="Comic Sans MS" pitchFamily="66" charset="0"/>
+              </a:rPr>
+              <a:t>Practical application (I)</a:t>
+            </a:r>
+            <a:endParaRPr lang="en-US" sz="3400" b="1" dirty="0">
+              <a:solidFill>
+                <a:srgbClr val="CC6600"/>
+              </a:solidFill>
+              <a:latin typeface="Comic Sans MS" pitchFamily="66" charset="0"/>
+            </a:endParaRPr>
+          </a:p>
+        </p:txBody>
+      </p:sp>
+    </p:spTree>
+    <p:extLst>
+      <p:ext uri="{BB962C8B-B14F-4D97-AF65-F5344CB8AC3E}">
+        <p14:creationId xmlns:p14="http://schemas.microsoft.com/office/powerpoint/2010/main" val="552089779"/>
+      </p:ext>
+    </p:extLst>
+  </p:cSld>
+  <p:clrMapOvr>
+    <a:masterClrMapping/>
+  </p:clrMapOvr>
+  <p:transition>
+    <p:fade/>
+  </p:transition>
+  <p:timing>
+    <p:tnLst>
+      <p:par>
+        <p:cTn id="1" dur="indefinite" restart="never" nodeType="tmRoot"/>
+      </p:par>
+    </p:tnLst>
+  </p:timing>
+</p:sld>
+</file>
+
+<file path=ppt/slides/slide4.xml><?xml version="1.0" encoding="utf-8"?>
+<p:sld xmlns:a="http://schemas.openxmlformats.org/drawingml/2006/main" xmlns:r="http://schemas.openxmlformats.org/officeDocument/2006/relationships" xmlns:p="http://schemas.openxmlformats.org/presentationml/2006/main">
+  <p:cSld>
+    <p:spTree>
+      <p:nvGrpSpPr>
+        <p:cNvPr id="1" name=""/>
+        <p:cNvGrpSpPr/>
+        <p:nvPr/>
+      </p:nvGrpSpPr>
+      <p:grpSpPr>
+        <a:xfrm>
+          <a:off x="0" y="0"/>
+          <a:ext cx="0" cy="0"/>
+          <a:chOff x="0" y="0"/>
+          <a:chExt cx="0" cy="0"/>
+        </a:xfrm>
+      </p:grpSpPr>
+      <p:sp>
+        <p:nvSpPr>
+          <p:cNvPr id="2" name="Объект 1"/>
+          <p:cNvSpPr>
+            <a:spLocks noGrp="1"/>
+          </p:cNvSpPr>
+          <p:nvPr>
+            <p:ph idx="1"/>
+          </p:nvPr>
+        </p:nvSpPr>
+        <p:spPr>
+          <a:xfrm>
+            <a:off x="76201" y="685800"/>
+            <a:ext cx="8991600" cy="6035675"/>
+          </a:xfrm>
+        </p:spPr>
+        <p:txBody>
+          <a:bodyPr>
+            <a:normAutofit/>
+          </a:bodyPr>
+          <a:lstStyle/>
+          <a:p>
+            <a:r>
+              <a:rPr lang="en-US" altLang="en-US" sz="2400" dirty="0"/>
+              <a:t>Double (multiple) dispatch adds flexibility to design, handles corner cases (proper in-place concretization)</a:t>
+            </a:r>
+          </a:p>
+          <a:p>
+            <a:pPr marL="0" indent="0">
+              <a:buNone/>
+            </a:pPr>
+            <a:endParaRPr lang="en-US" altLang="en-US" sz="2400" dirty="0" smtClean="0">
+              <a:solidFill>
+                <a:srgbClr val="0000FF"/>
+              </a:solidFill>
+              <a:latin typeface="Lucida Console" pitchFamily="49" charset="0"/>
+            </a:endParaRPr>
+          </a:p>
+          <a:p>
+            <a:pPr marL="0" indent="0">
+              <a:buNone/>
+            </a:pPr>
+            <a:r>
+              <a:rPr lang="en-US" altLang="en-US" sz="2400" dirty="0" smtClean="0">
+                <a:solidFill>
+                  <a:srgbClr val="0000FF"/>
+                </a:solidFill>
+                <a:latin typeface="Lucida Console" pitchFamily="49" charset="0"/>
+              </a:rPr>
+              <a:t> foo (p: T1) </a:t>
+            </a:r>
+            <a:r>
+              <a:rPr lang="en-US" altLang="en-US" sz="2400" b="1" dirty="0" smtClean="0">
+                <a:solidFill>
+                  <a:srgbClr val="0000FF"/>
+                </a:solidFill>
+                <a:latin typeface="Lucida Console" pitchFamily="49" charset="0"/>
+              </a:rPr>
+              <a:t>do</a:t>
+            </a:r>
+            <a:r>
+              <a:rPr lang="en-US" altLang="en-US" sz="2400" dirty="0" smtClean="0">
+                <a:solidFill>
+                  <a:srgbClr val="0000FF"/>
+                </a:solidFill>
+                <a:latin typeface="Lucida Console" pitchFamily="49" charset="0"/>
+              </a:rPr>
+              <a:t> … </a:t>
+            </a:r>
+            <a:r>
+              <a:rPr lang="en-US" altLang="en-US" sz="2400" b="1" dirty="0" smtClean="0">
+                <a:solidFill>
+                  <a:srgbClr val="0000FF"/>
+                </a:solidFill>
+                <a:latin typeface="Lucida Console" pitchFamily="49" charset="0"/>
+              </a:rPr>
+              <a:t>end</a:t>
+            </a:r>
+          </a:p>
+          <a:p>
+            <a:pPr marL="0" indent="0">
+              <a:buNone/>
+            </a:pPr>
+            <a:r>
+              <a:rPr lang="en-US" altLang="en-US" sz="2400" dirty="0">
+                <a:solidFill>
+                  <a:srgbClr val="0000FF"/>
+                </a:solidFill>
+                <a:latin typeface="Lucida Console" pitchFamily="49" charset="0"/>
+              </a:rPr>
+              <a:t> foo (p: </a:t>
+            </a:r>
+            <a:r>
+              <a:rPr lang="en-US" altLang="en-US" sz="2400" dirty="0" smtClean="0">
+                <a:solidFill>
+                  <a:srgbClr val="0000FF"/>
+                </a:solidFill>
+                <a:latin typeface="Lucida Console" pitchFamily="49" charset="0"/>
+              </a:rPr>
+              <a:t>T2) </a:t>
+            </a:r>
+            <a:r>
+              <a:rPr lang="en-US" altLang="en-US" sz="2400" b="1" dirty="0">
+                <a:solidFill>
+                  <a:srgbClr val="0000FF"/>
+                </a:solidFill>
+                <a:latin typeface="Lucida Console" pitchFamily="49" charset="0"/>
+              </a:rPr>
+              <a:t>do</a:t>
+            </a:r>
+            <a:r>
+              <a:rPr lang="en-US" altLang="en-US" sz="2400" dirty="0">
+                <a:solidFill>
+                  <a:srgbClr val="0000FF"/>
+                </a:solidFill>
+                <a:latin typeface="Lucida Console" pitchFamily="49" charset="0"/>
+              </a:rPr>
+              <a:t> … </a:t>
+            </a:r>
+            <a:r>
+              <a:rPr lang="en-US" altLang="en-US" sz="2400" b="1" dirty="0">
+                <a:solidFill>
+                  <a:srgbClr val="0000FF"/>
+                </a:solidFill>
+                <a:latin typeface="Lucida Console" pitchFamily="49" charset="0"/>
+              </a:rPr>
+              <a:t>end</a:t>
+            </a:r>
+          </a:p>
+          <a:p>
+            <a:pPr marL="0" indent="0">
+              <a:buNone/>
+            </a:pPr>
+            <a:r>
+              <a:rPr lang="en-US" altLang="en-US" sz="2400" b="1" dirty="0" smtClean="0">
+                <a:solidFill>
+                  <a:srgbClr val="0000FF"/>
+                </a:solidFill>
+                <a:latin typeface="Lucida Console" pitchFamily="49" charset="0"/>
+              </a:rPr>
+              <a:t> </a:t>
+            </a:r>
+          </a:p>
+          <a:p>
+            <a:pPr marL="0" indent="0">
+              <a:buNone/>
+            </a:pPr>
+            <a:r>
+              <a:rPr lang="en-US" altLang="en-US" sz="2400" dirty="0" smtClean="0">
+                <a:solidFill>
+                  <a:srgbClr val="0000FF"/>
+                </a:solidFill>
+                <a:latin typeface="Lucida Console" pitchFamily="49" charset="0"/>
+              </a:rPr>
+              <a:t> bar() : T1 | T2 </a:t>
+            </a:r>
+            <a:r>
+              <a:rPr lang="en-US" altLang="en-US" sz="2400" b="1" dirty="0" smtClean="0">
+                <a:solidFill>
+                  <a:srgbClr val="0000FF"/>
+                </a:solidFill>
+                <a:latin typeface="Lucida Console" pitchFamily="49" charset="0"/>
+              </a:rPr>
+              <a:t>do</a:t>
+            </a:r>
+            <a:r>
+              <a:rPr lang="en-US" altLang="en-US" sz="2400" dirty="0" smtClean="0">
+                <a:solidFill>
+                  <a:srgbClr val="0000FF"/>
+                </a:solidFill>
+                <a:latin typeface="Lucida Console" pitchFamily="49" charset="0"/>
+              </a:rPr>
+              <a:t> </a:t>
+            </a:r>
+            <a:r>
+              <a:rPr lang="en-US" altLang="en-US" sz="2400" dirty="0">
+                <a:solidFill>
+                  <a:srgbClr val="0000FF"/>
+                </a:solidFill>
+                <a:latin typeface="Lucida Console" pitchFamily="49" charset="0"/>
+              </a:rPr>
+              <a:t>… </a:t>
+            </a:r>
+            <a:r>
+              <a:rPr lang="en-US" altLang="en-US" sz="2400" b="1" dirty="0">
+                <a:solidFill>
+                  <a:srgbClr val="0000FF"/>
+                </a:solidFill>
+                <a:latin typeface="Lucida Console" pitchFamily="49" charset="0"/>
+              </a:rPr>
+              <a:t>end</a:t>
+            </a:r>
+          </a:p>
+          <a:p>
+            <a:pPr marL="0" indent="0">
+              <a:buNone/>
+            </a:pPr>
+            <a:endParaRPr lang="en-US" altLang="en-US" sz="2400" dirty="0" smtClean="0">
+              <a:solidFill>
+                <a:srgbClr val="0000FF"/>
+              </a:solidFill>
+              <a:latin typeface="Lucida Console" pitchFamily="49" charset="0"/>
+            </a:endParaRPr>
+          </a:p>
+          <a:p>
+            <a:pPr marL="0" indent="0">
+              <a:buNone/>
+            </a:pPr>
+            <a:r>
+              <a:rPr lang="en-US" altLang="en-US" sz="2400" dirty="0" smtClean="0">
+                <a:solidFill>
+                  <a:srgbClr val="0000FF"/>
+                </a:solidFill>
+                <a:latin typeface="Lucida Console" pitchFamily="49" charset="0"/>
+              </a:rPr>
+              <a:t> </a:t>
+            </a:r>
+            <a:r>
+              <a:rPr lang="en-US" altLang="en-US" sz="2400" dirty="0">
+                <a:solidFill>
+                  <a:srgbClr val="0000FF"/>
+                </a:solidFill>
+                <a:latin typeface="Lucida Console" pitchFamily="49" charset="0"/>
+              </a:rPr>
+              <a:t>foo </a:t>
+            </a:r>
+            <a:r>
+              <a:rPr lang="en-US" altLang="en-US" sz="2400" dirty="0" smtClean="0">
+                <a:solidFill>
+                  <a:srgbClr val="0000FF"/>
+                </a:solidFill>
+                <a:latin typeface="Lucida Console" pitchFamily="49" charset="0"/>
+              </a:rPr>
+              <a:t>(bar ()) /* Depending on what actually call to ‘bar’ returns one or the other version of ‘foo’ is to be called */</a:t>
+            </a:r>
+            <a:endParaRPr lang="en-US" altLang="en-US" sz="2400" dirty="0" smtClean="0"/>
+          </a:p>
+        </p:txBody>
+      </p:sp>
+      <p:sp>
+        <p:nvSpPr>
+          <p:cNvPr id="4" name="Номер слайда 1"/>
+          <p:cNvSpPr txBox="1">
+            <a:spLocks/>
+          </p:cNvSpPr>
+          <p:nvPr/>
+        </p:nvSpPr>
+        <p:spPr>
+          <a:xfrm>
+            <a:off x="8153400" y="6356350"/>
+            <a:ext cx="533400" cy="365125"/>
+          </a:xfrm>
+          <a:prstGeom prst="rect">
+            <a:avLst/>
+          </a:prstGeom>
+        </p:spPr>
+        <p:txBody>
+          <a:bodyPr/>
+          <a:lstStyle>
+            <a:defPPr>
+              <a:defRPr lang="en-US"/>
+            </a:defPPr>
+            <a:lvl1pPr marL="0" algn="l" defTabSz="914400" rtl="0" eaLnBrk="1" latinLnBrk="0" hangingPunct="1">
+              <a:defRPr sz="1800" kern="1200">
+                <a:solidFill>
+                  <a:schemeClr val="tx1"/>
+                </a:solidFill>
+                <a:latin typeface="+mn-lt"/>
+                <a:ea typeface="+mn-ea"/>
+                <a:cs typeface="+mn-cs"/>
+              </a:defRPr>
+            </a:lvl1pPr>
+            <a:lvl2pPr marL="457200" algn="l" defTabSz="914400" rtl="0" eaLnBrk="1" latinLnBrk="0" hangingPunct="1">
+              <a:defRPr sz="1800" kern="1200">
+                <a:solidFill>
+                  <a:schemeClr val="tx1"/>
+                </a:solidFill>
+                <a:latin typeface="+mn-lt"/>
+                <a:ea typeface="+mn-ea"/>
+                <a:cs typeface="+mn-cs"/>
+              </a:defRPr>
+            </a:lvl2pPr>
+            <a:lvl3pPr marL="914400" algn="l" defTabSz="914400" rtl="0" eaLnBrk="1" latinLnBrk="0" hangingPunct="1">
+              <a:defRPr sz="1800" kern="1200">
+                <a:solidFill>
+                  <a:schemeClr val="tx1"/>
+                </a:solidFill>
+                <a:latin typeface="+mn-lt"/>
+                <a:ea typeface="+mn-ea"/>
+                <a:cs typeface="+mn-cs"/>
+              </a:defRPr>
+            </a:lvl3pPr>
+            <a:lvl4pPr marL="1371600" algn="l" defTabSz="914400" rtl="0" eaLnBrk="1" latinLnBrk="0" hangingPunct="1">
+              <a:defRPr sz="1800" kern="1200">
+                <a:solidFill>
+                  <a:schemeClr val="tx1"/>
+                </a:solidFill>
+                <a:latin typeface="+mn-lt"/>
+                <a:ea typeface="+mn-ea"/>
+                <a:cs typeface="+mn-cs"/>
+              </a:defRPr>
+            </a:lvl4pPr>
+            <a:lvl5pPr marL="1828800" algn="l" defTabSz="914400" rtl="0" eaLnBrk="1" latinLnBrk="0" hangingPunct="1">
+              <a:defRPr sz="1800" kern="1200">
+                <a:solidFill>
+                  <a:schemeClr val="tx1"/>
+                </a:solidFill>
+                <a:latin typeface="+mn-lt"/>
+                <a:ea typeface="+mn-ea"/>
+                <a:cs typeface="+mn-cs"/>
+              </a:defRPr>
+            </a:lvl5pPr>
+            <a:lvl6pPr marL="2286000" algn="l" defTabSz="914400" rtl="0" eaLnBrk="1" latinLnBrk="0" hangingPunct="1">
+              <a:defRPr sz="1800" kern="1200">
+                <a:solidFill>
+                  <a:schemeClr val="tx1"/>
+                </a:solidFill>
+                <a:latin typeface="+mn-lt"/>
+                <a:ea typeface="+mn-ea"/>
+                <a:cs typeface="+mn-cs"/>
+              </a:defRPr>
+            </a:lvl6pPr>
+            <a:lvl7pPr marL="2743200" algn="l" defTabSz="914400" rtl="0" eaLnBrk="1" latinLnBrk="0" hangingPunct="1">
+              <a:defRPr sz="1800" kern="1200">
+                <a:solidFill>
+                  <a:schemeClr val="tx1"/>
+                </a:solidFill>
+                <a:latin typeface="+mn-lt"/>
+                <a:ea typeface="+mn-ea"/>
+                <a:cs typeface="+mn-cs"/>
+              </a:defRPr>
+            </a:lvl7pPr>
+            <a:lvl8pPr marL="3200400" algn="l" defTabSz="914400" rtl="0" eaLnBrk="1" latinLnBrk="0" hangingPunct="1">
+              <a:defRPr sz="1800" kern="1200">
+                <a:solidFill>
+                  <a:schemeClr val="tx1"/>
+                </a:solidFill>
+                <a:latin typeface="+mn-lt"/>
+                <a:ea typeface="+mn-ea"/>
+                <a:cs typeface="+mn-cs"/>
+              </a:defRPr>
+            </a:lvl8pPr>
+            <a:lvl9pPr marL="3657600" algn="l" defTabSz="914400" rtl="0" eaLnBrk="1" latinLnBrk="0" hangingPunct="1">
+              <a:defRPr sz="1800" kern="1200">
+                <a:solidFill>
+                  <a:schemeClr val="tx1"/>
+                </a:solidFill>
+                <a:latin typeface="+mn-lt"/>
+                <a:ea typeface="+mn-ea"/>
+                <a:cs typeface="+mn-cs"/>
+              </a:defRPr>
+            </a:lvl9pPr>
+          </a:lstStyle>
+          <a:p>
+            <a:fld id="{6278F348-CCBC-472B-BC3F-23EBF19EE4D4}" type="slidenum">
+              <a:rPr lang="en-US" smtClean="0"/>
+              <a:pPr/>
+              <a:t>4</a:t>
+            </a:fld>
+            <a:endParaRPr lang="en-US" dirty="0"/>
+          </a:p>
+        </p:txBody>
+      </p:sp>
+      <p:sp>
+        <p:nvSpPr>
+          <p:cNvPr id="6" name="Title 1"/>
+          <p:cNvSpPr txBox="1">
+            <a:spLocks/>
+          </p:cNvSpPr>
+          <p:nvPr/>
+        </p:nvSpPr>
+        <p:spPr>
+          <a:xfrm>
+            <a:off x="685800" y="5862"/>
+            <a:ext cx="8229600" cy="657225"/>
+          </a:xfrm>
+          <a:prstGeom prst="rect">
+            <a:avLst/>
+          </a:prstGeom>
+        </p:spPr>
+        <p:txBody>
+          <a:bodyPr vert="horz" lIns="0" tIns="45720" rIns="0" bIns="45720" rtlCol="0" anchor="ctr">
+            <a:normAutofit/>
+          </a:bodyPr>
+          <a:lstStyle>
+            <a:lvl1pPr algn="l" defTabSz="914400" rtl="0" eaLnBrk="1" latinLnBrk="0" hangingPunct="1">
+              <a:spcBef>
+                <a:spcPct val="0"/>
+              </a:spcBef>
+              <a:buNone/>
+              <a:defRPr kumimoji="1" lang="ko-KR" altLang="en-US" sz="3000" kern="1200" baseline="0" dirty="0">
+                <a:solidFill>
+                  <a:schemeClr val="bg1"/>
+                </a:solidFill>
+                <a:latin typeface="Arial" panose="020B0604020202020204" pitchFamily="34" charset="0"/>
+                <a:ea typeface="Arial Unicode MS" panose="020B0604020202020204" pitchFamily="34" charset="-128"/>
+                <a:cs typeface="+mn-cs"/>
+              </a:defRPr>
+            </a:lvl1pPr>
+          </a:lstStyle>
+          <a:p>
+            <a:r>
+              <a:rPr lang="en-US" sz="3400" b="1" dirty="0" smtClean="0">
+                <a:solidFill>
+                  <a:srgbClr val="CC6600"/>
+                </a:solidFill>
+                <a:latin typeface="Comic Sans MS" pitchFamily="66" charset="0"/>
+              </a:rPr>
+              <a:t>Practical application (II)</a:t>
+            </a:r>
+            <a:endParaRPr lang="en-US" sz="3400" b="1" dirty="0">
+              <a:solidFill>
+                <a:srgbClr val="CC6600"/>
+              </a:solidFill>
+              <a:latin typeface="Comic Sans MS" pitchFamily="66" charset="0"/>
+            </a:endParaRPr>
+          </a:p>
+        </p:txBody>
+      </p:sp>
+    </p:spTree>
+    <p:extLst>
+      <p:ext uri="{BB962C8B-B14F-4D97-AF65-F5344CB8AC3E}">
+        <p14:creationId xmlns:p14="http://schemas.microsoft.com/office/powerpoint/2010/main" val="3101144417"/>
+      </p:ext>
+    </p:extLst>
+  </p:cSld>
+  <p:clrMapOvr>
+    <a:masterClrMapping/>
+  </p:clrMapOvr>
+  <p:transition>
+    <p:fade/>
+  </p:transition>
+  <p:timing>
+    <p:tnLst>
+      <p:par>
+        <p:cTn id="1" dur="indefinite" restart="never" nodeType="tmRoot"/>
+      </p:par>
+    </p:tnLst>
+  </p:timing>
+</p:sld>
+</file>
+
+<file path=ppt/slides/slide5.xml><?xml version="1.0" encoding="utf-8"?>
+<p:sld xmlns:a="http://schemas.openxmlformats.org/drawingml/2006/main" xmlns:r="http://schemas.openxmlformats.org/officeDocument/2006/relationships" xmlns:p="http://schemas.openxmlformats.org/presentationml/2006/main">
+  <p:cSld>
+    <p:spTree>
+      <p:nvGrpSpPr>
+        <p:cNvPr id="1" name=""/>
+        <p:cNvGrpSpPr/>
+        <p:nvPr/>
+      </p:nvGrpSpPr>
+      <p:grpSpPr>
+        <a:xfrm>
+          <a:off x="0" y="0"/>
+          <a:ext cx="0" cy="0"/>
+          <a:chOff x="0" y="0"/>
+          <a:chExt cx="0" cy="0"/>
+        </a:xfrm>
+      </p:grpSpPr>
+      <p:sp>
+        <p:nvSpPr>
+          <p:cNvPr id="2" name="Объект 1"/>
+          <p:cNvSpPr>
+            <a:spLocks noGrp="1"/>
+          </p:cNvSpPr>
+          <p:nvPr>
+            <p:ph idx="1"/>
+          </p:nvPr>
+        </p:nvSpPr>
+        <p:spPr>
+          <a:xfrm>
+            <a:off x="70992" y="620688"/>
+            <a:ext cx="9073008" cy="6035675"/>
+          </a:xfrm>
+        </p:spPr>
+        <p:txBody>
+          <a:bodyPr>
+            <a:normAutofit/>
+          </a:bodyPr>
+          <a:lstStyle/>
+          <a:p>
+            <a:pPr marL="0" indent="0">
+              <a:buNone/>
+            </a:pPr>
+            <a:r>
+              <a:rPr lang="en-US" altLang="en-US" sz="1800" dirty="0">
+                <a:solidFill>
+                  <a:srgbClr val="0000FF"/>
+                </a:solidFill>
+                <a:latin typeface="Lucida Console" pitchFamily="49" charset="0"/>
+                <a:ea typeface="+mn-ea"/>
+                <a:cs typeface="+mn-cs"/>
+              </a:rPr>
+              <a:t>// Source #</a:t>
+            </a:r>
+            <a:r>
+              <a:rPr lang="en-US" altLang="en-US" sz="1800" dirty="0" smtClean="0">
+                <a:solidFill>
+                  <a:srgbClr val="0000FF"/>
+                </a:solidFill>
+                <a:latin typeface="Lucida Console" pitchFamily="49" charset="0"/>
+                <a:ea typeface="+mn-ea"/>
+                <a:cs typeface="+mn-cs"/>
+              </a:rPr>
+              <a:t>1: Geometrical figure abstraction with one method</a:t>
+            </a:r>
+            <a:endParaRPr lang="en-US" altLang="en-US" sz="1800" dirty="0">
+              <a:solidFill>
+                <a:srgbClr val="0000FF"/>
+              </a:solidFill>
+              <a:latin typeface="Lucida Console" pitchFamily="49" charset="0"/>
+              <a:ea typeface="+mn-ea"/>
+              <a:cs typeface="+mn-cs"/>
+            </a:endParaRPr>
+          </a:p>
+          <a:p>
+            <a:pPr marL="0" indent="0">
+              <a:buNone/>
+            </a:pPr>
+            <a:r>
+              <a:rPr lang="en-US" altLang="en-US" sz="1800" b="1" dirty="0" smtClean="0">
+                <a:solidFill>
+                  <a:srgbClr val="0000FF"/>
+                </a:solidFill>
+                <a:latin typeface="Lucida Console" pitchFamily="49" charset="0"/>
+                <a:ea typeface="+mn-ea"/>
+                <a:cs typeface="+mn-cs"/>
+              </a:rPr>
+              <a:t>abstract unit</a:t>
+            </a:r>
+            <a:r>
+              <a:rPr lang="en-US" altLang="en-US" sz="1800" dirty="0" smtClean="0">
+                <a:solidFill>
+                  <a:srgbClr val="0000FF"/>
+                </a:solidFill>
+                <a:latin typeface="Lucida Console" pitchFamily="49" charset="0"/>
+                <a:ea typeface="+mn-ea"/>
+                <a:cs typeface="+mn-cs"/>
+              </a:rPr>
+              <a:t> Figure</a:t>
+            </a:r>
+            <a:endParaRPr lang="en-US" altLang="en-US" sz="1800" dirty="0">
+              <a:solidFill>
+                <a:srgbClr val="0000FF"/>
+              </a:solidFill>
+              <a:latin typeface="Lucida Console" pitchFamily="49" charset="0"/>
+              <a:ea typeface="+mn-ea"/>
+              <a:cs typeface="+mn-cs"/>
+            </a:endParaRPr>
+          </a:p>
+          <a:p>
+            <a:pPr marL="0" indent="0">
+              <a:buNone/>
+            </a:pPr>
+            <a:r>
+              <a:rPr lang="en-US" altLang="en-US" sz="1800" dirty="0">
+                <a:solidFill>
+                  <a:srgbClr val="0000FF"/>
+                </a:solidFill>
+                <a:latin typeface="Lucida Console" pitchFamily="49" charset="0"/>
+                <a:ea typeface="+mn-ea"/>
+                <a:cs typeface="+mn-cs"/>
+              </a:rPr>
+              <a:t> </a:t>
+            </a:r>
+            <a:r>
+              <a:rPr lang="en-US" altLang="en-US" sz="1800" dirty="0" err="1" smtClean="0">
+                <a:solidFill>
+                  <a:srgbClr val="0000FF"/>
+                </a:solidFill>
+                <a:latin typeface="Lucida Console" pitchFamily="49" charset="0"/>
+                <a:ea typeface="+mn-ea"/>
+                <a:cs typeface="+mn-cs"/>
+              </a:rPr>
+              <a:t>inscribedInto</a:t>
+            </a:r>
+            <a:r>
+              <a:rPr lang="en-US" altLang="en-US" sz="1800" dirty="0" smtClean="0">
+                <a:solidFill>
+                  <a:srgbClr val="0000FF"/>
+                </a:solidFill>
+                <a:latin typeface="Lucida Console" pitchFamily="49" charset="0"/>
+                <a:ea typeface="+mn-ea"/>
+                <a:cs typeface="+mn-cs"/>
+              </a:rPr>
+              <a:t> </a:t>
+            </a:r>
+            <a:r>
+              <a:rPr lang="en-US" altLang="en-US" sz="1800" dirty="0">
+                <a:solidFill>
+                  <a:srgbClr val="0000FF"/>
+                </a:solidFill>
+                <a:latin typeface="Lucida Console" pitchFamily="49" charset="0"/>
+                <a:ea typeface="+mn-ea"/>
+                <a:cs typeface="+mn-cs"/>
+              </a:rPr>
+              <a:t>(other: Figure): </a:t>
+            </a:r>
+            <a:r>
+              <a:rPr lang="en-US" altLang="en-US" sz="1800" dirty="0" smtClean="0">
+                <a:solidFill>
+                  <a:srgbClr val="0000FF"/>
+                </a:solidFill>
+                <a:latin typeface="Lucida Console" pitchFamily="49" charset="0"/>
+                <a:ea typeface="+mn-ea"/>
+                <a:cs typeface="+mn-cs"/>
+              </a:rPr>
+              <a:t>Boolean </a:t>
+            </a:r>
+            <a:r>
+              <a:rPr lang="en-US" altLang="en-US" sz="1800" b="1" dirty="0">
+                <a:solidFill>
+                  <a:srgbClr val="0000FF"/>
+                </a:solidFill>
+                <a:latin typeface="Lucida Console" pitchFamily="49" charset="0"/>
+              </a:rPr>
+              <a:t>abstract</a:t>
+            </a:r>
+            <a:endParaRPr lang="en-US" altLang="en-US" sz="1800" b="1" dirty="0">
+              <a:solidFill>
+                <a:srgbClr val="0000FF"/>
+              </a:solidFill>
+              <a:latin typeface="Lucida Console" pitchFamily="49" charset="0"/>
+              <a:ea typeface="+mn-ea"/>
+              <a:cs typeface="+mn-cs"/>
+            </a:endParaRPr>
+          </a:p>
+          <a:p>
+            <a:pPr marL="0" indent="0">
+              <a:buNone/>
+            </a:pPr>
+            <a:r>
+              <a:rPr lang="en-US" altLang="en-US" sz="1800" b="1" dirty="0">
+                <a:solidFill>
+                  <a:srgbClr val="0000FF"/>
+                </a:solidFill>
+                <a:latin typeface="Lucida Console" pitchFamily="49" charset="0"/>
+                <a:ea typeface="+mn-ea"/>
+                <a:cs typeface="+mn-cs"/>
+              </a:rPr>
+              <a:t>end</a:t>
+            </a:r>
+          </a:p>
+          <a:p>
+            <a:pPr marL="0" indent="0">
+              <a:buNone/>
+            </a:pPr>
+            <a:r>
+              <a:rPr lang="en-US" altLang="en-US" sz="1800" dirty="0">
+                <a:solidFill>
+                  <a:srgbClr val="0000FF"/>
+                </a:solidFill>
+                <a:latin typeface="Lucida Console" pitchFamily="49" charset="0"/>
+                <a:ea typeface="+mn-ea"/>
+                <a:cs typeface="+mn-cs"/>
+              </a:rPr>
+              <a:t>// Source #</a:t>
+            </a:r>
+            <a:r>
+              <a:rPr lang="en-US" altLang="en-US" sz="1800" dirty="0" smtClean="0">
+                <a:solidFill>
+                  <a:srgbClr val="0000FF"/>
+                </a:solidFill>
+                <a:latin typeface="Lucida Console" pitchFamily="49" charset="0"/>
+                <a:ea typeface="+mn-ea"/>
+                <a:cs typeface="+mn-cs"/>
+              </a:rPr>
+              <a:t>2: Particular algorithm for circle inscribing </a:t>
+            </a:r>
+            <a:endParaRPr lang="en-US" altLang="en-US" sz="1800" dirty="0">
+              <a:solidFill>
+                <a:srgbClr val="0000FF"/>
+              </a:solidFill>
+              <a:latin typeface="Lucida Console" pitchFamily="49" charset="0"/>
+              <a:ea typeface="+mn-ea"/>
+              <a:cs typeface="+mn-cs"/>
+            </a:endParaRPr>
+          </a:p>
+          <a:p>
+            <a:pPr marL="0" indent="0">
+              <a:buNone/>
+            </a:pPr>
+            <a:r>
+              <a:rPr lang="en-US" altLang="en-US" sz="1800" b="1" dirty="0">
+                <a:solidFill>
+                  <a:srgbClr val="0000FF"/>
+                </a:solidFill>
+                <a:latin typeface="Lucida Console" pitchFamily="49" charset="0"/>
+                <a:ea typeface="+mn-ea"/>
+                <a:cs typeface="+mn-cs"/>
+              </a:rPr>
+              <a:t>unit</a:t>
+            </a:r>
+            <a:r>
+              <a:rPr lang="en-US" altLang="en-US" sz="1800" dirty="0">
+                <a:solidFill>
+                  <a:srgbClr val="0000FF"/>
+                </a:solidFill>
+                <a:latin typeface="Lucida Console" pitchFamily="49" charset="0"/>
+                <a:ea typeface="+mn-ea"/>
+                <a:cs typeface="+mn-cs"/>
+              </a:rPr>
+              <a:t> Circle </a:t>
+            </a:r>
+            <a:r>
+              <a:rPr lang="en-US" altLang="en-US" sz="1800" b="1" dirty="0">
+                <a:solidFill>
+                  <a:srgbClr val="0000FF"/>
+                </a:solidFill>
+                <a:latin typeface="Lucida Console" pitchFamily="49" charset="0"/>
+                <a:ea typeface="+mn-ea"/>
+                <a:cs typeface="+mn-cs"/>
+              </a:rPr>
+              <a:t>extend</a:t>
+            </a:r>
+            <a:r>
+              <a:rPr lang="en-US" altLang="en-US" sz="1800" dirty="0">
+                <a:solidFill>
+                  <a:srgbClr val="0000FF"/>
+                </a:solidFill>
+                <a:latin typeface="Lucida Console" pitchFamily="49" charset="0"/>
+                <a:ea typeface="+mn-ea"/>
+                <a:cs typeface="+mn-cs"/>
+              </a:rPr>
+              <a:t> </a:t>
+            </a:r>
+            <a:r>
+              <a:rPr lang="en-US" altLang="en-US" sz="1800" dirty="0" smtClean="0">
+                <a:solidFill>
+                  <a:srgbClr val="0000FF"/>
+                </a:solidFill>
+                <a:latin typeface="Lucida Console" pitchFamily="49" charset="0"/>
+                <a:ea typeface="+mn-ea"/>
+                <a:cs typeface="+mn-cs"/>
+              </a:rPr>
+              <a:t>Figure</a:t>
+            </a:r>
+            <a:endParaRPr lang="en-US" altLang="en-US" sz="1800" dirty="0">
+              <a:solidFill>
+                <a:srgbClr val="0000FF"/>
+              </a:solidFill>
+              <a:latin typeface="Lucida Console" pitchFamily="49" charset="0"/>
+              <a:ea typeface="+mn-ea"/>
+              <a:cs typeface="+mn-cs"/>
+            </a:endParaRPr>
+          </a:p>
+          <a:p>
+            <a:pPr marL="0" indent="0">
+              <a:buNone/>
+            </a:pPr>
+            <a:r>
+              <a:rPr lang="en-US" altLang="en-US" sz="1800" dirty="0">
+                <a:solidFill>
+                  <a:srgbClr val="0000FF"/>
+                </a:solidFill>
+                <a:latin typeface="Lucida Console" pitchFamily="49" charset="0"/>
+                <a:ea typeface="+mn-ea"/>
+                <a:cs typeface="+mn-cs"/>
+              </a:rPr>
+              <a:t> </a:t>
+            </a:r>
+            <a:r>
+              <a:rPr lang="en-US" altLang="en-US" sz="1800" b="1" dirty="0">
+                <a:solidFill>
+                  <a:srgbClr val="0000FF"/>
+                </a:solidFill>
+                <a:latin typeface="Lucida Console" pitchFamily="49" charset="0"/>
+                <a:ea typeface="+mn-ea"/>
+                <a:cs typeface="+mn-cs"/>
+              </a:rPr>
+              <a:t>override</a:t>
+            </a:r>
+            <a:r>
+              <a:rPr lang="en-US" altLang="en-US" sz="1800" dirty="0">
+                <a:solidFill>
+                  <a:srgbClr val="0000FF"/>
+                </a:solidFill>
+                <a:latin typeface="Lucida Console" pitchFamily="49" charset="0"/>
+                <a:ea typeface="+mn-ea"/>
+                <a:cs typeface="+mn-cs"/>
+              </a:rPr>
+              <a:t> </a:t>
+            </a:r>
+            <a:r>
+              <a:rPr lang="en-US" altLang="en-US" sz="1800" dirty="0" err="1">
+                <a:solidFill>
+                  <a:srgbClr val="0000FF"/>
+                </a:solidFill>
+                <a:latin typeface="Lucida Console" pitchFamily="49" charset="0"/>
+                <a:ea typeface="+mn-ea"/>
+                <a:cs typeface="+mn-cs"/>
+              </a:rPr>
+              <a:t>inscribedInto</a:t>
+            </a:r>
+            <a:r>
+              <a:rPr lang="en-US" altLang="en-US" sz="1800" dirty="0">
+                <a:solidFill>
+                  <a:srgbClr val="0000FF"/>
+                </a:solidFill>
+                <a:latin typeface="Lucida Console" pitchFamily="49" charset="0"/>
+                <a:ea typeface="+mn-ea"/>
+                <a:cs typeface="+mn-cs"/>
+              </a:rPr>
+              <a:t> (other: Circle): Boolean </a:t>
+            </a:r>
+            <a:r>
+              <a:rPr lang="en-US" altLang="en-US" sz="1800" b="1" dirty="0" smtClean="0">
+                <a:solidFill>
+                  <a:srgbClr val="0000FF"/>
+                </a:solidFill>
+                <a:latin typeface="Lucida Console" pitchFamily="49" charset="0"/>
+                <a:ea typeface="+mn-ea"/>
+                <a:cs typeface="+mn-cs"/>
+              </a:rPr>
+              <a:t>do</a:t>
+            </a:r>
+            <a:r>
+              <a:rPr lang="en-US" altLang="en-US" sz="1800" dirty="0" smtClean="0">
+                <a:solidFill>
+                  <a:srgbClr val="0000FF"/>
+                </a:solidFill>
+                <a:latin typeface="Lucida Console" pitchFamily="49" charset="0"/>
+                <a:ea typeface="+mn-ea"/>
+                <a:cs typeface="+mn-cs"/>
+              </a:rPr>
+              <a:t> </a:t>
+            </a:r>
+            <a:r>
+              <a:rPr lang="en-US" altLang="en-US" sz="1800" dirty="0">
+                <a:solidFill>
+                  <a:srgbClr val="0000FF"/>
+                </a:solidFill>
+                <a:latin typeface="Lucida Console" pitchFamily="49" charset="0"/>
+                <a:ea typeface="+mn-ea"/>
+                <a:cs typeface="+mn-cs"/>
+              </a:rPr>
+              <a:t>… </a:t>
+            </a:r>
+            <a:r>
+              <a:rPr lang="en-US" altLang="en-US" sz="1800" b="1" dirty="0">
+                <a:solidFill>
+                  <a:srgbClr val="0000FF"/>
+                </a:solidFill>
+                <a:latin typeface="Lucida Console" pitchFamily="49" charset="0"/>
+                <a:ea typeface="+mn-ea"/>
+                <a:cs typeface="+mn-cs"/>
+              </a:rPr>
+              <a:t>end</a:t>
+            </a:r>
+          </a:p>
+          <a:p>
+            <a:pPr marL="0" indent="0">
+              <a:buNone/>
+            </a:pPr>
+            <a:r>
+              <a:rPr lang="en-US" altLang="en-US" sz="1800" b="1" dirty="0">
+                <a:solidFill>
+                  <a:srgbClr val="0000FF"/>
+                </a:solidFill>
+                <a:latin typeface="Lucida Console" pitchFamily="49" charset="0"/>
+                <a:ea typeface="+mn-ea"/>
+                <a:cs typeface="+mn-cs"/>
+              </a:rPr>
+              <a:t>end</a:t>
+            </a:r>
+          </a:p>
+          <a:p>
+            <a:pPr marL="0" indent="0">
+              <a:buNone/>
+            </a:pPr>
+            <a:r>
+              <a:rPr lang="en-US" altLang="en-US" sz="1800" dirty="0">
+                <a:solidFill>
+                  <a:srgbClr val="0000FF"/>
+                </a:solidFill>
+                <a:latin typeface="Lucida Console" pitchFamily="49" charset="0"/>
+                <a:ea typeface="+mn-ea"/>
+                <a:cs typeface="+mn-cs"/>
+              </a:rPr>
+              <a:t>// Source #</a:t>
+            </a:r>
+            <a:r>
+              <a:rPr lang="en-US" altLang="en-US" sz="1800" dirty="0" smtClean="0">
+                <a:solidFill>
+                  <a:srgbClr val="0000FF"/>
+                </a:solidFill>
+                <a:latin typeface="Lucida Console" pitchFamily="49" charset="0"/>
+                <a:ea typeface="+mn-ea"/>
+                <a:cs typeface="+mn-cs"/>
+              </a:rPr>
+              <a:t>3</a:t>
+            </a:r>
+            <a:r>
+              <a:rPr lang="en-US" altLang="en-US" sz="1800" dirty="0">
+                <a:solidFill>
+                  <a:srgbClr val="0000FF"/>
+                </a:solidFill>
+                <a:latin typeface="Lucida Console" pitchFamily="49" charset="0"/>
+              </a:rPr>
+              <a:t>: Particular algorithm for </a:t>
+            </a:r>
+            <a:r>
+              <a:rPr lang="en-US" altLang="en-US" sz="1800" dirty="0" smtClean="0">
+                <a:solidFill>
+                  <a:srgbClr val="0000FF"/>
+                </a:solidFill>
+                <a:latin typeface="Lucida Console" pitchFamily="49" charset="0"/>
+              </a:rPr>
+              <a:t>triangle inscribing</a:t>
+            </a:r>
+            <a:endParaRPr lang="en-US" altLang="en-US" sz="1800" dirty="0">
+              <a:solidFill>
+                <a:srgbClr val="0000FF"/>
+              </a:solidFill>
+              <a:latin typeface="Lucida Console" pitchFamily="49" charset="0"/>
+              <a:ea typeface="+mn-ea"/>
+              <a:cs typeface="+mn-cs"/>
+            </a:endParaRPr>
+          </a:p>
+          <a:p>
+            <a:pPr marL="0" indent="0">
+              <a:buNone/>
+            </a:pPr>
+            <a:r>
+              <a:rPr lang="en-US" altLang="en-US" sz="1800" b="1" dirty="0">
+                <a:solidFill>
+                  <a:srgbClr val="0000FF"/>
+                </a:solidFill>
+                <a:latin typeface="Lucida Console" pitchFamily="49" charset="0"/>
+                <a:ea typeface="+mn-ea"/>
+                <a:cs typeface="+mn-cs"/>
+              </a:rPr>
+              <a:t>unit</a:t>
+            </a:r>
+            <a:r>
+              <a:rPr lang="en-US" altLang="en-US" sz="1800" dirty="0">
+                <a:solidFill>
+                  <a:srgbClr val="0000FF"/>
+                </a:solidFill>
+                <a:latin typeface="Lucida Console" pitchFamily="49" charset="0"/>
+                <a:ea typeface="+mn-ea"/>
+                <a:cs typeface="+mn-cs"/>
+              </a:rPr>
+              <a:t> Triangle </a:t>
+            </a:r>
+            <a:r>
+              <a:rPr lang="en-US" altLang="en-US" sz="1800" b="1" dirty="0">
+                <a:solidFill>
+                  <a:srgbClr val="0000FF"/>
+                </a:solidFill>
+                <a:latin typeface="Lucida Console" pitchFamily="49" charset="0"/>
+                <a:ea typeface="+mn-ea"/>
+                <a:cs typeface="+mn-cs"/>
+              </a:rPr>
+              <a:t>extend</a:t>
+            </a:r>
+            <a:r>
+              <a:rPr lang="en-US" altLang="en-US" sz="1800" dirty="0">
+                <a:solidFill>
+                  <a:srgbClr val="0000FF"/>
+                </a:solidFill>
+                <a:latin typeface="Lucida Console" pitchFamily="49" charset="0"/>
+                <a:ea typeface="+mn-ea"/>
+                <a:cs typeface="+mn-cs"/>
+              </a:rPr>
+              <a:t> </a:t>
+            </a:r>
+            <a:r>
+              <a:rPr lang="en-US" altLang="en-US" sz="1800" dirty="0" smtClean="0">
+                <a:solidFill>
+                  <a:srgbClr val="0000FF"/>
+                </a:solidFill>
+                <a:latin typeface="Lucida Console" pitchFamily="49" charset="0"/>
+                <a:ea typeface="+mn-ea"/>
+                <a:cs typeface="+mn-cs"/>
+              </a:rPr>
+              <a:t>Figure</a:t>
+            </a:r>
+            <a:endParaRPr lang="en-US" altLang="en-US" sz="1800" dirty="0">
+              <a:solidFill>
+                <a:srgbClr val="0000FF"/>
+              </a:solidFill>
+              <a:latin typeface="Lucida Console" pitchFamily="49" charset="0"/>
+              <a:ea typeface="+mn-ea"/>
+              <a:cs typeface="+mn-cs"/>
+            </a:endParaRPr>
+          </a:p>
+          <a:p>
+            <a:pPr marL="0" indent="0">
+              <a:buNone/>
+            </a:pPr>
+            <a:r>
+              <a:rPr lang="en-US" altLang="en-US" sz="1800" dirty="0">
+                <a:solidFill>
+                  <a:srgbClr val="0000FF"/>
+                </a:solidFill>
+                <a:latin typeface="Lucida Console" pitchFamily="49" charset="0"/>
+                <a:ea typeface="+mn-ea"/>
+                <a:cs typeface="+mn-cs"/>
+              </a:rPr>
+              <a:t> </a:t>
+            </a:r>
+            <a:r>
+              <a:rPr lang="en-US" altLang="en-US" sz="1800" b="1" dirty="0">
+                <a:solidFill>
+                  <a:srgbClr val="0000FF"/>
+                </a:solidFill>
+                <a:latin typeface="Lucida Console" pitchFamily="49" charset="0"/>
+                <a:ea typeface="+mn-ea"/>
+                <a:cs typeface="+mn-cs"/>
+              </a:rPr>
+              <a:t>override</a:t>
+            </a:r>
+            <a:r>
+              <a:rPr lang="en-US" altLang="en-US" sz="1800" dirty="0">
+                <a:solidFill>
+                  <a:srgbClr val="0000FF"/>
+                </a:solidFill>
+                <a:latin typeface="Lucida Console" pitchFamily="49" charset="0"/>
+                <a:ea typeface="+mn-ea"/>
+                <a:cs typeface="+mn-cs"/>
+              </a:rPr>
+              <a:t> </a:t>
+            </a:r>
+            <a:r>
+              <a:rPr lang="en-US" altLang="en-US" sz="1800" dirty="0" err="1">
+                <a:solidFill>
+                  <a:srgbClr val="0000FF"/>
+                </a:solidFill>
+                <a:latin typeface="Lucida Console" pitchFamily="49" charset="0"/>
+                <a:ea typeface="+mn-ea"/>
+                <a:cs typeface="+mn-cs"/>
+              </a:rPr>
+              <a:t>inscribedInto</a:t>
+            </a:r>
+            <a:r>
+              <a:rPr lang="en-US" altLang="en-US" sz="1800" dirty="0">
+                <a:solidFill>
+                  <a:srgbClr val="0000FF"/>
+                </a:solidFill>
+                <a:latin typeface="Lucida Console" pitchFamily="49" charset="0"/>
+                <a:ea typeface="+mn-ea"/>
+                <a:cs typeface="+mn-cs"/>
+              </a:rPr>
+              <a:t> (other: Triangle): Boolean </a:t>
+            </a:r>
+            <a:r>
+              <a:rPr lang="en-US" altLang="en-US" sz="1800" b="1" dirty="0">
+                <a:solidFill>
+                  <a:srgbClr val="0000FF"/>
+                </a:solidFill>
+                <a:latin typeface="Lucida Console" pitchFamily="49" charset="0"/>
+              </a:rPr>
+              <a:t>do</a:t>
+            </a:r>
+            <a:r>
+              <a:rPr lang="en-US" altLang="en-US" sz="1800" dirty="0">
+                <a:solidFill>
+                  <a:srgbClr val="0000FF"/>
+                </a:solidFill>
+                <a:latin typeface="Lucida Console" pitchFamily="49" charset="0"/>
+              </a:rPr>
+              <a:t> … </a:t>
+            </a:r>
+            <a:r>
+              <a:rPr lang="en-US" altLang="en-US" sz="1800" b="1" dirty="0">
+                <a:solidFill>
+                  <a:srgbClr val="0000FF"/>
+                </a:solidFill>
+                <a:latin typeface="Lucida Console" pitchFamily="49" charset="0"/>
+              </a:rPr>
+              <a:t>end</a:t>
+            </a:r>
+            <a:endParaRPr lang="en-US" altLang="en-US" sz="1800" dirty="0">
+              <a:solidFill>
+                <a:srgbClr val="0000FF"/>
+              </a:solidFill>
+              <a:latin typeface="Lucida Console" pitchFamily="49" charset="0"/>
+              <a:ea typeface="+mn-ea"/>
+              <a:cs typeface="+mn-cs"/>
+            </a:endParaRPr>
+          </a:p>
+          <a:p>
+            <a:pPr marL="0" indent="0">
+              <a:buNone/>
+            </a:pPr>
+            <a:r>
+              <a:rPr lang="en-US" altLang="en-US" sz="1800" b="1" dirty="0">
+                <a:solidFill>
+                  <a:srgbClr val="0000FF"/>
+                </a:solidFill>
+                <a:latin typeface="Lucida Console" pitchFamily="49" charset="0"/>
+                <a:ea typeface="+mn-ea"/>
+                <a:cs typeface="+mn-cs"/>
+              </a:rPr>
+              <a:t>end </a:t>
+            </a:r>
+          </a:p>
+          <a:p>
+            <a:pPr marL="0" indent="0">
+              <a:buNone/>
+            </a:pPr>
+            <a:r>
+              <a:rPr lang="en-US" altLang="en-US" sz="1800" b="1" dirty="0">
+                <a:solidFill>
+                  <a:srgbClr val="0000FF"/>
+                </a:solidFill>
+                <a:latin typeface="Lucida Console" pitchFamily="49" charset="0"/>
+                <a:ea typeface="+mn-ea"/>
+                <a:cs typeface="+mn-cs"/>
+              </a:rPr>
+              <a:t>extend unit</a:t>
+            </a:r>
+            <a:r>
+              <a:rPr lang="en-US" altLang="en-US" sz="1800" dirty="0">
+                <a:solidFill>
+                  <a:srgbClr val="0000FF"/>
+                </a:solidFill>
+                <a:latin typeface="Lucida Console" pitchFamily="49" charset="0"/>
+                <a:ea typeface="+mn-ea"/>
+                <a:cs typeface="+mn-cs"/>
+              </a:rPr>
+              <a:t> </a:t>
+            </a:r>
+            <a:r>
+              <a:rPr lang="en-US" altLang="en-US" sz="1800" dirty="0" smtClean="0">
+                <a:solidFill>
+                  <a:srgbClr val="0000FF"/>
+                </a:solidFill>
+                <a:latin typeface="Lucida Console" pitchFamily="49" charset="0"/>
+                <a:ea typeface="+mn-ea"/>
+                <a:cs typeface="+mn-cs"/>
+              </a:rPr>
+              <a:t>Circle // </a:t>
+            </a:r>
+            <a:r>
+              <a:rPr lang="en-US" altLang="en-US" sz="1800" dirty="0" smtClean="0">
+                <a:solidFill>
+                  <a:srgbClr val="0000FF"/>
+                </a:solidFill>
+                <a:latin typeface="Lucida Console" pitchFamily="49" charset="0"/>
+                <a:ea typeface="+mn-ea"/>
+                <a:cs typeface="+mn-cs"/>
+              </a:rPr>
+              <a:t>Adding new member into ‘Circle’</a:t>
+            </a:r>
+            <a:endParaRPr lang="en-US" altLang="en-US" sz="1800" dirty="0">
+              <a:solidFill>
+                <a:srgbClr val="0000FF"/>
+              </a:solidFill>
+              <a:latin typeface="Lucida Console" pitchFamily="49" charset="0"/>
+              <a:ea typeface="+mn-ea"/>
+              <a:cs typeface="+mn-cs"/>
+            </a:endParaRPr>
+          </a:p>
+          <a:p>
+            <a:pPr marL="0" indent="0">
+              <a:buNone/>
+            </a:pPr>
+            <a:r>
+              <a:rPr lang="en-US" altLang="en-US" sz="1800" b="1" dirty="0">
+                <a:solidFill>
+                  <a:srgbClr val="0000FF"/>
+                </a:solidFill>
+                <a:latin typeface="Lucida Console" pitchFamily="49" charset="0"/>
+                <a:ea typeface="+mn-ea"/>
+                <a:cs typeface="+mn-cs"/>
+              </a:rPr>
+              <a:t> override</a:t>
+            </a:r>
+            <a:r>
+              <a:rPr lang="en-US" altLang="en-US" sz="1800" dirty="0">
+                <a:solidFill>
+                  <a:srgbClr val="0000FF"/>
+                </a:solidFill>
+                <a:latin typeface="Lucida Console" pitchFamily="49" charset="0"/>
+                <a:ea typeface="+mn-ea"/>
+                <a:cs typeface="+mn-cs"/>
+              </a:rPr>
+              <a:t> </a:t>
+            </a:r>
+            <a:r>
+              <a:rPr lang="en-US" altLang="en-US" sz="1800" dirty="0" err="1">
+                <a:solidFill>
+                  <a:srgbClr val="0000FF"/>
+                </a:solidFill>
+                <a:latin typeface="Lucida Console" pitchFamily="49" charset="0"/>
+                <a:ea typeface="+mn-ea"/>
+                <a:cs typeface="+mn-cs"/>
+              </a:rPr>
+              <a:t>inscribedInto</a:t>
+            </a:r>
+            <a:r>
+              <a:rPr lang="en-US" altLang="en-US" sz="1800" dirty="0">
+                <a:solidFill>
+                  <a:srgbClr val="0000FF"/>
+                </a:solidFill>
+                <a:latin typeface="Lucida Console" pitchFamily="49" charset="0"/>
+                <a:ea typeface="+mn-ea"/>
+                <a:cs typeface="+mn-cs"/>
+              </a:rPr>
+              <a:t> (other: Triangle): Boolean </a:t>
+            </a:r>
+            <a:r>
+              <a:rPr lang="en-US" altLang="en-US" sz="1800" b="1" dirty="0">
+                <a:solidFill>
+                  <a:srgbClr val="0000FF"/>
+                </a:solidFill>
+                <a:latin typeface="Lucida Console" pitchFamily="49" charset="0"/>
+              </a:rPr>
+              <a:t>do</a:t>
+            </a:r>
+            <a:r>
+              <a:rPr lang="en-US" altLang="en-US" sz="1800" dirty="0">
+                <a:solidFill>
+                  <a:srgbClr val="0000FF"/>
+                </a:solidFill>
+                <a:latin typeface="Lucida Console" pitchFamily="49" charset="0"/>
+              </a:rPr>
+              <a:t> … </a:t>
+            </a:r>
+            <a:r>
+              <a:rPr lang="en-US" altLang="en-US" sz="1800" b="1" dirty="0">
+                <a:solidFill>
+                  <a:srgbClr val="0000FF"/>
+                </a:solidFill>
+                <a:latin typeface="Lucida Console" pitchFamily="49" charset="0"/>
+              </a:rPr>
+              <a:t>end</a:t>
+            </a:r>
+            <a:endParaRPr lang="en-US" altLang="en-US" sz="1800" dirty="0">
+              <a:solidFill>
+                <a:srgbClr val="0000FF"/>
+              </a:solidFill>
+              <a:latin typeface="Lucida Console" pitchFamily="49" charset="0"/>
+              <a:ea typeface="+mn-ea"/>
+              <a:cs typeface="+mn-cs"/>
+            </a:endParaRPr>
+          </a:p>
+          <a:p>
+            <a:pPr marL="0" indent="0">
+              <a:buNone/>
+            </a:pPr>
+            <a:r>
+              <a:rPr lang="en-US" altLang="en-US" sz="1800" b="1" dirty="0" smtClean="0">
+                <a:solidFill>
+                  <a:srgbClr val="0000FF"/>
+                </a:solidFill>
+                <a:latin typeface="Lucida Console" pitchFamily="49" charset="0"/>
+                <a:ea typeface="+mn-ea"/>
+                <a:cs typeface="+mn-cs"/>
+              </a:rPr>
+              <a:t>end </a:t>
+            </a:r>
+            <a:r>
+              <a:rPr lang="en-US" altLang="en-US" sz="1800" dirty="0" smtClean="0">
+                <a:solidFill>
+                  <a:srgbClr val="0000FF"/>
+                </a:solidFill>
+                <a:latin typeface="Lucida Console" pitchFamily="49" charset="0"/>
+                <a:ea typeface="+mn-ea"/>
+                <a:cs typeface="+mn-cs"/>
+              </a:rPr>
+              <a:t>// </a:t>
+            </a:r>
+            <a:r>
+              <a:rPr lang="en-US" altLang="en-US" sz="1800" dirty="0">
+                <a:solidFill>
+                  <a:srgbClr val="0000FF"/>
+                </a:solidFill>
+                <a:latin typeface="Lucida Console" pitchFamily="49" charset="0"/>
+              </a:rPr>
+              <a:t>Particular algorithm </a:t>
+            </a:r>
+            <a:r>
+              <a:rPr lang="en-US" altLang="en-US" sz="1800" dirty="0" smtClean="0">
+                <a:solidFill>
+                  <a:srgbClr val="0000FF"/>
+                </a:solidFill>
+                <a:latin typeface="Lucida Console" pitchFamily="49" charset="0"/>
+              </a:rPr>
+              <a:t>for circle into triangle inscribing</a:t>
+            </a:r>
+            <a:endParaRPr lang="en-US" altLang="en-US" sz="1800" dirty="0">
+              <a:solidFill>
+                <a:srgbClr val="0000FF"/>
+              </a:solidFill>
+              <a:latin typeface="Lucida Console" pitchFamily="49" charset="0"/>
+              <a:ea typeface="+mn-ea"/>
+              <a:cs typeface="+mn-cs"/>
+            </a:endParaRPr>
+          </a:p>
+          <a:p>
+            <a:pPr marL="0" indent="0">
+              <a:buNone/>
+            </a:pPr>
+            <a:r>
+              <a:rPr lang="en-US" altLang="en-US" sz="1800" dirty="0">
+                <a:solidFill>
+                  <a:srgbClr val="0000FF"/>
+                </a:solidFill>
+                <a:latin typeface="Lucida Console" pitchFamily="49" charset="0"/>
+                <a:ea typeface="+mn-ea"/>
+                <a:cs typeface="+mn-cs"/>
+              </a:rPr>
+              <a:t>// Source #</a:t>
+            </a:r>
+            <a:r>
+              <a:rPr lang="en-US" altLang="en-US" sz="1800" dirty="0" smtClean="0">
+                <a:solidFill>
+                  <a:srgbClr val="0000FF"/>
+                </a:solidFill>
+                <a:latin typeface="Lucida Console" pitchFamily="49" charset="0"/>
+                <a:ea typeface="+mn-ea"/>
+                <a:cs typeface="+mn-cs"/>
+              </a:rPr>
+              <a:t>4: usage example</a:t>
+            </a:r>
+            <a:endParaRPr lang="en-US" altLang="en-US" sz="1800" dirty="0">
+              <a:solidFill>
+                <a:srgbClr val="0000FF"/>
+              </a:solidFill>
+              <a:latin typeface="Lucida Console" pitchFamily="49" charset="0"/>
+              <a:ea typeface="+mn-ea"/>
+              <a:cs typeface="+mn-cs"/>
+            </a:endParaRPr>
+          </a:p>
+          <a:p>
+            <a:pPr marL="0" indent="0">
+              <a:buNone/>
+            </a:pPr>
+            <a:r>
+              <a:rPr lang="en-US" altLang="en-US" sz="1800" dirty="0">
+                <a:solidFill>
+                  <a:srgbClr val="0000FF"/>
+                </a:solidFill>
+                <a:latin typeface="Lucida Console" pitchFamily="49" charset="0"/>
+                <a:ea typeface="+mn-ea"/>
+                <a:cs typeface="+mn-cs"/>
+              </a:rPr>
+              <a:t>a: Array [Figure] </a:t>
+            </a:r>
+            <a:r>
+              <a:rPr lang="en-US" altLang="en-US" sz="1800" b="1" dirty="0">
+                <a:solidFill>
+                  <a:srgbClr val="0000FF"/>
+                </a:solidFill>
+                <a:latin typeface="Lucida Console" pitchFamily="49" charset="0"/>
+                <a:ea typeface="+mn-ea"/>
+                <a:cs typeface="+mn-cs"/>
+              </a:rPr>
+              <a:t>is</a:t>
+            </a:r>
+            <a:r>
+              <a:rPr lang="en-US" altLang="en-US" sz="1800" dirty="0">
+                <a:solidFill>
+                  <a:srgbClr val="0000FF"/>
+                </a:solidFill>
+                <a:latin typeface="Lucida Console" pitchFamily="49" charset="0"/>
+                <a:ea typeface="+mn-ea"/>
+                <a:cs typeface="+mn-cs"/>
+              </a:rPr>
+              <a:t> </a:t>
+            </a:r>
+            <a:r>
+              <a:rPr lang="en-US" altLang="en-US" sz="1800" dirty="0" smtClean="0">
+                <a:solidFill>
+                  <a:srgbClr val="0000FF"/>
+                </a:solidFill>
+                <a:latin typeface="Lucida Console" pitchFamily="49" charset="0"/>
+                <a:ea typeface="+mn-ea"/>
+                <a:cs typeface="+mn-cs"/>
+              </a:rPr>
+              <a:t>(</a:t>
+            </a:r>
+            <a:r>
+              <a:rPr lang="en-US" altLang="en-US" sz="1800" b="1" dirty="0" smtClean="0">
+                <a:solidFill>
+                  <a:srgbClr val="0000FF"/>
+                </a:solidFill>
+                <a:latin typeface="Lucida Console" pitchFamily="49" charset="0"/>
+                <a:ea typeface="+mn-ea"/>
+                <a:cs typeface="+mn-cs"/>
+              </a:rPr>
+              <a:t>new</a:t>
+            </a:r>
+            <a:r>
+              <a:rPr lang="en-US" altLang="en-US" sz="1800" dirty="0" smtClean="0">
+                <a:solidFill>
+                  <a:srgbClr val="0000FF"/>
+                </a:solidFill>
+                <a:latin typeface="Lucida Console" pitchFamily="49" charset="0"/>
+                <a:ea typeface="+mn-ea"/>
+                <a:cs typeface="+mn-cs"/>
+              </a:rPr>
+              <a:t> Circle</a:t>
+            </a:r>
+            <a:r>
+              <a:rPr lang="en-US" altLang="en-US" sz="1800" dirty="0">
+                <a:solidFill>
+                  <a:srgbClr val="0000FF"/>
+                </a:solidFill>
+                <a:latin typeface="Lucida Console" pitchFamily="49" charset="0"/>
+                <a:ea typeface="+mn-ea"/>
+                <a:cs typeface="+mn-cs"/>
+              </a:rPr>
+              <a:t>, </a:t>
+            </a:r>
+            <a:r>
+              <a:rPr lang="en-US" altLang="en-US" sz="1800" b="1" dirty="0">
+                <a:solidFill>
+                  <a:srgbClr val="0000FF"/>
+                </a:solidFill>
+                <a:latin typeface="Lucida Console" pitchFamily="49" charset="0"/>
+              </a:rPr>
+              <a:t>new</a:t>
+            </a:r>
+            <a:r>
+              <a:rPr lang="en-US" altLang="en-US" sz="1800" dirty="0">
+                <a:solidFill>
+                  <a:srgbClr val="0000FF"/>
+                </a:solidFill>
+                <a:latin typeface="Lucida Console" pitchFamily="49" charset="0"/>
+              </a:rPr>
+              <a:t> </a:t>
+            </a:r>
+            <a:r>
+              <a:rPr lang="en-US" altLang="en-US" sz="1800" dirty="0" smtClean="0">
+                <a:solidFill>
+                  <a:srgbClr val="0000FF"/>
+                </a:solidFill>
+                <a:latin typeface="Lucida Console" pitchFamily="49" charset="0"/>
+                <a:ea typeface="+mn-ea"/>
+                <a:cs typeface="+mn-cs"/>
+              </a:rPr>
+              <a:t>Triangle</a:t>
+            </a:r>
+            <a:r>
+              <a:rPr lang="en-US" altLang="en-US" sz="1800" dirty="0">
+                <a:solidFill>
+                  <a:srgbClr val="0000FF"/>
+                </a:solidFill>
+                <a:latin typeface="Lucida Console" pitchFamily="49" charset="0"/>
+                <a:ea typeface="+mn-ea"/>
+                <a:cs typeface="+mn-cs"/>
+              </a:rPr>
+              <a:t>)</a:t>
+            </a:r>
+          </a:p>
+          <a:p>
+            <a:pPr marL="0" indent="0">
+              <a:buNone/>
+            </a:pPr>
+            <a:r>
+              <a:rPr lang="en-US" altLang="en-US" sz="1800" b="1" dirty="0">
+                <a:solidFill>
+                  <a:srgbClr val="0000FF"/>
+                </a:solidFill>
+                <a:latin typeface="Lucida Console" pitchFamily="49" charset="0"/>
+                <a:ea typeface="+mn-ea"/>
+                <a:cs typeface="+mn-cs"/>
+              </a:rPr>
+              <a:t>if</a:t>
+            </a:r>
+            <a:r>
+              <a:rPr lang="en-US" altLang="en-US" sz="1800" dirty="0">
+                <a:solidFill>
+                  <a:srgbClr val="0000FF"/>
+                </a:solidFill>
+                <a:latin typeface="Lucida Console" pitchFamily="49" charset="0"/>
+                <a:ea typeface="+mn-ea"/>
+                <a:cs typeface="+mn-cs"/>
+              </a:rPr>
+              <a:t> a(1).</a:t>
+            </a:r>
+            <a:r>
+              <a:rPr lang="en-US" altLang="en-US" sz="1800" dirty="0" err="1">
+                <a:solidFill>
+                  <a:srgbClr val="0000FF"/>
+                </a:solidFill>
+                <a:latin typeface="Lucida Console" pitchFamily="49" charset="0"/>
+                <a:ea typeface="+mn-ea"/>
+                <a:cs typeface="+mn-cs"/>
+              </a:rPr>
+              <a:t>inscrinedInto</a:t>
+            </a:r>
+            <a:r>
+              <a:rPr lang="en-US" altLang="en-US" sz="1800" dirty="0">
+                <a:solidFill>
+                  <a:srgbClr val="0000FF"/>
+                </a:solidFill>
+                <a:latin typeface="Lucida Console" pitchFamily="49" charset="0"/>
+                <a:ea typeface="+mn-ea"/>
+                <a:cs typeface="+mn-cs"/>
+              </a:rPr>
+              <a:t> (a(2)) </a:t>
+            </a:r>
+            <a:r>
+              <a:rPr lang="en-US" altLang="en-US" sz="1800" b="1" dirty="0" smtClean="0">
+                <a:solidFill>
+                  <a:srgbClr val="0000FF"/>
+                </a:solidFill>
+                <a:latin typeface="Lucida Console" pitchFamily="49" charset="0"/>
+                <a:ea typeface="+mn-ea"/>
+                <a:cs typeface="+mn-cs"/>
+              </a:rPr>
+              <a:t>then </a:t>
+            </a:r>
+            <a:r>
+              <a:rPr lang="en-US" altLang="en-US" sz="1800" dirty="0" smtClean="0">
+                <a:solidFill>
+                  <a:srgbClr val="0000FF"/>
+                </a:solidFill>
+                <a:latin typeface="Lucida Console" pitchFamily="49" charset="0"/>
+                <a:ea typeface="+mn-ea"/>
+                <a:cs typeface="+mn-cs"/>
+              </a:rPr>
+              <a:t>… </a:t>
+            </a:r>
+            <a:r>
+              <a:rPr lang="en-US" altLang="en-US" sz="1800" b="1" dirty="0" smtClean="0">
+                <a:solidFill>
+                  <a:srgbClr val="0000FF"/>
+                </a:solidFill>
+                <a:latin typeface="Lucida Console" pitchFamily="49" charset="0"/>
+                <a:ea typeface="+mn-ea"/>
+                <a:cs typeface="+mn-cs"/>
+              </a:rPr>
+              <a:t>end</a:t>
+            </a:r>
+            <a:endParaRPr lang="en-US" altLang="en-US" sz="1800" b="1" dirty="0">
+              <a:solidFill>
+                <a:srgbClr val="0000FF"/>
+              </a:solidFill>
+              <a:latin typeface="Lucida Console" pitchFamily="49" charset="0"/>
+              <a:ea typeface="+mn-ea"/>
+              <a:cs typeface="+mn-cs"/>
+            </a:endParaRPr>
+          </a:p>
+        </p:txBody>
+      </p:sp>
+      <p:sp>
+        <p:nvSpPr>
+          <p:cNvPr id="4" name="Номер слайда 1"/>
+          <p:cNvSpPr txBox="1">
+            <a:spLocks/>
+          </p:cNvSpPr>
+          <p:nvPr/>
+        </p:nvSpPr>
+        <p:spPr>
+          <a:xfrm>
+            <a:off x="8153400" y="6356350"/>
+            <a:ext cx="533400" cy="365125"/>
+          </a:xfrm>
+          <a:prstGeom prst="rect">
+            <a:avLst/>
+          </a:prstGeom>
+        </p:spPr>
+        <p:txBody>
+          <a:bodyPr/>
+          <a:lstStyle>
+            <a:defPPr>
+              <a:defRPr lang="en-US"/>
+            </a:defPPr>
+            <a:lvl1pPr marL="0" algn="l" defTabSz="914400" rtl="0" eaLnBrk="1" latinLnBrk="0" hangingPunct="1">
+              <a:defRPr sz="1800" kern="1200">
+                <a:solidFill>
+                  <a:schemeClr val="tx1"/>
+                </a:solidFill>
+                <a:latin typeface="+mn-lt"/>
+                <a:ea typeface="+mn-ea"/>
+                <a:cs typeface="+mn-cs"/>
+              </a:defRPr>
+            </a:lvl1pPr>
+            <a:lvl2pPr marL="457200" algn="l" defTabSz="914400" rtl="0" eaLnBrk="1" latinLnBrk="0" hangingPunct="1">
+              <a:defRPr sz="1800" kern="1200">
+                <a:solidFill>
+                  <a:schemeClr val="tx1"/>
+                </a:solidFill>
+                <a:latin typeface="+mn-lt"/>
+                <a:ea typeface="+mn-ea"/>
+                <a:cs typeface="+mn-cs"/>
+              </a:defRPr>
+            </a:lvl2pPr>
+            <a:lvl3pPr marL="914400" algn="l" defTabSz="914400" rtl="0" eaLnBrk="1" latinLnBrk="0" hangingPunct="1">
+              <a:defRPr sz="1800" kern="1200">
+                <a:solidFill>
+                  <a:schemeClr val="tx1"/>
+                </a:solidFill>
+                <a:latin typeface="+mn-lt"/>
+                <a:ea typeface="+mn-ea"/>
+                <a:cs typeface="+mn-cs"/>
+              </a:defRPr>
+            </a:lvl3pPr>
+            <a:lvl4pPr marL="1371600" algn="l" defTabSz="914400" rtl="0" eaLnBrk="1" latinLnBrk="0" hangingPunct="1">
+              <a:defRPr sz="1800" kern="1200">
+                <a:solidFill>
+                  <a:schemeClr val="tx1"/>
+                </a:solidFill>
+                <a:latin typeface="+mn-lt"/>
+                <a:ea typeface="+mn-ea"/>
+                <a:cs typeface="+mn-cs"/>
+              </a:defRPr>
+            </a:lvl4pPr>
+            <a:lvl5pPr marL="1828800" algn="l" defTabSz="914400" rtl="0" eaLnBrk="1" latinLnBrk="0" hangingPunct="1">
+              <a:defRPr sz="1800" kern="1200">
+                <a:solidFill>
+                  <a:schemeClr val="tx1"/>
+                </a:solidFill>
+                <a:latin typeface="+mn-lt"/>
+                <a:ea typeface="+mn-ea"/>
+                <a:cs typeface="+mn-cs"/>
+              </a:defRPr>
+            </a:lvl5pPr>
+            <a:lvl6pPr marL="2286000" algn="l" defTabSz="914400" rtl="0" eaLnBrk="1" latinLnBrk="0" hangingPunct="1">
+              <a:defRPr sz="1800" kern="1200">
+                <a:solidFill>
+                  <a:schemeClr val="tx1"/>
+                </a:solidFill>
+                <a:latin typeface="+mn-lt"/>
+                <a:ea typeface="+mn-ea"/>
+                <a:cs typeface="+mn-cs"/>
+              </a:defRPr>
+            </a:lvl6pPr>
+            <a:lvl7pPr marL="2743200" algn="l" defTabSz="914400" rtl="0" eaLnBrk="1" latinLnBrk="0" hangingPunct="1">
+              <a:defRPr sz="1800" kern="1200">
+                <a:solidFill>
+                  <a:schemeClr val="tx1"/>
+                </a:solidFill>
+                <a:latin typeface="+mn-lt"/>
+                <a:ea typeface="+mn-ea"/>
+                <a:cs typeface="+mn-cs"/>
+              </a:defRPr>
+            </a:lvl7pPr>
+            <a:lvl8pPr marL="3200400" algn="l" defTabSz="914400" rtl="0" eaLnBrk="1" latinLnBrk="0" hangingPunct="1">
+              <a:defRPr sz="1800" kern="1200">
+                <a:solidFill>
+                  <a:schemeClr val="tx1"/>
+                </a:solidFill>
+                <a:latin typeface="+mn-lt"/>
+                <a:ea typeface="+mn-ea"/>
+                <a:cs typeface="+mn-cs"/>
+              </a:defRPr>
+            </a:lvl8pPr>
+            <a:lvl9pPr marL="3657600" algn="l" defTabSz="914400" rtl="0" eaLnBrk="1" latinLnBrk="0" hangingPunct="1">
+              <a:defRPr sz="1800" kern="1200">
+                <a:solidFill>
+                  <a:schemeClr val="tx1"/>
+                </a:solidFill>
+                <a:latin typeface="+mn-lt"/>
+                <a:ea typeface="+mn-ea"/>
+                <a:cs typeface="+mn-cs"/>
+              </a:defRPr>
+            </a:lvl9pPr>
+          </a:lstStyle>
+          <a:p>
+            <a:fld id="{6278F348-CCBC-472B-BC3F-23EBF19EE4D4}" type="slidenum">
+              <a:rPr lang="en-US" smtClean="0"/>
+              <a:pPr/>
+              <a:t>5</a:t>
+            </a:fld>
+            <a:endParaRPr lang="en-US" dirty="0"/>
+          </a:p>
+        </p:txBody>
+      </p:sp>
+      <p:sp>
+        <p:nvSpPr>
+          <p:cNvPr id="6" name="Title 1"/>
+          <p:cNvSpPr txBox="1">
+            <a:spLocks/>
+          </p:cNvSpPr>
+          <p:nvPr/>
+        </p:nvSpPr>
+        <p:spPr>
+          <a:xfrm>
+            <a:off x="685800" y="5862"/>
+            <a:ext cx="8229600" cy="657225"/>
+          </a:xfrm>
+          <a:prstGeom prst="rect">
+            <a:avLst/>
+          </a:prstGeom>
+        </p:spPr>
+        <p:txBody>
+          <a:bodyPr vert="horz" lIns="0" tIns="45720" rIns="0" bIns="45720" rtlCol="0" anchor="ctr">
+            <a:normAutofit fontScale="92500"/>
+          </a:bodyPr>
+          <a:lstStyle>
+            <a:lvl1pPr algn="l" defTabSz="914400" rtl="0" eaLnBrk="1" latinLnBrk="0" hangingPunct="1">
+              <a:spcBef>
+                <a:spcPct val="0"/>
+              </a:spcBef>
+              <a:buNone/>
+              <a:defRPr kumimoji="1" lang="ko-KR" altLang="en-US" sz="3000" kern="1200" baseline="0" dirty="0">
+                <a:solidFill>
+                  <a:schemeClr val="bg1"/>
+                </a:solidFill>
+                <a:latin typeface="Arial" panose="020B0604020202020204" pitchFamily="34" charset="0"/>
+                <a:ea typeface="Arial Unicode MS" panose="020B0604020202020204" pitchFamily="34" charset="-128"/>
+                <a:cs typeface="+mn-cs"/>
+              </a:defRPr>
+            </a:lvl1pPr>
+          </a:lstStyle>
+          <a:p>
+            <a:r>
+              <a:rPr lang="en-US" sz="3400" b="1" dirty="0" smtClean="0">
+                <a:solidFill>
+                  <a:srgbClr val="CC6600"/>
+                </a:solidFill>
+                <a:latin typeface="Comic Sans MS" pitchFamily="66" charset="0"/>
+              </a:rPr>
+              <a:t>Double dispatch. Multiple overriding (I)</a:t>
+            </a:r>
+            <a:endParaRPr lang="en-US" sz="3400" b="1" dirty="0">
+              <a:solidFill>
+                <a:srgbClr val="CC6600"/>
+              </a:solidFill>
+              <a:latin typeface="Comic Sans MS" pitchFamily="66" charset="0"/>
+            </a:endParaRPr>
+          </a:p>
+        </p:txBody>
+      </p:sp>
+    </p:spTree>
+    <p:extLst>
+      <p:ext uri="{BB962C8B-B14F-4D97-AF65-F5344CB8AC3E}">
+        <p14:creationId xmlns:p14="http://schemas.microsoft.com/office/powerpoint/2010/main" val="1775610473"/>
+      </p:ext>
+    </p:extLst>
+  </p:cSld>
+  <p:clrMapOvr>
+    <a:masterClrMapping/>
+  </p:clrMapOvr>
+  <p:transition>
+    <p:fade/>
+  </p:transition>
+  <p:timing>
+    <p:tnLst>
+      <p:par>
+        <p:cTn id="1" dur="indefinite" restart="never" nodeType="tmRoot"/>
+      </p:par>
+    </p:tnLst>
+  </p:timing>
+</p:sld>
+</file>
+
+<file path=ppt/slides/slide6.xml><?xml version="1.0" encoding="utf-8"?>
+<p:sld xmlns:a="http://schemas.openxmlformats.org/drawingml/2006/main" xmlns:r="http://schemas.openxmlformats.org/officeDocument/2006/relationships" xmlns:p="http://schemas.openxmlformats.org/presentationml/2006/main">
+  <p:cSld>
+    <p:spTree>
+      <p:nvGrpSpPr>
+        <p:cNvPr id="1" name=""/>
+        <p:cNvGrpSpPr/>
+        <p:nvPr/>
+      </p:nvGrpSpPr>
+      <p:grpSpPr>
+        <a:xfrm>
+          <a:off x="0" y="0"/>
+          <a:ext cx="0" cy="0"/>
+          <a:chOff x="0" y="0"/>
+          <a:chExt cx="0" cy="0"/>
+        </a:xfrm>
+      </p:grpSpPr>
       <p:grpSp>
         <p:nvGrpSpPr>
           <p:cNvPr id="49" name="Группа 48"/>
@@ -4455,10 +6301,10 @@
         </p:nvGrpSpPr>
         <p:grpSpPr>
           <a:xfrm>
-            <a:off x="52792" y="616008"/>
-            <a:ext cx="9067799" cy="3383984"/>
-            <a:chOff x="112885" y="1504560"/>
-            <a:chExt cx="9483256" cy="3383984"/>
+            <a:off x="46891" y="616008"/>
+            <a:ext cx="8485548" cy="3005209"/>
+            <a:chOff x="106713" y="1504560"/>
+            <a:chExt cx="8874329" cy="3005209"/>
           </a:xfrm>
         </p:grpSpPr>
         <p:sp>
@@ -4519,7 +6365,7 @@
           </p:nvSpPr>
           <p:spPr>
             <a:xfrm>
-              <a:off x="4271570" y="3849901"/>
+              <a:off x="4613227" y="2753918"/>
               <a:ext cx="1981448" cy="466725"/>
             </a:xfrm>
             <a:prstGeom prst="ellipse">
@@ -4569,7 +6415,7 @@
           </p:nvSpPr>
           <p:spPr>
             <a:xfrm>
-              <a:off x="112885" y="3978074"/>
+              <a:off x="396025" y="2818004"/>
               <a:ext cx="1326305" cy="466725"/>
             </a:xfrm>
             <a:prstGeom prst="ellipse">
@@ -4623,7 +6469,7 @@
           <p:spPr>
             <a:xfrm flipH="1" flipV="1">
               <a:off x="3444632" y="2124661"/>
-              <a:ext cx="1817662" cy="1725240"/>
+              <a:ext cx="2159319" cy="629257"/>
             </a:xfrm>
             <a:prstGeom prst="straightConnector1">
               <a:avLst/>
@@ -4658,8 +6504,8 @@
           </p:nvCxnSpPr>
           <p:spPr>
             <a:xfrm flipV="1">
-              <a:off x="776038" y="2124661"/>
-              <a:ext cx="2668594" cy="1853413"/>
+              <a:off x="1059177" y="2124661"/>
+              <a:ext cx="2385455" cy="693343"/>
             </a:xfrm>
             <a:prstGeom prst="straightConnector1">
               <a:avLst/>
@@ -4692,7 +6538,7 @@
           <p:spPr>
             <a:xfrm>
               <a:off x="3926241" y="1504560"/>
-              <a:ext cx="3250414" cy="400110"/>
+              <a:ext cx="3699272" cy="369332"/>
             </a:xfrm>
             <a:prstGeom prst="rect">
               <a:avLst/>
@@ -4742,8 +6588,146 @@
           </p:nvSpPr>
           <p:spPr>
             <a:xfrm>
-              <a:off x="1318807" y="3503550"/>
-              <a:ext cx="3576466" cy="677108"/>
+              <a:off x="106713" y="3309440"/>
+              <a:ext cx="3819527" cy="1200329"/>
+            </a:xfrm>
+            <a:prstGeom prst="rect">
+              <a:avLst/>
+            </a:prstGeom>
+            <a:noFill/>
+          </p:spPr>
+          <p:txBody>
+            <a:bodyPr wrap="square" rtlCol="0">
+              <a:spAutoFit/>
+            </a:bodyPr>
+            <a:lstStyle/>
+            <a:p>
+              <a:r>
+                <a:rPr kumimoji="1" lang="en-US" sz="1800" b="1" dirty="0" smtClean="0">
+                  <a:solidFill>
+                    <a:srgbClr val="0000FF"/>
+                  </a:solidFill>
+                  <a:latin typeface="Lucida Console" pitchFamily="49" charset="0"/>
+                  <a:ea typeface="Arial Unicode MS" panose="020B0604020202020204" pitchFamily="34" charset="-128"/>
+                  <a:cs typeface="Calibri" pitchFamily="34" charset="0"/>
+                </a:rPr>
+                <a:t>override</a:t>
+              </a:r>
+            </a:p>
+            <a:p>
+              <a:r>
+                <a:rPr kumimoji="1" lang="en-US" sz="1800" dirty="0" err="1" smtClean="0">
+                  <a:solidFill>
+                    <a:srgbClr val="0000FF"/>
+                  </a:solidFill>
+                  <a:latin typeface="Lucida Console" pitchFamily="49" charset="0"/>
+                  <a:ea typeface="Arial Unicode MS" panose="020B0604020202020204" pitchFamily="34" charset="-128"/>
+                  <a:cs typeface="Calibri" pitchFamily="34" charset="0"/>
+                </a:rPr>
+                <a:t>inscribedInto</a:t>
+              </a:r>
+              <a:r>
+                <a:rPr kumimoji="1" lang="en-US" sz="1800" dirty="0" smtClean="0">
+                  <a:solidFill>
+                    <a:srgbClr val="0000FF"/>
+                  </a:solidFill>
+                  <a:latin typeface="Lucida Console" pitchFamily="49" charset="0"/>
+                  <a:ea typeface="Arial Unicode MS" panose="020B0604020202020204" pitchFamily="34" charset="-128"/>
+                  <a:cs typeface="Calibri" pitchFamily="34" charset="0"/>
+                </a:rPr>
+                <a:t> </a:t>
+              </a:r>
+              <a:r>
+                <a:rPr kumimoji="1" lang="en-US" sz="1800" dirty="0">
+                  <a:solidFill>
+                    <a:srgbClr val="0000FF"/>
+                  </a:solidFill>
+                  <a:latin typeface="Lucida Console" pitchFamily="49" charset="0"/>
+                  <a:ea typeface="Arial Unicode MS" panose="020B0604020202020204" pitchFamily="34" charset="-128"/>
+                  <a:cs typeface="Calibri" pitchFamily="34" charset="0"/>
+                </a:rPr>
+                <a:t>(Circle</a:t>
+              </a:r>
+              <a:r>
+                <a:rPr kumimoji="1" lang="en-US" sz="1800" dirty="0" smtClean="0">
+                  <a:solidFill>
+                    <a:srgbClr val="0000FF"/>
+                  </a:solidFill>
+                  <a:latin typeface="Lucida Console" pitchFamily="49" charset="0"/>
+                  <a:ea typeface="Arial Unicode MS" panose="020B0604020202020204" pitchFamily="34" charset="-128"/>
+                  <a:cs typeface="Calibri" pitchFamily="34" charset="0"/>
+                </a:rPr>
+                <a:t>)</a:t>
+              </a:r>
+            </a:p>
+            <a:p>
+              <a:r>
+                <a:rPr kumimoji="1" lang="en-US" b="1" dirty="0">
+                  <a:solidFill>
+                    <a:srgbClr val="0000FF"/>
+                  </a:solidFill>
+                  <a:latin typeface="Lucida Console" pitchFamily="49" charset="0"/>
+                  <a:ea typeface="Arial Unicode MS" panose="020B0604020202020204" pitchFamily="34" charset="-128"/>
+                  <a:cs typeface="Calibri" pitchFamily="34" charset="0"/>
+                </a:rPr>
+                <a:t>override</a:t>
+              </a:r>
+            </a:p>
+            <a:p>
+              <a:r>
+                <a:rPr kumimoji="1" lang="en-US" dirty="0" err="1">
+                  <a:solidFill>
+                    <a:srgbClr val="0000FF"/>
+                  </a:solidFill>
+                  <a:latin typeface="Lucida Console" pitchFamily="49" charset="0"/>
+                  <a:ea typeface="Arial Unicode MS" panose="020B0604020202020204" pitchFamily="34" charset="-128"/>
+                  <a:cs typeface="Calibri" pitchFamily="34" charset="0"/>
+                </a:rPr>
+                <a:t>inscribedInto</a:t>
+              </a:r>
+              <a:r>
+                <a:rPr kumimoji="1" lang="en-US" dirty="0">
+                  <a:solidFill>
+                    <a:srgbClr val="0000FF"/>
+                  </a:solidFill>
+                  <a:latin typeface="Lucida Console" pitchFamily="49" charset="0"/>
+                  <a:ea typeface="Arial Unicode MS" panose="020B0604020202020204" pitchFamily="34" charset="-128"/>
+                  <a:cs typeface="Calibri" pitchFamily="34" charset="0"/>
+                </a:rPr>
+                <a:t> (Triangle</a:t>
+              </a:r>
+              <a:r>
+                <a:rPr kumimoji="1" lang="en-US" dirty="0" smtClean="0">
+                  <a:solidFill>
+                    <a:srgbClr val="0000FF"/>
+                  </a:solidFill>
+                  <a:latin typeface="Lucida Console" pitchFamily="49" charset="0"/>
+                  <a:ea typeface="Arial Unicode MS" panose="020B0604020202020204" pitchFamily="34" charset="-128"/>
+                  <a:cs typeface="Calibri" pitchFamily="34" charset="0"/>
+                </a:rPr>
+                <a:t>)</a:t>
+              </a:r>
+              <a:endParaRPr kumimoji="1" lang="en-US" sz="1800" dirty="0">
+                <a:solidFill>
+                  <a:srgbClr val="0000FF"/>
+                </a:solidFill>
+                <a:latin typeface="Lucida Console" pitchFamily="49" charset="0"/>
+                <a:ea typeface="Arial Unicode MS" panose="020B0604020202020204" pitchFamily="34" charset="-128"/>
+                <a:cs typeface="Calibri" pitchFamily="34" charset="0"/>
+              </a:endParaRPr>
+            </a:p>
+          </p:txBody>
+        </p:sp>
+        <p:sp>
+          <p:nvSpPr>
+            <p:cNvPr id="42" name="TextBox 41"/>
+            <p:cNvSpPr txBox="1"/>
+            <p:nvPr/>
+          </p:nvSpPr>
+          <p:spPr>
+            <a:xfrm>
+              <a:off x="4613226" y="3322225"/>
+              <a:ext cx="4367816" cy="646331"/>
             </a:xfrm>
             <a:prstGeom prst="rect">
               <a:avLst/>
@@ -4771,8 +6755,11 @@
                 <a:rPr lang="en-US" dirty="0" smtClean="0"/>
                 <a:t> </a:t>
               </a:r>
+              <a:endParaRPr lang="en-US" dirty="0" smtClean="0"/>
+            </a:p>
+            <a:p>
               <a:r>
-                <a:rPr kumimoji="1" lang="en-US" sz="1800" dirty="0" err="1">
+                <a:rPr kumimoji="1" lang="en-US" sz="1800" dirty="0" err="1" smtClean="0">
                   <a:solidFill>
                     <a:srgbClr val="0000FF"/>
                   </a:solidFill>
@@ -4783,69 +6770,7 @@
                 <a:t>inscribedInto</a:t>
               </a:r>
               <a:r>
-                <a:rPr kumimoji="1" lang="en-US" sz="1800" dirty="0">
-                  <a:solidFill>
-                    <a:srgbClr val="0000FF"/>
-                  </a:solidFill>
-                  <a:latin typeface="Lucida Console" pitchFamily="49" charset="0"/>
-                  <a:ea typeface="Arial Unicode MS" panose="020B0604020202020204" pitchFamily="34" charset="-128"/>
-                  <a:cs typeface="Calibri" pitchFamily="34" charset="0"/>
-                </a:rPr>
-                <a:t> (Circle)</a:t>
-              </a:r>
-            </a:p>
-          </p:txBody>
-        </p:sp>
-        <p:sp>
-          <p:nvSpPr>
-            <p:cNvPr id="42" name="TextBox 41"/>
-            <p:cNvSpPr txBox="1"/>
-            <p:nvPr/>
-          </p:nvSpPr>
-          <p:spPr>
-            <a:xfrm>
-              <a:off x="6019675" y="3503550"/>
-              <a:ext cx="3576466" cy="677108"/>
-            </a:xfrm>
-            <a:prstGeom prst="rect">
-              <a:avLst/>
-            </a:prstGeom>
-            <a:noFill/>
-          </p:spPr>
-          <p:txBody>
-            <a:bodyPr wrap="square" rtlCol="0">
-              <a:spAutoFit/>
-            </a:bodyPr>
-            <a:lstStyle/>
-            <a:p>
-              <a:r>
-                <a:rPr kumimoji="1" lang="en-US" sz="1800" b="1" dirty="0">
-                  <a:solidFill>
-                    <a:srgbClr val="0000FF"/>
-                  </a:solidFill>
-                  <a:latin typeface="Lucida Console" pitchFamily="49" charset="0"/>
-                  <a:ea typeface="Arial Unicode MS" panose="020B0604020202020204" pitchFamily="34" charset="-128"/>
-                  <a:cs typeface="Calibri" pitchFamily="34" charset="0"/>
-                </a:rPr>
-                <a:t>override</a:t>
-              </a:r>
-              <a:r>
-                <a:rPr lang="en-US" dirty="0" smtClean="0"/>
-                <a:t> </a:t>
-              </a:r>
-              <a:r>
-                <a:rPr kumimoji="1" lang="en-US" sz="1800" dirty="0" err="1">
-                  <a:solidFill>
-                    <a:srgbClr val="0000FF"/>
-                  </a:solidFill>
-                  <a:latin typeface="Lucida Console" pitchFamily="49" charset="0"/>
-                  <a:ea typeface="Arial Unicode MS" panose="020B0604020202020204" pitchFamily="34" charset="-128"/>
-                  <a:cs typeface="Calibri" pitchFamily="34" charset="0"/>
-                </a:rPr>
-                <a:t>inscribedInto</a:t>
-              </a:r>
-              <a:r>
-                <a:rPr kumimoji="1" lang="en-US" sz="1800" dirty="0">
+                <a:rPr kumimoji="1" lang="en-US" sz="1800" dirty="0" smtClean="0">
                   <a:solidFill>
                     <a:srgbClr val="0000FF"/>
                   </a:solidFill>
@@ -4864,77 +6789,7 @@
                   <a:ea typeface="Arial Unicode MS" panose="020B0604020202020204" pitchFamily="34" charset="-128"/>
                   <a:cs typeface="Calibri" pitchFamily="34" charset="0"/>
                 </a:rPr>
-                <a:t>(Triangle)</a:t>
-              </a:r>
-              <a:endParaRPr kumimoji="1" lang="en-US" sz="1800" dirty="0">
-                <a:solidFill>
-                  <a:srgbClr val="0000FF"/>
-                </a:solidFill>
-                <a:latin typeface="Lucida Console" pitchFamily="49" charset="0"/>
-                <a:ea typeface="Arial Unicode MS" panose="020B0604020202020204" pitchFamily="34" charset="-128"/>
-                <a:cs typeface="Calibri" pitchFamily="34" charset="0"/>
-              </a:endParaRPr>
-            </a:p>
-          </p:txBody>
-        </p:sp>
-        <p:sp>
-          <p:nvSpPr>
-            <p:cNvPr id="48" name="TextBox 47"/>
-            <p:cNvSpPr txBox="1"/>
-            <p:nvPr/>
-          </p:nvSpPr>
-          <p:spPr>
-            <a:xfrm>
-              <a:off x="1318806" y="4211436"/>
-              <a:ext cx="3576466" cy="677108"/>
-            </a:xfrm>
-            <a:prstGeom prst="rect">
-              <a:avLst/>
-            </a:prstGeom>
-            <a:noFill/>
-          </p:spPr>
-          <p:txBody>
-            <a:bodyPr wrap="square" rtlCol="0">
-              <a:spAutoFit/>
-            </a:bodyPr>
-            <a:lstStyle/>
-            <a:p>
-              <a:r>
-                <a:rPr kumimoji="1" lang="en-US" sz="1800" b="1" dirty="0">
-                  <a:solidFill>
-                    <a:srgbClr val="0000FF"/>
-                  </a:solidFill>
-                  <a:latin typeface="Lucida Console" pitchFamily="49" charset="0"/>
-                  <a:ea typeface="Arial Unicode MS" panose="020B0604020202020204" pitchFamily="34" charset="-128"/>
-                  <a:cs typeface="Calibri" pitchFamily="34" charset="0"/>
-                </a:rPr>
-                <a:t>override</a:t>
-              </a:r>
-              <a:r>
-                <a:rPr lang="en-US" dirty="0" smtClean="0"/>
-                <a:t> </a:t>
-              </a:r>
-              <a:r>
-                <a:rPr kumimoji="1" lang="en-US" sz="1800" dirty="0" err="1">
-                  <a:solidFill>
-                    <a:srgbClr val="0000FF"/>
-                  </a:solidFill>
-                  <a:latin typeface="Lucida Console" pitchFamily="49" charset="0"/>
-                  <a:ea typeface="Arial Unicode MS" panose="020B0604020202020204" pitchFamily="34" charset="-128"/>
-                  <a:cs typeface="Calibri" pitchFamily="34" charset="0"/>
-                </a:rPr>
-                <a:t>inscribedInto</a:t>
-              </a:r>
-              <a:r>
-                <a:rPr kumimoji="1" lang="en-US" sz="1800" dirty="0">
-                  <a:solidFill>
-                    <a:srgbClr val="0000FF"/>
-                  </a:solidFill>
-                  <a:latin typeface="Lucida Console" pitchFamily="49" charset="0"/>
-                  <a:ea typeface="Arial Unicode MS" panose="020B0604020202020204" pitchFamily="34" charset="-128"/>
-                  <a:cs typeface="Calibri" pitchFamily="34" charset="0"/>
-                </a:rPr>
-                <a:t> </a:t>
+                <a:t>(</a:t>
               </a:r>
               <a:r>
                 <a:rPr kumimoji="1" lang="en-US" sz="1800" dirty="0" smtClean="0">
@@ -4945,7 +6800,7 @@
                   <a:ea typeface="Arial Unicode MS" panose="020B0604020202020204" pitchFamily="34" charset="-128"/>
                   <a:cs typeface="Calibri" pitchFamily="34" charset="0"/>
                 </a:rPr>
-                <a:t>(Triangle)</a:t>
+                <a:t>Triangle)</a:t>
               </a:r>
               <a:endParaRPr kumimoji="1" lang="en-US" sz="1800" dirty="0">
                 <a:solidFill>
@@ -4967,8 +6822,8 @@
         </p:nvSpPr>
         <p:spPr>
           <a:xfrm>
-            <a:off x="62232" y="4221074"/>
-            <a:ext cx="8856585" cy="2123658"/>
+            <a:off x="52128" y="3789040"/>
+            <a:ext cx="9056376" cy="2308324"/>
           </a:xfrm>
           <a:prstGeom prst="rect">
             <a:avLst/>
@@ -4985,7 +6840,7 @@
               <a:buNone/>
             </a:pPr>
             <a:r>
-              <a:rPr lang="en-US" altLang="en-US" dirty="0">
+              <a:rPr lang="en-US" altLang="en-US" sz="2400" dirty="0">
                 <a:solidFill>
                   <a:srgbClr val="0000FF"/>
                 </a:solidFill>
@@ -4995,7 +6850,7 @@
               <a:t>a: Array [Figure] </a:t>
             </a:r>
             <a:r>
-              <a:rPr lang="en-US" altLang="en-US" b="1" dirty="0">
+              <a:rPr lang="en-US" altLang="en-US" sz="2400" b="1" dirty="0">
                 <a:solidFill>
                   <a:srgbClr val="0000FF"/>
                 </a:solidFill>
@@ -5005,7 +6860,7 @@
               <a:t>is</a:t>
             </a:r>
             <a:r>
-              <a:rPr lang="en-US" altLang="en-US" dirty="0">
+              <a:rPr lang="en-US" altLang="en-US" sz="2400" dirty="0">
                 <a:solidFill>
                   <a:srgbClr val="0000FF"/>
                 </a:solidFill>
@@ -5020,7 +6875,7 @@
               <a:buNone/>
             </a:pPr>
             <a:r>
-              <a:rPr lang="en-US" altLang="en-US" b="1" dirty="0">
+              <a:rPr lang="en-US" altLang="en-US" sz="2400" b="1" dirty="0">
                 <a:solidFill>
                   <a:srgbClr val="0000FF"/>
                 </a:solidFill>
@@ -5030,7 +6885,7 @@
               <a:t>if</a:t>
             </a:r>
             <a:r>
-              <a:rPr lang="en-US" altLang="en-US" dirty="0">
+              <a:rPr lang="en-US" altLang="en-US" sz="2400" dirty="0">
                 <a:solidFill>
                   <a:srgbClr val="0000FF"/>
                 </a:solidFill>
@@ -5040,7 +6895,7 @@
               <a:t> a(1).</a:t>
             </a:r>
             <a:r>
-              <a:rPr lang="en-US" altLang="en-US" dirty="0" err="1">
+              <a:rPr lang="en-US" altLang="en-US" sz="2400" dirty="0" err="1">
                 <a:solidFill>
                   <a:srgbClr val="0000FF"/>
                 </a:solidFill>
@@ -5050,7 +6905,7 @@
               <a:t>inscrinedInto</a:t>
             </a:r>
             <a:r>
-              <a:rPr lang="en-US" altLang="en-US" dirty="0">
+              <a:rPr lang="en-US" altLang="en-US" sz="2400" dirty="0">
                 <a:solidFill>
                   <a:srgbClr val="0000FF"/>
                 </a:solidFill>
@@ -5060,7 +6915,7 @@
               <a:t> (a(2)) </a:t>
             </a:r>
             <a:r>
-              <a:rPr lang="en-US" altLang="en-US" b="1" dirty="0">
+              <a:rPr lang="en-US" altLang="en-US" sz="2400" b="1" dirty="0">
                 <a:solidFill>
                   <a:srgbClr val="0000FF"/>
                 </a:solidFill>
@@ -5070,7 +6925,7 @@
               <a:t>then</a:t>
             </a:r>
             <a:r>
-              <a:rPr lang="en-US" altLang="en-US" dirty="0">
+              <a:rPr lang="en-US" altLang="en-US" sz="2400" dirty="0">
                 <a:solidFill>
                   <a:srgbClr val="0000FF"/>
                 </a:solidFill>
@@ -5080,7 +6935,7 @@
               <a:t> … </a:t>
             </a:r>
             <a:r>
-              <a:rPr lang="en-US" altLang="en-US" b="1" dirty="0">
+              <a:rPr lang="en-US" altLang="en-US" sz="2400" b="1" dirty="0">
                 <a:solidFill>
                   <a:srgbClr val="0000FF"/>
                 </a:solidFill>
@@ -5178,7 +7033,7 @@
               </a:rPr>
               <a:t>conforms to</a:t>
             </a:r>
-            <a:endParaRPr lang="en-US" dirty="0"/>
+            <a:endParaRPr lang="en-US" sz="2400" dirty="0"/>
           </a:p>
         </p:txBody>
       </p:sp>
@@ -5300,7 +7155,7 @@
             <a:fld id="{6278F348-CCBC-472B-BC3F-23EBF19EE4D4}" type="slidenum">
               <a:rPr lang="en-US" smtClean="0"/>
               <a:pPr/>
-              <a:t>3</a:t>
+              <a:t>6</a:t>
             </a:fld>
             <a:endParaRPr lang="en-US" dirty="0"/>
           </a:p>
@@ -5385,6 +7240,2736 @@
     <p:extLst>
       <p:ext uri="{BB962C8B-B14F-4D97-AF65-F5344CB8AC3E}">
         <p14:creationId xmlns:p14="http://schemas.microsoft.com/office/powerpoint/2010/main" val="1564089304"/>
+      </p:ext>
+    </p:extLst>
+  </p:cSld>
+  <p:clrMapOvr>
+    <a:masterClrMapping/>
+  </p:clrMapOvr>
+  <p:transition>
+    <p:fade/>
+  </p:transition>
+  <p:timing>
+    <p:tnLst>
+      <p:par>
+        <p:cTn id="1" dur="indefinite" restart="never" nodeType="tmRoot"/>
+      </p:par>
+    </p:tnLst>
+  </p:timing>
+</p:sld>
+</file>
+
+<file path=ppt/slides/slide7.xml><?xml version="1.0" encoding="utf-8"?>
+<p:sld xmlns:a="http://schemas.openxmlformats.org/drawingml/2006/main" xmlns:r="http://schemas.openxmlformats.org/officeDocument/2006/relationships" xmlns:p="http://schemas.openxmlformats.org/presentationml/2006/main">
+  <p:cSld>
+    <p:spTree>
+      <p:nvGrpSpPr>
+        <p:cNvPr id="1" name=""/>
+        <p:cNvGrpSpPr/>
+        <p:nvPr/>
+      </p:nvGrpSpPr>
+      <p:grpSpPr>
+        <a:xfrm>
+          <a:off x="0" y="0"/>
+          <a:ext cx="0" cy="0"/>
+          <a:chOff x="0" y="0"/>
+          <a:chExt cx="0" cy="0"/>
+        </a:xfrm>
+      </p:grpSpPr>
+      <p:sp>
+        <p:nvSpPr>
+          <p:cNvPr id="2" name="Объект 1"/>
+          <p:cNvSpPr>
+            <a:spLocks noGrp="1"/>
+          </p:cNvSpPr>
+          <p:nvPr>
+            <p:ph idx="1"/>
+          </p:nvPr>
+        </p:nvSpPr>
+        <p:spPr>
+          <a:xfrm>
+            <a:off x="1369" y="548680"/>
+            <a:ext cx="8991600" cy="6035675"/>
+          </a:xfrm>
+        </p:spPr>
+        <p:txBody>
+          <a:bodyPr numCol="2">
+            <a:normAutofit/>
+          </a:bodyPr>
+          <a:lstStyle/>
+          <a:p>
+            <a:pPr marL="0" indent="0">
+              <a:buNone/>
+            </a:pPr>
+            <a:r>
+              <a:rPr lang="en-US" altLang="en-US" sz="1800" b="1" dirty="0" smtClean="0">
+                <a:solidFill>
+                  <a:srgbClr val="0000FF"/>
+                </a:solidFill>
+                <a:latin typeface="Lucida Console" pitchFamily="49" charset="0"/>
+              </a:rPr>
+              <a:t>abstract unit</a:t>
+            </a:r>
+            <a:r>
+              <a:rPr lang="en-US" altLang="en-US" sz="1800" dirty="0" smtClean="0">
+                <a:solidFill>
+                  <a:srgbClr val="0000FF"/>
+                </a:solidFill>
+                <a:latin typeface="Lucida Console" pitchFamily="49" charset="0"/>
+                <a:ea typeface="+mn-ea"/>
+                <a:cs typeface="+mn-cs"/>
+              </a:rPr>
+              <a:t> Base0</a:t>
+            </a:r>
+            <a:endParaRPr lang="en-US" altLang="en-US" sz="1800" dirty="0">
+              <a:solidFill>
+                <a:srgbClr val="0000FF"/>
+              </a:solidFill>
+              <a:latin typeface="Lucida Console" pitchFamily="49" charset="0"/>
+              <a:ea typeface="+mn-ea"/>
+              <a:cs typeface="+mn-cs"/>
+            </a:endParaRPr>
+          </a:p>
+          <a:p>
+            <a:pPr marL="0" indent="0">
+              <a:buNone/>
+            </a:pPr>
+            <a:r>
+              <a:rPr lang="en-US" altLang="en-US" sz="1800" dirty="0" smtClean="0">
+                <a:solidFill>
+                  <a:srgbClr val="0000FF"/>
+                </a:solidFill>
+                <a:latin typeface="Lucida Console" pitchFamily="49" charset="0"/>
+                <a:ea typeface="+mn-ea"/>
+                <a:cs typeface="+mn-cs"/>
+              </a:rPr>
+              <a:t> foo </a:t>
+            </a:r>
+            <a:r>
+              <a:rPr lang="en-US" altLang="en-US" sz="1800" dirty="0">
+                <a:solidFill>
+                  <a:srgbClr val="0000FF"/>
+                </a:solidFill>
+                <a:latin typeface="Lucida Console" pitchFamily="49" charset="0"/>
+                <a:ea typeface="+mn-ea"/>
+                <a:cs typeface="+mn-cs"/>
+              </a:rPr>
+              <a:t>(p: Base0</a:t>
+            </a:r>
+            <a:r>
+              <a:rPr lang="en-US" altLang="en-US" sz="1800" dirty="0" smtClean="0">
+                <a:solidFill>
+                  <a:srgbClr val="0000FF"/>
+                </a:solidFill>
+                <a:latin typeface="Lucida Console" pitchFamily="49" charset="0"/>
+                <a:ea typeface="+mn-ea"/>
+                <a:cs typeface="+mn-cs"/>
+              </a:rPr>
+              <a:t>) </a:t>
+            </a:r>
+            <a:r>
+              <a:rPr lang="en-US" altLang="en-US" sz="1800" b="1" dirty="0">
+                <a:solidFill>
+                  <a:srgbClr val="0000FF"/>
+                </a:solidFill>
+                <a:latin typeface="Lucida Console" pitchFamily="49" charset="0"/>
+              </a:rPr>
+              <a:t>abstract</a:t>
+            </a:r>
+            <a:endParaRPr lang="en-US" altLang="en-US" sz="1800" dirty="0">
+              <a:solidFill>
+                <a:srgbClr val="0000FF"/>
+              </a:solidFill>
+              <a:latin typeface="Lucida Console" pitchFamily="49" charset="0"/>
+              <a:ea typeface="+mn-ea"/>
+              <a:cs typeface="+mn-cs"/>
+            </a:endParaRPr>
+          </a:p>
+          <a:p>
+            <a:pPr marL="0" indent="0">
+              <a:buNone/>
+            </a:pPr>
+            <a:r>
+              <a:rPr lang="en-US" altLang="en-US" sz="1800" b="1" dirty="0" smtClean="0">
+                <a:solidFill>
+                  <a:srgbClr val="0000FF"/>
+                </a:solidFill>
+                <a:latin typeface="Lucida Console" pitchFamily="49" charset="0"/>
+                <a:ea typeface="+mn-ea"/>
+                <a:cs typeface="+mn-cs"/>
+              </a:rPr>
+              <a:t>end</a:t>
+            </a:r>
+            <a:endParaRPr lang="en-US" altLang="en-US" sz="1800" b="1" dirty="0">
+              <a:solidFill>
+                <a:srgbClr val="0000FF"/>
+              </a:solidFill>
+              <a:latin typeface="Lucida Console" pitchFamily="49" charset="0"/>
+              <a:ea typeface="+mn-ea"/>
+              <a:cs typeface="+mn-cs"/>
+            </a:endParaRPr>
+          </a:p>
+          <a:p>
+            <a:pPr marL="0" indent="0">
+              <a:buNone/>
+            </a:pPr>
+            <a:r>
+              <a:rPr lang="en-US" altLang="en-US" sz="1800" b="1" dirty="0">
+                <a:solidFill>
+                  <a:srgbClr val="0000FF"/>
+                </a:solidFill>
+                <a:latin typeface="Lucida Console" pitchFamily="49" charset="0"/>
+              </a:rPr>
+              <a:t>unit</a:t>
+            </a:r>
+            <a:r>
+              <a:rPr lang="en-US" altLang="en-US" sz="1800" dirty="0" smtClean="0">
+                <a:solidFill>
+                  <a:srgbClr val="0000FF"/>
+                </a:solidFill>
+                <a:latin typeface="Lucida Console" pitchFamily="49" charset="0"/>
+                <a:ea typeface="+mn-ea"/>
+                <a:cs typeface="+mn-cs"/>
+              </a:rPr>
+              <a:t> </a:t>
+            </a:r>
+            <a:r>
+              <a:rPr lang="en-US" altLang="en-US" sz="1800" dirty="0">
+                <a:solidFill>
+                  <a:srgbClr val="0000FF"/>
+                </a:solidFill>
+                <a:latin typeface="Lucida Console" pitchFamily="49" charset="0"/>
+                <a:ea typeface="+mn-ea"/>
+                <a:cs typeface="+mn-cs"/>
+              </a:rPr>
+              <a:t>Base1 </a:t>
+            </a:r>
+            <a:r>
+              <a:rPr lang="en-US" altLang="en-US" sz="1800" b="1" dirty="0">
+                <a:solidFill>
+                  <a:srgbClr val="0000FF"/>
+                </a:solidFill>
+                <a:latin typeface="Lucida Console" pitchFamily="49" charset="0"/>
+                <a:ea typeface="+mn-ea"/>
+                <a:cs typeface="+mn-cs"/>
+              </a:rPr>
+              <a:t>extend</a:t>
+            </a:r>
+            <a:r>
+              <a:rPr lang="en-US" altLang="en-US" sz="1800" dirty="0">
+                <a:solidFill>
+                  <a:srgbClr val="0000FF"/>
+                </a:solidFill>
+                <a:latin typeface="Lucida Console" pitchFamily="49" charset="0"/>
+                <a:ea typeface="+mn-ea"/>
+                <a:cs typeface="+mn-cs"/>
+              </a:rPr>
+              <a:t> Base0 </a:t>
+            </a:r>
+          </a:p>
+          <a:p>
+            <a:pPr marL="0" indent="0">
+              <a:buNone/>
+            </a:pPr>
+            <a:r>
+              <a:rPr lang="en-US" altLang="en-US" sz="1800" dirty="0">
+                <a:solidFill>
+                  <a:srgbClr val="0000FF"/>
+                </a:solidFill>
+                <a:latin typeface="Lucida Console" pitchFamily="49" charset="0"/>
+                <a:ea typeface="+mn-ea"/>
+                <a:cs typeface="+mn-cs"/>
+              </a:rPr>
+              <a:t> </a:t>
+            </a:r>
+            <a:r>
+              <a:rPr lang="en-US" altLang="en-US" sz="1800" b="1" dirty="0" smtClean="0">
+                <a:solidFill>
+                  <a:srgbClr val="0000FF"/>
+                </a:solidFill>
+                <a:latin typeface="Lucida Console" pitchFamily="49" charset="0"/>
+                <a:ea typeface="+mn-ea"/>
+                <a:cs typeface="+mn-cs"/>
+              </a:rPr>
+              <a:t>override</a:t>
+            </a:r>
+            <a:r>
+              <a:rPr lang="en-US" altLang="en-US" sz="1800" dirty="0" smtClean="0">
+                <a:solidFill>
+                  <a:srgbClr val="0000FF"/>
+                </a:solidFill>
+                <a:latin typeface="Lucida Console" pitchFamily="49" charset="0"/>
+                <a:ea typeface="+mn-ea"/>
+                <a:cs typeface="+mn-cs"/>
+              </a:rPr>
+              <a:t> </a:t>
+            </a:r>
+            <a:r>
+              <a:rPr lang="en-US" altLang="en-US" sz="1800" dirty="0">
+                <a:solidFill>
+                  <a:srgbClr val="0000FF"/>
+                </a:solidFill>
+                <a:latin typeface="Lucida Console" pitchFamily="49" charset="0"/>
+                <a:ea typeface="+mn-ea"/>
+                <a:cs typeface="+mn-cs"/>
+              </a:rPr>
+              <a:t>foo (p: Base1)</a:t>
+            </a:r>
+          </a:p>
+          <a:p>
+            <a:pPr marL="0" indent="0">
+              <a:buNone/>
+            </a:pPr>
+            <a:r>
+              <a:rPr lang="en-US" altLang="en-US" sz="1800" dirty="0">
+                <a:solidFill>
+                  <a:srgbClr val="0000FF"/>
+                </a:solidFill>
+                <a:latin typeface="Lucida Console" pitchFamily="49" charset="0"/>
+                <a:ea typeface="+mn-ea"/>
+                <a:cs typeface="+mn-cs"/>
+              </a:rPr>
+              <a:t> </a:t>
+            </a:r>
+            <a:r>
+              <a:rPr lang="en-US" altLang="en-US" sz="1800" b="1" dirty="0" smtClean="0">
+                <a:solidFill>
+                  <a:srgbClr val="0000FF"/>
+                </a:solidFill>
+                <a:latin typeface="Lucida Console" pitchFamily="49" charset="0"/>
+              </a:rPr>
+              <a:t>override</a:t>
+            </a:r>
+            <a:r>
+              <a:rPr lang="en-US" altLang="en-US" sz="1800" dirty="0" smtClean="0">
+                <a:solidFill>
+                  <a:srgbClr val="0000FF"/>
+                </a:solidFill>
+                <a:latin typeface="Lucida Console" pitchFamily="49" charset="0"/>
+                <a:ea typeface="+mn-ea"/>
+                <a:cs typeface="+mn-cs"/>
+              </a:rPr>
+              <a:t> </a:t>
+            </a:r>
+            <a:r>
+              <a:rPr lang="en-US" altLang="en-US" sz="1800" dirty="0">
+                <a:solidFill>
+                  <a:srgbClr val="0000FF"/>
+                </a:solidFill>
+                <a:latin typeface="Lucida Console" pitchFamily="49" charset="0"/>
+                <a:ea typeface="+mn-ea"/>
+                <a:cs typeface="+mn-cs"/>
+              </a:rPr>
+              <a:t>foo (p: Base0)</a:t>
+            </a:r>
+          </a:p>
+          <a:p>
+            <a:pPr marL="0" indent="0">
+              <a:buNone/>
+            </a:pPr>
+            <a:r>
+              <a:rPr lang="en-US" altLang="en-US" sz="1800" b="1" dirty="0">
+                <a:solidFill>
+                  <a:srgbClr val="0000FF"/>
+                </a:solidFill>
+                <a:latin typeface="Lucida Console" pitchFamily="49" charset="0"/>
+              </a:rPr>
+              <a:t>end</a:t>
+            </a:r>
+            <a:endParaRPr lang="en-US" altLang="en-US" sz="1800" dirty="0">
+              <a:solidFill>
+                <a:srgbClr val="0000FF"/>
+              </a:solidFill>
+              <a:latin typeface="Lucida Console" pitchFamily="49" charset="0"/>
+              <a:ea typeface="+mn-ea"/>
+              <a:cs typeface="+mn-cs"/>
+            </a:endParaRPr>
+          </a:p>
+          <a:p>
+            <a:pPr marL="0" indent="0">
+              <a:buNone/>
+            </a:pPr>
+            <a:r>
+              <a:rPr lang="en-US" altLang="en-US" sz="1800" b="1" dirty="0" smtClean="0">
+                <a:solidFill>
+                  <a:srgbClr val="0000FF"/>
+                </a:solidFill>
+                <a:latin typeface="Lucida Console" pitchFamily="49" charset="0"/>
+              </a:rPr>
+              <a:t>unit</a:t>
+            </a:r>
+            <a:r>
+              <a:rPr lang="en-US" altLang="en-US" sz="1800" dirty="0" smtClean="0">
+                <a:solidFill>
+                  <a:srgbClr val="0000FF"/>
+                </a:solidFill>
+                <a:latin typeface="Lucida Console" pitchFamily="49" charset="0"/>
+                <a:ea typeface="+mn-ea"/>
+                <a:cs typeface="+mn-cs"/>
+              </a:rPr>
+              <a:t> </a:t>
+            </a:r>
+            <a:r>
+              <a:rPr lang="en-US" altLang="en-US" sz="1800" dirty="0">
+                <a:solidFill>
+                  <a:srgbClr val="0000FF"/>
+                </a:solidFill>
+                <a:latin typeface="Lucida Console" pitchFamily="49" charset="0"/>
+                <a:ea typeface="+mn-ea"/>
+                <a:cs typeface="+mn-cs"/>
+              </a:rPr>
+              <a:t>Base2 </a:t>
+            </a:r>
+            <a:r>
+              <a:rPr lang="en-US" altLang="en-US" sz="1800" b="1" dirty="0" smtClean="0">
+                <a:solidFill>
+                  <a:srgbClr val="0000FF"/>
+                </a:solidFill>
+                <a:latin typeface="Lucida Console" pitchFamily="49" charset="0"/>
+                <a:ea typeface="+mn-ea"/>
+                <a:cs typeface="+mn-cs"/>
+              </a:rPr>
+              <a:t>extend</a:t>
+            </a:r>
+            <a:r>
+              <a:rPr lang="en-US" altLang="en-US" sz="1800" dirty="0" smtClean="0">
+                <a:solidFill>
+                  <a:srgbClr val="0000FF"/>
+                </a:solidFill>
+                <a:latin typeface="Lucida Console" pitchFamily="49" charset="0"/>
+                <a:ea typeface="+mn-ea"/>
+                <a:cs typeface="+mn-cs"/>
+              </a:rPr>
+              <a:t> </a:t>
+            </a:r>
+            <a:r>
+              <a:rPr lang="en-US" altLang="en-US" sz="1800" dirty="0">
+                <a:solidFill>
+                  <a:srgbClr val="0000FF"/>
+                </a:solidFill>
+                <a:latin typeface="Lucida Console" pitchFamily="49" charset="0"/>
+                <a:ea typeface="+mn-ea"/>
+                <a:cs typeface="+mn-cs"/>
+              </a:rPr>
+              <a:t>Base0 </a:t>
+            </a:r>
+          </a:p>
+          <a:p>
+            <a:pPr marL="0" indent="0">
+              <a:buNone/>
+            </a:pPr>
+            <a:r>
+              <a:rPr lang="en-US" altLang="en-US" sz="1800" dirty="0">
+                <a:solidFill>
+                  <a:srgbClr val="0000FF"/>
+                </a:solidFill>
+                <a:latin typeface="Lucida Console" pitchFamily="49" charset="0"/>
+                <a:ea typeface="+mn-ea"/>
+                <a:cs typeface="+mn-cs"/>
+              </a:rPr>
+              <a:t> </a:t>
+            </a:r>
+            <a:r>
+              <a:rPr lang="en-US" altLang="en-US" sz="1800" b="1" smtClean="0">
+                <a:solidFill>
+                  <a:srgbClr val="0000FF"/>
+                </a:solidFill>
+                <a:latin typeface="Lucida Console" pitchFamily="49" charset="0"/>
+              </a:rPr>
+              <a:t>override </a:t>
+            </a:r>
+            <a:r>
+              <a:rPr lang="en-US" altLang="en-US" sz="1800" smtClean="0">
+                <a:solidFill>
+                  <a:srgbClr val="0000FF"/>
+                </a:solidFill>
+                <a:latin typeface="Lucida Console" pitchFamily="49" charset="0"/>
+                <a:ea typeface="+mn-ea"/>
+                <a:cs typeface="+mn-cs"/>
+              </a:rPr>
+              <a:t>foo </a:t>
+            </a:r>
+            <a:r>
+              <a:rPr lang="en-US" altLang="en-US" sz="1800" dirty="0">
+                <a:solidFill>
+                  <a:srgbClr val="0000FF"/>
+                </a:solidFill>
+                <a:latin typeface="Lucida Console" pitchFamily="49" charset="0"/>
+                <a:ea typeface="+mn-ea"/>
+                <a:cs typeface="+mn-cs"/>
+              </a:rPr>
+              <a:t>(p: Base2)</a:t>
+            </a:r>
+          </a:p>
+          <a:p>
+            <a:pPr marL="0" indent="0">
+              <a:buNone/>
+            </a:pPr>
+            <a:r>
+              <a:rPr lang="en-US" altLang="en-US" sz="1800" b="1" dirty="0" smtClean="0">
+                <a:solidFill>
+                  <a:srgbClr val="0000FF"/>
+                </a:solidFill>
+                <a:latin typeface="Lucida Console" pitchFamily="49" charset="0"/>
+              </a:rPr>
+              <a:t> override</a:t>
+            </a:r>
+            <a:r>
+              <a:rPr lang="en-US" altLang="en-US" sz="1800" dirty="0" smtClean="0">
+                <a:solidFill>
+                  <a:srgbClr val="0000FF"/>
+                </a:solidFill>
+                <a:latin typeface="Lucida Console" pitchFamily="49" charset="0"/>
+                <a:ea typeface="+mn-ea"/>
+                <a:cs typeface="+mn-cs"/>
+              </a:rPr>
+              <a:t> </a:t>
+            </a:r>
+            <a:r>
+              <a:rPr lang="en-US" altLang="en-US" sz="1800" dirty="0">
+                <a:solidFill>
+                  <a:srgbClr val="0000FF"/>
+                </a:solidFill>
+                <a:latin typeface="Lucida Console" pitchFamily="49" charset="0"/>
+                <a:ea typeface="+mn-ea"/>
+                <a:cs typeface="+mn-cs"/>
+              </a:rPr>
+              <a:t>foo (p: Base0)</a:t>
+            </a:r>
+          </a:p>
+          <a:p>
+            <a:pPr marL="0" indent="0">
+              <a:buNone/>
+            </a:pPr>
+            <a:r>
+              <a:rPr lang="en-US" altLang="en-US" sz="1800" b="1" dirty="0">
+                <a:solidFill>
+                  <a:srgbClr val="0000FF"/>
+                </a:solidFill>
+                <a:latin typeface="Lucida Console" pitchFamily="49" charset="0"/>
+              </a:rPr>
+              <a:t>end</a:t>
+            </a:r>
+            <a:endParaRPr lang="en-US" altLang="en-US" sz="1800" dirty="0">
+              <a:solidFill>
+                <a:srgbClr val="0000FF"/>
+              </a:solidFill>
+              <a:latin typeface="Lucida Console" pitchFamily="49" charset="0"/>
+              <a:ea typeface="+mn-ea"/>
+              <a:cs typeface="+mn-cs"/>
+            </a:endParaRPr>
+          </a:p>
+          <a:p>
+            <a:pPr marL="0" indent="0">
+              <a:buNone/>
+            </a:pPr>
+            <a:r>
+              <a:rPr lang="en-US" altLang="en-US" sz="1800" b="1" dirty="0" smtClean="0">
+                <a:solidFill>
+                  <a:srgbClr val="0000FF"/>
+                </a:solidFill>
+                <a:latin typeface="Lucida Console" pitchFamily="49" charset="0"/>
+              </a:rPr>
+              <a:t>unit</a:t>
+            </a:r>
+            <a:r>
+              <a:rPr lang="en-US" altLang="en-US" sz="1800" dirty="0" smtClean="0">
+                <a:solidFill>
+                  <a:srgbClr val="0000FF"/>
+                </a:solidFill>
+                <a:latin typeface="Lucida Console" pitchFamily="49" charset="0"/>
+                <a:ea typeface="+mn-ea"/>
+                <a:cs typeface="+mn-cs"/>
+              </a:rPr>
+              <a:t> </a:t>
+            </a:r>
+            <a:r>
+              <a:rPr lang="en-US" altLang="en-US" sz="1800" dirty="0">
+                <a:solidFill>
+                  <a:srgbClr val="0000FF"/>
+                </a:solidFill>
+                <a:latin typeface="Lucida Console" pitchFamily="49" charset="0"/>
+                <a:ea typeface="+mn-ea"/>
+                <a:cs typeface="+mn-cs"/>
+              </a:rPr>
+              <a:t>Derived </a:t>
+            </a:r>
+            <a:r>
+              <a:rPr lang="en-US" altLang="en-US" sz="1800" b="1" dirty="0">
+                <a:solidFill>
+                  <a:srgbClr val="0000FF"/>
+                </a:solidFill>
+                <a:latin typeface="Lucida Console" pitchFamily="49" charset="0"/>
+                <a:ea typeface="+mn-ea"/>
+                <a:cs typeface="+mn-cs"/>
+              </a:rPr>
+              <a:t>extend</a:t>
+            </a:r>
+            <a:r>
+              <a:rPr lang="en-US" altLang="en-US" sz="1800" dirty="0">
+                <a:solidFill>
+                  <a:srgbClr val="0000FF"/>
+                </a:solidFill>
+                <a:latin typeface="Lucida Console" pitchFamily="49" charset="0"/>
+                <a:ea typeface="+mn-ea"/>
+                <a:cs typeface="+mn-cs"/>
+              </a:rPr>
+              <a:t> Base1, Base2 </a:t>
+            </a:r>
+          </a:p>
+          <a:p>
+            <a:pPr marL="0" indent="0">
+              <a:buNone/>
+            </a:pPr>
+            <a:r>
+              <a:rPr lang="en-US" altLang="en-US" sz="1800" dirty="0" smtClean="0">
+                <a:solidFill>
+                  <a:srgbClr val="0000FF"/>
+                </a:solidFill>
+                <a:latin typeface="Lucida Console" pitchFamily="49" charset="0"/>
+                <a:ea typeface="+mn-ea"/>
+                <a:cs typeface="+mn-cs"/>
+              </a:rPr>
+              <a:t> </a:t>
+            </a:r>
+            <a:r>
+              <a:rPr lang="en-US" altLang="en-US" sz="1800" b="1" dirty="0" smtClean="0">
+                <a:solidFill>
+                  <a:srgbClr val="0000FF"/>
+                </a:solidFill>
+                <a:latin typeface="Lucida Console" pitchFamily="49" charset="0"/>
+              </a:rPr>
+              <a:t>override </a:t>
+            </a:r>
+            <a:r>
+              <a:rPr lang="en-US" altLang="en-US" sz="1800" dirty="0" smtClean="0">
+                <a:solidFill>
+                  <a:srgbClr val="0000FF"/>
+                </a:solidFill>
+                <a:latin typeface="Lucida Console" pitchFamily="49" charset="0"/>
+                <a:ea typeface="+mn-ea"/>
+                <a:cs typeface="+mn-cs"/>
+              </a:rPr>
+              <a:t>foo </a:t>
+            </a:r>
+            <a:r>
+              <a:rPr lang="en-US" altLang="en-US" sz="1800" dirty="0">
+                <a:solidFill>
+                  <a:srgbClr val="0000FF"/>
+                </a:solidFill>
+                <a:latin typeface="Lucida Console" pitchFamily="49" charset="0"/>
+                <a:ea typeface="+mn-ea"/>
+                <a:cs typeface="+mn-cs"/>
+              </a:rPr>
+              <a:t>(p: Derived</a:t>
+            </a:r>
+            <a:r>
+              <a:rPr lang="en-US" altLang="en-US" sz="1800" dirty="0" smtClean="0">
+                <a:solidFill>
+                  <a:srgbClr val="0000FF"/>
+                </a:solidFill>
+                <a:latin typeface="Lucida Console" pitchFamily="49" charset="0"/>
+                <a:ea typeface="+mn-ea"/>
+                <a:cs typeface="+mn-cs"/>
+              </a:rPr>
+              <a:t>)</a:t>
+            </a:r>
+          </a:p>
+          <a:p>
+            <a:pPr marL="0" indent="0">
+              <a:buNone/>
+            </a:pPr>
+            <a:r>
+              <a:rPr lang="en-US" altLang="en-US" sz="1800" dirty="0" smtClean="0">
+                <a:solidFill>
+                  <a:srgbClr val="0000FF"/>
+                </a:solidFill>
+                <a:latin typeface="Lucida Console" pitchFamily="49" charset="0"/>
+                <a:ea typeface="+mn-ea"/>
+                <a:cs typeface="+mn-cs"/>
+              </a:rPr>
+              <a:t> /* covariant overriding */</a:t>
+            </a:r>
+          </a:p>
+          <a:p>
+            <a:pPr marL="0" indent="0">
+              <a:buNone/>
+            </a:pPr>
+            <a:r>
+              <a:rPr lang="en-US" altLang="en-US" sz="1800" dirty="0">
+                <a:solidFill>
+                  <a:srgbClr val="0000FF"/>
+                </a:solidFill>
+                <a:latin typeface="Lucida Console" pitchFamily="49" charset="0"/>
+                <a:ea typeface="+mn-ea"/>
+                <a:cs typeface="+mn-cs"/>
+              </a:rPr>
+              <a:t> </a:t>
+            </a:r>
+            <a:r>
+              <a:rPr lang="en-US" altLang="en-US" sz="1800" dirty="0" smtClean="0">
+                <a:solidFill>
+                  <a:srgbClr val="0000FF"/>
+                </a:solidFill>
+                <a:latin typeface="Lucida Console" pitchFamily="49" charset="0"/>
+                <a:ea typeface="+mn-ea"/>
+                <a:cs typeface="+mn-cs"/>
+              </a:rPr>
+              <a:t>// Option #1</a:t>
+            </a:r>
+            <a:endParaRPr lang="en-US" altLang="en-US" sz="1800" dirty="0">
+              <a:solidFill>
+                <a:srgbClr val="0000FF"/>
+              </a:solidFill>
+              <a:latin typeface="Lucida Console" pitchFamily="49" charset="0"/>
+              <a:ea typeface="+mn-ea"/>
+              <a:cs typeface="+mn-cs"/>
+            </a:endParaRPr>
+          </a:p>
+          <a:p>
+            <a:pPr marL="0" indent="0">
+              <a:buNone/>
+            </a:pPr>
+            <a:r>
+              <a:rPr lang="en-US" altLang="en-US" sz="1800" dirty="0" smtClean="0">
+                <a:solidFill>
+                  <a:srgbClr val="0000FF"/>
+                </a:solidFill>
+                <a:latin typeface="Lucida Console" pitchFamily="49" charset="0"/>
+                <a:ea typeface="+mn-ea"/>
+                <a:cs typeface="+mn-cs"/>
+              </a:rPr>
+              <a:t> </a:t>
+            </a:r>
+            <a:r>
+              <a:rPr lang="en-US" altLang="en-US" sz="1800" b="1" dirty="0" smtClean="0">
+                <a:solidFill>
+                  <a:srgbClr val="0000FF"/>
+                </a:solidFill>
+                <a:latin typeface="Lucida Console" pitchFamily="49" charset="0"/>
+              </a:rPr>
+              <a:t>override </a:t>
+            </a:r>
+            <a:r>
+              <a:rPr lang="en-US" altLang="en-US" sz="1800" dirty="0" smtClean="0">
+                <a:solidFill>
+                  <a:srgbClr val="0000FF"/>
+                </a:solidFill>
+                <a:latin typeface="Lucida Console" pitchFamily="49" charset="0"/>
+                <a:ea typeface="+mn-ea"/>
+                <a:cs typeface="+mn-cs"/>
+              </a:rPr>
+              <a:t>foo </a:t>
+            </a:r>
+            <a:r>
+              <a:rPr lang="en-US" altLang="en-US" sz="1800" dirty="0">
+                <a:solidFill>
+                  <a:srgbClr val="0000FF"/>
+                </a:solidFill>
+                <a:latin typeface="Lucida Console" pitchFamily="49" charset="0"/>
+                <a:ea typeface="+mn-ea"/>
+                <a:cs typeface="+mn-cs"/>
+              </a:rPr>
+              <a:t>(p: Base1 ) </a:t>
+            </a:r>
+            <a:endParaRPr lang="en-US" altLang="en-US" sz="1800" dirty="0" smtClean="0">
+              <a:solidFill>
+                <a:srgbClr val="0000FF"/>
+              </a:solidFill>
+              <a:latin typeface="Lucida Console" pitchFamily="49" charset="0"/>
+              <a:ea typeface="+mn-ea"/>
+              <a:cs typeface="+mn-cs"/>
+            </a:endParaRPr>
+          </a:p>
+          <a:p>
+            <a:pPr marL="0" indent="0">
+              <a:buNone/>
+            </a:pPr>
+            <a:r>
+              <a:rPr lang="en-US" altLang="en-US" sz="1800" b="1" dirty="0">
+                <a:solidFill>
+                  <a:srgbClr val="0000FF"/>
+                </a:solidFill>
+                <a:latin typeface="Lucida Console" pitchFamily="49" charset="0"/>
+                <a:ea typeface="+mn-ea"/>
+                <a:cs typeface="+mn-cs"/>
+              </a:rPr>
+              <a:t> </a:t>
+            </a:r>
+            <a:r>
+              <a:rPr lang="en-US" altLang="en-US" sz="1800" b="1" dirty="0" smtClean="0">
+                <a:solidFill>
+                  <a:srgbClr val="0000FF"/>
+                </a:solidFill>
+                <a:latin typeface="Lucida Console" pitchFamily="49" charset="0"/>
+              </a:rPr>
+              <a:t>override</a:t>
+            </a:r>
+            <a:r>
+              <a:rPr lang="en-US" altLang="en-US" sz="1800" dirty="0" smtClean="0">
+                <a:solidFill>
+                  <a:srgbClr val="0000FF"/>
+                </a:solidFill>
+                <a:latin typeface="Lucida Console" pitchFamily="49" charset="0"/>
+                <a:ea typeface="+mn-ea"/>
+                <a:cs typeface="+mn-cs"/>
+              </a:rPr>
+              <a:t> </a:t>
+            </a:r>
+            <a:r>
+              <a:rPr lang="en-US" altLang="en-US" sz="1800" dirty="0">
+                <a:solidFill>
+                  <a:srgbClr val="0000FF"/>
+                </a:solidFill>
+                <a:latin typeface="Lucida Console" pitchFamily="49" charset="0"/>
+                <a:ea typeface="+mn-ea"/>
+                <a:cs typeface="+mn-cs"/>
+              </a:rPr>
+              <a:t>foo (p: Base2 </a:t>
+            </a:r>
+            <a:r>
+              <a:rPr lang="en-US" altLang="en-US" sz="1800" dirty="0" smtClean="0">
+                <a:solidFill>
+                  <a:srgbClr val="0000FF"/>
+                </a:solidFill>
+                <a:latin typeface="Lucida Console" pitchFamily="49" charset="0"/>
+                <a:ea typeface="+mn-ea"/>
+                <a:cs typeface="+mn-cs"/>
+              </a:rPr>
+              <a:t>)</a:t>
+            </a:r>
+          </a:p>
+          <a:p>
+            <a:pPr marL="0" indent="0">
+              <a:buNone/>
+            </a:pPr>
+            <a:r>
+              <a:rPr lang="en-US" altLang="en-US" sz="1800" dirty="0">
+                <a:solidFill>
+                  <a:srgbClr val="0000FF"/>
+                </a:solidFill>
+                <a:latin typeface="Lucida Console" pitchFamily="49" charset="0"/>
+                <a:ea typeface="+mn-ea"/>
+                <a:cs typeface="+mn-cs"/>
+              </a:rPr>
+              <a:t> </a:t>
+            </a:r>
+            <a:r>
+              <a:rPr lang="en-US" altLang="en-US" sz="1800" dirty="0" smtClean="0">
+                <a:solidFill>
+                  <a:srgbClr val="0000FF"/>
+                </a:solidFill>
+                <a:latin typeface="Lucida Console" pitchFamily="49" charset="0"/>
+                <a:ea typeface="+mn-ea"/>
+                <a:cs typeface="+mn-cs"/>
+              </a:rPr>
+              <a:t>// Option #2</a:t>
+            </a:r>
+            <a:endParaRPr lang="en-US" altLang="en-US" sz="1800" dirty="0">
+              <a:solidFill>
+                <a:srgbClr val="0000FF"/>
+              </a:solidFill>
+              <a:latin typeface="Lucida Console" pitchFamily="49" charset="0"/>
+              <a:ea typeface="+mn-ea"/>
+              <a:cs typeface="+mn-cs"/>
+            </a:endParaRPr>
+          </a:p>
+          <a:p>
+            <a:pPr marL="0" indent="0">
+              <a:buNone/>
+            </a:pPr>
+            <a:r>
+              <a:rPr lang="en-US" altLang="en-US" sz="1800" b="1" dirty="0" smtClean="0">
+                <a:solidFill>
+                  <a:srgbClr val="0000FF"/>
+                </a:solidFill>
+                <a:latin typeface="Lucida Console" pitchFamily="49" charset="0"/>
+              </a:rPr>
+              <a:t> override </a:t>
+            </a:r>
+            <a:r>
+              <a:rPr lang="en-US" altLang="en-US" sz="1800" dirty="0" smtClean="0">
+                <a:solidFill>
+                  <a:srgbClr val="0000FF"/>
+                </a:solidFill>
+                <a:latin typeface="Lucida Console" pitchFamily="49" charset="0"/>
+                <a:ea typeface="+mn-ea"/>
+                <a:cs typeface="+mn-cs"/>
+              </a:rPr>
+              <a:t>foo </a:t>
+            </a:r>
+            <a:r>
+              <a:rPr lang="en-US" altLang="en-US" sz="1800" dirty="0">
+                <a:solidFill>
+                  <a:srgbClr val="0000FF"/>
+                </a:solidFill>
+                <a:latin typeface="Lucida Console" pitchFamily="49" charset="0"/>
+                <a:ea typeface="+mn-ea"/>
+                <a:cs typeface="+mn-cs"/>
+              </a:rPr>
+              <a:t>(p: </a:t>
+            </a:r>
+            <a:r>
+              <a:rPr lang="en-US" altLang="en-US" sz="1800" dirty="0" smtClean="0">
+                <a:solidFill>
+                  <a:srgbClr val="0000FF"/>
+                </a:solidFill>
+                <a:latin typeface="Lucida Console" pitchFamily="49" charset="0"/>
+                <a:ea typeface="+mn-ea"/>
+                <a:cs typeface="+mn-cs"/>
+              </a:rPr>
+              <a:t>Base1|Base2 )</a:t>
+            </a:r>
+            <a:endParaRPr lang="en-US" altLang="en-US" sz="1800" dirty="0">
+              <a:solidFill>
+                <a:srgbClr val="0000FF"/>
+              </a:solidFill>
+              <a:latin typeface="Lucida Console" pitchFamily="49" charset="0"/>
+              <a:ea typeface="+mn-ea"/>
+              <a:cs typeface="+mn-cs"/>
+            </a:endParaRPr>
+          </a:p>
+          <a:p>
+            <a:pPr marL="0" indent="0">
+              <a:buNone/>
+            </a:pPr>
+            <a:r>
+              <a:rPr lang="en-US" altLang="en-US" sz="1800" b="1" dirty="0" smtClean="0">
+                <a:solidFill>
+                  <a:srgbClr val="0000FF"/>
+                </a:solidFill>
+                <a:latin typeface="Lucida Console" pitchFamily="49" charset="0"/>
+              </a:rPr>
+              <a:t>end</a:t>
+            </a:r>
+          </a:p>
+          <a:p>
+            <a:pPr marL="0" indent="0">
+              <a:buNone/>
+            </a:pPr>
+            <a:endParaRPr lang="en-US" altLang="en-US" sz="1800" dirty="0">
+              <a:solidFill>
+                <a:srgbClr val="0000FF"/>
+              </a:solidFill>
+              <a:latin typeface="Lucida Console" pitchFamily="49" charset="0"/>
+              <a:ea typeface="+mn-ea"/>
+              <a:cs typeface="+mn-cs"/>
+            </a:endParaRPr>
+          </a:p>
+          <a:p>
+            <a:pPr marL="0" indent="0">
+              <a:buNone/>
+            </a:pPr>
+            <a:r>
+              <a:rPr lang="en-US" altLang="en-US" sz="1800" dirty="0">
+                <a:solidFill>
+                  <a:srgbClr val="0000FF"/>
+                </a:solidFill>
+                <a:latin typeface="Lucida Console" pitchFamily="49" charset="0"/>
+                <a:ea typeface="+mn-ea"/>
+                <a:cs typeface="+mn-cs"/>
+              </a:rPr>
+              <a:t>goo (</a:t>
+            </a:r>
+            <a:r>
+              <a:rPr lang="en-US" altLang="en-US" sz="1800" dirty="0" err="1">
+                <a:solidFill>
+                  <a:srgbClr val="0000FF"/>
+                </a:solidFill>
+                <a:latin typeface="Lucida Console" pitchFamily="49" charset="0"/>
+                <a:ea typeface="+mn-ea"/>
+                <a:cs typeface="+mn-cs"/>
+              </a:rPr>
+              <a:t>a,b</a:t>
+            </a:r>
+            <a:r>
+              <a:rPr lang="en-US" altLang="en-US" sz="1800" dirty="0">
+                <a:solidFill>
+                  <a:srgbClr val="0000FF"/>
+                </a:solidFill>
+                <a:latin typeface="Lucida Console" pitchFamily="49" charset="0"/>
+                <a:ea typeface="+mn-ea"/>
+                <a:cs typeface="+mn-cs"/>
+              </a:rPr>
+              <a:t>: Base0) </a:t>
+            </a:r>
+            <a:r>
+              <a:rPr lang="en-US" altLang="en-US" sz="1800" b="1" dirty="0" smtClean="0">
+                <a:solidFill>
+                  <a:srgbClr val="0000FF"/>
+                </a:solidFill>
+                <a:latin typeface="Lucida Console" pitchFamily="49" charset="0"/>
+                <a:ea typeface="+mn-ea"/>
+                <a:cs typeface="+mn-cs"/>
+              </a:rPr>
+              <a:t>do</a:t>
+            </a:r>
+            <a:endParaRPr lang="en-US" altLang="en-US" sz="1800" b="1" dirty="0">
+              <a:solidFill>
+                <a:srgbClr val="0000FF"/>
+              </a:solidFill>
+              <a:latin typeface="Lucida Console" pitchFamily="49" charset="0"/>
+              <a:ea typeface="+mn-ea"/>
+              <a:cs typeface="+mn-cs"/>
+            </a:endParaRPr>
+          </a:p>
+          <a:p>
+            <a:pPr marL="0" indent="0">
+              <a:buNone/>
+            </a:pPr>
+            <a:r>
+              <a:rPr lang="en-US" altLang="en-US" sz="1800" dirty="0">
+                <a:solidFill>
+                  <a:srgbClr val="0000FF"/>
+                </a:solidFill>
+                <a:latin typeface="Lucida Console" pitchFamily="49" charset="0"/>
+                <a:ea typeface="+mn-ea"/>
+                <a:cs typeface="+mn-cs"/>
+              </a:rPr>
+              <a:t> </a:t>
+            </a:r>
+            <a:r>
+              <a:rPr lang="en-US" altLang="en-US" sz="1800" dirty="0" err="1" smtClean="0">
+                <a:solidFill>
+                  <a:srgbClr val="0000FF"/>
+                </a:solidFill>
+                <a:latin typeface="Lucida Console" pitchFamily="49" charset="0"/>
+                <a:ea typeface="+mn-ea"/>
+                <a:cs typeface="+mn-cs"/>
+              </a:rPr>
+              <a:t>a.foo</a:t>
+            </a:r>
+            <a:r>
+              <a:rPr lang="en-US" altLang="en-US" sz="1800" dirty="0" smtClean="0">
+                <a:solidFill>
+                  <a:srgbClr val="0000FF"/>
+                </a:solidFill>
+                <a:latin typeface="Lucida Console" pitchFamily="49" charset="0"/>
+                <a:ea typeface="+mn-ea"/>
+                <a:cs typeface="+mn-cs"/>
+              </a:rPr>
+              <a:t>(b) // catcall source</a:t>
+            </a:r>
+            <a:endParaRPr lang="en-US" altLang="en-US" sz="1800" dirty="0">
+              <a:solidFill>
+                <a:srgbClr val="0000FF"/>
+              </a:solidFill>
+              <a:latin typeface="Lucida Console" pitchFamily="49" charset="0"/>
+              <a:ea typeface="+mn-ea"/>
+              <a:cs typeface="+mn-cs"/>
+            </a:endParaRPr>
+          </a:p>
+          <a:p>
+            <a:pPr marL="0" indent="0">
+              <a:buNone/>
+            </a:pPr>
+            <a:r>
+              <a:rPr lang="en-US" altLang="en-US" sz="1800" b="1" dirty="0">
+                <a:solidFill>
+                  <a:srgbClr val="0000FF"/>
+                </a:solidFill>
+                <a:latin typeface="Lucida Console" pitchFamily="49" charset="0"/>
+              </a:rPr>
+              <a:t>end</a:t>
+            </a:r>
+            <a:endParaRPr lang="en-US" altLang="en-US" sz="1800" dirty="0">
+              <a:solidFill>
+                <a:srgbClr val="0000FF"/>
+              </a:solidFill>
+              <a:latin typeface="Lucida Console" pitchFamily="49" charset="0"/>
+              <a:ea typeface="+mn-ea"/>
+              <a:cs typeface="+mn-cs"/>
+            </a:endParaRPr>
+          </a:p>
+          <a:p>
+            <a:pPr marL="0" indent="0">
+              <a:buNone/>
+            </a:pPr>
+            <a:endParaRPr lang="en-US" altLang="en-US" sz="1800" dirty="0">
+              <a:solidFill>
+                <a:srgbClr val="0000FF"/>
+              </a:solidFill>
+              <a:latin typeface="Lucida Console" pitchFamily="49" charset="0"/>
+              <a:ea typeface="+mn-ea"/>
+              <a:cs typeface="+mn-cs"/>
+            </a:endParaRPr>
+          </a:p>
+          <a:p>
+            <a:pPr marL="0" indent="0">
+              <a:buNone/>
+            </a:pPr>
+            <a:r>
+              <a:rPr lang="en-US" altLang="en-US" sz="1800" dirty="0" smtClean="0">
+                <a:solidFill>
+                  <a:srgbClr val="0000FF"/>
+                </a:solidFill>
+                <a:latin typeface="Lucida Console" pitchFamily="49" charset="0"/>
+                <a:ea typeface="+mn-ea"/>
+                <a:cs typeface="+mn-cs"/>
+              </a:rPr>
+              <a:t>/* Calls which lead to type unsafety */</a:t>
+            </a:r>
+            <a:endParaRPr lang="en-US" altLang="en-US" sz="1800" dirty="0">
+              <a:solidFill>
+                <a:srgbClr val="0000FF"/>
+              </a:solidFill>
+              <a:latin typeface="Lucida Console" pitchFamily="49" charset="0"/>
+              <a:ea typeface="+mn-ea"/>
+              <a:cs typeface="+mn-cs"/>
+            </a:endParaRPr>
+          </a:p>
+          <a:p>
+            <a:pPr marL="0" indent="0">
+              <a:buNone/>
+            </a:pPr>
+            <a:r>
+              <a:rPr lang="en-US" altLang="en-US" sz="1800" dirty="0">
+                <a:solidFill>
+                  <a:srgbClr val="0000FF"/>
+                </a:solidFill>
+                <a:latin typeface="Lucida Console" pitchFamily="49" charset="0"/>
+                <a:ea typeface="+mn-ea"/>
+                <a:cs typeface="+mn-cs"/>
+              </a:rPr>
+              <a:t>goo (</a:t>
+            </a:r>
+            <a:r>
+              <a:rPr lang="en-US" altLang="en-US" sz="1800" b="1" dirty="0">
+                <a:solidFill>
+                  <a:srgbClr val="0000FF"/>
+                </a:solidFill>
+                <a:latin typeface="Lucida Console" pitchFamily="49" charset="0"/>
+                <a:ea typeface="+mn-ea"/>
+                <a:cs typeface="+mn-cs"/>
+              </a:rPr>
+              <a:t>new</a:t>
+            </a:r>
+            <a:r>
+              <a:rPr lang="en-US" altLang="en-US" sz="1800" dirty="0">
+                <a:solidFill>
+                  <a:srgbClr val="0000FF"/>
+                </a:solidFill>
+                <a:latin typeface="Lucida Console" pitchFamily="49" charset="0"/>
+                <a:ea typeface="+mn-ea"/>
+                <a:cs typeface="+mn-cs"/>
+              </a:rPr>
+              <a:t> Derived, </a:t>
+            </a:r>
+            <a:r>
+              <a:rPr lang="en-US" altLang="en-US" sz="1800" b="1" dirty="0">
+                <a:solidFill>
+                  <a:srgbClr val="0000FF"/>
+                </a:solidFill>
+                <a:latin typeface="Lucida Console" pitchFamily="49" charset="0"/>
+                <a:ea typeface="+mn-ea"/>
+                <a:cs typeface="+mn-cs"/>
+              </a:rPr>
+              <a:t>new</a:t>
+            </a:r>
+            <a:r>
+              <a:rPr lang="en-US" altLang="en-US" sz="1800" dirty="0">
+                <a:solidFill>
+                  <a:srgbClr val="0000FF"/>
+                </a:solidFill>
+                <a:latin typeface="Lucida Console" pitchFamily="49" charset="0"/>
+                <a:ea typeface="+mn-ea"/>
+                <a:cs typeface="+mn-cs"/>
+              </a:rPr>
+              <a:t> Base1)</a:t>
+            </a:r>
+          </a:p>
+          <a:p>
+            <a:pPr marL="0" indent="0">
+              <a:buNone/>
+            </a:pPr>
+            <a:r>
+              <a:rPr lang="en-US" altLang="en-US" sz="1800" dirty="0">
+                <a:solidFill>
+                  <a:srgbClr val="0000FF"/>
+                </a:solidFill>
+                <a:latin typeface="Lucida Console" pitchFamily="49" charset="0"/>
+                <a:ea typeface="+mn-ea"/>
+                <a:cs typeface="+mn-cs"/>
+              </a:rPr>
+              <a:t>goo (</a:t>
+            </a:r>
+            <a:r>
+              <a:rPr lang="en-US" altLang="en-US" sz="1800" b="1" dirty="0">
+                <a:solidFill>
+                  <a:srgbClr val="0000FF"/>
+                </a:solidFill>
+                <a:latin typeface="Lucida Console" pitchFamily="49" charset="0"/>
+                <a:ea typeface="+mn-ea"/>
+                <a:cs typeface="+mn-cs"/>
+              </a:rPr>
+              <a:t>new</a:t>
+            </a:r>
+            <a:r>
+              <a:rPr lang="en-US" altLang="en-US" sz="1800" dirty="0">
+                <a:solidFill>
+                  <a:srgbClr val="0000FF"/>
+                </a:solidFill>
+                <a:latin typeface="Lucida Console" pitchFamily="49" charset="0"/>
+                <a:ea typeface="+mn-ea"/>
+                <a:cs typeface="+mn-cs"/>
+              </a:rPr>
+              <a:t> Derived, </a:t>
+            </a:r>
+            <a:r>
+              <a:rPr lang="en-US" altLang="en-US" sz="1800" b="1" dirty="0">
+                <a:solidFill>
+                  <a:srgbClr val="0000FF"/>
+                </a:solidFill>
+                <a:latin typeface="Lucida Console" pitchFamily="49" charset="0"/>
+                <a:ea typeface="+mn-ea"/>
+                <a:cs typeface="+mn-cs"/>
+              </a:rPr>
+              <a:t>new</a:t>
+            </a:r>
+            <a:r>
+              <a:rPr lang="en-US" altLang="en-US" sz="1800" dirty="0">
+                <a:solidFill>
+                  <a:srgbClr val="0000FF"/>
+                </a:solidFill>
+                <a:latin typeface="Lucida Console" pitchFamily="49" charset="0"/>
+                <a:ea typeface="+mn-ea"/>
+                <a:cs typeface="+mn-cs"/>
+              </a:rPr>
+              <a:t> Base2)</a:t>
+            </a:r>
+          </a:p>
+          <a:p>
+            <a:pPr marL="0" indent="0">
+              <a:buNone/>
+            </a:pPr>
+            <a:r>
+              <a:rPr lang="en-US" altLang="en-US" sz="1800" dirty="0" smtClean="0">
+                <a:solidFill>
+                  <a:srgbClr val="0000FF"/>
+                </a:solidFill>
+                <a:latin typeface="Lucida Console" pitchFamily="49" charset="0"/>
+                <a:ea typeface="+mn-ea"/>
+                <a:cs typeface="+mn-cs"/>
+              </a:rPr>
+              <a:t>goo </a:t>
+            </a:r>
+            <a:r>
+              <a:rPr lang="en-US" altLang="en-US" sz="1800" dirty="0">
+                <a:solidFill>
+                  <a:srgbClr val="0000FF"/>
+                </a:solidFill>
+                <a:latin typeface="Lucida Console" pitchFamily="49" charset="0"/>
+                <a:ea typeface="+mn-ea"/>
+                <a:cs typeface="+mn-cs"/>
+              </a:rPr>
+              <a:t>(</a:t>
+            </a:r>
+            <a:r>
+              <a:rPr lang="en-US" altLang="en-US" sz="1800" b="1" dirty="0">
+                <a:solidFill>
+                  <a:srgbClr val="0000FF"/>
+                </a:solidFill>
+                <a:latin typeface="Lucida Console" pitchFamily="49" charset="0"/>
+                <a:ea typeface="+mn-ea"/>
+                <a:cs typeface="+mn-cs"/>
+              </a:rPr>
+              <a:t>new</a:t>
+            </a:r>
+            <a:r>
+              <a:rPr lang="en-US" altLang="en-US" sz="1800" dirty="0">
+                <a:solidFill>
+                  <a:srgbClr val="0000FF"/>
+                </a:solidFill>
+                <a:latin typeface="Lucida Console" pitchFamily="49" charset="0"/>
+                <a:ea typeface="+mn-ea"/>
+                <a:cs typeface="+mn-cs"/>
+              </a:rPr>
+              <a:t> Base1, </a:t>
+            </a:r>
+            <a:r>
+              <a:rPr lang="en-US" altLang="en-US" sz="1800" b="1" dirty="0">
+                <a:solidFill>
+                  <a:srgbClr val="0000FF"/>
+                </a:solidFill>
+                <a:latin typeface="Lucida Console" pitchFamily="49" charset="0"/>
+                <a:ea typeface="+mn-ea"/>
+                <a:cs typeface="+mn-cs"/>
+              </a:rPr>
+              <a:t>new</a:t>
+            </a:r>
+            <a:r>
+              <a:rPr lang="en-US" altLang="en-US" sz="1800" dirty="0">
+                <a:solidFill>
+                  <a:srgbClr val="0000FF"/>
+                </a:solidFill>
+                <a:latin typeface="Lucida Console" pitchFamily="49" charset="0"/>
+                <a:ea typeface="+mn-ea"/>
+                <a:cs typeface="+mn-cs"/>
+              </a:rPr>
+              <a:t> </a:t>
+            </a:r>
+            <a:r>
+              <a:rPr lang="en-US" altLang="en-US" sz="1800" dirty="0" smtClean="0">
+                <a:solidFill>
+                  <a:srgbClr val="0000FF"/>
+                </a:solidFill>
+                <a:latin typeface="Lucida Console" pitchFamily="49" charset="0"/>
+                <a:ea typeface="+mn-ea"/>
+                <a:cs typeface="+mn-cs"/>
+              </a:rPr>
+              <a:t>Base2)</a:t>
+            </a:r>
+            <a:endParaRPr lang="en-US" altLang="en-US" sz="1800" dirty="0">
+              <a:solidFill>
+                <a:srgbClr val="0000FF"/>
+              </a:solidFill>
+              <a:latin typeface="Lucida Console" pitchFamily="49" charset="0"/>
+              <a:ea typeface="+mn-ea"/>
+              <a:cs typeface="+mn-cs"/>
+            </a:endParaRPr>
+          </a:p>
+          <a:p>
+            <a:pPr marL="0" indent="0">
+              <a:buNone/>
+            </a:pPr>
+            <a:r>
+              <a:rPr lang="en-US" altLang="en-US" sz="1800" dirty="0">
+                <a:solidFill>
+                  <a:srgbClr val="0000FF"/>
+                </a:solidFill>
+                <a:latin typeface="Lucida Console" pitchFamily="49" charset="0"/>
+                <a:ea typeface="+mn-ea"/>
+                <a:cs typeface="+mn-cs"/>
+              </a:rPr>
+              <a:t>goo (</a:t>
+            </a:r>
+            <a:r>
+              <a:rPr lang="en-US" altLang="en-US" sz="1800" b="1" dirty="0">
+                <a:solidFill>
+                  <a:srgbClr val="0000FF"/>
+                </a:solidFill>
+                <a:latin typeface="Lucida Console" pitchFamily="49" charset="0"/>
+                <a:ea typeface="+mn-ea"/>
+                <a:cs typeface="+mn-cs"/>
+              </a:rPr>
+              <a:t>new</a:t>
+            </a:r>
+            <a:r>
+              <a:rPr lang="en-US" altLang="en-US" sz="1800" dirty="0">
+                <a:solidFill>
+                  <a:srgbClr val="0000FF"/>
+                </a:solidFill>
+                <a:latin typeface="Lucida Console" pitchFamily="49" charset="0"/>
+                <a:ea typeface="+mn-ea"/>
+                <a:cs typeface="+mn-cs"/>
+              </a:rPr>
+              <a:t> </a:t>
+            </a:r>
+            <a:r>
+              <a:rPr lang="en-US" altLang="en-US" sz="1800" dirty="0" smtClean="0">
+                <a:solidFill>
+                  <a:srgbClr val="0000FF"/>
+                </a:solidFill>
+                <a:latin typeface="Lucida Console" pitchFamily="49" charset="0"/>
+                <a:ea typeface="+mn-ea"/>
+                <a:cs typeface="+mn-cs"/>
+              </a:rPr>
+              <a:t>Base2, </a:t>
+            </a:r>
+            <a:r>
+              <a:rPr lang="en-US" altLang="en-US" sz="1800" b="1" dirty="0">
+                <a:solidFill>
+                  <a:srgbClr val="0000FF"/>
+                </a:solidFill>
+                <a:latin typeface="Lucida Console" pitchFamily="49" charset="0"/>
+                <a:ea typeface="+mn-ea"/>
+                <a:cs typeface="+mn-cs"/>
+              </a:rPr>
+              <a:t>new</a:t>
+            </a:r>
+            <a:r>
+              <a:rPr lang="en-US" altLang="en-US" sz="1800" dirty="0">
+                <a:solidFill>
+                  <a:srgbClr val="0000FF"/>
+                </a:solidFill>
+                <a:latin typeface="Lucida Console" pitchFamily="49" charset="0"/>
+                <a:ea typeface="+mn-ea"/>
+                <a:cs typeface="+mn-cs"/>
+              </a:rPr>
+              <a:t> </a:t>
+            </a:r>
+            <a:r>
+              <a:rPr lang="en-US" altLang="en-US" sz="1800" dirty="0" smtClean="0">
+                <a:solidFill>
+                  <a:srgbClr val="0000FF"/>
+                </a:solidFill>
+                <a:latin typeface="Lucida Console" pitchFamily="49" charset="0"/>
+                <a:ea typeface="+mn-ea"/>
+                <a:cs typeface="+mn-cs"/>
+              </a:rPr>
+              <a:t>Base1)</a:t>
+            </a:r>
+            <a:endParaRPr lang="en-US" altLang="en-US" sz="1800" dirty="0">
+              <a:solidFill>
+                <a:srgbClr val="0000FF"/>
+              </a:solidFill>
+              <a:latin typeface="Lucida Console" pitchFamily="49" charset="0"/>
+              <a:ea typeface="+mn-ea"/>
+              <a:cs typeface="+mn-cs"/>
+            </a:endParaRPr>
+          </a:p>
+          <a:p>
+            <a:pPr marL="0" indent="0">
+              <a:buNone/>
+            </a:pPr>
+            <a:endParaRPr lang="en-US" altLang="en-US" sz="1800" dirty="0">
+              <a:solidFill>
+                <a:srgbClr val="0000FF"/>
+              </a:solidFill>
+              <a:latin typeface="Lucida Console" pitchFamily="49" charset="0"/>
+              <a:ea typeface="+mn-ea"/>
+              <a:cs typeface="+mn-cs"/>
+            </a:endParaRPr>
+          </a:p>
+          <a:p>
+            <a:pPr marL="0" indent="0">
+              <a:buNone/>
+            </a:pPr>
+            <a:r>
+              <a:rPr lang="en-US" altLang="en-US" sz="1800" dirty="0" smtClean="0">
+                <a:solidFill>
+                  <a:srgbClr val="0000FF"/>
+                </a:solidFill>
+                <a:latin typeface="Lucida Console" pitchFamily="49" charset="0"/>
+                <a:ea typeface="+mn-ea"/>
+                <a:cs typeface="+mn-cs"/>
+              </a:rPr>
+              <a:t>// Safe calls</a:t>
+            </a:r>
+            <a:endParaRPr lang="en-US" altLang="en-US" sz="1800" dirty="0">
+              <a:solidFill>
+                <a:srgbClr val="0000FF"/>
+              </a:solidFill>
+              <a:latin typeface="Lucida Console" pitchFamily="49" charset="0"/>
+              <a:ea typeface="+mn-ea"/>
+              <a:cs typeface="+mn-cs"/>
+            </a:endParaRPr>
+          </a:p>
+          <a:p>
+            <a:pPr marL="0" indent="0">
+              <a:buNone/>
+            </a:pPr>
+            <a:r>
+              <a:rPr lang="en-US" altLang="en-US" sz="1800" dirty="0">
+                <a:solidFill>
+                  <a:srgbClr val="0000FF"/>
+                </a:solidFill>
+                <a:latin typeface="Lucida Console" pitchFamily="49" charset="0"/>
+                <a:ea typeface="+mn-ea"/>
+                <a:cs typeface="+mn-cs"/>
+              </a:rPr>
+              <a:t>goo (</a:t>
+            </a:r>
+            <a:r>
+              <a:rPr lang="en-US" altLang="en-US" sz="1800" b="1" dirty="0">
+                <a:solidFill>
+                  <a:srgbClr val="0000FF"/>
+                </a:solidFill>
+                <a:latin typeface="Lucida Console" pitchFamily="49" charset="0"/>
+                <a:ea typeface="+mn-ea"/>
+                <a:cs typeface="+mn-cs"/>
+              </a:rPr>
+              <a:t>new</a:t>
+            </a:r>
+            <a:r>
+              <a:rPr lang="en-US" altLang="en-US" sz="1800" dirty="0">
+                <a:solidFill>
+                  <a:srgbClr val="0000FF"/>
+                </a:solidFill>
+                <a:latin typeface="Lucida Console" pitchFamily="49" charset="0"/>
+                <a:ea typeface="+mn-ea"/>
+                <a:cs typeface="+mn-cs"/>
+              </a:rPr>
+              <a:t> Base1, </a:t>
+            </a:r>
+            <a:r>
+              <a:rPr lang="en-US" altLang="en-US" sz="1800" b="1" dirty="0">
+                <a:solidFill>
+                  <a:srgbClr val="0000FF"/>
+                </a:solidFill>
+                <a:latin typeface="Lucida Console" pitchFamily="49" charset="0"/>
+                <a:ea typeface="+mn-ea"/>
+                <a:cs typeface="+mn-cs"/>
+              </a:rPr>
+              <a:t>new</a:t>
+            </a:r>
+            <a:r>
+              <a:rPr lang="en-US" altLang="en-US" sz="1800" dirty="0">
+                <a:solidFill>
+                  <a:srgbClr val="0000FF"/>
+                </a:solidFill>
+                <a:latin typeface="Lucida Console" pitchFamily="49" charset="0"/>
+                <a:ea typeface="+mn-ea"/>
+                <a:cs typeface="+mn-cs"/>
+              </a:rPr>
+              <a:t> Derived)</a:t>
+            </a:r>
+          </a:p>
+          <a:p>
+            <a:pPr marL="0" indent="0">
+              <a:buNone/>
+            </a:pPr>
+            <a:r>
+              <a:rPr lang="en-US" altLang="en-US" sz="1800" dirty="0">
+                <a:solidFill>
+                  <a:srgbClr val="0000FF"/>
+                </a:solidFill>
+                <a:latin typeface="Lucida Console" pitchFamily="49" charset="0"/>
+                <a:ea typeface="+mn-ea"/>
+                <a:cs typeface="+mn-cs"/>
+              </a:rPr>
+              <a:t>goo (</a:t>
+            </a:r>
+            <a:r>
+              <a:rPr lang="en-US" altLang="en-US" sz="1800" b="1" dirty="0">
+                <a:solidFill>
+                  <a:srgbClr val="0000FF"/>
+                </a:solidFill>
+                <a:latin typeface="Lucida Console" pitchFamily="49" charset="0"/>
+                <a:ea typeface="+mn-ea"/>
+                <a:cs typeface="+mn-cs"/>
+              </a:rPr>
+              <a:t>new</a:t>
+            </a:r>
+            <a:r>
+              <a:rPr lang="en-US" altLang="en-US" sz="1800" dirty="0">
+                <a:solidFill>
+                  <a:srgbClr val="0000FF"/>
+                </a:solidFill>
+                <a:latin typeface="Lucida Console" pitchFamily="49" charset="0"/>
+                <a:ea typeface="+mn-ea"/>
+                <a:cs typeface="+mn-cs"/>
+              </a:rPr>
+              <a:t> Base2, </a:t>
+            </a:r>
+            <a:r>
+              <a:rPr lang="en-US" altLang="en-US" sz="1800" b="1" dirty="0">
+                <a:solidFill>
+                  <a:srgbClr val="0000FF"/>
+                </a:solidFill>
+                <a:latin typeface="Lucida Console" pitchFamily="49" charset="0"/>
+                <a:ea typeface="+mn-ea"/>
+                <a:cs typeface="+mn-cs"/>
+              </a:rPr>
+              <a:t>new</a:t>
+            </a:r>
+            <a:r>
+              <a:rPr lang="en-US" altLang="en-US" sz="1800" dirty="0">
+                <a:solidFill>
+                  <a:srgbClr val="0000FF"/>
+                </a:solidFill>
+                <a:latin typeface="Lucida Console" pitchFamily="49" charset="0"/>
+                <a:ea typeface="+mn-ea"/>
+                <a:cs typeface="+mn-cs"/>
+              </a:rPr>
+              <a:t> Derived)</a:t>
+            </a:r>
+            <a:endParaRPr lang="en-US" altLang="en-US" sz="1800" dirty="0">
+              <a:solidFill>
+                <a:srgbClr val="0000FF"/>
+              </a:solidFill>
+              <a:latin typeface="Lucida Console" pitchFamily="49" charset="0"/>
+              <a:ea typeface="+mn-ea"/>
+              <a:cs typeface="+mn-cs"/>
+            </a:endParaRPr>
+          </a:p>
+        </p:txBody>
+      </p:sp>
+      <p:sp>
+        <p:nvSpPr>
+          <p:cNvPr id="4" name="Номер слайда 1"/>
+          <p:cNvSpPr txBox="1">
+            <a:spLocks/>
+          </p:cNvSpPr>
+          <p:nvPr/>
+        </p:nvSpPr>
+        <p:spPr>
+          <a:xfrm>
+            <a:off x="8153400" y="6356350"/>
+            <a:ext cx="533400" cy="365125"/>
+          </a:xfrm>
+          <a:prstGeom prst="rect">
+            <a:avLst/>
+          </a:prstGeom>
+        </p:spPr>
+        <p:txBody>
+          <a:bodyPr/>
+          <a:lstStyle>
+            <a:defPPr>
+              <a:defRPr lang="en-US"/>
+            </a:defPPr>
+            <a:lvl1pPr marL="0" algn="l" defTabSz="914400" rtl="0" eaLnBrk="1" latinLnBrk="0" hangingPunct="1">
+              <a:defRPr sz="1800" kern="1200">
+                <a:solidFill>
+                  <a:schemeClr val="tx1"/>
+                </a:solidFill>
+                <a:latin typeface="+mn-lt"/>
+                <a:ea typeface="+mn-ea"/>
+                <a:cs typeface="+mn-cs"/>
+              </a:defRPr>
+            </a:lvl1pPr>
+            <a:lvl2pPr marL="457200" algn="l" defTabSz="914400" rtl="0" eaLnBrk="1" latinLnBrk="0" hangingPunct="1">
+              <a:defRPr sz="1800" kern="1200">
+                <a:solidFill>
+                  <a:schemeClr val="tx1"/>
+                </a:solidFill>
+                <a:latin typeface="+mn-lt"/>
+                <a:ea typeface="+mn-ea"/>
+                <a:cs typeface="+mn-cs"/>
+              </a:defRPr>
+            </a:lvl2pPr>
+            <a:lvl3pPr marL="914400" algn="l" defTabSz="914400" rtl="0" eaLnBrk="1" latinLnBrk="0" hangingPunct="1">
+              <a:defRPr sz="1800" kern="1200">
+                <a:solidFill>
+                  <a:schemeClr val="tx1"/>
+                </a:solidFill>
+                <a:latin typeface="+mn-lt"/>
+                <a:ea typeface="+mn-ea"/>
+                <a:cs typeface="+mn-cs"/>
+              </a:defRPr>
+            </a:lvl3pPr>
+            <a:lvl4pPr marL="1371600" algn="l" defTabSz="914400" rtl="0" eaLnBrk="1" latinLnBrk="0" hangingPunct="1">
+              <a:defRPr sz="1800" kern="1200">
+                <a:solidFill>
+                  <a:schemeClr val="tx1"/>
+                </a:solidFill>
+                <a:latin typeface="+mn-lt"/>
+                <a:ea typeface="+mn-ea"/>
+                <a:cs typeface="+mn-cs"/>
+              </a:defRPr>
+            </a:lvl4pPr>
+            <a:lvl5pPr marL="1828800" algn="l" defTabSz="914400" rtl="0" eaLnBrk="1" latinLnBrk="0" hangingPunct="1">
+              <a:defRPr sz="1800" kern="1200">
+                <a:solidFill>
+                  <a:schemeClr val="tx1"/>
+                </a:solidFill>
+                <a:latin typeface="+mn-lt"/>
+                <a:ea typeface="+mn-ea"/>
+                <a:cs typeface="+mn-cs"/>
+              </a:defRPr>
+            </a:lvl5pPr>
+            <a:lvl6pPr marL="2286000" algn="l" defTabSz="914400" rtl="0" eaLnBrk="1" latinLnBrk="0" hangingPunct="1">
+              <a:defRPr sz="1800" kern="1200">
+                <a:solidFill>
+                  <a:schemeClr val="tx1"/>
+                </a:solidFill>
+                <a:latin typeface="+mn-lt"/>
+                <a:ea typeface="+mn-ea"/>
+                <a:cs typeface="+mn-cs"/>
+              </a:defRPr>
+            </a:lvl6pPr>
+            <a:lvl7pPr marL="2743200" algn="l" defTabSz="914400" rtl="0" eaLnBrk="1" latinLnBrk="0" hangingPunct="1">
+              <a:defRPr sz="1800" kern="1200">
+                <a:solidFill>
+                  <a:schemeClr val="tx1"/>
+                </a:solidFill>
+                <a:latin typeface="+mn-lt"/>
+                <a:ea typeface="+mn-ea"/>
+                <a:cs typeface="+mn-cs"/>
+              </a:defRPr>
+            </a:lvl7pPr>
+            <a:lvl8pPr marL="3200400" algn="l" defTabSz="914400" rtl="0" eaLnBrk="1" latinLnBrk="0" hangingPunct="1">
+              <a:defRPr sz="1800" kern="1200">
+                <a:solidFill>
+                  <a:schemeClr val="tx1"/>
+                </a:solidFill>
+                <a:latin typeface="+mn-lt"/>
+                <a:ea typeface="+mn-ea"/>
+                <a:cs typeface="+mn-cs"/>
+              </a:defRPr>
+            </a:lvl8pPr>
+            <a:lvl9pPr marL="3657600" algn="l" defTabSz="914400" rtl="0" eaLnBrk="1" latinLnBrk="0" hangingPunct="1">
+              <a:defRPr sz="1800" kern="1200">
+                <a:solidFill>
+                  <a:schemeClr val="tx1"/>
+                </a:solidFill>
+                <a:latin typeface="+mn-lt"/>
+                <a:ea typeface="+mn-ea"/>
+                <a:cs typeface="+mn-cs"/>
+              </a:defRPr>
+            </a:lvl9pPr>
+          </a:lstStyle>
+          <a:p>
+            <a:fld id="{6278F348-CCBC-472B-BC3F-23EBF19EE4D4}" type="slidenum">
+              <a:rPr lang="en-US" smtClean="0"/>
+              <a:pPr/>
+              <a:t>7</a:t>
+            </a:fld>
+            <a:endParaRPr lang="en-US" dirty="0"/>
+          </a:p>
+        </p:txBody>
+      </p:sp>
+      <p:sp>
+        <p:nvSpPr>
+          <p:cNvPr id="6" name="Title 1"/>
+          <p:cNvSpPr txBox="1">
+            <a:spLocks/>
+          </p:cNvSpPr>
+          <p:nvPr/>
+        </p:nvSpPr>
+        <p:spPr>
+          <a:xfrm>
+            <a:off x="685800" y="5862"/>
+            <a:ext cx="8229600" cy="657225"/>
+          </a:xfrm>
+          <a:prstGeom prst="rect">
+            <a:avLst/>
+          </a:prstGeom>
+        </p:spPr>
+        <p:txBody>
+          <a:bodyPr vert="horz" lIns="0" tIns="45720" rIns="0" bIns="45720" rtlCol="0" anchor="ctr">
+            <a:normAutofit fontScale="92500"/>
+          </a:bodyPr>
+          <a:lstStyle>
+            <a:lvl1pPr algn="l" defTabSz="914400" rtl="0" eaLnBrk="1" latinLnBrk="0" hangingPunct="1">
+              <a:spcBef>
+                <a:spcPct val="0"/>
+              </a:spcBef>
+              <a:buNone/>
+              <a:defRPr kumimoji="1" lang="ko-KR" altLang="en-US" sz="3000" kern="1200" baseline="0" dirty="0">
+                <a:solidFill>
+                  <a:schemeClr val="bg1"/>
+                </a:solidFill>
+                <a:latin typeface="Arial" panose="020B0604020202020204" pitchFamily="34" charset="0"/>
+                <a:ea typeface="Arial Unicode MS" panose="020B0604020202020204" pitchFamily="34" charset="-128"/>
+                <a:cs typeface="+mn-cs"/>
+              </a:defRPr>
+            </a:lvl1pPr>
+          </a:lstStyle>
+          <a:p>
+            <a:r>
+              <a:rPr lang="en-US" sz="3400" b="1" dirty="0" smtClean="0">
+                <a:solidFill>
+                  <a:srgbClr val="CC6600"/>
+                </a:solidFill>
+                <a:latin typeface="Comic Sans MS" pitchFamily="66" charset="0"/>
+              </a:rPr>
+              <a:t>Covariance gap. </a:t>
+            </a:r>
+            <a:r>
+              <a:rPr lang="en-US" sz="3400" b="1" dirty="0" smtClean="0">
+                <a:solidFill>
+                  <a:srgbClr val="CC6600"/>
+                </a:solidFill>
+                <a:latin typeface="Comic Sans MS" pitchFamily="66" charset="0"/>
+              </a:rPr>
+              <a:t>Multiple overriding (</a:t>
+            </a:r>
+            <a:r>
+              <a:rPr lang="en-US" sz="3400" b="1" dirty="0" smtClean="0">
+                <a:solidFill>
+                  <a:srgbClr val="CC6600"/>
+                </a:solidFill>
+                <a:latin typeface="Comic Sans MS" pitchFamily="66" charset="0"/>
+              </a:rPr>
+              <a:t>III)</a:t>
+            </a:r>
+            <a:endParaRPr lang="en-US" sz="3400" b="1" dirty="0">
+              <a:solidFill>
+                <a:srgbClr val="CC6600"/>
+              </a:solidFill>
+              <a:latin typeface="Comic Sans MS" pitchFamily="66" charset="0"/>
+            </a:endParaRPr>
+          </a:p>
+        </p:txBody>
+      </p:sp>
+    </p:spTree>
+    <p:extLst>
+      <p:ext uri="{BB962C8B-B14F-4D97-AF65-F5344CB8AC3E}">
+        <p14:creationId xmlns:p14="http://schemas.microsoft.com/office/powerpoint/2010/main" val="1487307607"/>
+      </p:ext>
+    </p:extLst>
+  </p:cSld>
+  <p:clrMapOvr>
+    <a:masterClrMapping/>
+  </p:clrMapOvr>
+  <p:transition>
+    <p:fade/>
+  </p:transition>
+  <p:timing>
+    <p:tnLst>
+      <p:par>
+        <p:cTn id="1" dur="indefinite" restart="never" nodeType="tmRoot"/>
+      </p:par>
+    </p:tnLst>
+  </p:timing>
+</p:sld>
+</file>
+
+<file path=ppt/slides/slide8.xml><?xml version="1.0" encoding="utf-8"?>
+<p:sld xmlns:a="http://schemas.openxmlformats.org/drawingml/2006/main" xmlns:r="http://schemas.openxmlformats.org/officeDocument/2006/relationships" xmlns:p="http://schemas.openxmlformats.org/presentationml/2006/main">
+  <p:cSld>
+    <p:spTree>
+      <p:nvGrpSpPr>
+        <p:cNvPr id="1" name=""/>
+        <p:cNvGrpSpPr/>
+        <p:nvPr/>
+      </p:nvGrpSpPr>
+      <p:grpSpPr>
+        <a:xfrm>
+          <a:off x="0" y="0"/>
+          <a:ext cx="0" cy="0"/>
+          <a:chOff x="0" y="0"/>
+          <a:chExt cx="0" cy="0"/>
+        </a:xfrm>
+      </p:grpSpPr>
+      <p:grpSp>
+        <p:nvGrpSpPr>
+          <p:cNvPr id="49" name="Группа 48"/>
+          <p:cNvGrpSpPr/>
+          <p:nvPr/>
+        </p:nvGrpSpPr>
+        <p:grpSpPr>
+          <a:xfrm>
+            <a:off x="46891" y="616008"/>
+            <a:ext cx="8485548" cy="3005209"/>
+            <a:chOff x="106713" y="1504560"/>
+            <a:chExt cx="8874329" cy="3005209"/>
+          </a:xfrm>
+        </p:grpSpPr>
+        <p:sp>
+          <p:nvSpPr>
+            <p:cNvPr id="5" name="Овал 5"/>
+            <p:cNvSpPr/>
+            <p:nvPr/>
+          </p:nvSpPr>
+          <p:spPr>
+            <a:xfrm>
+              <a:off x="2755903" y="1657936"/>
+              <a:ext cx="1377457" cy="466725"/>
+            </a:xfrm>
+            <a:prstGeom prst="ellipse">
+              <a:avLst/>
+            </a:prstGeom>
+          </p:spPr>
+          <p:style>
+            <a:lnRef idx="2">
+              <a:schemeClr val="accent1">
+                <a:shade val="50000"/>
+              </a:schemeClr>
+            </a:lnRef>
+            <a:fillRef idx="1">
+              <a:schemeClr val="accent1"/>
+            </a:fillRef>
+            <a:effectRef idx="0">
+              <a:schemeClr val="accent1"/>
+            </a:effectRef>
+            <a:fontRef idx="minor">
+              <a:schemeClr val="lt1"/>
+            </a:fontRef>
+          </p:style>
+          <p:txBody>
+            <a:bodyPr rtlCol="0" anchor="ctr"/>
+            <a:lstStyle/>
+            <a:p>
+              <a:pPr algn="ctr"/>
+              <a:r>
+                <a:rPr lang="en-US" dirty="0" smtClean="0">
+                  <a:latin typeface="Arial" pitchFamily="34" charset="0"/>
+                  <a:cs typeface="Arial" pitchFamily="34" charset="0"/>
+                </a:rPr>
+                <a:t>Base0</a:t>
+              </a:r>
+              <a:endParaRPr lang="en-US" dirty="0">
+                <a:latin typeface="Arial" pitchFamily="34" charset="0"/>
+                <a:cs typeface="Arial" pitchFamily="34" charset="0"/>
+              </a:endParaRPr>
+            </a:p>
+          </p:txBody>
+        </p:sp>
+        <p:sp>
+          <p:nvSpPr>
+            <p:cNvPr id="12" name="Овал 29"/>
+            <p:cNvSpPr/>
+            <p:nvPr/>
+          </p:nvSpPr>
+          <p:spPr>
+            <a:xfrm>
+              <a:off x="4613227" y="2753918"/>
+              <a:ext cx="1981448" cy="466725"/>
+            </a:xfrm>
+            <a:prstGeom prst="ellipse">
+              <a:avLst/>
+            </a:prstGeom>
+          </p:spPr>
+          <p:style>
+            <a:lnRef idx="2">
+              <a:schemeClr val="accent1">
+                <a:shade val="50000"/>
+              </a:schemeClr>
+            </a:lnRef>
+            <a:fillRef idx="1">
+              <a:schemeClr val="accent1"/>
+            </a:fillRef>
+            <a:effectRef idx="0">
+              <a:schemeClr val="accent1"/>
+            </a:effectRef>
+            <a:fontRef idx="minor">
+              <a:schemeClr val="lt1"/>
+            </a:fontRef>
+          </p:style>
+          <p:txBody>
+            <a:bodyPr rtlCol="0" anchor="ctr"/>
+            <a:lstStyle/>
+            <a:p>
+              <a:pPr algn="ctr"/>
+              <a:r>
+                <a:rPr lang="en-US" dirty="0" smtClean="0">
+                  <a:latin typeface="Arial" pitchFamily="34" charset="0"/>
+                  <a:cs typeface="Arial" pitchFamily="34" charset="0"/>
+                </a:rPr>
+                <a:t>Base2</a:t>
+              </a:r>
+              <a:endParaRPr lang="en-US" dirty="0">
+                <a:latin typeface="Arial" pitchFamily="34" charset="0"/>
+                <a:cs typeface="Arial" pitchFamily="34" charset="0"/>
+              </a:endParaRPr>
+            </a:p>
+          </p:txBody>
+        </p:sp>
+        <p:sp>
+          <p:nvSpPr>
+            <p:cNvPr id="13" name="Овал 29"/>
+            <p:cNvSpPr/>
+            <p:nvPr/>
+          </p:nvSpPr>
+          <p:spPr>
+            <a:xfrm>
+              <a:off x="396025" y="2818004"/>
+              <a:ext cx="1326305" cy="466725"/>
+            </a:xfrm>
+            <a:prstGeom prst="ellipse">
+              <a:avLst/>
+            </a:prstGeom>
+          </p:spPr>
+          <p:style>
+            <a:lnRef idx="2">
+              <a:schemeClr val="accent1">
+                <a:shade val="50000"/>
+              </a:schemeClr>
+            </a:lnRef>
+            <a:fillRef idx="1">
+              <a:schemeClr val="accent1"/>
+            </a:fillRef>
+            <a:effectRef idx="0">
+              <a:schemeClr val="accent1"/>
+            </a:effectRef>
+            <a:fontRef idx="minor">
+              <a:schemeClr val="lt1"/>
+            </a:fontRef>
+          </p:style>
+          <p:txBody>
+            <a:bodyPr rtlCol="0" anchor="ctr"/>
+            <a:lstStyle/>
+            <a:p>
+              <a:pPr algn="ctr"/>
+              <a:r>
+                <a:rPr lang="en-US" dirty="0" smtClean="0">
+                  <a:latin typeface="Arial" pitchFamily="34" charset="0"/>
+                  <a:cs typeface="Arial" pitchFamily="34" charset="0"/>
+                </a:rPr>
+                <a:t>Base1</a:t>
+              </a:r>
+              <a:endParaRPr lang="en-US" dirty="0">
+                <a:latin typeface="Arial" pitchFamily="34" charset="0"/>
+                <a:cs typeface="Arial" pitchFamily="34" charset="0"/>
+              </a:endParaRPr>
+            </a:p>
+          </p:txBody>
+        </p:sp>
+        <p:cxnSp>
+          <p:nvCxnSpPr>
+            <p:cNvPr id="15" name="Прямая со стрелкой 35"/>
+            <p:cNvCxnSpPr>
+              <a:stCxn id="12" idx="0"/>
+              <a:endCxn id="5" idx="4"/>
+            </p:cNvCxnSpPr>
+            <p:nvPr/>
+          </p:nvCxnSpPr>
+          <p:spPr>
+            <a:xfrm flipH="1" flipV="1">
+              <a:off x="3444632" y="2124661"/>
+              <a:ext cx="2159319" cy="629257"/>
+            </a:xfrm>
+            <a:prstGeom prst="straightConnector1">
+              <a:avLst/>
+            </a:prstGeom>
+            <a:ln w="25400">
+              <a:tailEnd type="arrow"/>
+            </a:ln>
+          </p:spPr>
+          <p:style>
+            <a:lnRef idx="1">
+              <a:schemeClr val="accent1"/>
+            </a:lnRef>
+            <a:fillRef idx="0">
+              <a:schemeClr val="accent1"/>
+            </a:fillRef>
+            <a:effectRef idx="0">
+              <a:schemeClr val="accent1"/>
+            </a:effectRef>
+            <a:fontRef idx="minor">
+              <a:schemeClr val="tx1"/>
+            </a:fontRef>
+          </p:style>
+        </p:cxnSp>
+        <p:cxnSp>
+          <p:nvCxnSpPr>
+            <p:cNvPr id="16" name="Прямая со стрелкой 35"/>
+            <p:cNvCxnSpPr>
+              <a:stCxn id="13" idx="0"/>
+              <a:endCxn id="5" idx="4"/>
+            </p:cNvCxnSpPr>
+            <p:nvPr/>
+          </p:nvCxnSpPr>
+          <p:spPr>
+            <a:xfrm flipV="1">
+              <a:off x="1059177" y="2124661"/>
+              <a:ext cx="2385455" cy="693343"/>
+            </a:xfrm>
+            <a:prstGeom prst="straightConnector1">
+              <a:avLst/>
+            </a:prstGeom>
+            <a:ln w="25400">
+              <a:tailEnd type="arrow"/>
+            </a:ln>
+          </p:spPr>
+          <p:style>
+            <a:lnRef idx="1">
+              <a:schemeClr val="accent1"/>
+            </a:lnRef>
+            <a:fillRef idx="0">
+              <a:schemeClr val="accent1"/>
+            </a:fillRef>
+            <a:effectRef idx="0">
+              <a:schemeClr val="accent1"/>
+            </a:effectRef>
+            <a:fontRef idx="minor">
+              <a:schemeClr val="tx1"/>
+            </a:fontRef>
+          </p:style>
+        </p:cxnSp>
+        <p:sp>
+          <p:nvSpPr>
+            <p:cNvPr id="33" name="TextBox 32"/>
+            <p:cNvSpPr txBox="1"/>
+            <p:nvPr/>
+          </p:nvSpPr>
+          <p:spPr>
+            <a:xfrm>
+              <a:off x="3926241" y="1504560"/>
+              <a:ext cx="3699272" cy="369332"/>
+            </a:xfrm>
+            <a:prstGeom prst="rect">
+              <a:avLst/>
+            </a:prstGeom>
+            <a:noFill/>
+          </p:spPr>
+          <p:txBody>
+            <a:bodyPr wrap="square" rtlCol="0">
+              <a:spAutoFit/>
+            </a:bodyPr>
+            <a:lstStyle/>
+            <a:p>
+              <a:r>
+                <a:rPr lang="en-US" altLang="en-US" dirty="0">
+                  <a:solidFill>
+                    <a:srgbClr val="0000FF"/>
+                  </a:solidFill>
+                  <a:latin typeface="Lucida Console" pitchFamily="49" charset="0"/>
+                </a:rPr>
+                <a:t>foo (p: Base0)</a:t>
+              </a:r>
+              <a:endParaRPr kumimoji="1" lang="en-US" sz="1800" dirty="0">
+                <a:solidFill>
+                  <a:srgbClr val="0000FF"/>
+                </a:solidFill>
+                <a:latin typeface="Lucida Console" pitchFamily="49" charset="0"/>
+                <a:ea typeface="Arial Unicode MS" panose="020B0604020202020204" pitchFamily="34" charset="-128"/>
+                <a:cs typeface="Calibri" pitchFamily="34" charset="0"/>
+              </a:endParaRPr>
+            </a:p>
+          </p:txBody>
+        </p:sp>
+        <p:sp>
+          <p:nvSpPr>
+            <p:cNvPr id="36" name="TextBox 35"/>
+            <p:cNvSpPr txBox="1"/>
+            <p:nvPr/>
+          </p:nvSpPr>
+          <p:spPr>
+            <a:xfrm>
+              <a:off x="106713" y="3309440"/>
+              <a:ext cx="3819527" cy="1200329"/>
+            </a:xfrm>
+            <a:prstGeom prst="rect">
+              <a:avLst/>
+            </a:prstGeom>
+            <a:noFill/>
+          </p:spPr>
+          <p:txBody>
+            <a:bodyPr wrap="square" rtlCol="0">
+              <a:spAutoFit/>
+            </a:bodyPr>
+            <a:lstStyle/>
+            <a:p>
+              <a:r>
+                <a:rPr kumimoji="1" lang="en-US" sz="1800" b="1" dirty="0" smtClean="0">
+                  <a:solidFill>
+                    <a:srgbClr val="0000FF"/>
+                  </a:solidFill>
+                  <a:latin typeface="Lucida Console" pitchFamily="49" charset="0"/>
+                  <a:ea typeface="Arial Unicode MS" panose="020B0604020202020204" pitchFamily="34" charset="-128"/>
+                  <a:cs typeface="Calibri" pitchFamily="34" charset="0"/>
+                </a:rPr>
+                <a:t>override</a:t>
+              </a:r>
+            </a:p>
+            <a:p>
+              <a:r>
+                <a:rPr kumimoji="1" lang="en-US" sz="1800" dirty="0" err="1" smtClean="0">
+                  <a:solidFill>
+                    <a:srgbClr val="0000FF"/>
+                  </a:solidFill>
+                  <a:latin typeface="Lucida Console" pitchFamily="49" charset="0"/>
+                  <a:ea typeface="Arial Unicode MS" panose="020B0604020202020204" pitchFamily="34" charset="-128"/>
+                  <a:cs typeface="Calibri" pitchFamily="34" charset="0"/>
+                </a:rPr>
+                <a:t>inscribedInto</a:t>
+              </a:r>
+              <a:r>
+                <a:rPr kumimoji="1" lang="en-US" sz="1800" dirty="0" smtClean="0">
+                  <a:solidFill>
+                    <a:srgbClr val="0000FF"/>
+                  </a:solidFill>
+                  <a:latin typeface="Lucida Console" pitchFamily="49" charset="0"/>
+                  <a:ea typeface="Arial Unicode MS" panose="020B0604020202020204" pitchFamily="34" charset="-128"/>
+                  <a:cs typeface="Calibri" pitchFamily="34" charset="0"/>
+                </a:rPr>
+                <a:t> </a:t>
+              </a:r>
+              <a:r>
+                <a:rPr kumimoji="1" lang="en-US" sz="1800" dirty="0">
+                  <a:solidFill>
+                    <a:srgbClr val="0000FF"/>
+                  </a:solidFill>
+                  <a:latin typeface="Lucida Console" pitchFamily="49" charset="0"/>
+                  <a:ea typeface="Arial Unicode MS" panose="020B0604020202020204" pitchFamily="34" charset="-128"/>
+                  <a:cs typeface="Calibri" pitchFamily="34" charset="0"/>
+                </a:rPr>
+                <a:t>(Circle</a:t>
+              </a:r>
+              <a:r>
+                <a:rPr kumimoji="1" lang="en-US" sz="1800" dirty="0" smtClean="0">
+                  <a:solidFill>
+                    <a:srgbClr val="0000FF"/>
+                  </a:solidFill>
+                  <a:latin typeface="Lucida Console" pitchFamily="49" charset="0"/>
+                  <a:ea typeface="Arial Unicode MS" panose="020B0604020202020204" pitchFamily="34" charset="-128"/>
+                  <a:cs typeface="Calibri" pitchFamily="34" charset="0"/>
+                </a:rPr>
+                <a:t>)</a:t>
+              </a:r>
+            </a:p>
+            <a:p>
+              <a:r>
+                <a:rPr kumimoji="1" lang="en-US" b="1" dirty="0">
+                  <a:solidFill>
+                    <a:srgbClr val="0000FF"/>
+                  </a:solidFill>
+                  <a:latin typeface="Lucida Console" pitchFamily="49" charset="0"/>
+                  <a:ea typeface="Arial Unicode MS" panose="020B0604020202020204" pitchFamily="34" charset="-128"/>
+                  <a:cs typeface="Calibri" pitchFamily="34" charset="0"/>
+                </a:rPr>
+                <a:t>override</a:t>
+              </a:r>
+            </a:p>
+            <a:p>
+              <a:r>
+                <a:rPr kumimoji="1" lang="en-US" dirty="0" err="1">
+                  <a:solidFill>
+                    <a:srgbClr val="0000FF"/>
+                  </a:solidFill>
+                  <a:latin typeface="Lucida Console" pitchFamily="49" charset="0"/>
+                  <a:ea typeface="Arial Unicode MS" panose="020B0604020202020204" pitchFamily="34" charset="-128"/>
+                  <a:cs typeface="Calibri" pitchFamily="34" charset="0"/>
+                </a:rPr>
+                <a:t>inscribedInto</a:t>
+              </a:r>
+              <a:r>
+                <a:rPr kumimoji="1" lang="en-US" dirty="0">
+                  <a:solidFill>
+                    <a:srgbClr val="0000FF"/>
+                  </a:solidFill>
+                  <a:latin typeface="Lucida Console" pitchFamily="49" charset="0"/>
+                  <a:ea typeface="Arial Unicode MS" panose="020B0604020202020204" pitchFamily="34" charset="-128"/>
+                  <a:cs typeface="Calibri" pitchFamily="34" charset="0"/>
+                </a:rPr>
+                <a:t> (Triangle</a:t>
+              </a:r>
+              <a:r>
+                <a:rPr kumimoji="1" lang="en-US" dirty="0" smtClean="0">
+                  <a:solidFill>
+                    <a:srgbClr val="0000FF"/>
+                  </a:solidFill>
+                  <a:latin typeface="Lucida Console" pitchFamily="49" charset="0"/>
+                  <a:ea typeface="Arial Unicode MS" panose="020B0604020202020204" pitchFamily="34" charset="-128"/>
+                  <a:cs typeface="Calibri" pitchFamily="34" charset="0"/>
+                </a:rPr>
+                <a:t>)</a:t>
+              </a:r>
+              <a:endParaRPr kumimoji="1" lang="en-US" sz="1800" dirty="0">
+                <a:solidFill>
+                  <a:srgbClr val="0000FF"/>
+                </a:solidFill>
+                <a:latin typeface="Lucida Console" pitchFamily="49" charset="0"/>
+                <a:ea typeface="Arial Unicode MS" panose="020B0604020202020204" pitchFamily="34" charset="-128"/>
+                <a:cs typeface="Calibri" pitchFamily="34" charset="0"/>
+              </a:endParaRPr>
+            </a:p>
+          </p:txBody>
+        </p:sp>
+        <p:sp>
+          <p:nvSpPr>
+            <p:cNvPr id="42" name="TextBox 41"/>
+            <p:cNvSpPr txBox="1"/>
+            <p:nvPr/>
+          </p:nvSpPr>
+          <p:spPr>
+            <a:xfrm>
+              <a:off x="4613226" y="3322225"/>
+              <a:ext cx="4367816" cy="646331"/>
+            </a:xfrm>
+            <a:prstGeom prst="rect">
+              <a:avLst/>
+            </a:prstGeom>
+            <a:noFill/>
+          </p:spPr>
+          <p:txBody>
+            <a:bodyPr wrap="square" rtlCol="0">
+              <a:spAutoFit/>
+            </a:bodyPr>
+            <a:lstStyle/>
+            <a:p>
+              <a:r>
+                <a:rPr kumimoji="1" lang="en-US" sz="1800" b="1" dirty="0">
+                  <a:solidFill>
+                    <a:srgbClr val="0000FF"/>
+                  </a:solidFill>
+                  <a:latin typeface="Lucida Console" pitchFamily="49" charset="0"/>
+                  <a:ea typeface="Arial Unicode MS" panose="020B0604020202020204" pitchFamily="34" charset="-128"/>
+                  <a:cs typeface="Calibri" pitchFamily="34" charset="0"/>
+                </a:rPr>
+                <a:t>override</a:t>
+              </a:r>
+              <a:r>
+                <a:rPr lang="en-US" dirty="0" smtClean="0"/>
+                <a:t> </a:t>
+              </a:r>
+              <a:endParaRPr lang="en-US" dirty="0" smtClean="0"/>
+            </a:p>
+            <a:p>
+              <a:r>
+                <a:rPr kumimoji="1" lang="en-US" sz="1800" dirty="0" err="1" smtClean="0">
+                  <a:solidFill>
+                    <a:srgbClr val="0000FF"/>
+                  </a:solidFill>
+                  <a:latin typeface="Lucida Console" pitchFamily="49" charset="0"/>
+                  <a:ea typeface="Arial Unicode MS" panose="020B0604020202020204" pitchFamily="34" charset="-128"/>
+                  <a:cs typeface="Calibri" pitchFamily="34" charset="0"/>
+                </a:rPr>
+                <a:t>inscribedInto</a:t>
+              </a:r>
+              <a:r>
+                <a:rPr kumimoji="1" lang="en-US" sz="1800" dirty="0" smtClean="0">
+                  <a:solidFill>
+                    <a:srgbClr val="0000FF"/>
+                  </a:solidFill>
+                  <a:latin typeface="Lucida Console" pitchFamily="49" charset="0"/>
+                  <a:ea typeface="Arial Unicode MS" panose="020B0604020202020204" pitchFamily="34" charset="-128"/>
+                  <a:cs typeface="Calibri" pitchFamily="34" charset="0"/>
+                </a:rPr>
+                <a:t> </a:t>
+              </a:r>
+              <a:r>
+                <a:rPr kumimoji="1" lang="en-US" sz="1800" dirty="0" smtClean="0">
+                  <a:solidFill>
+                    <a:srgbClr val="0000FF"/>
+                  </a:solidFill>
+                  <a:latin typeface="Lucida Console" pitchFamily="49" charset="0"/>
+                  <a:ea typeface="Arial Unicode MS" panose="020B0604020202020204" pitchFamily="34" charset="-128"/>
+                  <a:cs typeface="Calibri" pitchFamily="34" charset="0"/>
+                </a:rPr>
+                <a:t>(</a:t>
+              </a:r>
+              <a:r>
+                <a:rPr kumimoji="1" lang="en-US" sz="1800" dirty="0" smtClean="0">
+                  <a:solidFill>
+                    <a:srgbClr val="0000FF"/>
+                  </a:solidFill>
+                  <a:latin typeface="Lucida Console" pitchFamily="49" charset="0"/>
+                  <a:ea typeface="Arial Unicode MS" panose="020B0604020202020204" pitchFamily="34" charset="-128"/>
+                  <a:cs typeface="Calibri" pitchFamily="34" charset="0"/>
+                </a:rPr>
+                <a:t>Triangle)</a:t>
+              </a:r>
+              <a:endParaRPr kumimoji="1" lang="en-US" sz="1800" dirty="0">
+                <a:solidFill>
+                  <a:srgbClr val="0000FF"/>
+                </a:solidFill>
+                <a:latin typeface="Lucida Console" pitchFamily="49" charset="0"/>
+                <a:ea typeface="Arial Unicode MS" panose="020B0604020202020204" pitchFamily="34" charset="-128"/>
+                <a:cs typeface="Calibri" pitchFamily="34" charset="0"/>
+              </a:endParaRPr>
+            </a:p>
+          </p:txBody>
+        </p:sp>
+      </p:grpSp>
+      <p:sp>
+        <p:nvSpPr>
+          <p:cNvPr id="51" name="TextBox 50"/>
+          <p:cNvSpPr txBox="1"/>
+          <p:nvPr/>
+        </p:nvSpPr>
+        <p:spPr>
+          <a:xfrm>
+            <a:off x="87624" y="4509120"/>
+            <a:ext cx="9056376" cy="2308324"/>
+          </a:xfrm>
+          <a:prstGeom prst="rect">
+            <a:avLst/>
+          </a:prstGeom>
+          <a:noFill/>
+        </p:spPr>
+        <p:txBody>
+          <a:bodyPr wrap="square" rtlCol="0">
+            <a:spAutoFit/>
+          </a:bodyPr>
+          <a:lstStyle/>
+          <a:p>
+            <a:pPr marL="0" indent="0">
+              <a:buNone/>
+            </a:pPr>
+            <a:r>
+              <a:rPr lang="en-US" altLang="en-US" sz="2400" dirty="0">
+                <a:solidFill>
+                  <a:srgbClr val="0000FF"/>
+                </a:solidFill>
+                <a:latin typeface="Lucida Console" pitchFamily="49" charset="0"/>
+                <a:cs typeface="Calibri" pitchFamily="34" charset="0"/>
+              </a:rPr>
+              <a:t>a: Array [Figure] </a:t>
+            </a:r>
+            <a:r>
+              <a:rPr lang="en-US" altLang="en-US" sz="2400" b="1" dirty="0">
+                <a:solidFill>
+                  <a:srgbClr val="0000FF"/>
+                </a:solidFill>
+                <a:latin typeface="Lucida Console" pitchFamily="49" charset="0"/>
+                <a:cs typeface="Calibri" pitchFamily="34" charset="0"/>
+              </a:rPr>
+              <a:t>is</a:t>
+            </a:r>
+            <a:r>
+              <a:rPr lang="en-US" altLang="en-US" sz="2400" dirty="0">
+                <a:solidFill>
+                  <a:srgbClr val="0000FF"/>
+                </a:solidFill>
+                <a:latin typeface="Lucida Console" pitchFamily="49" charset="0"/>
+                <a:cs typeface="Calibri" pitchFamily="34" charset="0"/>
+              </a:rPr>
+              <a:t> (Circle, Triangle)</a:t>
+            </a:r>
+          </a:p>
+          <a:p>
+            <a:pPr marL="0" indent="0">
+              <a:buNone/>
+            </a:pPr>
+            <a:r>
+              <a:rPr lang="en-US" altLang="en-US" sz="2400" b="1" dirty="0">
+                <a:solidFill>
+                  <a:srgbClr val="0000FF"/>
+                </a:solidFill>
+                <a:latin typeface="Lucida Console" pitchFamily="49" charset="0"/>
+                <a:cs typeface="Calibri" pitchFamily="34" charset="0"/>
+              </a:rPr>
+              <a:t>if</a:t>
+            </a:r>
+            <a:r>
+              <a:rPr lang="en-US" altLang="en-US" sz="2400" dirty="0">
+                <a:solidFill>
+                  <a:srgbClr val="0000FF"/>
+                </a:solidFill>
+                <a:latin typeface="Lucida Console" pitchFamily="49" charset="0"/>
+                <a:cs typeface="Calibri" pitchFamily="34" charset="0"/>
+              </a:rPr>
+              <a:t> a(1).</a:t>
+            </a:r>
+            <a:r>
+              <a:rPr lang="en-US" altLang="en-US" sz="2400" dirty="0" err="1">
+                <a:solidFill>
+                  <a:srgbClr val="0000FF"/>
+                </a:solidFill>
+                <a:latin typeface="Lucida Console" pitchFamily="49" charset="0"/>
+                <a:cs typeface="Calibri" pitchFamily="34" charset="0"/>
+              </a:rPr>
+              <a:t>inscrinedInto</a:t>
+            </a:r>
+            <a:r>
+              <a:rPr lang="en-US" altLang="en-US" sz="2400" dirty="0">
+                <a:solidFill>
+                  <a:srgbClr val="0000FF"/>
+                </a:solidFill>
+                <a:latin typeface="Lucida Console" pitchFamily="49" charset="0"/>
+                <a:cs typeface="Calibri" pitchFamily="34" charset="0"/>
+              </a:rPr>
+              <a:t> (a(2)) </a:t>
+            </a:r>
+            <a:r>
+              <a:rPr lang="en-US" altLang="en-US" sz="2400" b="1" dirty="0">
+                <a:solidFill>
+                  <a:srgbClr val="0000FF"/>
+                </a:solidFill>
+                <a:latin typeface="Lucida Console" pitchFamily="49" charset="0"/>
+                <a:cs typeface="Calibri" pitchFamily="34" charset="0"/>
+              </a:rPr>
+              <a:t>then</a:t>
+            </a:r>
+            <a:r>
+              <a:rPr lang="en-US" altLang="en-US" sz="2400" dirty="0">
+                <a:solidFill>
+                  <a:srgbClr val="0000FF"/>
+                </a:solidFill>
+                <a:latin typeface="Lucida Console" pitchFamily="49" charset="0"/>
+                <a:cs typeface="Calibri" pitchFamily="34" charset="0"/>
+              </a:rPr>
+              <a:t> … </a:t>
+            </a:r>
+            <a:r>
+              <a:rPr lang="en-US" altLang="en-US" sz="2400" b="1" dirty="0">
+                <a:solidFill>
+                  <a:srgbClr val="0000FF"/>
+                </a:solidFill>
+                <a:latin typeface="Lucida Console" pitchFamily="49" charset="0"/>
+                <a:cs typeface="Calibri" pitchFamily="34" charset="0"/>
+              </a:rPr>
+              <a:t>end</a:t>
+            </a:r>
+          </a:p>
+          <a:p>
+            <a:r>
+              <a:rPr kumimoji="1" lang="en-US" altLang="en-US" sz="2400" dirty="0" smtClean="0">
+                <a:latin typeface="Arial" panose="020B0604020202020204" pitchFamily="34" charset="0"/>
+                <a:ea typeface="Arial Unicode MS" panose="020B0604020202020204" pitchFamily="34" charset="-128"/>
+                <a:cs typeface="Arial" panose="020B0604020202020204" pitchFamily="34" charset="0"/>
+              </a:rPr>
+              <a:t>	Call to </a:t>
+            </a:r>
+            <a:r>
+              <a:rPr kumimoji="1" lang="en-US" sz="2400" dirty="0" err="1" smtClean="0">
+                <a:solidFill>
+                  <a:srgbClr val="0000FF"/>
+                </a:solidFill>
+                <a:latin typeface="Lucida Console" pitchFamily="49" charset="0"/>
+                <a:ea typeface="Arial Unicode MS" panose="020B0604020202020204" pitchFamily="34" charset="-128"/>
+                <a:cs typeface="Calibri" pitchFamily="34" charset="0"/>
+              </a:rPr>
+              <a:t>inscribedInto</a:t>
+            </a:r>
+            <a:r>
+              <a:rPr kumimoji="1" lang="en-US" sz="2400" dirty="0" smtClean="0">
+                <a:solidFill>
+                  <a:srgbClr val="0000FF"/>
+                </a:solidFill>
+                <a:latin typeface="Lucida Console" pitchFamily="49" charset="0"/>
+                <a:ea typeface="Arial Unicode MS" panose="020B0604020202020204" pitchFamily="34" charset="-128"/>
+                <a:cs typeface="Calibri" pitchFamily="34" charset="0"/>
+              </a:rPr>
+              <a:t> </a:t>
+            </a:r>
+            <a:r>
+              <a:rPr kumimoji="1" lang="en-US" altLang="en-US" sz="2400" dirty="0" smtClean="0">
+                <a:latin typeface="Arial" panose="020B0604020202020204" pitchFamily="34" charset="0"/>
+                <a:ea typeface="Arial Unicode MS" panose="020B0604020202020204" pitchFamily="34" charset="-128"/>
+                <a:cs typeface="Arial" panose="020B0604020202020204" pitchFamily="34" charset="0"/>
+              </a:rPr>
+              <a:t>is valid if and only if for every dynamic type of a(1) there is a version of </a:t>
+            </a:r>
+            <a:r>
+              <a:rPr kumimoji="1" lang="en-US" sz="2400" dirty="0" err="1">
+                <a:solidFill>
+                  <a:srgbClr val="0000FF"/>
+                </a:solidFill>
+                <a:latin typeface="Lucida Console" pitchFamily="49" charset="0"/>
+                <a:ea typeface="Arial Unicode MS" panose="020B0604020202020204" pitchFamily="34" charset="-128"/>
+                <a:cs typeface="Calibri" pitchFamily="34" charset="0"/>
+              </a:rPr>
+              <a:t>inscribedInto</a:t>
+            </a:r>
+            <a:r>
+              <a:rPr kumimoji="1" lang="en-US" altLang="en-US" sz="2400" dirty="0" smtClean="0">
+                <a:latin typeface="Arial" panose="020B0604020202020204" pitchFamily="34" charset="0"/>
+                <a:ea typeface="Arial Unicode MS" panose="020B0604020202020204" pitchFamily="34" charset="-128"/>
+                <a:cs typeface="Arial" panose="020B0604020202020204" pitchFamily="34" charset="0"/>
+              </a:rPr>
+              <a:t> with the signature to which call </a:t>
+            </a:r>
+            <a:r>
+              <a:rPr kumimoji="1" lang="en-US" altLang="en-US" sz="2400" dirty="0" err="1">
+                <a:solidFill>
+                  <a:srgbClr val="0000FF"/>
+                </a:solidFill>
+                <a:latin typeface="Lucida Console" pitchFamily="49" charset="0"/>
+                <a:ea typeface="Arial Unicode MS" panose="020B0604020202020204" pitchFamily="34" charset="-128"/>
+                <a:cs typeface="Calibri" pitchFamily="34" charset="0"/>
+              </a:rPr>
+              <a:t>inscribedInto</a:t>
+            </a:r>
+            <a:r>
+              <a:rPr kumimoji="1" lang="en-US" altLang="en-US" sz="2400" dirty="0">
+                <a:solidFill>
+                  <a:srgbClr val="0000FF"/>
+                </a:solidFill>
+                <a:latin typeface="Lucida Console" pitchFamily="49" charset="0"/>
+                <a:ea typeface="Arial Unicode MS" panose="020B0604020202020204" pitchFamily="34" charset="-128"/>
+                <a:cs typeface="Calibri" pitchFamily="34" charset="0"/>
+              </a:rPr>
+              <a:t> (a(2)) </a:t>
+            </a:r>
+            <a:r>
+              <a:rPr kumimoji="1" lang="en-US" altLang="en-US" sz="2400" dirty="0" smtClean="0">
+                <a:latin typeface="Arial" panose="020B0604020202020204" pitchFamily="34" charset="0"/>
+                <a:ea typeface="Arial Unicode MS" panose="020B0604020202020204" pitchFamily="34" charset="-128"/>
+                <a:cs typeface="Arial" panose="020B0604020202020204" pitchFamily="34" charset="0"/>
+              </a:rPr>
+              <a:t>conforms to</a:t>
+            </a:r>
+            <a:endParaRPr lang="en-US" sz="2400" dirty="0"/>
+          </a:p>
+        </p:txBody>
+      </p:sp>
+      <p:sp>
+        <p:nvSpPr>
+          <p:cNvPr id="17" name="Номер слайда 1"/>
+          <p:cNvSpPr txBox="1">
+            <a:spLocks/>
+          </p:cNvSpPr>
+          <p:nvPr/>
+        </p:nvSpPr>
+        <p:spPr>
+          <a:xfrm>
+            <a:off x="8153400" y="6356350"/>
+            <a:ext cx="533400" cy="365125"/>
+          </a:xfrm>
+          <a:prstGeom prst="rect">
+            <a:avLst/>
+          </a:prstGeom>
+        </p:spPr>
+        <p:txBody>
+          <a:bodyPr/>
+          <a:lstStyle>
+            <a:defPPr>
+              <a:defRPr lang="en-US"/>
+            </a:defPPr>
+            <a:lvl1pPr marL="0" algn="l" defTabSz="914400" rtl="0" eaLnBrk="1" latinLnBrk="0" hangingPunct="1">
+              <a:defRPr sz="1800" kern="1200">
+                <a:solidFill>
+                  <a:schemeClr val="tx1"/>
+                </a:solidFill>
+                <a:latin typeface="+mn-lt"/>
+                <a:ea typeface="+mn-ea"/>
+                <a:cs typeface="+mn-cs"/>
+              </a:defRPr>
+            </a:lvl1pPr>
+            <a:lvl2pPr marL="457200" algn="l" defTabSz="914400" rtl="0" eaLnBrk="1" latinLnBrk="0" hangingPunct="1">
+              <a:defRPr sz="1800" kern="1200">
+                <a:solidFill>
+                  <a:schemeClr val="tx1"/>
+                </a:solidFill>
+                <a:latin typeface="+mn-lt"/>
+                <a:ea typeface="+mn-ea"/>
+                <a:cs typeface="+mn-cs"/>
+              </a:defRPr>
+            </a:lvl2pPr>
+            <a:lvl3pPr marL="914400" algn="l" defTabSz="914400" rtl="0" eaLnBrk="1" latinLnBrk="0" hangingPunct="1">
+              <a:defRPr sz="1800" kern="1200">
+                <a:solidFill>
+                  <a:schemeClr val="tx1"/>
+                </a:solidFill>
+                <a:latin typeface="+mn-lt"/>
+                <a:ea typeface="+mn-ea"/>
+                <a:cs typeface="+mn-cs"/>
+              </a:defRPr>
+            </a:lvl3pPr>
+            <a:lvl4pPr marL="1371600" algn="l" defTabSz="914400" rtl="0" eaLnBrk="1" latinLnBrk="0" hangingPunct="1">
+              <a:defRPr sz="1800" kern="1200">
+                <a:solidFill>
+                  <a:schemeClr val="tx1"/>
+                </a:solidFill>
+                <a:latin typeface="+mn-lt"/>
+                <a:ea typeface="+mn-ea"/>
+                <a:cs typeface="+mn-cs"/>
+              </a:defRPr>
+            </a:lvl4pPr>
+            <a:lvl5pPr marL="1828800" algn="l" defTabSz="914400" rtl="0" eaLnBrk="1" latinLnBrk="0" hangingPunct="1">
+              <a:defRPr sz="1800" kern="1200">
+                <a:solidFill>
+                  <a:schemeClr val="tx1"/>
+                </a:solidFill>
+                <a:latin typeface="+mn-lt"/>
+                <a:ea typeface="+mn-ea"/>
+                <a:cs typeface="+mn-cs"/>
+              </a:defRPr>
+            </a:lvl5pPr>
+            <a:lvl6pPr marL="2286000" algn="l" defTabSz="914400" rtl="0" eaLnBrk="1" latinLnBrk="0" hangingPunct="1">
+              <a:defRPr sz="1800" kern="1200">
+                <a:solidFill>
+                  <a:schemeClr val="tx1"/>
+                </a:solidFill>
+                <a:latin typeface="+mn-lt"/>
+                <a:ea typeface="+mn-ea"/>
+                <a:cs typeface="+mn-cs"/>
+              </a:defRPr>
+            </a:lvl6pPr>
+            <a:lvl7pPr marL="2743200" algn="l" defTabSz="914400" rtl="0" eaLnBrk="1" latinLnBrk="0" hangingPunct="1">
+              <a:defRPr sz="1800" kern="1200">
+                <a:solidFill>
+                  <a:schemeClr val="tx1"/>
+                </a:solidFill>
+                <a:latin typeface="+mn-lt"/>
+                <a:ea typeface="+mn-ea"/>
+                <a:cs typeface="+mn-cs"/>
+              </a:defRPr>
+            </a:lvl7pPr>
+            <a:lvl8pPr marL="3200400" algn="l" defTabSz="914400" rtl="0" eaLnBrk="1" latinLnBrk="0" hangingPunct="1">
+              <a:defRPr sz="1800" kern="1200">
+                <a:solidFill>
+                  <a:schemeClr val="tx1"/>
+                </a:solidFill>
+                <a:latin typeface="+mn-lt"/>
+                <a:ea typeface="+mn-ea"/>
+                <a:cs typeface="+mn-cs"/>
+              </a:defRPr>
+            </a:lvl8pPr>
+            <a:lvl9pPr marL="3657600" algn="l" defTabSz="914400" rtl="0" eaLnBrk="1" latinLnBrk="0" hangingPunct="1">
+              <a:defRPr sz="1800" kern="1200">
+                <a:solidFill>
+                  <a:schemeClr val="tx1"/>
+                </a:solidFill>
+                <a:latin typeface="+mn-lt"/>
+                <a:ea typeface="+mn-ea"/>
+                <a:cs typeface="+mn-cs"/>
+              </a:defRPr>
+            </a:lvl9pPr>
+          </a:lstStyle>
+          <a:p>
+            <a:fld id="{6278F348-CCBC-472B-BC3F-23EBF19EE4D4}" type="slidenum">
+              <a:rPr lang="en-US" smtClean="0"/>
+              <a:pPr/>
+              <a:t>8</a:t>
+            </a:fld>
+            <a:endParaRPr lang="en-US" dirty="0"/>
+          </a:p>
+        </p:txBody>
+      </p:sp>
+      <p:sp>
+        <p:nvSpPr>
+          <p:cNvPr id="2" name="Заголовок 1"/>
+          <p:cNvSpPr>
+            <a:spLocks noGrp="1"/>
+          </p:cNvSpPr>
+          <p:nvPr>
+            <p:ph type="title"/>
+          </p:nvPr>
+        </p:nvSpPr>
+        <p:spPr/>
+        <p:txBody>
+          <a:bodyPr/>
+          <a:lstStyle/>
+          <a:p>
+            <a:endParaRPr lang="en-US"/>
+          </a:p>
+        </p:txBody>
+      </p:sp>
+      <p:sp>
+        <p:nvSpPr>
+          <p:cNvPr id="18" name="Title 1"/>
+          <p:cNvSpPr txBox="1">
+            <a:spLocks/>
+          </p:cNvSpPr>
+          <p:nvPr/>
+        </p:nvSpPr>
+        <p:spPr>
+          <a:xfrm>
+            <a:off x="685800" y="5862"/>
+            <a:ext cx="8229600" cy="657225"/>
+          </a:xfrm>
+          <a:prstGeom prst="rect">
+            <a:avLst/>
+          </a:prstGeom>
+        </p:spPr>
+        <p:txBody>
+          <a:bodyPr vert="horz" lIns="0" tIns="45720" rIns="0" bIns="45720" rtlCol="0" anchor="ctr">
+            <a:normAutofit fontScale="92500"/>
+          </a:bodyPr>
+          <a:lstStyle>
+            <a:lvl1pPr algn="l" defTabSz="914400" rtl="0" eaLnBrk="1" latinLnBrk="0" hangingPunct="1">
+              <a:spcBef>
+                <a:spcPct val="0"/>
+              </a:spcBef>
+              <a:buNone/>
+              <a:defRPr kumimoji="1" lang="ko-KR" altLang="en-US" sz="3000" kern="1200" baseline="0" dirty="0">
+                <a:solidFill>
+                  <a:schemeClr val="bg1"/>
+                </a:solidFill>
+                <a:latin typeface="Arial" panose="020B0604020202020204" pitchFamily="34" charset="0"/>
+                <a:ea typeface="Arial Unicode MS" panose="020B0604020202020204" pitchFamily="34" charset="-128"/>
+                <a:cs typeface="+mn-cs"/>
+              </a:defRPr>
+            </a:lvl1pPr>
+          </a:lstStyle>
+          <a:p>
+            <a:r>
+              <a:rPr lang="en-US" sz="3400" b="1" dirty="0">
+                <a:solidFill>
+                  <a:srgbClr val="CC6600"/>
+                </a:solidFill>
+                <a:latin typeface="Comic Sans MS" pitchFamily="66" charset="0"/>
+              </a:rPr>
+              <a:t>Covariance gap. Multiple overriding (</a:t>
+            </a:r>
+            <a:r>
+              <a:rPr lang="en-US" sz="3400" b="1" dirty="0" smtClean="0">
+                <a:solidFill>
+                  <a:srgbClr val="CC6600"/>
+                </a:solidFill>
+                <a:latin typeface="Comic Sans MS" pitchFamily="66" charset="0"/>
+              </a:rPr>
+              <a:t>IV)</a:t>
+            </a:r>
+            <a:endParaRPr lang="en-US" sz="3400" b="1" dirty="0">
+              <a:solidFill>
+                <a:srgbClr val="CC6600"/>
+              </a:solidFill>
+              <a:latin typeface="Comic Sans MS" pitchFamily="66" charset="0"/>
+            </a:endParaRPr>
+          </a:p>
+        </p:txBody>
+      </p:sp>
+    </p:spTree>
+    <p:extLst>
+      <p:ext uri="{BB962C8B-B14F-4D97-AF65-F5344CB8AC3E}">
+        <p14:creationId xmlns:p14="http://schemas.microsoft.com/office/powerpoint/2010/main" val="1601020581"/>
       </p:ext>
     </p:extLst>
   </p:cSld>

--- a/Docs/Multiple overriding or OOP approach to double dispatch.pptx
+++ b/Docs/Multiple overriding or OOP approach to double dispatch.pptx
@@ -5,7 +5,7 @@
     <p:sldMasterId id="2147483648" r:id="rId1"/>
   </p:sldMasterIdLst>
   <p:notesMasterIdLst>
-    <p:notesMasterId r:id="rId21"/>
+    <p:notesMasterId r:id="rId23"/>
   </p:notesMasterIdLst>
   <p:sldIdLst>
     <p:sldId id="278" r:id="rId2"/>
@@ -26,7 +26,9 @@
     <p:sldId id="282" r:id="rId17"/>
     <p:sldId id="281" r:id="rId18"/>
     <p:sldId id="270" r:id="rId19"/>
-    <p:sldId id="271" r:id="rId20"/>
+    <p:sldId id="284" r:id="rId20"/>
+    <p:sldId id="283" r:id="rId21"/>
+    <p:sldId id="271" r:id="rId22"/>
   </p:sldIdLst>
   <p:sldSz cx="9144000" cy="6858000" type="screen4x3"/>
   <p:notesSz cx="6858000" cy="9144000"/>
@@ -210,7 +212,7 @@
           <a:p>
             <a:fld id="{460BA02A-80CC-4037-988D-714FF09A2492}" type="datetimeFigureOut">
               <a:rPr lang="en-US" smtClean="0"/>
-              <a:t>10/10/2023</a:t>
+              <a:t>10/28/2023</a:t>
             </a:fld>
             <a:endParaRPr lang="en-US"/>
           </a:p>
@@ -743,7 +745,7 @@
           <a:p>
             <a:fld id="{AF64F92D-8699-4330-B05A-7BBEC7B54D41}" type="datetimeFigureOut">
               <a:rPr lang="en-US" smtClean="0"/>
-              <a:t>10/8/2023</a:t>
+              <a:t>10/28/2023</a:t>
             </a:fld>
             <a:endParaRPr lang="en-US"/>
           </a:p>
@@ -913,7 +915,7 @@
           <a:p>
             <a:fld id="{AF64F92D-8699-4330-B05A-7BBEC7B54D41}" type="datetimeFigureOut">
               <a:rPr lang="en-US" smtClean="0"/>
-              <a:t>10/8/2023</a:t>
+              <a:t>10/28/2023</a:t>
             </a:fld>
             <a:endParaRPr lang="en-US"/>
           </a:p>
@@ -1093,7 +1095,7 @@
           <a:p>
             <a:fld id="{AF64F92D-8699-4330-B05A-7BBEC7B54D41}" type="datetimeFigureOut">
               <a:rPr lang="en-US" smtClean="0"/>
-              <a:t>10/8/2023</a:t>
+              <a:t>10/28/2023</a:t>
             </a:fld>
             <a:endParaRPr lang="en-US"/>
           </a:p>
@@ -1553,7 +1555,7 @@
           <a:p>
             <a:fld id="{AF64F92D-8699-4330-B05A-7BBEC7B54D41}" type="datetimeFigureOut">
               <a:rPr lang="en-US" smtClean="0"/>
-              <a:t>10/8/2023</a:t>
+              <a:t>10/28/2023</a:t>
             </a:fld>
             <a:endParaRPr lang="en-US"/>
           </a:p>
@@ -1799,7 +1801,7 @@
           <a:p>
             <a:fld id="{AF64F92D-8699-4330-B05A-7BBEC7B54D41}" type="datetimeFigureOut">
               <a:rPr lang="en-US" smtClean="0"/>
-              <a:t>10/8/2023</a:t>
+              <a:t>10/28/2023</a:t>
             </a:fld>
             <a:endParaRPr lang="en-US"/>
           </a:p>
@@ -2087,7 +2089,7 @@
           <a:p>
             <a:fld id="{AF64F92D-8699-4330-B05A-7BBEC7B54D41}" type="datetimeFigureOut">
               <a:rPr lang="en-US" smtClean="0"/>
-              <a:t>10/8/2023</a:t>
+              <a:t>10/28/2023</a:t>
             </a:fld>
             <a:endParaRPr lang="en-US"/>
           </a:p>
@@ -2509,7 +2511,7 @@
           <a:p>
             <a:fld id="{AF64F92D-8699-4330-B05A-7BBEC7B54D41}" type="datetimeFigureOut">
               <a:rPr lang="en-US" smtClean="0"/>
-              <a:t>10/8/2023</a:t>
+              <a:t>10/28/2023</a:t>
             </a:fld>
             <a:endParaRPr lang="en-US"/>
           </a:p>
@@ -2627,7 +2629,7 @@
           <a:p>
             <a:fld id="{AF64F92D-8699-4330-B05A-7BBEC7B54D41}" type="datetimeFigureOut">
               <a:rPr lang="en-US" smtClean="0"/>
-              <a:t>10/8/2023</a:t>
+              <a:t>10/28/2023</a:t>
             </a:fld>
             <a:endParaRPr lang="en-US"/>
           </a:p>
@@ -2722,7 +2724,7 @@
           <a:p>
             <a:fld id="{AF64F92D-8699-4330-B05A-7BBEC7B54D41}" type="datetimeFigureOut">
               <a:rPr lang="en-US" smtClean="0"/>
-              <a:t>10/8/2023</a:t>
+              <a:t>10/28/2023</a:t>
             </a:fld>
             <a:endParaRPr lang="en-US"/>
           </a:p>
@@ -2999,7 +3001,7 @@
           <a:p>
             <a:fld id="{AF64F92D-8699-4330-B05A-7BBEC7B54D41}" type="datetimeFigureOut">
               <a:rPr lang="en-US" smtClean="0"/>
-              <a:t>10/8/2023</a:t>
+              <a:t>10/28/2023</a:t>
             </a:fld>
             <a:endParaRPr lang="en-US"/>
           </a:p>
@@ -3252,7 +3254,7 @@
           <a:p>
             <a:fld id="{AF64F92D-8699-4330-B05A-7BBEC7B54D41}" type="datetimeFigureOut">
               <a:rPr lang="en-US" smtClean="0"/>
-              <a:t>10/8/2023</a:t>
+              <a:t>10/28/2023</a:t>
             </a:fld>
             <a:endParaRPr lang="en-US"/>
           </a:p>
@@ -3465,7 +3467,7 @@
           <a:p>
             <a:fld id="{AF64F92D-8699-4330-B05A-7BBEC7B54D41}" type="datetimeFigureOut">
               <a:rPr lang="en-US" smtClean="0"/>
-              <a:t>10/8/2023</a:t>
+              <a:t>10/28/2023</a:t>
             </a:fld>
             <a:endParaRPr lang="en-US"/>
           </a:p>
@@ -3919,7 +3921,7 @@
           </a:ln>
           <a:extLst>
             <a:ext uri="{C572A759-6A51-4108-AA02-DFA0A04FC94B}">
-              <ma14:wrappingTextBoxFlag xmlns:ma14="http://schemas.microsoft.com/office/mac/drawingml/2011/main" xmlns:a14="http://schemas.microsoft.com/office/drawing/2010/main" xmlns:m="http://schemas.openxmlformats.org/officeDocument/2006/math" xmlns="" val="1"/>
+              <ma14:wrappingTextBoxFlag xmlns="" xmlns:m="http://schemas.openxmlformats.org/officeDocument/2006/math" xmlns:a14="http://schemas.microsoft.com/office/drawing/2010/main" xmlns:ma14="http://schemas.microsoft.com/office/mac/drawingml/2011/main" val="1"/>
             </a:ext>
           </a:extLst>
         </p:spPr>
@@ -4055,7 +4057,7 @@
           </a:ln>
           <a:extLst>
             <a:ext uri="{C572A759-6A51-4108-AA02-DFA0A04FC94B}">
-              <ma14:wrappingTextBoxFlag xmlns:ma14="http://schemas.microsoft.com/office/mac/drawingml/2011/main" xmlns:a14="http://schemas.microsoft.com/office/drawing/2010/main" xmlns:m="http://schemas.openxmlformats.org/officeDocument/2006/math" xmlns="" val="1"/>
+              <ma14:wrappingTextBoxFlag xmlns="" xmlns:m="http://schemas.openxmlformats.org/officeDocument/2006/math" xmlns:a14="http://schemas.microsoft.com/office/drawing/2010/main" xmlns:ma14="http://schemas.microsoft.com/office/mac/drawingml/2011/main" val="1"/>
             </a:ext>
           </a:extLst>
         </p:spPr>
@@ -4204,18 +4206,7 @@
                 <a:ea typeface="+mn-ea"/>
                 <a:cs typeface="+mn-cs"/>
               </a:rPr>
-              <a:t>abstract </a:t>
-            </a:r>
-            <a:r>
-              <a:rPr lang="en-US" altLang="en-US" sz="1800" b="1" dirty="0" smtClean="0">
-                <a:solidFill>
-                  <a:srgbClr val="0000FF"/>
-                </a:solidFill>
-                <a:latin typeface="Lucida Console" pitchFamily="49" charset="0"/>
-                <a:ea typeface="+mn-ea"/>
-                <a:cs typeface="+mn-cs"/>
-              </a:rPr>
-              <a:t>type</a:t>
+              <a:t>abstract type</a:t>
             </a:r>
             <a:r>
               <a:rPr lang="en-US" altLang="en-US" sz="1800" dirty="0" smtClean="0">
@@ -4226,18 +4217,7 @@
                 <a:ea typeface="+mn-ea"/>
                 <a:cs typeface="+mn-cs"/>
               </a:rPr>
-              <a:t> Figure </a:t>
-            </a:r>
-            <a:r>
-              <a:rPr lang="en-US" altLang="en-US" sz="1800" dirty="0" smtClean="0">
-                <a:solidFill>
-                  <a:srgbClr val="0000FF"/>
-                </a:solidFill>
-                <a:latin typeface="Lucida Console" pitchFamily="49" charset="0"/>
-                <a:ea typeface="+mn-ea"/>
-                <a:cs typeface="+mn-cs"/>
-              </a:rPr>
-              <a:t>{ // general abstraction</a:t>
+              <a:t> Figure { // general abstraction</a:t>
             </a:r>
           </a:p>
           <a:p>
@@ -4420,18 +4400,7 @@
                 <a:ea typeface="+mn-ea"/>
                 <a:cs typeface="+mn-cs"/>
               </a:rPr>
-              <a:t>Figure </a:t>
-            </a:r>
-            <a:r>
-              <a:rPr lang="en-US" altLang="en-US" sz="1800" dirty="0" smtClean="0">
-                <a:solidFill>
-                  <a:srgbClr val="0000FF"/>
-                </a:solidFill>
-                <a:latin typeface="Lucida Console" pitchFamily="49" charset="0"/>
-                <a:ea typeface="+mn-ea"/>
-                <a:cs typeface="+mn-cs"/>
-              </a:rPr>
-              <a:t>{ // circle into circle</a:t>
+              <a:t>Figure { // circle into circle</a:t>
             </a:r>
             <a:endParaRPr lang="en-US" altLang="en-US" sz="1800" dirty="0">
               <a:solidFill>
@@ -4613,18 +4582,7 @@
                 <a:ea typeface="+mn-ea"/>
                 <a:cs typeface="+mn-cs"/>
               </a:rPr>
-              <a:t>Figure </a:t>
-            </a:r>
-            <a:r>
-              <a:rPr lang="en-US" altLang="en-US" sz="1800" dirty="0" smtClean="0">
-                <a:solidFill>
-                  <a:srgbClr val="0000FF"/>
-                </a:solidFill>
-                <a:latin typeface="Lucida Console" pitchFamily="49" charset="0"/>
-                <a:ea typeface="+mn-ea"/>
-                <a:cs typeface="+mn-cs"/>
-              </a:rPr>
-              <a:t>{ // </a:t>
+              <a:t>Figure { // </a:t>
             </a:r>
             <a:r>
               <a:rPr lang="en-US" altLang="en-US" sz="1800" dirty="0" smtClean="0">
@@ -4791,18 +4749,7 @@
                 <a:ea typeface="+mn-ea"/>
                 <a:cs typeface="+mn-cs"/>
               </a:rPr>
-              <a:t>extend </a:t>
-            </a:r>
-            <a:r>
-              <a:rPr lang="en-US" altLang="en-US" sz="1800" b="1" dirty="0" smtClean="0">
-                <a:solidFill>
-                  <a:srgbClr val="0000FF"/>
-                </a:solidFill>
-                <a:latin typeface="Lucida Console" pitchFamily="49" charset="0"/>
-                <a:ea typeface="+mn-ea"/>
-                <a:cs typeface="+mn-cs"/>
-              </a:rPr>
-              <a:t>type</a:t>
+              <a:t>extend type</a:t>
             </a:r>
             <a:r>
               <a:rPr lang="en-US" altLang="en-US" sz="1800" dirty="0" smtClean="0">
@@ -4813,18 +4760,7 @@
                 <a:ea typeface="+mn-ea"/>
                 <a:cs typeface="+mn-cs"/>
               </a:rPr>
-              <a:t> Circle { // </a:t>
-            </a:r>
-            <a:r>
-              <a:rPr lang="en-US" altLang="en-US" sz="1800" dirty="0" smtClean="0">
-                <a:solidFill>
-                  <a:srgbClr val="0000FF"/>
-                </a:solidFill>
-                <a:latin typeface="Lucida Console" pitchFamily="49" charset="0"/>
-                <a:ea typeface="+mn-ea"/>
-                <a:cs typeface="+mn-cs"/>
-              </a:rPr>
-              <a:t>add circle into </a:t>
+              <a:t> Circle { // add circle into </a:t>
             </a:r>
             <a:r>
               <a:rPr lang="en-US" altLang="en-US" sz="1800" dirty="0" smtClean="0">
@@ -7871,7 +7807,17 @@
                 <a:latin typeface="Lucida Console" pitchFamily="49" charset="0"/>
                 <a:cs typeface="Calibri" pitchFamily="34" charset="0"/>
               </a:rPr>
-              <a:t> </a:t>
+              <a:t> figures(1).</a:t>
+            </a:r>
+            <a:r>
+              <a:rPr lang="en-US" altLang="en-US" sz="2400" dirty="0" err="1">
+                <a:solidFill>
+                  <a:srgbClr val="0000FF"/>
+                </a:solidFill>
+                <a:latin typeface="Lucida Console" pitchFamily="49" charset="0"/>
+                <a:cs typeface="Calibri" pitchFamily="34" charset="0"/>
+              </a:rPr>
+              <a:t>inscrinedInto</a:t>
             </a:r>
             <a:r>
               <a:rPr lang="en-US" altLang="en-US" sz="2400" dirty="0">
@@ -7881,57 +7827,7 @@
                 <a:latin typeface="Lucida Console" pitchFamily="49" charset="0"/>
                 <a:cs typeface="Calibri" pitchFamily="34" charset="0"/>
               </a:rPr>
-              <a:t>figures(1</a:t>
-            </a:r>
-            <a:r>
-              <a:rPr lang="en-US" altLang="en-US" sz="2400" dirty="0">
-                <a:solidFill>
-                  <a:srgbClr val="0000FF"/>
-                </a:solidFill>
-                <a:latin typeface="Lucida Console" pitchFamily="49" charset="0"/>
-                <a:cs typeface="Calibri" pitchFamily="34" charset="0"/>
-              </a:rPr>
-              <a:t>).</a:t>
-            </a:r>
-            <a:r>
-              <a:rPr lang="en-US" altLang="en-US" sz="2400" dirty="0" err="1">
-                <a:solidFill>
-                  <a:srgbClr val="0000FF"/>
-                </a:solidFill>
-                <a:latin typeface="Lucida Console" pitchFamily="49" charset="0"/>
-                <a:cs typeface="Calibri" pitchFamily="34" charset="0"/>
-              </a:rPr>
-              <a:t>inscrinedInto</a:t>
-            </a:r>
-            <a:r>
-              <a:rPr lang="en-US" altLang="en-US" sz="2400" dirty="0">
-                <a:solidFill>
-                  <a:srgbClr val="0000FF"/>
-                </a:solidFill>
-                <a:latin typeface="Lucida Console" pitchFamily="49" charset="0"/>
-                <a:cs typeface="Calibri" pitchFamily="34" charset="0"/>
-              </a:rPr>
-              <a:t> </a:t>
-            </a:r>
-            <a:r>
-              <a:rPr lang="en-US" altLang="en-US" sz="2400" dirty="0">
-                <a:solidFill>
-                  <a:srgbClr val="0000FF"/>
-                </a:solidFill>
-                <a:latin typeface="Lucida Console" pitchFamily="49" charset="0"/>
-                <a:cs typeface="Calibri" pitchFamily="34" charset="0"/>
-              </a:rPr>
-              <a:t>(figures(2</a:t>
-            </a:r>
-            <a:r>
-              <a:rPr lang="en-US" altLang="en-US" sz="2400" dirty="0">
-                <a:solidFill>
-                  <a:srgbClr val="0000FF"/>
-                </a:solidFill>
-                <a:latin typeface="Lucida Console" pitchFamily="49" charset="0"/>
-                <a:cs typeface="Calibri" pitchFamily="34" charset="0"/>
-              </a:rPr>
-              <a:t>)) </a:t>
+              <a:t> (figures(2)) </a:t>
             </a:r>
             <a:r>
               <a:rPr lang="en-US" altLang="en-US" sz="2400" b="1" dirty="0">
@@ -8075,15 +7971,7 @@
                 <a:ea typeface="Arial Unicode MS" panose="020B0604020202020204" pitchFamily="34" charset="-128"/>
                 <a:cs typeface="Arial" panose="020B0604020202020204" pitchFamily="34" charset="0"/>
               </a:rPr>
-              <a:t>conforms </a:t>
-            </a:r>
-            <a:r>
-              <a:rPr kumimoji="1" lang="en-US" altLang="en-US" sz="2400" dirty="0" smtClean="0">
-                <a:latin typeface="Arial" panose="020B0604020202020204" pitchFamily="34" charset="0"/>
-                <a:ea typeface="Arial Unicode MS" panose="020B0604020202020204" pitchFamily="34" charset="-128"/>
-                <a:cs typeface="Arial" panose="020B0604020202020204" pitchFamily="34" charset="0"/>
-              </a:rPr>
-              <a:t>to … oops … </a:t>
+              <a:t>conforms to … oops … </a:t>
             </a:r>
             <a:endParaRPr lang="en-US" sz="2400" dirty="0"/>
           </a:p>
@@ -8441,7 +8329,7 @@
             <a:effectLst/>
             <a:extLst>
               <a:ext uri="{C572A759-6A51-4108-AA02-DFA0A04FC94B}">
-                <ma14:wrappingTextBoxFlag xmlns:ma14="http://schemas.microsoft.com/office/mac/drawingml/2011/main" xmlns:a14="http://schemas.microsoft.com/office/drawing/2010/main" xmlns:m="http://schemas.openxmlformats.org/officeDocument/2006/math" xmlns="" val="1"/>
+                <ma14:wrappingTextBoxFlag xmlns="" xmlns:m="http://schemas.openxmlformats.org/officeDocument/2006/math" xmlns:a14="http://schemas.microsoft.com/office/drawing/2010/main" xmlns:ma14="http://schemas.microsoft.com/office/mac/drawingml/2011/main" val="1"/>
               </a:ext>
             </a:extLst>
           </p:spPr>
@@ -8663,7 +8551,7 @@
         <p:fade/>
       </p:transition>
     </mc:Choice>
-    <mc:Fallback xmlns:a14="http://schemas.microsoft.com/office/drawing/2010/main" xmlns:m="http://schemas.openxmlformats.org/officeDocument/2006/math" xmlns="">
+    <mc:Fallback xmlns="" xmlns:m="http://schemas.openxmlformats.org/officeDocument/2006/math" xmlns:a14="http://schemas.microsoft.com/office/drawing/2010/main">
       <p:transition spd="med">
         <p:fade/>
       </p:transition>
@@ -8801,34 +8689,7 @@
                 </a:solidFill>
                 <a:latin typeface="Lucida Console" pitchFamily="49" charset="0"/>
               </a:rPr>
-              <a:t> </a:t>
-            </a:r>
-            <a:r>
-              <a:rPr lang="en-US" altLang="en-US" sz="2000" dirty="0" smtClean="0">
-                <a:solidFill>
-                  <a:srgbClr val="0000FF"/>
-                </a:solidFill>
-                <a:latin typeface="Lucida Console" pitchFamily="49" charset="0"/>
-              </a:rPr>
-              <a:t>Base </a:t>
-            </a:r>
-            <a:r>
-              <a:rPr lang="en-US" altLang="en-US" sz="2000" dirty="0" smtClean="0">
-                <a:solidFill>
-                  <a:srgbClr val="0000FF"/>
-                </a:solidFill>
-                <a:latin typeface="Lucida Console" pitchFamily="49" charset="0"/>
-              </a:rPr>
-              <a:t>{ </a:t>
-            </a:r>
-            <a:r>
-              <a:rPr lang="en-US" altLang="en-US" sz="2000" dirty="0" smtClean="0">
-                <a:solidFill>
-                  <a:srgbClr val="0000FF"/>
-                </a:solidFill>
-                <a:latin typeface="Lucida Console" pitchFamily="49" charset="0"/>
-              </a:rPr>
-              <a:t>foo </a:t>
+              <a:t> Base { foo </a:t>
             </a:r>
             <a:r>
               <a:rPr lang="en-US" altLang="en-US" sz="2000" dirty="0">
@@ -9511,16 +9372,7 @@
                 </a:solidFill>
                 <a:latin typeface="Comic Sans MS" pitchFamily="66" charset="0"/>
               </a:rPr>
-              <a:t> </a:t>
-            </a:r>
-            <a:r>
-              <a:rPr lang="en-US" sz="3400" b="1" dirty="0" smtClean="0">
-                <a:solidFill>
-                  <a:srgbClr val="CC6600"/>
-                </a:solidFill>
-                <a:latin typeface="Comic Sans MS" pitchFamily="66" charset="0"/>
-              </a:rPr>
-              <a:t>solution</a:t>
+              <a:t> solution</a:t>
             </a:r>
             <a:endParaRPr lang="en-US" sz="3400" b="1" dirty="0">
               <a:solidFill>
@@ -9605,18 +9457,7 @@
                 <a:ea typeface="+mn-ea"/>
                 <a:cs typeface="+mn-cs"/>
               </a:rPr>
-              <a:t>abstract </a:t>
-            </a:r>
-            <a:r>
-              <a:rPr lang="en-US" altLang="en-US" sz="1800" b="1" dirty="0" smtClean="0">
-                <a:solidFill>
-                  <a:srgbClr val="0000FF"/>
-                </a:solidFill>
-                <a:latin typeface="Lucida Console" pitchFamily="49" charset="0"/>
-                <a:ea typeface="+mn-ea"/>
-                <a:cs typeface="+mn-cs"/>
-              </a:rPr>
-              <a:t>type</a:t>
+              <a:t>abstract type</a:t>
             </a:r>
             <a:r>
               <a:rPr lang="en-US" altLang="en-US" sz="1800" dirty="0" smtClean="0">
@@ -9627,18 +9468,7 @@
                 <a:ea typeface="+mn-ea"/>
                 <a:cs typeface="+mn-cs"/>
               </a:rPr>
-              <a:t> Figure </a:t>
-            </a:r>
-            <a:r>
-              <a:rPr lang="en-US" altLang="en-US" sz="1800" dirty="0" smtClean="0">
-                <a:solidFill>
-                  <a:srgbClr val="0000FF"/>
-                </a:solidFill>
-                <a:latin typeface="Lucida Console" pitchFamily="49" charset="0"/>
-                <a:ea typeface="+mn-ea"/>
-                <a:cs typeface="+mn-cs"/>
-              </a:rPr>
-              <a:t>{ // general abstraction</a:t>
+              <a:t> Figure { // general abstraction</a:t>
             </a:r>
           </a:p>
           <a:p>
@@ -9821,18 +9651,7 @@
                 <a:ea typeface="+mn-ea"/>
                 <a:cs typeface="+mn-cs"/>
               </a:rPr>
-              <a:t>Figure </a:t>
-            </a:r>
-            <a:r>
-              <a:rPr lang="en-US" altLang="en-US" sz="1800" dirty="0" smtClean="0">
-                <a:solidFill>
-                  <a:srgbClr val="0000FF"/>
-                </a:solidFill>
-                <a:latin typeface="Lucida Console" pitchFamily="49" charset="0"/>
-                <a:ea typeface="+mn-ea"/>
-                <a:cs typeface="+mn-cs"/>
-              </a:rPr>
-              <a:t>{ /* circle into circle and into any figure */</a:t>
+              <a:t>Figure { /* circle into circle and into any figure */</a:t>
             </a:r>
             <a:endParaRPr lang="en-US" altLang="en-US" sz="1800" dirty="0">
               <a:solidFill>
@@ -9951,25 +9770,7 @@
                 </a:solidFill>
                 <a:latin typeface="Lucida Console" pitchFamily="49" charset="0"/>
               </a:rPr>
-              <a:t> </a:t>
-            </a:r>
-            <a:r>
-              <a:rPr lang="en-US" altLang="en-US" sz="1800" dirty="0">
-                <a:solidFill>
-                  <a:srgbClr val="0000FF"/>
-                </a:solidFill>
-                <a:latin typeface="Lucida Console" pitchFamily="49" charset="0"/>
-              </a:rPr>
-              <a:t>inscribedInto</a:t>
-            </a:r>
-            <a:r>
-              <a:rPr lang="en-US" altLang="en-US" sz="1800" dirty="0">
-                <a:solidFill>
-                  <a:srgbClr val="0000FF"/>
-                </a:solidFill>
-                <a:latin typeface="Lucida Console" pitchFamily="49" charset="0"/>
-              </a:rPr>
-              <a:t> (other: </a:t>
+              <a:t> inscribedInto (other: </a:t>
             </a:r>
             <a:r>
               <a:rPr lang="en-US" altLang="en-US" sz="1800" dirty="0" smtClean="0">
@@ -10088,18 +9889,7 @@
                 <a:ea typeface="+mn-ea"/>
                 <a:cs typeface="+mn-cs"/>
               </a:rPr>
-              <a:t>Figure </a:t>
-            </a:r>
-            <a:r>
-              <a:rPr lang="en-US" altLang="en-US" sz="1800" dirty="0" smtClean="0">
-                <a:solidFill>
-                  <a:srgbClr val="0000FF"/>
-                </a:solidFill>
-                <a:latin typeface="Lucida Console" pitchFamily="49" charset="0"/>
-                <a:ea typeface="+mn-ea"/>
-                <a:cs typeface="+mn-cs"/>
-              </a:rPr>
-              <a:t>{ /* </a:t>
+              <a:t>Figure { /* </a:t>
             </a:r>
             <a:r>
               <a:rPr lang="en-US" altLang="en-US" sz="1800" dirty="0" smtClean="0">
@@ -10313,18 +10103,7 @@
                 <a:ea typeface="+mn-ea"/>
                 <a:cs typeface="+mn-cs"/>
               </a:rPr>
-              <a:t>extend </a:t>
-            </a:r>
-            <a:r>
-              <a:rPr lang="en-US" altLang="en-US" sz="1800" b="1" dirty="0" smtClean="0">
-                <a:solidFill>
-                  <a:srgbClr val="0000FF"/>
-                </a:solidFill>
-                <a:latin typeface="Lucida Console" pitchFamily="49" charset="0"/>
-                <a:ea typeface="+mn-ea"/>
-                <a:cs typeface="+mn-cs"/>
-              </a:rPr>
-              <a:t>type</a:t>
+              <a:t>extend type</a:t>
             </a:r>
             <a:r>
               <a:rPr lang="en-US" altLang="en-US" sz="1800" dirty="0" smtClean="0">
@@ -10335,18 +10114,7 @@
                 <a:ea typeface="+mn-ea"/>
                 <a:cs typeface="+mn-cs"/>
               </a:rPr>
-              <a:t> Circle { // </a:t>
-            </a:r>
-            <a:r>
-              <a:rPr lang="en-US" altLang="en-US" sz="1800" dirty="0" smtClean="0">
-                <a:solidFill>
-                  <a:srgbClr val="0000FF"/>
-                </a:solidFill>
-                <a:latin typeface="Lucida Console" pitchFamily="49" charset="0"/>
-                <a:ea typeface="+mn-ea"/>
-                <a:cs typeface="+mn-cs"/>
-              </a:rPr>
-              <a:t>add circle into </a:t>
+              <a:t> Circle { // add circle into </a:t>
             </a:r>
             <a:r>
               <a:rPr lang="en-US" altLang="en-US" sz="1800" dirty="0" smtClean="0">
@@ -11507,23 +11275,7 @@
                 <a:ea typeface="Arial Unicode MS" panose="020B0604020202020204" pitchFamily="34" charset="-128"/>
                 <a:cs typeface="Arial" panose="020B0604020202020204" pitchFamily="34" charset="0"/>
               </a:rPr>
-              <a:t>	</a:t>
-            </a:r>
-            <a:r>
-              <a:rPr kumimoji="1" lang="en-US" altLang="en-US" sz="2400" dirty="0" smtClean="0">
-                <a:latin typeface="Arial" panose="020B0604020202020204" pitchFamily="34" charset="0"/>
-                <a:ea typeface="Arial Unicode MS" panose="020B0604020202020204" pitchFamily="34" charset="-128"/>
-                <a:cs typeface="Arial" panose="020B0604020202020204" pitchFamily="34" charset="0"/>
-              </a:rPr>
-              <a:t>There are two </a:t>
-            </a:r>
-            <a:r>
-              <a:rPr kumimoji="1" lang="en-US" altLang="en-US" sz="2400" dirty="0" smtClean="0">
-                <a:latin typeface="Arial" panose="020B0604020202020204" pitchFamily="34" charset="0"/>
-                <a:ea typeface="Arial Unicode MS" panose="020B0604020202020204" pitchFamily="34" charset="-128"/>
-                <a:cs typeface="Arial" panose="020B0604020202020204" pitchFamily="34" charset="0"/>
-              </a:rPr>
-              <a:t>kinds of inheritance – compatible one and non-compatible. The latter is always type safe – no polymorphic assignments possible. Reuse without compatibility (assignability).</a:t>
+              <a:t>	There are two kinds of inheritance – compatible one and non-compatible. The latter is always type safe – no polymorphic assignments possible. Reuse without compatibility (assignability).</a:t>
             </a:r>
             <a:endParaRPr lang="en-US" sz="2400" dirty="0"/>
           </a:p>
@@ -12710,7 +12462,7 @@
         <p:fade/>
       </p:transition>
     </mc:Choice>
-    <mc:Fallback xmlns:a14="http://schemas.microsoft.com/office/drawing/2010/main" xmlns:m="http://schemas.openxmlformats.org/officeDocument/2006/math" xmlns="">
+    <mc:Fallback xmlns="" xmlns:m="http://schemas.openxmlformats.org/officeDocument/2006/math" xmlns:a14="http://schemas.microsoft.com/office/drawing/2010/main">
       <p:transition spd="med">
         <p:fade/>
       </p:transition>
@@ -12847,7 +12599,7 @@
             <a:effectLst/>
             <a:extLst>
               <a:ext uri="{C572A759-6A51-4108-AA02-DFA0A04FC94B}">
-                <ma14:wrappingTextBoxFlag xmlns:ma14="http://schemas.microsoft.com/office/mac/drawingml/2011/main" xmlns:a14="http://schemas.microsoft.com/office/drawing/2010/main" xmlns:m="http://schemas.openxmlformats.org/officeDocument/2006/math" xmlns="" val="1"/>
+                <ma14:wrappingTextBoxFlag xmlns="" xmlns:m="http://schemas.openxmlformats.org/officeDocument/2006/math" xmlns:a14="http://schemas.microsoft.com/office/drawing/2010/main" xmlns:ma14="http://schemas.microsoft.com/office/mac/drawingml/2011/main" val="1"/>
               </a:ext>
             </a:extLst>
           </p:spPr>
@@ -13069,7 +12821,7 @@
         <p:fade/>
       </p:transition>
     </mc:Choice>
-    <mc:Fallback xmlns:a14="http://schemas.microsoft.com/office/drawing/2010/main" xmlns:m="http://schemas.openxmlformats.org/officeDocument/2006/math" xmlns="">
+    <mc:Fallback xmlns="" xmlns:m="http://schemas.openxmlformats.org/officeDocument/2006/math" xmlns:a14="http://schemas.microsoft.com/office/drawing/2010/main">
       <p:transition spd="med">
         <p:fade/>
       </p:transition>
@@ -13111,7 +12863,7 @@
         <p:spPr>
           <a:xfrm>
             <a:off x="35496" y="548680"/>
-            <a:ext cx="9001000" cy="5909310"/>
+            <a:ext cx="9001000" cy="6370975"/>
           </a:xfrm>
           <a:prstGeom prst="rect">
             <a:avLst/>
@@ -13125,26 +12877,10 @@
           <a:lstStyle/>
           <a:p>
             <a:r>
-              <a:rPr lang="en-US" altLang="en-US" b="1" dirty="0" smtClean="0">
-                <a:solidFill>
-                  <a:srgbClr val="0000FF"/>
-                </a:solidFill>
-                <a:latin typeface="Lucida Console" pitchFamily="49" charset="0"/>
-                <a:cs typeface="Calibri" pitchFamily="34" charset="0"/>
-              </a:rPr>
-              <a:t>type</a:t>
-            </a:r>
-            <a:r>
-              <a:rPr lang="en-US" altLang="en-US" dirty="0" smtClean="0">
-                <a:solidFill>
-                  <a:srgbClr val="0000FF"/>
-                </a:solidFill>
-                <a:latin typeface="Lucida Console" pitchFamily="49" charset="0"/>
-                <a:cs typeface="Calibri" pitchFamily="34" charset="0"/>
-              </a:rPr>
-              <a:t> A {</a:t>
-            </a:r>
-            <a:endParaRPr lang="en-US" altLang="en-US" dirty="0">
+              <a:rPr lang="en-US" sz="2400" dirty="0" smtClean="0"/>
+              <a:t>Let’s consider a call</a:t>
+            </a:r>
+            <a:endParaRPr lang="en-US" altLang="en-US" sz="2400" dirty="0" smtClean="0">
               <a:solidFill>
                 <a:srgbClr val="0000FF"/>
               </a:solidFill>
@@ -13154,746 +12890,17 @@
           </a:p>
           <a:p>
             <a:r>
-              <a:rPr lang="en-US" altLang="en-US" dirty="0" smtClean="0">
-                <a:solidFill>
-                  <a:srgbClr val="0000FF"/>
-                </a:solidFill>
-                <a:latin typeface="Lucida Console" pitchFamily="49" charset="0"/>
-                <a:cs typeface="Calibri" pitchFamily="34" charset="0"/>
-              </a:rPr>
-              <a:t>  foo </a:t>
-            </a:r>
-            <a:r>
-              <a:rPr lang="en-US" altLang="en-US" dirty="0">
-                <a:solidFill>
-                  <a:srgbClr val="0000FF"/>
-                </a:solidFill>
-                <a:latin typeface="Lucida Console" pitchFamily="49" charset="0"/>
-                <a:cs typeface="Calibri" pitchFamily="34" charset="0"/>
-              </a:rPr>
-              <a:t>(p: A</a:t>
-            </a:r>
-            <a:r>
-              <a:rPr lang="en-US" altLang="en-US" dirty="0" smtClean="0">
-                <a:solidFill>
-                  <a:srgbClr val="0000FF"/>
-                </a:solidFill>
-                <a:latin typeface="Lucida Console" pitchFamily="49" charset="0"/>
-                <a:cs typeface="Calibri" pitchFamily="34" charset="0"/>
-              </a:rPr>
-              <a:t>) { </a:t>
-            </a:r>
-            <a:r>
-              <a:rPr lang="en-US" altLang="en-US" dirty="0" err="1" smtClean="0">
-                <a:solidFill>
-                  <a:srgbClr val="0000FF"/>
-                </a:solidFill>
-                <a:latin typeface="Lucida Console" pitchFamily="49" charset="0"/>
-                <a:cs typeface="Calibri" pitchFamily="34" charset="0"/>
-              </a:rPr>
-              <a:t>p.a_attr</a:t>
-            </a:r>
-            <a:r>
-              <a:rPr lang="en-US" altLang="en-US" dirty="0" smtClean="0">
-                <a:solidFill>
-                  <a:srgbClr val="0000FF"/>
-                </a:solidFill>
-                <a:latin typeface="Lucida Console" pitchFamily="49" charset="0"/>
-                <a:cs typeface="Calibri" pitchFamily="34" charset="0"/>
-              </a:rPr>
-              <a:t> /* </a:t>
-            </a:r>
-            <a:r>
-              <a:rPr lang="en-US" altLang="en-US" dirty="0">
-                <a:solidFill>
-                  <a:srgbClr val="0000FF"/>
-                </a:solidFill>
-                <a:latin typeface="Lucida Console" pitchFamily="49" charset="0"/>
-                <a:cs typeface="Calibri" pitchFamily="34" charset="0"/>
-              </a:rPr>
-              <a:t>All A descendants have </a:t>
-            </a:r>
-            <a:r>
-              <a:rPr lang="en-US" altLang="en-US" dirty="0" err="1" smtClean="0">
-                <a:solidFill>
-                  <a:srgbClr val="0000FF"/>
-                </a:solidFill>
-                <a:latin typeface="Lucida Console" pitchFamily="49" charset="0"/>
-                <a:cs typeface="Calibri" pitchFamily="34" charset="0"/>
-              </a:rPr>
-              <a:t>a_attr</a:t>
-            </a:r>
-            <a:r>
-              <a:rPr lang="en-US" altLang="en-US" dirty="0" smtClean="0">
-                <a:solidFill>
-                  <a:srgbClr val="0000FF"/>
-                </a:solidFill>
-                <a:latin typeface="Lucida Console" pitchFamily="49" charset="0"/>
-                <a:cs typeface="Calibri" pitchFamily="34" charset="0"/>
-              </a:rPr>
-              <a:t> */ }</a:t>
-            </a:r>
-            <a:endParaRPr lang="en-US" altLang="en-US" dirty="0">
-              <a:solidFill>
-                <a:srgbClr val="0000FF"/>
-              </a:solidFill>
-              <a:latin typeface="Lucida Console" pitchFamily="49" charset="0"/>
-              <a:cs typeface="Calibri" pitchFamily="34" charset="0"/>
-            </a:endParaRPr>
-          </a:p>
-          <a:p>
-            <a:r>
-              <a:rPr lang="en-US" altLang="en-US" dirty="0" smtClean="0">
-                <a:solidFill>
-                  <a:srgbClr val="0000FF"/>
-                </a:solidFill>
-                <a:latin typeface="Lucida Console" pitchFamily="49" charset="0"/>
-                <a:cs typeface="Calibri" pitchFamily="34" charset="0"/>
-              </a:rPr>
-              <a:t>  </a:t>
-            </a:r>
-            <a:r>
-              <a:rPr lang="en-US" altLang="en-US" dirty="0" err="1" smtClean="0">
-                <a:solidFill>
-                  <a:srgbClr val="0000FF"/>
-                </a:solidFill>
-                <a:latin typeface="Lucida Console" pitchFamily="49" charset="0"/>
-                <a:cs typeface="Calibri" pitchFamily="34" charset="0"/>
-              </a:rPr>
-              <a:t>a_attr</a:t>
-            </a:r>
-            <a:r>
-              <a:rPr lang="en-US" altLang="en-US" dirty="0">
-                <a:solidFill>
-                  <a:srgbClr val="0000FF"/>
-                </a:solidFill>
-                <a:latin typeface="Lucida Console" pitchFamily="49" charset="0"/>
-                <a:cs typeface="Calibri" pitchFamily="34" charset="0"/>
-              </a:rPr>
-              <a:t>: T1</a:t>
-            </a:r>
-          </a:p>
-          <a:p>
-            <a:r>
-              <a:rPr lang="en-US" altLang="en-US" dirty="0">
-                <a:solidFill>
-                  <a:srgbClr val="0000FF"/>
-                </a:solidFill>
-                <a:latin typeface="Lucida Console" pitchFamily="49" charset="0"/>
-                <a:cs typeface="Calibri" pitchFamily="34" charset="0"/>
-              </a:rPr>
-              <a:t>}</a:t>
-            </a:r>
-          </a:p>
-          <a:p>
-            <a:r>
-              <a:rPr lang="en-US" altLang="en-US" b="1" dirty="0" smtClean="0">
-                <a:solidFill>
-                  <a:srgbClr val="0000FF"/>
-                </a:solidFill>
-                <a:latin typeface="Lucida Console" pitchFamily="49" charset="0"/>
-                <a:cs typeface="Calibri" pitchFamily="34" charset="0"/>
-              </a:rPr>
-              <a:t>type</a:t>
-            </a:r>
-            <a:r>
-              <a:rPr lang="en-US" altLang="en-US" dirty="0" smtClean="0">
-                <a:solidFill>
-                  <a:srgbClr val="0000FF"/>
-                </a:solidFill>
-                <a:latin typeface="Lucida Console" pitchFamily="49" charset="0"/>
-                <a:cs typeface="Calibri" pitchFamily="34" charset="0"/>
-              </a:rPr>
-              <a:t> </a:t>
-            </a:r>
-            <a:r>
-              <a:rPr lang="en-US" altLang="en-US" dirty="0">
-                <a:solidFill>
-                  <a:srgbClr val="0000FF"/>
-                </a:solidFill>
-                <a:latin typeface="Lucida Console" pitchFamily="49" charset="0"/>
-                <a:cs typeface="Calibri" pitchFamily="34" charset="0"/>
-              </a:rPr>
-              <a:t>B </a:t>
-            </a:r>
-            <a:r>
-              <a:rPr lang="en-US" altLang="en-US" b="1" dirty="0">
-                <a:solidFill>
-                  <a:srgbClr val="0000FF"/>
-                </a:solidFill>
-                <a:latin typeface="Lucida Console" pitchFamily="49" charset="0"/>
-                <a:cs typeface="Calibri" pitchFamily="34" charset="0"/>
-              </a:rPr>
-              <a:t>extend</a:t>
-            </a:r>
-            <a:r>
-              <a:rPr lang="en-US" altLang="en-US" dirty="0">
-                <a:solidFill>
-                  <a:srgbClr val="0000FF"/>
-                </a:solidFill>
-                <a:latin typeface="Lucida Console" pitchFamily="49" charset="0"/>
-                <a:cs typeface="Calibri" pitchFamily="34" charset="0"/>
-              </a:rPr>
-              <a:t> </a:t>
-            </a:r>
-            <a:r>
-              <a:rPr lang="en-US" altLang="en-US" dirty="0" smtClean="0">
-                <a:solidFill>
-                  <a:srgbClr val="0000FF"/>
-                </a:solidFill>
-                <a:latin typeface="Lucida Console" pitchFamily="49" charset="0"/>
-                <a:cs typeface="Calibri" pitchFamily="34" charset="0"/>
-              </a:rPr>
-              <a:t>A {</a:t>
-            </a:r>
-            <a:endParaRPr lang="en-US" altLang="en-US" dirty="0">
-              <a:solidFill>
-                <a:srgbClr val="0000FF"/>
-              </a:solidFill>
-              <a:latin typeface="Lucida Console" pitchFamily="49" charset="0"/>
-              <a:cs typeface="Calibri" pitchFamily="34" charset="0"/>
-            </a:endParaRPr>
-          </a:p>
-          <a:p>
-            <a:r>
-              <a:rPr lang="en-US" altLang="en-US" dirty="0" smtClean="0">
-                <a:solidFill>
-                  <a:srgbClr val="0000FF"/>
-                </a:solidFill>
-                <a:latin typeface="Lucida Console" pitchFamily="49" charset="0"/>
-                <a:cs typeface="Calibri" pitchFamily="34" charset="0"/>
-              </a:rPr>
-              <a:t>  </a:t>
-            </a:r>
-            <a:r>
-              <a:rPr lang="en-US" altLang="en-US" b="1" dirty="0" smtClean="0">
-                <a:solidFill>
-                  <a:srgbClr val="0000FF"/>
-                </a:solidFill>
-                <a:latin typeface="Lucida Console" pitchFamily="49" charset="0"/>
-                <a:cs typeface="Calibri" pitchFamily="34" charset="0"/>
-              </a:rPr>
-              <a:t>override</a:t>
-            </a:r>
-            <a:r>
-              <a:rPr lang="en-US" altLang="en-US" dirty="0" smtClean="0">
-                <a:solidFill>
-                  <a:srgbClr val="0000FF"/>
-                </a:solidFill>
-                <a:latin typeface="Lucida Console" pitchFamily="49" charset="0"/>
-                <a:cs typeface="Calibri" pitchFamily="34" charset="0"/>
-              </a:rPr>
-              <a:t> </a:t>
-            </a:r>
-            <a:r>
-              <a:rPr lang="en-US" altLang="en-US" dirty="0">
-                <a:solidFill>
-                  <a:srgbClr val="0000FF"/>
-                </a:solidFill>
-                <a:latin typeface="Lucida Console" pitchFamily="49" charset="0"/>
-                <a:cs typeface="Calibri" pitchFamily="34" charset="0"/>
-              </a:rPr>
-              <a:t>foo (p: A) </a:t>
-            </a:r>
-            <a:r>
-              <a:rPr lang="en-US" altLang="en-US" b="1" dirty="0">
-                <a:solidFill>
-                  <a:srgbClr val="0000FF"/>
-                </a:solidFill>
-                <a:latin typeface="Lucida Console" pitchFamily="49" charset="0"/>
-                <a:cs typeface="Calibri" pitchFamily="34" charset="0"/>
-              </a:rPr>
-              <a:t>old</a:t>
-            </a:r>
-            <a:r>
-              <a:rPr lang="en-US" altLang="en-US" dirty="0">
-                <a:solidFill>
-                  <a:srgbClr val="0000FF"/>
-                </a:solidFill>
-                <a:latin typeface="Lucida Console" pitchFamily="49" charset="0"/>
-                <a:cs typeface="Calibri" pitchFamily="34" charset="0"/>
-              </a:rPr>
-              <a:t>  </a:t>
-            </a:r>
-            <a:r>
-              <a:rPr lang="en-US" altLang="en-US" dirty="0" smtClean="0">
-                <a:solidFill>
-                  <a:srgbClr val="0000FF"/>
-                </a:solidFill>
-                <a:latin typeface="Lucida Console" pitchFamily="49" charset="0"/>
-                <a:cs typeface="Calibri" pitchFamily="34" charset="0"/>
-              </a:rPr>
-              <a:t>/* Precursor(super) </a:t>
-            </a:r>
-            <a:r>
-              <a:rPr lang="en-US" altLang="en-US" dirty="0">
-                <a:solidFill>
-                  <a:srgbClr val="0000FF"/>
-                </a:solidFill>
-                <a:latin typeface="Lucida Console" pitchFamily="49" charset="0"/>
-                <a:cs typeface="Calibri" pitchFamily="34" charset="0"/>
-              </a:rPr>
-              <a:t>to be called for </a:t>
-            </a:r>
-            <a:r>
-              <a:rPr lang="en-US" altLang="en-US" dirty="0" smtClean="0">
-                <a:solidFill>
-                  <a:srgbClr val="0000FF"/>
-                </a:solidFill>
-                <a:latin typeface="Lucida Console" pitchFamily="49" charset="0"/>
-                <a:cs typeface="Calibri" pitchFamily="34" charset="0"/>
-              </a:rPr>
-              <a:t>contravariant to B arguments */</a:t>
-            </a:r>
-            <a:endParaRPr lang="en-US" altLang="en-US" dirty="0">
-              <a:solidFill>
-                <a:srgbClr val="0000FF"/>
-              </a:solidFill>
-              <a:latin typeface="Lucida Console" pitchFamily="49" charset="0"/>
-              <a:cs typeface="Calibri" pitchFamily="34" charset="0"/>
-            </a:endParaRPr>
-          </a:p>
-          <a:p>
-            <a:r>
-              <a:rPr lang="en-US" altLang="en-US" dirty="0" smtClean="0">
-                <a:solidFill>
-                  <a:srgbClr val="0000FF"/>
-                </a:solidFill>
-                <a:latin typeface="Lucida Console" pitchFamily="49" charset="0"/>
-                <a:cs typeface="Calibri" pitchFamily="34" charset="0"/>
-              </a:rPr>
-              <a:t>  </a:t>
-            </a:r>
-            <a:r>
-              <a:rPr lang="en-US" altLang="en-US" b="1" dirty="0" smtClean="0">
-                <a:solidFill>
-                  <a:srgbClr val="0000FF"/>
-                </a:solidFill>
-                <a:latin typeface="Lucida Console" pitchFamily="49" charset="0"/>
-                <a:cs typeface="Calibri" pitchFamily="34" charset="0"/>
-              </a:rPr>
-              <a:t>override</a:t>
-            </a:r>
-            <a:r>
-              <a:rPr lang="en-US" altLang="en-US" dirty="0" smtClean="0">
-                <a:solidFill>
-                  <a:srgbClr val="0000FF"/>
-                </a:solidFill>
-                <a:latin typeface="Lucida Console" pitchFamily="49" charset="0"/>
-                <a:cs typeface="Calibri" pitchFamily="34" charset="0"/>
-              </a:rPr>
-              <a:t> </a:t>
-            </a:r>
-            <a:r>
-              <a:rPr lang="en-US" altLang="en-US" dirty="0">
-                <a:solidFill>
-                  <a:srgbClr val="0000FF"/>
-                </a:solidFill>
-                <a:latin typeface="Lucida Console" pitchFamily="49" charset="0"/>
-                <a:cs typeface="Calibri" pitchFamily="34" charset="0"/>
-              </a:rPr>
-              <a:t>foo (p: B) </a:t>
-            </a:r>
-            <a:r>
-              <a:rPr lang="en-US" altLang="en-US" dirty="0" smtClean="0">
-                <a:solidFill>
-                  <a:srgbClr val="0000FF"/>
-                </a:solidFill>
-                <a:latin typeface="Lucida Console" pitchFamily="49" charset="0"/>
-                <a:cs typeface="Calibri" pitchFamily="34" charset="0"/>
-              </a:rPr>
-              <a:t>{ </a:t>
-            </a:r>
-            <a:r>
-              <a:rPr lang="en-US" altLang="en-US" dirty="0" err="1" smtClean="0">
-                <a:solidFill>
-                  <a:srgbClr val="0000FF"/>
-                </a:solidFill>
-                <a:latin typeface="Lucida Console" pitchFamily="49" charset="0"/>
-                <a:cs typeface="Calibri" pitchFamily="34" charset="0"/>
-              </a:rPr>
-              <a:t>p.a_attr</a:t>
-            </a:r>
-            <a:r>
-              <a:rPr lang="en-US" altLang="en-US" dirty="0" smtClean="0">
-                <a:solidFill>
-                  <a:srgbClr val="0000FF"/>
-                </a:solidFill>
-                <a:latin typeface="Lucida Console" pitchFamily="49" charset="0"/>
-                <a:cs typeface="Calibri" pitchFamily="34" charset="0"/>
-              </a:rPr>
-              <a:t> </a:t>
-            </a:r>
-            <a:r>
-              <a:rPr lang="en-US" altLang="en-US" dirty="0" err="1" smtClean="0">
-                <a:solidFill>
-                  <a:srgbClr val="0000FF"/>
-                </a:solidFill>
-                <a:latin typeface="Lucida Console" pitchFamily="49" charset="0"/>
-                <a:cs typeface="Calibri" pitchFamily="34" charset="0"/>
-              </a:rPr>
-              <a:t>p.b_attr</a:t>
-            </a:r>
-            <a:r>
-              <a:rPr lang="en-US" altLang="en-US" dirty="0" smtClean="0">
-                <a:solidFill>
-                  <a:srgbClr val="0000FF"/>
-                </a:solidFill>
-                <a:latin typeface="Lucida Console" pitchFamily="49" charset="0"/>
-                <a:cs typeface="Calibri" pitchFamily="34" charset="0"/>
-              </a:rPr>
-              <a:t> }</a:t>
-            </a:r>
-            <a:endParaRPr lang="en-US" altLang="en-US" dirty="0">
-              <a:solidFill>
-                <a:srgbClr val="0000FF"/>
-              </a:solidFill>
-              <a:latin typeface="Lucida Console" pitchFamily="49" charset="0"/>
-              <a:cs typeface="Calibri" pitchFamily="34" charset="0"/>
-            </a:endParaRPr>
-          </a:p>
-          <a:p>
-            <a:r>
-              <a:rPr lang="en-US" altLang="en-US" dirty="0" smtClean="0">
-                <a:solidFill>
-                  <a:srgbClr val="0000FF"/>
-                </a:solidFill>
-                <a:latin typeface="Lucida Console" pitchFamily="49" charset="0"/>
-                <a:cs typeface="Calibri" pitchFamily="34" charset="0"/>
-              </a:rPr>
-              <a:t>  // </a:t>
-            </a:r>
-            <a:r>
-              <a:rPr lang="en-US" altLang="en-US" dirty="0">
-                <a:solidFill>
-                  <a:srgbClr val="0000FF"/>
-                </a:solidFill>
-                <a:latin typeface="Lucida Console" pitchFamily="49" charset="0"/>
-                <a:cs typeface="Calibri" pitchFamily="34" charset="0"/>
-              </a:rPr>
-              <a:t>covariance</a:t>
-            </a:r>
-          </a:p>
-          <a:p>
-            <a:r>
-              <a:rPr lang="en-US" altLang="en-US" dirty="0" smtClean="0">
-                <a:solidFill>
-                  <a:srgbClr val="0000FF"/>
-                </a:solidFill>
-                <a:latin typeface="Lucida Console" pitchFamily="49" charset="0"/>
-                <a:cs typeface="Calibri" pitchFamily="34" charset="0"/>
-              </a:rPr>
-              <a:t>  </a:t>
-            </a:r>
-            <a:r>
-              <a:rPr lang="en-US" altLang="en-US" dirty="0" err="1" smtClean="0">
-                <a:solidFill>
-                  <a:srgbClr val="0000FF"/>
-                </a:solidFill>
-                <a:latin typeface="Lucida Console" pitchFamily="49" charset="0"/>
-                <a:cs typeface="Calibri" pitchFamily="34" charset="0"/>
-              </a:rPr>
-              <a:t>b_attr</a:t>
-            </a:r>
-            <a:r>
-              <a:rPr lang="en-US" altLang="en-US" dirty="0">
-                <a:solidFill>
-                  <a:srgbClr val="0000FF"/>
-                </a:solidFill>
-                <a:latin typeface="Lucida Console" pitchFamily="49" charset="0"/>
-                <a:cs typeface="Calibri" pitchFamily="34" charset="0"/>
-              </a:rPr>
-              <a:t>: T2</a:t>
-            </a:r>
-          </a:p>
-          <a:p>
-            <a:r>
-              <a:rPr lang="en-US" altLang="en-US" dirty="0">
-                <a:solidFill>
-                  <a:srgbClr val="0000FF"/>
-                </a:solidFill>
-                <a:latin typeface="Lucida Console" pitchFamily="49" charset="0"/>
-                <a:cs typeface="Calibri" pitchFamily="34" charset="0"/>
-              </a:rPr>
-              <a:t>}</a:t>
-            </a:r>
-          </a:p>
-          <a:p>
-            <a:r>
-              <a:rPr lang="en-US" altLang="en-US" b="1" dirty="0" smtClean="0">
-                <a:solidFill>
-                  <a:srgbClr val="0000FF"/>
-                </a:solidFill>
-                <a:latin typeface="Lucida Console" pitchFamily="49" charset="0"/>
-                <a:cs typeface="Calibri" pitchFamily="34" charset="0"/>
-              </a:rPr>
-              <a:t>type</a:t>
-            </a:r>
-            <a:r>
-              <a:rPr lang="en-US" altLang="en-US" dirty="0" smtClean="0">
-                <a:solidFill>
-                  <a:srgbClr val="0000FF"/>
-                </a:solidFill>
-                <a:latin typeface="Lucida Console" pitchFamily="49" charset="0"/>
-                <a:cs typeface="Calibri" pitchFamily="34" charset="0"/>
-              </a:rPr>
-              <a:t> </a:t>
-            </a:r>
-            <a:r>
-              <a:rPr lang="en-US" altLang="en-US" dirty="0">
-                <a:solidFill>
-                  <a:srgbClr val="0000FF"/>
-                </a:solidFill>
-                <a:latin typeface="Lucida Console" pitchFamily="49" charset="0"/>
-                <a:cs typeface="Calibri" pitchFamily="34" charset="0"/>
-              </a:rPr>
-              <a:t>C </a:t>
-            </a:r>
-            <a:r>
-              <a:rPr lang="en-US" altLang="en-US" b="1" dirty="0">
-                <a:solidFill>
-                  <a:srgbClr val="0000FF"/>
-                </a:solidFill>
-                <a:latin typeface="Lucida Console" pitchFamily="49" charset="0"/>
-                <a:cs typeface="Calibri" pitchFamily="34" charset="0"/>
-              </a:rPr>
-              <a:t>extend</a:t>
-            </a:r>
-            <a:r>
-              <a:rPr lang="en-US" altLang="en-US" dirty="0">
-                <a:solidFill>
-                  <a:srgbClr val="0000FF"/>
-                </a:solidFill>
-                <a:latin typeface="Lucida Console" pitchFamily="49" charset="0"/>
-                <a:cs typeface="Calibri" pitchFamily="34" charset="0"/>
-              </a:rPr>
-              <a:t> </a:t>
-            </a:r>
-            <a:r>
-              <a:rPr lang="en-US" altLang="en-US" dirty="0" smtClean="0">
-                <a:solidFill>
-                  <a:srgbClr val="0000FF"/>
-                </a:solidFill>
-                <a:latin typeface="Lucida Console" pitchFamily="49" charset="0"/>
-                <a:cs typeface="Calibri" pitchFamily="34" charset="0"/>
-              </a:rPr>
-              <a:t>B {</a:t>
-            </a:r>
-            <a:endParaRPr lang="en-US" altLang="en-US" dirty="0">
-              <a:solidFill>
-                <a:srgbClr val="0000FF"/>
-              </a:solidFill>
-              <a:latin typeface="Lucida Console" pitchFamily="49" charset="0"/>
-              <a:cs typeface="Calibri" pitchFamily="34" charset="0"/>
-            </a:endParaRPr>
-          </a:p>
-          <a:p>
-            <a:r>
-              <a:rPr lang="en-US" altLang="en-US" dirty="0" smtClean="0">
-                <a:solidFill>
-                  <a:srgbClr val="0000FF"/>
-                </a:solidFill>
-                <a:latin typeface="Lucida Console" pitchFamily="49" charset="0"/>
-                <a:cs typeface="Calibri" pitchFamily="34" charset="0"/>
-              </a:rPr>
-              <a:t>  </a:t>
-            </a:r>
-            <a:r>
-              <a:rPr lang="en-US" altLang="en-US" b="1" dirty="0" smtClean="0">
-                <a:solidFill>
-                  <a:srgbClr val="0000FF"/>
-                </a:solidFill>
-                <a:latin typeface="Lucida Console" pitchFamily="49" charset="0"/>
-                <a:cs typeface="Calibri" pitchFamily="34" charset="0"/>
-              </a:rPr>
-              <a:t>override</a:t>
-            </a:r>
-            <a:r>
-              <a:rPr lang="en-US" altLang="en-US" dirty="0" smtClean="0">
-                <a:solidFill>
-                  <a:srgbClr val="0000FF"/>
-                </a:solidFill>
-                <a:latin typeface="Lucida Console" pitchFamily="49" charset="0"/>
-                <a:cs typeface="Calibri" pitchFamily="34" charset="0"/>
-              </a:rPr>
-              <a:t> </a:t>
-            </a:r>
-            <a:r>
-              <a:rPr lang="en-US" altLang="en-US" dirty="0">
-                <a:solidFill>
-                  <a:srgbClr val="0000FF"/>
-                </a:solidFill>
-                <a:latin typeface="Lucida Console" pitchFamily="49" charset="0"/>
-                <a:cs typeface="Calibri" pitchFamily="34" charset="0"/>
-              </a:rPr>
-              <a:t>foo (p: A) </a:t>
-            </a:r>
-            <a:r>
-              <a:rPr lang="en-US" altLang="en-US" dirty="0" smtClean="0">
-                <a:solidFill>
-                  <a:srgbClr val="0000FF"/>
-                </a:solidFill>
-                <a:latin typeface="Lucida Console" pitchFamily="49" charset="0"/>
-                <a:cs typeface="Calibri" pitchFamily="34" charset="0"/>
-              </a:rPr>
-              <a:t>{ </a:t>
-            </a:r>
-            <a:r>
-              <a:rPr lang="en-US" altLang="en-US" dirty="0" err="1">
-                <a:solidFill>
-                  <a:srgbClr val="0000FF"/>
-                </a:solidFill>
-                <a:latin typeface="Lucida Console" pitchFamily="49" charset="0"/>
-                <a:cs typeface="Calibri" pitchFamily="34" charset="0"/>
-              </a:rPr>
-              <a:t>p.a_attr</a:t>
-            </a:r>
-            <a:r>
-              <a:rPr lang="en-US" altLang="en-US" dirty="0">
-                <a:solidFill>
-                  <a:srgbClr val="0000FF"/>
-                </a:solidFill>
-                <a:latin typeface="Lucida Console" pitchFamily="49" charset="0"/>
-                <a:cs typeface="Calibri" pitchFamily="34" charset="0"/>
-              </a:rPr>
-              <a:t> }</a:t>
-            </a:r>
-          </a:p>
-          <a:p>
-            <a:r>
-              <a:rPr lang="en-US" altLang="en-US" dirty="0" smtClean="0">
-                <a:solidFill>
-                  <a:srgbClr val="0000FF"/>
-                </a:solidFill>
-                <a:latin typeface="Lucida Console" pitchFamily="49" charset="0"/>
-                <a:cs typeface="Calibri" pitchFamily="34" charset="0"/>
-              </a:rPr>
-              <a:t>  </a:t>
-            </a:r>
-            <a:r>
-              <a:rPr lang="en-US" altLang="en-US" dirty="0">
-                <a:solidFill>
-                  <a:srgbClr val="0000FF"/>
-                </a:solidFill>
-                <a:latin typeface="Lucida Console" pitchFamily="49" charset="0"/>
-                <a:cs typeface="Calibri" pitchFamily="34" charset="0"/>
-              </a:rPr>
-              <a:t>// </a:t>
-            </a:r>
-            <a:r>
-              <a:rPr lang="en-US" altLang="en-US" dirty="0" err="1">
-                <a:solidFill>
-                  <a:srgbClr val="0000FF"/>
-                </a:solidFill>
-                <a:latin typeface="Lucida Console" pitchFamily="49" charset="0"/>
-                <a:cs typeface="Calibri" pitchFamily="34" charset="0"/>
-              </a:rPr>
-              <a:t>contravariance</a:t>
-            </a:r>
-            <a:endParaRPr lang="en-US" altLang="en-US" dirty="0">
-              <a:solidFill>
-                <a:srgbClr val="0000FF"/>
-              </a:solidFill>
-              <a:latin typeface="Lucida Console" pitchFamily="49" charset="0"/>
-              <a:cs typeface="Calibri" pitchFamily="34" charset="0"/>
-            </a:endParaRPr>
-          </a:p>
-          <a:p>
-            <a:r>
-              <a:rPr lang="en-US" altLang="en-US" dirty="0" smtClean="0">
-                <a:solidFill>
-                  <a:srgbClr val="0000FF"/>
-                </a:solidFill>
-                <a:latin typeface="Lucida Console" pitchFamily="49" charset="0"/>
-                <a:cs typeface="Calibri" pitchFamily="34" charset="0"/>
-              </a:rPr>
-              <a:t>  </a:t>
-            </a:r>
-            <a:r>
-              <a:rPr lang="en-US" altLang="en-US" dirty="0" err="1">
-                <a:solidFill>
-                  <a:srgbClr val="0000FF"/>
-                </a:solidFill>
-                <a:latin typeface="Lucida Console" pitchFamily="49" charset="0"/>
-                <a:cs typeface="Calibri" pitchFamily="34" charset="0"/>
-              </a:rPr>
-              <a:t>c_attr</a:t>
-            </a:r>
-            <a:r>
-              <a:rPr lang="en-US" altLang="en-US" dirty="0">
-                <a:solidFill>
-                  <a:srgbClr val="0000FF"/>
-                </a:solidFill>
-                <a:latin typeface="Lucida Console" pitchFamily="49" charset="0"/>
-                <a:cs typeface="Calibri" pitchFamily="34" charset="0"/>
-              </a:rPr>
-              <a:t>: T3</a:t>
-            </a:r>
-          </a:p>
-          <a:p>
-            <a:r>
-              <a:rPr lang="en-US" altLang="en-US" dirty="0" smtClean="0">
-                <a:solidFill>
-                  <a:srgbClr val="0000FF"/>
-                </a:solidFill>
-                <a:latin typeface="Lucida Console" pitchFamily="49" charset="0"/>
-                <a:cs typeface="Calibri" pitchFamily="34" charset="0"/>
-              </a:rPr>
-              <a:t>}</a:t>
-            </a:r>
-            <a:endParaRPr lang="en-US" altLang="en-US" dirty="0">
-              <a:solidFill>
-                <a:srgbClr val="0000FF"/>
-              </a:solidFill>
-              <a:latin typeface="Lucida Console" pitchFamily="49" charset="0"/>
-              <a:cs typeface="Calibri" pitchFamily="34" charset="0"/>
-            </a:endParaRPr>
-          </a:p>
-          <a:p>
-            <a:r>
-              <a:rPr lang="en-US" altLang="en-US" dirty="0" smtClean="0">
-                <a:solidFill>
-                  <a:srgbClr val="0000FF"/>
-                </a:solidFill>
-                <a:latin typeface="Lucida Console" pitchFamily="49" charset="0"/>
-                <a:cs typeface="Calibri" pitchFamily="34" charset="0"/>
-              </a:rPr>
-              <a:t>a</a:t>
-            </a:r>
-            <a:r>
-              <a:rPr lang="en-US" altLang="en-US" dirty="0">
-                <a:solidFill>
-                  <a:srgbClr val="0000FF"/>
-                </a:solidFill>
-                <a:latin typeface="Lucida Console" pitchFamily="49" charset="0"/>
-                <a:cs typeface="Calibri" pitchFamily="34" charset="0"/>
-              </a:rPr>
-              <a:t>: A </a:t>
-            </a:r>
-            <a:r>
-              <a:rPr lang="en-US" altLang="en-US" b="1" dirty="0">
-                <a:solidFill>
-                  <a:srgbClr val="0000FF"/>
-                </a:solidFill>
-                <a:latin typeface="Lucida Console" pitchFamily="49" charset="0"/>
-                <a:cs typeface="Calibri" pitchFamily="34" charset="0"/>
-              </a:rPr>
-              <a:t>is new</a:t>
-            </a:r>
-            <a:r>
-              <a:rPr lang="en-US" altLang="en-US" dirty="0">
-                <a:solidFill>
-                  <a:srgbClr val="0000FF"/>
-                </a:solidFill>
-                <a:latin typeface="Lucida Console" pitchFamily="49" charset="0"/>
-                <a:cs typeface="Calibri" pitchFamily="34" charset="0"/>
-              </a:rPr>
-              <a:t> B</a:t>
-            </a:r>
-          </a:p>
-          <a:p>
-            <a:r>
-              <a:rPr lang="en-US" altLang="en-US" dirty="0" err="1">
+              <a:rPr lang="en-US" altLang="en-US" sz="2400" dirty="0" smtClean="0">
+                <a:solidFill>
+                  <a:srgbClr val="0000FF"/>
+                </a:solidFill>
+                <a:latin typeface="Lucida Console" pitchFamily="49" charset="0"/>
+                <a:cs typeface="Calibri" pitchFamily="34" charset="0"/>
+              </a:rPr>
+              <a:t>	</a:t>
+            </a:r>
+            <a:r>
+              <a:rPr lang="en-US" altLang="en-US" sz="2400" dirty="0" err="1" smtClean="0">
                 <a:solidFill>
                   <a:srgbClr val="0000FF"/>
                 </a:solidFill>
@@ -13903,129 +12910,418 @@
               <a:t>a.foo</a:t>
             </a:r>
             <a:r>
-              <a:rPr lang="en-US" altLang="en-US" dirty="0">
-                <a:solidFill>
-                  <a:srgbClr val="0000FF"/>
-                </a:solidFill>
-                <a:latin typeface="Lucida Console" pitchFamily="49" charset="0"/>
-                <a:cs typeface="Calibri" pitchFamily="34" charset="0"/>
-              </a:rPr>
-              <a:t>(</a:t>
-            </a:r>
-            <a:r>
-              <a:rPr lang="en-US" altLang="en-US" b="1" dirty="0">
-                <a:solidFill>
-                  <a:srgbClr val="0000FF"/>
-                </a:solidFill>
-                <a:latin typeface="Lucida Console" pitchFamily="49" charset="0"/>
-                <a:cs typeface="Calibri" pitchFamily="34" charset="0"/>
-              </a:rPr>
-              <a:t>new</a:t>
-            </a:r>
-            <a:r>
-              <a:rPr lang="en-US" altLang="en-US" dirty="0">
-                <a:solidFill>
-                  <a:srgbClr val="0000FF"/>
-                </a:solidFill>
-                <a:latin typeface="Lucida Console" pitchFamily="49" charset="0"/>
-                <a:cs typeface="Calibri" pitchFamily="34" charset="0"/>
-              </a:rPr>
-              <a:t> A) // type-safe with double-dispatch</a:t>
-            </a:r>
-          </a:p>
-          <a:p>
-            <a:endParaRPr lang="en-US" altLang="en-US" dirty="0">
-              <a:solidFill>
-                <a:srgbClr val="0000FF"/>
-              </a:solidFill>
-              <a:latin typeface="Lucida Console" pitchFamily="49" charset="0"/>
-              <a:cs typeface="Calibri" pitchFamily="34" charset="0"/>
-            </a:endParaRPr>
-          </a:p>
-          <a:p>
-            <a:r>
-              <a:rPr lang="en-US" altLang="en-US" dirty="0">
-                <a:solidFill>
-                  <a:srgbClr val="0000FF"/>
-                </a:solidFill>
-                <a:latin typeface="Lucida Console" pitchFamily="49" charset="0"/>
-                <a:cs typeface="Calibri" pitchFamily="34" charset="0"/>
-              </a:rPr>
-              <a:t>b: B </a:t>
-            </a:r>
-            <a:r>
-              <a:rPr lang="en-US" altLang="en-US" b="1" dirty="0">
-                <a:solidFill>
-                  <a:srgbClr val="0000FF"/>
-                </a:solidFill>
-                <a:latin typeface="Lucida Console" pitchFamily="49" charset="0"/>
-                <a:cs typeface="Calibri" pitchFamily="34" charset="0"/>
-              </a:rPr>
-              <a:t>is new</a:t>
-            </a:r>
-            <a:r>
-              <a:rPr lang="en-US" altLang="en-US" dirty="0">
-                <a:solidFill>
-                  <a:srgbClr val="0000FF"/>
-                </a:solidFill>
-                <a:latin typeface="Lucida Console" pitchFamily="49" charset="0"/>
-                <a:cs typeface="Calibri" pitchFamily="34" charset="0"/>
-              </a:rPr>
-              <a:t> C</a:t>
-            </a:r>
-          </a:p>
-          <a:p>
-            <a:r>
-              <a:rPr lang="en-US" altLang="en-US" dirty="0" err="1">
-                <a:solidFill>
-                  <a:srgbClr val="0000FF"/>
-                </a:solidFill>
-                <a:latin typeface="Lucida Console" pitchFamily="49" charset="0"/>
-                <a:cs typeface="Calibri" pitchFamily="34" charset="0"/>
-              </a:rPr>
-              <a:t>b.foo</a:t>
-            </a:r>
-            <a:r>
-              <a:rPr lang="en-US" altLang="en-US" dirty="0">
-                <a:solidFill>
-                  <a:srgbClr val="0000FF"/>
-                </a:solidFill>
-                <a:latin typeface="Lucida Console" pitchFamily="49" charset="0"/>
-                <a:cs typeface="Calibri" pitchFamily="34" charset="0"/>
-              </a:rPr>
-              <a:t>(</a:t>
-            </a:r>
-            <a:r>
-              <a:rPr lang="en-US" altLang="en-US" b="1" dirty="0">
-                <a:solidFill>
-                  <a:srgbClr val="0000FF"/>
-                </a:solidFill>
-                <a:latin typeface="Lucida Console" pitchFamily="49" charset="0"/>
-                <a:cs typeface="Calibri" pitchFamily="34" charset="0"/>
-              </a:rPr>
-              <a:t>new</a:t>
-            </a:r>
-            <a:r>
-              <a:rPr lang="en-US" altLang="en-US" dirty="0">
-                <a:solidFill>
-                  <a:srgbClr val="0000FF"/>
-                </a:solidFill>
-                <a:latin typeface="Lucida Console" pitchFamily="49" charset="0"/>
-                <a:cs typeface="Calibri" pitchFamily="34" charset="0"/>
-              </a:rPr>
-              <a:t> B) // </a:t>
-            </a:r>
-            <a:r>
-              <a:rPr lang="en-US" altLang="en-US" dirty="0" smtClean="0">
-                <a:solidFill>
-                  <a:srgbClr val="0000FF"/>
-                </a:solidFill>
-                <a:latin typeface="Lucida Console" pitchFamily="49" charset="0"/>
-                <a:cs typeface="Calibri" pitchFamily="34" charset="0"/>
-              </a:rPr>
-              <a:t>type-safe</a:t>
-            </a:r>
-            <a:endParaRPr lang="en-US" altLang="en-US" dirty="0">
+              <a:rPr lang="en-US" altLang="en-US" sz="2400" dirty="0" smtClean="0">
+                <a:solidFill>
+                  <a:srgbClr val="0000FF"/>
+                </a:solidFill>
+                <a:latin typeface="Lucida Console" pitchFamily="49" charset="0"/>
+                <a:cs typeface="Calibri" pitchFamily="34" charset="0"/>
+              </a:rPr>
+              <a:t> (expr</a:t>
+            </a:r>
+            <a:r>
+              <a:rPr lang="en-US" altLang="en-US" sz="2400" baseline="-25000" dirty="0" smtClean="0">
+                <a:solidFill>
+                  <a:srgbClr val="0000FF"/>
+                </a:solidFill>
+                <a:latin typeface="Lucida Console" pitchFamily="49" charset="0"/>
+                <a:cs typeface="Calibri" pitchFamily="34" charset="0"/>
+              </a:rPr>
+              <a:t>1</a:t>
+            </a:r>
+            <a:r>
+              <a:rPr lang="en-US" altLang="en-US" sz="2400" dirty="0" smtClean="0">
+                <a:solidFill>
+                  <a:srgbClr val="0000FF"/>
+                </a:solidFill>
+                <a:latin typeface="Lucida Console" pitchFamily="49" charset="0"/>
+                <a:cs typeface="Calibri" pitchFamily="34" charset="0"/>
+              </a:rPr>
+              <a:t>, expr</a:t>
+            </a:r>
+            <a:r>
+              <a:rPr lang="en-US" altLang="en-US" sz="2400" baseline="-25000" dirty="0" smtClean="0">
+                <a:solidFill>
+                  <a:srgbClr val="0000FF"/>
+                </a:solidFill>
+                <a:latin typeface="Lucida Console" pitchFamily="49" charset="0"/>
+                <a:cs typeface="Calibri" pitchFamily="34" charset="0"/>
+              </a:rPr>
+              <a:t>2</a:t>
+            </a:r>
+            <a:r>
+              <a:rPr lang="en-US" altLang="en-US" sz="2400" dirty="0" smtClean="0">
+                <a:solidFill>
+                  <a:srgbClr val="0000FF"/>
+                </a:solidFill>
+                <a:latin typeface="Lucida Console" pitchFamily="49" charset="0"/>
+                <a:cs typeface="Calibri" pitchFamily="34" charset="0"/>
+              </a:rPr>
+              <a:t>, … </a:t>
+            </a:r>
+            <a:r>
+              <a:rPr lang="en-US" altLang="en-US" sz="2400" dirty="0" err="1" smtClean="0">
+                <a:solidFill>
+                  <a:srgbClr val="0000FF"/>
+                </a:solidFill>
+                <a:latin typeface="Lucida Console" pitchFamily="49" charset="0"/>
+                <a:cs typeface="Calibri" pitchFamily="34" charset="0"/>
+              </a:rPr>
+              <a:t>expr</a:t>
+            </a:r>
+            <a:r>
+              <a:rPr lang="en-US" altLang="en-US" sz="2400" baseline="-25000" dirty="0" err="1" smtClean="0">
+                <a:solidFill>
+                  <a:srgbClr val="0000FF"/>
+                </a:solidFill>
+                <a:latin typeface="Lucida Console" pitchFamily="49" charset="0"/>
+                <a:cs typeface="Calibri" pitchFamily="34" charset="0"/>
+              </a:rPr>
+              <a:t>n</a:t>
+            </a:r>
+            <a:r>
+              <a:rPr lang="en-US" altLang="en-US" sz="2400" dirty="0" smtClean="0">
+                <a:solidFill>
+                  <a:srgbClr val="0000FF"/>
+                </a:solidFill>
+                <a:latin typeface="Lucida Console" pitchFamily="49" charset="0"/>
+                <a:cs typeface="Calibri" pitchFamily="34" charset="0"/>
+              </a:rPr>
+              <a:t>)</a:t>
+            </a:r>
+          </a:p>
+          <a:p>
+            <a:r>
+              <a:rPr lang="en-US" sz="2400" dirty="0" smtClean="0"/>
+              <a:t>All argument expressions have types</a:t>
+            </a:r>
+          </a:p>
+          <a:p>
+            <a:r>
+              <a:rPr lang="en-US" altLang="en-US" sz="2400" dirty="0" smtClean="0">
+                <a:solidFill>
+                  <a:srgbClr val="0000FF"/>
+                </a:solidFill>
+                <a:latin typeface="Lucida Console" pitchFamily="49" charset="0"/>
+                <a:cs typeface="Calibri" pitchFamily="34" charset="0"/>
+              </a:rPr>
+              <a:t>	(ET</a:t>
+            </a:r>
+            <a:r>
+              <a:rPr lang="en-US" altLang="en-US" sz="2400" baseline="-25000" dirty="0" smtClean="0">
+                <a:solidFill>
+                  <a:srgbClr val="0000FF"/>
+                </a:solidFill>
+                <a:latin typeface="Lucida Console" pitchFamily="49" charset="0"/>
+                <a:cs typeface="Calibri" pitchFamily="34" charset="0"/>
+              </a:rPr>
+              <a:t>1</a:t>
+            </a:r>
+            <a:r>
+              <a:rPr lang="en-US" altLang="en-US" sz="2400" dirty="0">
+                <a:solidFill>
+                  <a:srgbClr val="0000FF"/>
+                </a:solidFill>
+                <a:latin typeface="Lucida Console" pitchFamily="49" charset="0"/>
+                <a:cs typeface="Calibri" pitchFamily="34" charset="0"/>
+              </a:rPr>
+              <a:t>, </a:t>
+            </a:r>
+            <a:r>
+              <a:rPr lang="en-US" altLang="en-US" sz="2400" dirty="0" smtClean="0">
+                <a:solidFill>
+                  <a:srgbClr val="0000FF"/>
+                </a:solidFill>
+                <a:latin typeface="Lucida Console" pitchFamily="49" charset="0"/>
+                <a:cs typeface="Calibri" pitchFamily="34" charset="0"/>
+              </a:rPr>
+              <a:t>ET</a:t>
+            </a:r>
+            <a:r>
+              <a:rPr lang="en-US" altLang="en-US" sz="2400" baseline="-25000" dirty="0" smtClean="0">
+                <a:solidFill>
+                  <a:srgbClr val="0000FF"/>
+                </a:solidFill>
+                <a:latin typeface="Lucida Console" pitchFamily="49" charset="0"/>
+                <a:cs typeface="Calibri" pitchFamily="34" charset="0"/>
+              </a:rPr>
+              <a:t>2</a:t>
+            </a:r>
+            <a:r>
+              <a:rPr lang="en-US" altLang="en-US" sz="2400" dirty="0">
+                <a:solidFill>
+                  <a:srgbClr val="0000FF"/>
+                </a:solidFill>
+                <a:latin typeface="Lucida Console" pitchFamily="49" charset="0"/>
+                <a:cs typeface="Calibri" pitchFamily="34" charset="0"/>
+              </a:rPr>
+              <a:t>, … </a:t>
+            </a:r>
+            <a:r>
+              <a:rPr lang="en-US" altLang="en-US" sz="2400" dirty="0" err="1" smtClean="0">
+                <a:solidFill>
+                  <a:srgbClr val="0000FF"/>
+                </a:solidFill>
+                <a:latin typeface="Lucida Console" pitchFamily="49" charset="0"/>
+                <a:cs typeface="Calibri" pitchFamily="34" charset="0"/>
+              </a:rPr>
+              <a:t>ET</a:t>
+            </a:r>
+            <a:r>
+              <a:rPr lang="en-US" altLang="en-US" sz="2400" baseline="-25000" dirty="0" err="1" smtClean="0">
+                <a:solidFill>
+                  <a:srgbClr val="0000FF"/>
+                </a:solidFill>
+                <a:latin typeface="Lucida Console" pitchFamily="49" charset="0"/>
+                <a:cs typeface="Calibri" pitchFamily="34" charset="0"/>
+              </a:rPr>
+              <a:t>n</a:t>
+            </a:r>
+            <a:r>
+              <a:rPr lang="en-US" altLang="en-US" sz="2400" dirty="0" smtClean="0">
+                <a:solidFill>
+                  <a:srgbClr val="0000FF"/>
+                </a:solidFill>
+                <a:latin typeface="Lucida Console" pitchFamily="49" charset="0"/>
+                <a:cs typeface="Calibri" pitchFamily="34" charset="0"/>
+              </a:rPr>
+              <a:t>)</a:t>
+            </a:r>
+          </a:p>
+          <a:p>
+            <a:r>
+              <a:rPr lang="en-US" sz="2400" dirty="0"/>
+              <a:t>‘a’ has a static type (the type used while declaring ‘a’, like </a:t>
+            </a:r>
+            <a:r>
+              <a:rPr lang="en-US" sz="2400" dirty="0">
+                <a:solidFill>
+                  <a:srgbClr val="0000FF"/>
+                </a:solidFill>
+                <a:latin typeface="Lucida Console" pitchFamily="49" charset="0"/>
+                <a:cs typeface="Calibri" pitchFamily="34" charset="0"/>
+              </a:rPr>
+              <a:t>a: AT</a:t>
+            </a:r>
+            <a:r>
+              <a:rPr lang="en-US" sz="2400" dirty="0"/>
+              <a:t>) </a:t>
+            </a:r>
+            <a:r>
+              <a:rPr lang="en-US" sz="2400" dirty="0">
+                <a:solidFill>
+                  <a:srgbClr val="0000FF"/>
+                </a:solidFill>
+                <a:latin typeface="Lucida Console" pitchFamily="49" charset="0"/>
+                <a:cs typeface="Calibri" pitchFamily="34" charset="0"/>
+              </a:rPr>
+              <a:t>AT</a:t>
+            </a:r>
+            <a:r>
+              <a:rPr lang="en-US" sz="2400" dirty="0"/>
+              <a:t> and set of dynamic types </a:t>
+            </a:r>
+            <a:r>
+              <a:rPr lang="en-US" sz="2400" dirty="0">
+                <a:solidFill>
+                  <a:srgbClr val="0000FF"/>
+                </a:solidFill>
+                <a:latin typeface="Lucida Console" pitchFamily="49" charset="0"/>
+                <a:cs typeface="Calibri" pitchFamily="34" charset="0"/>
+              </a:rPr>
+              <a:t>{ADT</a:t>
+            </a:r>
+            <a:r>
+              <a:rPr lang="en-US" sz="2400" baseline="-25000" dirty="0">
+                <a:solidFill>
+                  <a:srgbClr val="0000FF"/>
+                </a:solidFill>
+                <a:latin typeface="Lucida Console" pitchFamily="49" charset="0"/>
+                <a:cs typeface="Calibri" pitchFamily="34" charset="0"/>
+              </a:rPr>
+              <a:t>1</a:t>
+            </a:r>
+            <a:r>
+              <a:rPr lang="en-US" sz="2400" dirty="0">
+                <a:solidFill>
+                  <a:srgbClr val="0000FF"/>
+                </a:solidFill>
+                <a:latin typeface="Lucida Console" pitchFamily="49" charset="0"/>
+                <a:cs typeface="Calibri" pitchFamily="34" charset="0"/>
+              </a:rPr>
+              <a:t>, … </a:t>
+            </a:r>
+            <a:r>
+              <a:rPr lang="en-US" sz="2400" dirty="0" err="1">
+                <a:solidFill>
+                  <a:srgbClr val="0000FF"/>
+                </a:solidFill>
+                <a:latin typeface="Lucida Console" pitchFamily="49" charset="0"/>
+                <a:cs typeface="Calibri" pitchFamily="34" charset="0"/>
+              </a:rPr>
+              <a:t>ADT</a:t>
+            </a:r>
+            <a:r>
+              <a:rPr lang="en-US" sz="2400" baseline="-25000" dirty="0" err="1">
+                <a:solidFill>
+                  <a:srgbClr val="0000FF"/>
+                </a:solidFill>
+                <a:latin typeface="Lucida Console" pitchFamily="49" charset="0"/>
+                <a:cs typeface="Calibri" pitchFamily="34" charset="0"/>
+              </a:rPr>
+              <a:t>m</a:t>
+            </a:r>
+            <a:r>
+              <a:rPr lang="en-US" sz="2400" dirty="0">
+                <a:solidFill>
+                  <a:srgbClr val="0000FF"/>
+                </a:solidFill>
+                <a:latin typeface="Lucida Console" pitchFamily="49" charset="0"/>
+                <a:cs typeface="Calibri" pitchFamily="34" charset="0"/>
+              </a:rPr>
+              <a:t>} </a:t>
+            </a:r>
+            <a:r>
+              <a:rPr lang="en-US" sz="2400" dirty="0"/>
+              <a:t>– types ‘a’ may have due to assignments into ‘a</a:t>
+            </a:r>
+            <a:r>
+              <a:rPr lang="en-US" sz="2400" dirty="0" smtClean="0"/>
+              <a:t>’</a:t>
+            </a:r>
+          </a:p>
+          <a:p>
+            <a:endParaRPr lang="en-US" sz="2400" dirty="0"/>
+          </a:p>
+          <a:p>
+            <a:r>
+              <a:rPr lang="en-US" sz="2400" u="sng" dirty="0" smtClean="0"/>
+              <a:t>Dispatch #1:</a:t>
+            </a:r>
+            <a:r>
+              <a:rPr lang="en-US" sz="2400" dirty="0" smtClean="0"/>
+              <a:t> by </a:t>
+            </a:r>
+            <a:r>
+              <a:rPr lang="en-US" sz="2400" b="1" dirty="0" smtClean="0">
+                <a:solidFill>
+                  <a:srgbClr val="0000FF"/>
+                </a:solidFill>
+                <a:latin typeface="Lucida Console" pitchFamily="49" charset="0"/>
+                <a:cs typeface="Calibri" pitchFamily="34" charset="0"/>
+              </a:rPr>
+              <a:t>this</a:t>
+            </a:r>
+          </a:p>
+          <a:p>
+            <a:r>
+              <a:rPr lang="en-US" sz="2400" dirty="0" smtClean="0"/>
+              <a:t>Find based on actual dynamic type of  ‘a’ (receiver, this, self, Current) the version of ‘foo’ (actual function body/implementation) to be called. If there is only one such version then it is called. If we have several versions of ‘foo’ in the actual dynamic type then do dispatch #2:</a:t>
+            </a:r>
+          </a:p>
+          <a:p>
+            <a:endParaRPr lang="en-US" sz="2400" u="sng" dirty="0" smtClean="0"/>
+          </a:p>
+          <a:p>
+            <a:r>
+              <a:rPr lang="en-US" sz="2400" u="sng" dirty="0" smtClean="0"/>
+              <a:t>Dispatch #2:</a:t>
+            </a:r>
+            <a:r>
+              <a:rPr lang="en-US" sz="2400" dirty="0" smtClean="0"/>
+              <a:t> by argument types</a:t>
+            </a:r>
+          </a:p>
+          <a:p>
+            <a:r>
+              <a:rPr lang="en-US" sz="2400" dirty="0" smtClean="0"/>
+              <a:t>Across all versions  of ‘foo’ find the one which better suits the vector </a:t>
+            </a:r>
+            <a:r>
+              <a:rPr lang="en-US" altLang="en-US" sz="2400" dirty="0">
+                <a:solidFill>
+                  <a:srgbClr val="0000FF"/>
+                </a:solidFill>
+                <a:latin typeface="Lucida Console" pitchFamily="49" charset="0"/>
+                <a:cs typeface="Calibri" pitchFamily="34" charset="0"/>
+              </a:rPr>
+              <a:t>(ET</a:t>
+            </a:r>
+            <a:r>
+              <a:rPr lang="en-US" altLang="en-US" sz="2400" baseline="-25000" dirty="0">
+                <a:solidFill>
+                  <a:srgbClr val="0000FF"/>
+                </a:solidFill>
+                <a:latin typeface="Lucida Console" pitchFamily="49" charset="0"/>
+                <a:cs typeface="Calibri" pitchFamily="34" charset="0"/>
+              </a:rPr>
+              <a:t>1</a:t>
+            </a:r>
+            <a:r>
+              <a:rPr lang="en-US" altLang="en-US" sz="2400" dirty="0">
+                <a:solidFill>
+                  <a:srgbClr val="0000FF"/>
+                </a:solidFill>
+                <a:latin typeface="Lucida Console" pitchFamily="49" charset="0"/>
+                <a:cs typeface="Calibri" pitchFamily="34" charset="0"/>
+              </a:rPr>
+              <a:t>, ET</a:t>
+            </a:r>
+            <a:r>
+              <a:rPr lang="en-US" altLang="en-US" sz="2400" baseline="-25000" dirty="0">
+                <a:solidFill>
+                  <a:srgbClr val="0000FF"/>
+                </a:solidFill>
+                <a:latin typeface="Lucida Console" pitchFamily="49" charset="0"/>
+                <a:cs typeface="Calibri" pitchFamily="34" charset="0"/>
+              </a:rPr>
+              <a:t>2</a:t>
+            </a:r>
+            <a:r>
+              <a:rPr lang="en-US" altLang="en-US" sz="2400" dirty="0">
+                <a:solidFill>
+                  <a:srgbClr val="0000FF"/>
+                </a:solidFill>
+                <a:latin typeface="Lucida Console" pitchFamily="49" charset="0"/>
+                <a:cs typeface="Calibri" pitchFamily="34" charset="0"/>
+              </a:rPr>
+              <a:t>, … </a:t>
+            </a:r>
+            <a:r>
+              <a:rPr lang="en-US" altLang="en-US" sz="2400" dirty="0" err="1" smtClean="0">
+                <a:solidFill>
+                  <a:srgbClr val="0000FF"/>
+                </a:solidFill>
+                <a:latin typeface="Lucida Console" pitchFamily="49" charset="0"/>
+                <a:cs typeface="Calibri" pitchFamily="34" charset="0"/>
+              </a:rPr>
+              <a:t>ET</a:t>
+            </a:r>
+            <a:r>
+              <a:rPr lang="en-US" altLang="en-US" sz="2400" baseline="-25000" dirty="0" err="1" smtClean="0">
+                <a:solidFill>
+                  <a:srgbClr val="0000FF"/>
+                </a:solidFill>
+                <a:latin typeface="Lucida Console" pitchFamily="49" charset="0"/>
+                <a:cs typeface="Calibri" pitchFamily="34" charset="0"/>
+              </a:rPr>
+              <a:t>n</a:t>
+            </a:r>
+            <a:r>
+              <a:rPr lang="en-US" altLang="en-US" sz="2400" dirty="0" smtClean="0">
+                <a:solidFill>
+                  <a:srgbClr val="0000FF"/>
+                </a:solidFill>
+                <a:latin typeface="Lucida Console" pitchFamily="49" charset="0"/>
+                <a:cs typeface="Calibri" pitchFamily="34" charset="0"/>
+              </a:rPr>
+              <a:t>) </a:t>
+            </a:r>
+            <a:r>
+              <a:rPr lang="en-US" sz="2400" dirty="0" smtClean="0"/>
+              <a:t>and call it.</a:t>
+            </a:r>
+            <a:endParaRPr lang="en-US" altLang="en-US" sz="2400" dirty="0" smtClean="0">
               <a:solidFill>
                 <a:srgbClr val="0000FF"/>
               </a:solidFill>
@@ -14154,6 +13450,2309 @@
               <a:rPr lang="en-US" smtClean="0"/>
               <a:pPr/>
               <a:t>18</a:t>
+            </a:fld>
+            <a:endParaRPr lang="en-US" dirty="0"/>
+          </a:p>
+        </p:txBody>
+      </p:sp>
+      <p:sp>
+        <p:nvSpPr>
+          <p:cNvPr id="2" name="Заголовок 1"/>
+          <p:cNvSpPr>
+            <a:spLocks noGrp="1"/>
+          </p:cNvSpPr>
+          <p:nvPr>
+            <p:ph type="title"/>
+          </p:nvPr>
+        </p:nvSpPr>
+        <p:spPr/>
+        <p:txBody>
+          <a:bodyPr/>
+          <a:lstStyle/>
+          <a:p>
+            <a:endParaRPr lang="en-US"/>
+          </a:p>
+        </p:txBody>
+      </p:sp>
+      <p:sp>
+        <p:nvSpPr>
+          <p:cNvPr id="18" name="Title 1"/>
+          <p:cNvSpPr txBox="1">
+            <a:spLocks/>
+          </p:cNvSpPr>
+          <p:nvPr/>
+        </p:nvSpPr>
+        <p:spPr>
+          <a:xfrm>
+            <a:off x="685800" y="5862"/>
+            <a:ext cx="8229600" cy="657225"/>
+          </a:xfrm>
+          <a:prstGeom prst="rect">
+            <a:avLst/>
+          </a:prstGeom>
+        </p:spPr>
+        <p:txBody>
+          <a:bodyPr vert="horz" lIns="0" tIns="45720" rIns="0" bIns="45720" rtlCol="0" anchor="ctr">
+            <a:normAutofit/>
+          </a:bodyPr>
+          <a:lstStyle>
+            <a:lvl1pPr algn="l" defTabSz="914400" rtl="0" eaLnBrk="1" latinLnBrk="0" hangingPunct="1">
+              <a:spcBef>
+                <a:spcPct val="0"/>
+              </a:spcBef>
+              <a:buNone/>
+              <a:defRPr kumimoji="1" lang="ko-KR" altLang="en-US" sz="3000" kern="1200" baseline="0" dirty="0">
+                <a:solidFill>
+                  <a:schemeClr val="bg1"/>
+                </a:solidFill>
+                <a:latin typeface="Arial" panose="020B0604020202020204" pitchFamily="34" charset="0"/>
+                <a:ea typeface="Arial Unicode MS" panose="020B0604020202020204" pitchFamily="34" charset="-128"/>
+                <a:cs typeface="+mn-cs"/>
+              </a:defRPr>
+            </a:lvl1pPr>
+          </a:lstStyle>
+          <a:p>
+            <a:r>
+              <a:rPr lang="en-US" sz="3400" b="1" dirty="0" smtClean="0">
+                <a:solidFill>
+                  <a:srgbClr val="CC6600"/>
+                </a:solidFill>
+                <a:latin typeface="Comic Sans MS" pitchFamily="66" charset="0"/>
+              </a:rPr>
+              <a:t>Double/multiple dispatch (I)</a:t>
+            </a:r>
+            <a:endParaRPr lang="en-US" sz="3400" b="1" dirty="0">
+              <a:solidFill>
+                <a:srgbClr val="CC6600"/>
+              </a:solidFill>
+              <a:latin typeface="Comic Sans MS" pitchFamily="66" charset="0"/>
+            </a:endParaRPr>
+          </a:p>
+        </p:txBody>
+      </p:sp>
+    </p:spTree>
+    <p:extLst>
+      <p:ext uri="{BB962C8B-B14F-4D97-AF65-F5344CB8AC3E}">
+        <p14:creationId xmlns:p14="http://schemas.microsoft.com/office/powerpoint/2010/main" val="66225350"/>
+      </p:ext>
+    </p:extLst>
+  </p:cSld>
+  <p:clrMapOvr>
+    <a:masterClrMapping/>
+  </p:clrMapOvr>
+  <p:transition>
+    <p:fade/>
+  </p:transition>
+  <p:timing>
+    <p:tnLst>
+      <p:par>
+        <p:cTn id="1" dur="indefinite" restart="never" nodeType="tmRoot"/>
+      </p:par>
+    </p:tnLst>
+  </p:timing>
+</p:sld>
+</file>
+
+<file path=ppt/slides/slide19.xml><?xml version="1.0" encoding="utf-8"?>
+<p:sld xmlns:a="http://schemas.openxmlformats.org/drawingml/2006/main" xmlns:r="http://schemas.openxmlformats.org/officeDocument/2006/relationships" xmlns:p="http://schemas.openxmlformats.org/presentationml/2006/main">
+  <p:cSld>
+    <p:spTree>
+      <p:nvGrpSpPr>
+        <p:cNvPr id="1" name=""/>
+        <p:cNvGrpSpPr/>
+        <p:nvPr/>
+      </p:nvGrpSpPr>
+      <p:grpSpPr>
+        <a:xfrm>
+          <a:off x="0" y="0"/>
+          <a:ext cx="0" cy="0"/>
+          <a:chOff x="0" y="0"/>
+          <a:chExt cx="0" cy="0"/>
+        </a:xfrm>
+      </p:grpSpPr>
+      <p:sp>
+        <p:nvSpPr>
+          <p:cNvPr id="51" name="TextBox 50"/>
+          <p:cNvSpPr txBox="1"/>
+          <p:nvPr/>
+        </p:nvSpPr>
+        <p:spPr>
+          <a:xfrm>
+            <a:off x="35496" y="548680"/>
+            <a:ext cx="9001000" cy="6740307"/>
+          </a:xfrm>
+          <a:prstGeom prst="rect">
+            <a:avLst/>
+          </a:prstGeom>
+          <a:noFill/>
+        </p:spPr>
+        <p:txBody>
+          <a:bodyPr wrap="square" rtlCol="0">
+            <a:spAutoFit/>
+          </a:bodyPr>
+          <a:lstStyle/>
+          <a:p>
+            <a:r>
+              <a:rPr lang="en-US" altLang="en-US" sz="2400" b="1" dirty="0">
+                <a:solidFill>
+                  <a:srgbClr val="0000FF"/>
+                </a:solidFill>
+                <a:latin typeface="Lucida Console" pitchFamily="49" charset="0"/>
+                <a:cs typeface="Calibri" pitchFamily="34" charset="0"/>
+              </a:rPr>
+              <a:t>l</a:t>
+            </a:r>
+            <a:r>
+              <a:rPr lang="en-US" altLang="en-US" sz="2400" b="1" dirty="0" smtClean="0">
+                <a:solidFill>
+                  <a:srgbClr val="0000FF"/>
+                </a:solidFill>
+                <a:latin typeface="Lucida Console" pitchFamily="49" charset="0"/>
+                <a:cs typeface="Calibri" pitchFamily="34" charset="0"/>
+              </a:rPr>
+              <a:t>et</a:t>
+            </a:r>
+            <a:r>
+              <a:rPr lang="en-US" altLang="en-US" sz="2400" dirty="0" smtClean="0">
+                <a:solidFill>
+                  <a:srgbClr val="0000FF"/>
+                </a:solidFill>
+                <a:latin typeface="Lucida Console" pitchFamily="49" charset="0"/>
+                <a:cs typeface="Calibri" pitchFamily="34" charset="0"/>
+              </a:rPr>
+              <a:t> a</a:t>
+            </a:r>
+            <a:r>
+              <a:rPr lang="en-US" altLang="en-US" sz="2400" dirty="0">
+                <a:solidFill>
+                  <a:srgbClr val="0000FF"/>
+                </a:solidFill>
+                <a:latin typeface="Lucida Console" pitchFamily="49" charset="0"/>
+                <a:cs typeface="Calibri" pitchFamily="34" charset="0"/>
+              </a:rPr>
+              <a:t>: </a:t>
+            </a:r>
+            <a:r>
+              <a:rPr lang="en-US" altLang="en-US" sz="2400" dirty="0" smtClean="0">
+                <a:solidFill>
+                  <a:srgbClr val="0000FF"/>
+                </a:solidFill>
+                <a:latin typeface="Lucida Console" pitchFamily="49" charset="0"/>
+                <a:cs typeface="Calibri" pitchFamily="34" charset="0"/>
+              </a:rPr>
+              <a:t>A = …</a:t>
+            </a:r>
+            <a:endParaRPr lang="en-US" altLang="en-US" sz="2400" dirty="0">
+              <a:solidFill>
+                <a:srgbClr val="0000FF"/>
+              </a:solidFill>
+              <a:latin typeface="Lucida Console" pitchFamily="49" charset="0"/>
+              <a:cs typeface="Calibri" pitchFamily="34" charset="0"/>
+            </a:endParaRPr>
+          </a:p>
+          <a:p>
+            <a:r>
+              <a:rPr lang="en-US" altLang="en-US" sz="2400" dirty="0" err="1" smtClean="0">
+                <a:solidFill>
+                  <a:srgbClr val="0000FF"/>
+                </a:solidFill>
+                <a:latin typeface="Lucida Console" pitchFamily="49" charset="0"/>
+                <a:cs typeface="Calibri" pitchFamily="34" charset="0"/>
+              </a:rPr>
+              <a:t>a.foo</a:t>
+            </a:r>
+            <a:r>
+              <a:rPr lang="en-US" altLang="en-US" sz="2400" dirty="0" smtClean="0">
+                <a:solidFill>
+                  <a:srgbClr val="0000FF"/>
+                </a:solidFill>
+                <a:latin typeface="Lucida Console" pitchFamily="49" charset="0"/>
+                <a:cs typeface="Calibri" pitchFamily="34" charset="0"/>
+              </a:rPr>
+              <a:t> (expression) </a:t>
+            </a:r>
+          </a:p>
+          <a:p>
+            <a:r>
+              <a:rPr lang="en-US" altLang="en-US" sz="2400" dirty="0" smtClean="0">
+                <a:solidFill>
+                  <a:srgbClr val="0000FF"/>
+                </a:solidFill>
+                <a:latin typeface="Lucida Console" pitchFamily="49" charset="0"/>
+                <a:cs typeface="Calibri" pitchFamily="34" charset="0"/>
+              </a:rPr>
+              <a:t>/*</a:t>
+            </a:r>
+          </a:p>
+          <a:p>
+            <a:r>
+              <a:rPr lang="en-US" altLang="en-US" sz="2400" dirty="0">
+                <a:solidFill>
+                  <a:srgbClr val="0000FF"/>
+                </a:solidFill>
+                <a:latin typeface="Lucida Console" pitchFamily="49" charset="0"/>
+                <a:cs typeface="Calibri" pitchFamily="34" charset="0"/>
+              </a:rPr>
+              <a:t>a</a:t>
+            </a:r>
+            <a:r>
+              <a:rPr lang="en-US" sz="2400" dirty="0" smtClean="0"/>
+              <a:t> was assigned with object of type </a:t>
+            </a:r>
+            <a:r>
+              <a:rPr lang="en-US" altLang="en-US" sz="2400" dirty="0" err="1" smtClean="0">
+                <a:solidFill>
+                  <a:srgbClr val="0000FF"/>
+                </a:solidFill>
+                <a:latin typeface="Lucida Console" pitchFamily="49" charset="0"/>
+                <a:cs typeface="Calibri" pitchFamily="34" charset="0"/>
+              </a:rPr>
+              <a:t>ActualType</a:t>
+            </a:r>
+            <a:r>
+              <a:rPr lang="en-US" altLang="en-US" sz="2400" dirty="0" smtClean="0">
+                <a:solidFill>
+                  <a:srgbClr val="0000FF"/>
+                </a:solidFill>
+                <a:latin typeface="Lucida Console" pitchFamily="49" charset="0"/>
+                <a:cs typeface="Calibri" pitchFamily="34" charset="0"/>
+              </a:rPr>
+              <a:t> </a:t>
+            </a:r>
+            <a:r>
+              <a:rPr lang="en-US" sz="2400" dirty="0" smtClean="0"/>
+              <a:t>and expressions has type </a:t>
+            </a:r>
+            <a:r>
+              <a:rPr lang="en-US" altLang="en-US" sz="2400" dirty="0" smtClean="0">
+                <a:solidFill>
+                  <a:srgbClr val="0000FF"/>
+                </a:solidFill>
+                <a:latin typeface="Lucida Console" pitchFamily="49" charset="0"/>
+                <a:cs typeface="Calibri" pitchFamily="34" charset="0"/>
+              </a:rPr>
+              <a:t>A</a:t>
+            </a:r>
+            <a:r>
+              <a:rPr lang="en-US" altLang="en-US" sz="2400" baseline="-25000" dirty="0" smtClean="0">
+                <a:solidFill>
+                  <a:srgbClr val="0000FF"/>
+                </a:solidFill>
+                <a:latin typeface="Lucida Console" pitchFamily="49" charset="0"/>
+                <a:cs typeface="Calibri" pitchFamily="34" charset="0"/>
+              </a:rPr>
+              <a:t>i</a:t>
+            </a:r>
+          </a:p>
+          <a:p>
+            <a:r>
+              <a:rPr lang="en-US" altLang="en-US" sz="2400" dirty="0" smtClean="0">
+                <a:solidFill>
+                  <a:srgbClr val="0000FF"/>
+                </a:solidFill>
+                <a:latin typeface="Lucida Console" pitchFamily="49" charset="0"/>
+                <a:cs typeface="Calibri" pitchFamily="34" charset="0"/>
+              </a:rPr>
+              <a:t>*/</a:t>
+            </a:r>
+            <a:endParaRPr lang="en-US" sz="2400" dirty="0" smtClean="0"/>
+          </a:p>
+          <a:p>
+            <a:endParaRPr lang="en-US" altLang="en-US" sz="2400" b="1" dirty="0" smtClean="0">
+              <a:solidFill>
+                <a:srgbClr val="0000FF"/>
+              </a:solidFill>
+              <a:latin typeface="Lucida Console" pitchFamily="49" charset="0"/>
+              <a:cs typeface="Calibri" pitchFamily="34" charset="0"/>
+            </a:endParaRPr>
+          </a:p>
+          <a:p>
+            <a:r>
+              <a:rPr lang="en-US" altLang="en-US" sz="2400" b="1" dirty="0" smtClean="0">
+                <a:solidFill>
+                  <a:srgbClr val="0000FF"/>
+                </a:solidFill>
+                <a:latin typeface="Lucida Console" pitchFamily="49" charset="0"/>
+                <a:cs typeface="Calibri" pitchFamily="34" charset="0"/>
+              </a:rPr>
+              <a:t>type</a:t>
+            </a:r>
+            <a:r>
+              <a:rPr lang="en-US" altLang="en-US" sz="2400" dirty="0" smtClean="0">
+                <a:solidFill>
+                  <a:srgbClr val="0000FF"/>
+                </a:solidFill>
+                <a:latin typeface="Lucida Console" pitchFamily="49" charset="0"/>
+                <a:cs typeface="Calibri" pitchFamily="34" charset="0"/>
+              </a:rPr>
+              <a:t> </a:t>
+            </a:r>
+            <a:r>
+              <a:rPr lang="en-US" altLang="en-US" sz="2400" dirty="0" err="1" smtClean="0">
+                <a:solidFill>
+                  <a:srgbClr val="0000FF"/>
+                </a:solidFill>
+                <a:latin typeface="Lucida Console" pitchFamily="49" charset="0"/>
+                <a:cs typeface="Calibri" pitchFamily="34" charset="0"/>
+              </a:rPr>
+              <a:t>ActualType</a:t>
+            </a:r>
+            <a:r>
+              <a:rPr lang="en-US" altLang="en-US" sz="2400" dirty="0" smtClean="0">
+                <a:solidFill>
+                  <a:srgbClr val="0000FF"/>
+                </a:solidFill>
+                <a:latin typeface="Lucida Console" pitchFamily="49" charset="0"/>
+                <a:cs typeface="Calibri" pitchFamily="34" charset="0"/>
+              </a:rPr>
+              <a:t> </a:t>
+            </a:r>
+            <a:r>
+              <a:rPr lang="en-US" altLang="en-US" sz="2400" dirty="0">
+                <a:solidFill>
+                  <a:srgbClr val="0000FF"/>
+                </a:solidFill>
+                <a:latin typeface="Lucida Console" pitchFamily="49" charset="0"/>
+                <a:cs typeface="Calibri" pitchFamily="34" charset="0"/>
+              </a:rPr>
+              <a:t>{</a:t>
+            </a:r>
+          </a:p>
+          <a:p>
+            <a:r>
+              <a:rPr lang="en-US" altLang="en-US" sz="2400" dirty="0" smtClean="0">
+                <a:solidFill>
+                  <a:srgbClr val="0000FF"/>
+                </a:solidFill>
+                <a:latin typeface="Lucida Console" pitchFamily="49" charset="0"/>
+                <a:cs typeface="Calibri" pitchFamily="34" charset="0"/>
+              </a:rPr>
+              <a:t>	foo </a:t>
+            </a:r>
+            <a:r>
+              <a:rPr lang="en-US" altLang="en-US" sz="2400" dirty="0">
+                <a:solidFill>
+                  <a:srgbClr val="0000FF"/>
+                </a:solidFill>
+                <a:latin typeface="Lucida Console" pitchFamily="49" charset="0"/>
+                <a:cs typeface="Calibri" pitchFamily="34" charset="0"/>
+              </a:rPr>
+              <a:t>(p: </a:t>
+            </a:r>
+            <a:r>
+              <a:rPr lang="en-US" altLang="en-US" sz="2400" dirty="0" smtClean="0">
+                <a:solidFill>
+                  <a:srgbClr val="0000FF"/>
+                </a:solidFill>
+                <a:latin typeface="Lucida Console" pitchFamily="49" charset="0"/>
+                <a:cs typeface="Calibri" pitchFamily="34" charset="0"/>
+              </a:rPr>
+              <a:t>A</a:t>
+            </a:r>
+            <a:r>
+              <a:rPr lang="en-US" altLang="en-US" sz="2400" baseline="-25000" dirty="0" smtClean="0">
+                <a:solidFill>
+                  <a:srgbClr val="0000FF"/>
+                </a:solidFill>
+                <a:latin typeface="Lucida Console" pitchFamily="49" charset="0"/>
+                <a:cs typeface="Calibri" pitchFamily="34" charset="0"/>
+              </a:rPr>
+              <a:t>1</a:t>
+            </a:r>
+            <a:r>
+              <a:rPr lang="en-US" altLang="en-US" sz="2400" dirty="0" smtClean="0">
+                <a:solidFill>
+                  <a:srgbClr val="0000FF"/>
+                </a:solidFill>
+                <a:latin typeface="Lucida Console" pitchFamily="49" charset="0"/>
+                <a:cs typeface="Calibri" pitchFamily="34" charset="0"/>
+              </a:rPr>
+              <a:t>) </a:t>
+            </a:r>
+            <a:r>
+              <a:rPr lang="en-US" altLang="en-US" sz="2400" dirty="0">
+                <a:solidFill>
+                  <a:srgbClr val="0000FF"/>
+                </a:solidFill>
+                <a:latin typeface="Lucida Console" pitchFamily="49" charset="0"/>
+                <a:cs typeface="Calibri" pitchFamily="34" charset="0"/>
+              </a:rPr>
+              <a:t>{ </a:t>
+            </a:r>
+            <a:r>
+              <a:rPr lang="en-US" altLang="en-US" sz="2400" dirty="0" smtClean="0">
+                <a:solidFill>
+                  <a:srgbClr val="0000FF"/>
+                </a:solidFill>
+                <a:latin typeface="Lucida Console" pitchFamily="49" charset="0"/>
+                <a:cs typeface="Calibri" pitchFamily="34" charset="0"/>
+              </a:rPr>
+              <a:t>… }</a:t>
+            </a:r>
+          </a:p>
+          <a:p>
+            <a:r>
+              <a:rPr lang="en-US" altLang="en-US" sz="2400" dirty="0">
+                <a:solidFill>
+                  <a:srgbClr val="0000FF"/>
+                </a:solidFill>
+                <a:latin typeface="Lucida Console" pitchFamily="49" charset="0"/>
+                <a:cs typeface="Calibri" pitchFamily="34" charset="0"/>
+              </a:rPr>
+              <a:t>	foo (p: </a:t>
+            </a:r>
+            <a:r>
+              <a:rPr lang="en-US" altLang="en-US" sz="2400" dirty="0" smtClean="0">
+                <a:solidFill>
+                  <a:srgbClr val="0000FF"/>
+                </a:solidFill>
+                <a:latin typeface="Lucida Console" pitchFamily="49" charset="0"/>
+                <a:cs typeface="Calibri" pitchFamily="34" charset="0"/>
+              </a:rPr>
+              <a:t>A</a:t>
+            </a:r>
+            <a:r>
+              <a:rPr lang="en-US" altLang="en-US" sz="2400" baseline="-25000" dirty="0" smtClean="0">
+                <a:solidFill>
+                  <a:srgbClr val="0000FF"/>
+                </a:solidFill>
+                <a:latin typeface="Lucida Console" pitchFamily="49" charset="0"/>
+                <a:cs typeface="Calibri" pitchFamily="34" charset="0"/>
+              </a:rPr>
+              <a:t>2</a:t>
+            </a:r>
+            <a:r>
+              <a:rPr lang="en-US" altLang="en-US" sz="2400" dirty="0" smtClean="0">
+                <a:solidFill>
+                  <a:srgbClr val="0000FF"/>
+                </a:solidFill>
+                <a:latin typeface="Lucida Console" pitchFamily="49" charset="0"/>
+                <a:cs typeface="Calibri" pitchFamily="34" charset="0"/>
+              </a:rPr>
+              <a:t>) </a:t>
+            </a:r>
+            <a:r>
+              <a:rPr lang="en-US" altLang="en-US" sz="2400" dirty="0">
+                <a:solidFill>
+                  <a:srgbClr val="0000FF"/>
+                </a:solidFill>
+                <a:latin typeface="Lucida Console" pitchFamily="49" charset="0"/>
+                <a:cs typeface="Calibri" pitchFamily="34" charset="0"/>
+              </a:rPr>
+              <a:t>{ … }</a:t>
+            </a:r>
+          </a:p>
+          <a:p>
+            <a:r>
+              <a:rPr lang="en-US" altLang="en-US" sz="2400" dirty="0" smtClean="0">
+                <a:solidFill>
+                  <a:srgbClr val="0000FF"/>
+                </a:solidFill>
+                <a:latin typeface="Lucida Console" pitchFamily="49" charset="0"/>
+                <a:cs typeface="Calibri" pitchFamily="34" charset="0"/>
+              </a:rPr>
+              <a:t>	…</a:t>
+            </a:r>
+          </a:p>
+          <a:p>
+            <a:r>
+              <a:rPr lang="en-US" altLang="en-US" sz="2400" dirty="0">
+                <a:solidFill>
+                  <a:srgbClr val="0000FF"/>
+                </a:solidFill>
+                <a:latin typeface="Lucida Console" pitchFamily="49" charset="0"/>
+                <a:cs typeface="Calibri" pitchFamily="34" charset="0"/>
+              </a:rPr>
+              <a:t>	foo (p: </a:t>
+            </a:r>
+            <a:r>
+              <a:rPr lang="en-US" altLang="en-US" sz="2400" dirty="0" smtClean="0">
+                <a:solidFill>
+                  <a:srgbClr val="0000FF"/>
+                </a:solidFill>
+                <a:latin typeface="Lucida Console" pitchFamily="49" charset="0"/>
+                <a:cs typeface="Calibri" pitchFamily="34" charset="0"/>
+              </a:rPr>
+              <a:t>A</a:t>
+            </a:r>
+            <a:r>
+              <a:rPr lang="en-US" altLang="en-US" sz="2400" baseline="-25000" dirty="0" smtClean="0">
+                <a:solidFill>
+                  <a:srgbClr val="0000FF"/>
+                </a:solidFill>
+                <a:latin typeface="Lucida Console" pitchFamily="49" charset="0"/>
+                <a:cs typeface="Calibri" pitchFamily="34" charset="0"/>
+              </a:rPr>
+              <a:t>n</a:t>
+            </a:r>
+            <a:r>
+              <a:rPr lang="en-US" altLang="en-US" sz="2400" dirty="0" smtClean="0">
+                <a:solidFill>
+                  <a:srgbClr val="0000FF"/>
+                </a:solidFill>
+                <a:latin typeface="Lucida Console" pitchFamily="49" charset="0"/>
+                <a:cs typeface="Calibri" pitchFamily="34" charset="0"/>
+              </a:rPr>
+              <a:t>) </a:t>
+            </a:r>
+            <a:r>
+              <a:rPr lang="en-US" altLang="en-US" sz="2400" dirty="0">
+                <a:solidFill>
+                  <a:srgbClr val="0000FF"/>
+                </a:solidFill>
+                <a:latin typeface="Lucida Console" pitchFamily="49" charset="0"/>
+                <a:cs typeface="Calibri" pitchFamily="34" charset="0"/>
+              </a:rPr>
+              <a:t>{ … }</a:t>
+            </a:r>
+          </a:p>
+          <a:p>
+            <a:r>
+              <a:rPr lang="en-US" altLang="en-US" sz="2400" dirty="0" smtClean="0">
+                <a:solidFill>
+                  <a:srgbClr val="0000FF"/>
+                </a:solidFill>
+                <a:latin typeface="Lucida Console" pitchFamily="49" charset="0"/>
+                <a:cs typeface="Calibri" pitchFamily="34" charset="0"/>
+              </a:rPr>
+              <a:t>}</a:t>
+            </a:r>
+          </a:p>
+          <a:p>
+            <a:r>
+              <a:rPr lang="en-US" sz="2400" dirty="0" smtClean="0"/>
+              <a:t>So, we need to find a version of foo when </a:t>
+            </a:r>
+            <a:r>
+              <a:rPr lang="en-US" altLang="en-US" sz="2400" dirty="0">
+                <a:solidFill>
+                  <a:srgbClr val="0000FF"/>
+                </a:solidFill>
+                <a:latin typeface="Lucida Console" pitchFamily="49" charset="0"/>
+                <a:cs typeface="Calibri" pitchFamily="34" charset="0"/>
+              </a:rPr>
+              <a:t>A</a:t>
+            </a:r>
+            <a:r>
+              <a:rPr lang="en-US" altLang="en-US" sz="2400" baseline="-25000" dirty="0">
+                <a:solidFill>
+                  <a:srgbClr val="0000FF"/>
+                </a:solidFill>
+                <a:latin typeface="Lucida Console" pitchFamily="49" charset="0"/>
+                <a:cs typeface="Calibri" pitchFamily="34" charset="0"/>
+              </a:rPr>
+              <a:t>i</a:t>
+            </a:r>
+            <a:r>
+              <a:rPr lang="en-US" sz="2400" dirty="0" smtClean="0"/>
+              <a:t> is compatible to </a:t>
+            </a:r>
+            <a:r>
+              <a:rPr lang="en-US" altLang="en-US" sz="2400" dirty="0" err="1" smtClean="0">
+                <a:solidFill>
+                  <a:srgbClr val="0000FF"/>
+                </a:solidFill>
+                <a:latin typeface="Lucida Console" pitchFamily="49" charset="0"/>
+                <a:cs typeface="Calibri" pitchFamily="34" charset="0"/>
+              </a:rPr>
+              <a:t>A</a:t>
+            </a:r>
+            <a:r>
+              <a:rPr lang="en-US" altLang="en-US" sz="2400" baseline="-25000" dirty="0" err="1" smtClean="0">
+                <a:solidFill>
+                  <a:srgbClr val="0000FF"/>
+                </a:solidFill>
+                <a:latin typeface="Lucida Console" pitchFamily="49" charset="0"/>
+                <a:cs typeface="Calibri" pitchFamily="34" charset="0"/>
+              </a:rPr>
+              <a:t>j</a:t>
+            </a:r>
+            <a:r>
+              <a:rPr lang="en-US" sz="2400" dirty="0" smtClean="0"/>
+              <a:t> where  j in 1 .. n</a:t>
+            </a:r>
+          </a:p>
+          <a:p>
+            <a:r>
+              <a:rPr lang="en-US" sz="2400" dirty="0" smtClean="0"/>
+              <a:t>When there are m arguments search is performed for m argument-parameter pairs</a:t>
+            </a:r>
+          </a:p>
+          <a:p>
+            <a:endParaRPr lang="en-US" altLang="en-US" sz="2400" dirty="0">
+              <a:solidFill>
+                <a:srgbClr val="0000FF"/>
+              </a:solidFill>
+              <a:latin typeface="Lucida Console" pitchFamily="49" charset="0"/>
+              <a:cs typeface="Calibri" pitchFamily="34" charset="0"/>
+            </a:endParaRPr>
+          </a:p>
+        </p:txBody>
+      </p:sp>
+      <p:sp>
+        <p:nvSpPr>
+          <p:cNvPr id="17" name="Номер слайда 1"/>
+          <p:cNvSpPr txBox="1">
+            <a:spLocks/>
+          </p:cNvSpPr>
+          <p:nvPr/>
+        </p:nvSpPr>
+        <p:spPr>
+          <a:xfrm>
+            <a:off x="8153400" y="6356350"/>
+            <a:ext cx="533400" cy="365125"/>
+          </a:xfrm>
+          <a:prstGeom prst="rect">
+            <a:avLst/>
+          </a:prstGeom>
+        </p:spPr>
+        <p:txBody>
+          <a:bodyPr/>
+          <a:lstStyle>
+            <a:defPPr>
+              <a:defRPr lang="en-US"/>
+            </a:defPPr>
+            <a:lvl1pPr marL="0" algn="l" defTabSz="914400" rtl="0" eaLnBrk="1" latinLnBrk="0" hangingPunct="1">
+              <a:defRPr sz="1800" kern="1200">
+                <a:solidFill>
+                  <a:schemeClr val="tx1"/>
+                </a:solidFill>
+                <a:latin typeface="+mn-lt"/>
+                <a:ea typeface="+mn-ea"/>
+                <a:cs typeface="+mn-cs"/>
+              </a:defRPr>
+            </a:lvl1pPr>
+            <a:lvl2pPr marL="457200" algn="l" defTabSz="914400" rtl="0" eaLnBrk="1" latinLnBrk="0" hangingPunct="1">
+              <a:defRPr sz="1800" kern="1200">
+                <a:solidFill>
+                  <a:schemeClr val="tx1"/>
+                </a:solidFill>
+                <a:latin typeface="+mn-lt"/>
+                <a:ea typeface="+mn-ea"/>
+                <a:cs typeface="+mn-cs"/>
+              </a:defRPr>
+            </a:lvl2pPr>
+            <a:lvl3pPr marL="914400" algn="l" defTabSz="914400" rtl="0" eaLnBrk="1" latinLnBrk="0" hangingPunct="1">
+              <a:defRPr sz="1800" kern="1200">
+                <a:solidFill>
+                  <a:schemeClr val="tx1"/>
+                </a:solidFill>
+                <a:latin typeface="+mn-lt"/>
+                <a:ea typeface="+mn-ea"/>
+                <a:cs typeface="+mn-cs"/>
+              </a:defRPr>
+            </a:lvl3pPr>
+            <a:lvl4pPr marL="1371600" algn="l" defTabSz="914400" rtl="0" eaLnBrk="1" latinLnBrk="0" hangingPunct="1">
+              <a:defRPr sz="1800" kern="1200">
+                <a:solidFill>
+                  <a:schemeClr val="tx1"/>
+                </a:solidFill>
+                <a:latin typeface="+mn-lt"/>
+                <a:ea typeface="+mn-ea"/>
+                <a:cs typeface="+mn-cs"/>
+              </a:defRPr>
+            </a:lvl4pPr>
+            <a:lvl5pPr marL="1828800" algn="l" defTabSz="914400" rtl="0" eaLnBrk="1" latinLnBrk="0" hangingPunct="1">
+              <a:defRPr sz="1800" kern="1200">
+                <a:solidFill>
+                  <a:schemeClr val="tx1"/>
+                </a:solidFill>
+                <a:latin typeface="+mn-lt"/>
+                <a:ea typeface="+mn-ea"/>
+                <a:cs typeface="+mn-cs"/>
+              </a:defRPr>
+            </a:lvl5pPr>
+            <a:lvl6pPr marL="2286000" algn="l" defTabSz="914400" rtl="0" eaLnBrk="1" latinLnBrk="0" hangingPunct="1">
+              <a:defRPr sz="1800" kern="1200">
+                <a:solidFill>
+                  <a:schemeClr val="tx1"/>
+                </a:solidFill>
+                <a:latin typeface="+mn-lt"/>
+                <a:ea typeface="+mn-ea"/>
+                <a:cs typeface="+mn-cs"/>
+              </a:defRPr>
+            </a:lvl6pPr>
+            <a:lvl7pPr marL="2743200" algn="l" defTabSz="914400" rtl="0" eaLnBrk="1" latinLnBrk="0" hangingPunct="1">
+              <a:defRPr sz="1800" kern="1200">
+                <a:solidFill>
+                  <a:schemeClr val="tx1"/>
+                </a:solidFill>
+                <a:latin typeface="+mn-lt"/>
+                <a:ea typeface="+mn-ea"/>
+                <a:cs typeface="+mn-cs"/>
+              </a:defRPr>
+            </a:lvl7pPr>
+            <a:lvl8pPr marL="3200400" algn="l" defTabSz="914400" rtl="0" eaLnBrk="1" latinLnBrk="0" hangingPunct="1">
+              <a:defRPr sz="1800" kern="1200">
+                <a:solidFill>
+                  <a:schemeClr val="tx1"/>
+                </a:solidFill>
+                <a:latin typeface="+mn-lt"/>
+                <a:ea typeface="+mn-ea"/>
+                <a:cs typeface="+mn-cs"/>
+              </a:defRPr>
+            </a:lvl8pPr>
+            <a:lvl9pPr marL="3657600" algn="l" defTabSz="914400" rtl="0" eaLnBrk="1" latinLnBrk="0" hangingPunct="1">
+              <a:defRPr sz="1800" kern="1200">
+                <a:solidFill>
+                  <a:schemeClr val="tx1"/>
+                </a:solidFill>
+                <a:latin typeface="+mn-lt"/>
+                <a:ea typeface="+mn-ea"/>
+                <a:cs typeface="+mn-cs"/>
+              </a:defRPr>
+            </a:lvl9pPr>
+          </a:lstStyle>
+          <a:p>
+            <a:fld id="{6278F348-CCBC-472B-BC3F-23EBF19EE4D4}" type="slidenum">
+              <a:rPr lang="en-US" smtClean="0"/>
+              <a:pPr/>
+              <a:t>19</a:t>
+            </a:fld>
+            <a:endParaRPr lang="en-US" dirty="0"/>
+          </a:p>
+        </p:txBody>
+      </p:sp>
+      <p:sp>
+        <p:nvSpPr>
+          <p:cNvPr id="2" name="Заголовок 1"/>
+          <p:cNvSpPr>
+            <a:spLocks noGrp="1"/>
+          </p:cNvSpPr>
+          <p:nvPr>
+            <p:ph type="title"/>
+          </p:nvPr>
+        </p:nvSpPr>
+        <p:spPr/>
+        <p:txBody>
+          <a:bodyPr/>
+          <a:lstStyle/>
+          <a:p>
+            <a:endParaRPr lang="en-US"/>
+          </a:p>
+        </p:txBody>
+      </p:sp>
+      <p:sp>
+        <p:nvSpPr>
+          <p:cNvPr id="18" name="Title 1"/>
+          <p:cNvSpPr txBox="1">
+            <a:spLocks/>
+          </p:cNvSpPr>
+          <p:nvPr/>
+        </p:nvSpPr>
+        <p:spPr>
+          <a:xfrm>
+            <a:off x="685800" y="5862"/>
+            <a:ext cx="8229600" cy="657225"/>
+          </a:xfrm>
+          <a:prstGeom prst="rect">
+            <a:avLst/>
+          </a:prstGeom>
+        </p:spPr>
+        <p:txBody>
+          <a:bodyPr vert="horz" lIns="0" tIns="45720" rIns="0" bIns="45720" rtlCol="0" anchor="ctr">
+            <a:normAutofit/>
+          </a:bodyPr>
+          <a:lstStyle>
+            <a:lvl1pPr algn="l" defTabSz="914400" rtl="0" eaLnBrk="1" latinLnBrk="0" hangingPunct="1">
+              <a:spcBef>
+                <a:spcPct val="0"/>
+              </a:spcBef>
+              <a:buNone/>
+              <a:defRPr kumimoji="1" lang="ko-KR" altLang="en-US" sz="3000" kern="1200" baseline="0" dirty="0">
+                <a:solidFill>
+                  <a:schemeClr val="bg1"/>
+                </a:solidFill>
+                <a:latin typeface="Arial" panose="020B0604020202020204" pitchFamily="34" charset="0"/>
+                <a:ea typeface="Arial Unicode MS" panose="020B0604020202020204" pitchFamily="34" charset="-128"/>
+                <a:cs typeface="+mn-cs"/>
+              </a:defRPr>
+            </a:lvl1pPr>
+          </a:lstStyle>
+          <a:p>
+            <a:r>
+              <a:rPr lang="en-US" sz="3400" b="1" dirty="0" smtClean="0">
+                <a:solidFill>
+                  <a:srgbClr val="CC6600"/>
+                </a:solidFill>
+                <a:latin typeface="Comic Sans MS" pitchFamily="66" charset="0"/>
+              </a:rPr>
+              <a:t>Double/multiple dispatch (II)</a:t>
+            </a:r>
+            <a:endParaRPr lang="en-US" sz="3400" b="1" dirty="0">
+              <a:solidFill>
+                <a:srgbClr val="CC6600"/>
+              </a:solidFill>
+              <a:latin typeface="Comic Sans MS" pitchFamily="66" charset="0"/>
+            </a:endParaRPr>
+          </a:p>
+        </p:txBody>
+      </p:sp>
+    </p:spTree>
+    <p:extLst>
+      <p:ext uri="{BB962C8B-B14F-4D97-AF65-F5344CB8AC3E}">
+        <p14:creationId xmlns:p14="http://schemas.microsoft.com/office/powerpoint/2010/main" val="1357004060"/>
+      </p:ext>
+    </p:extLst>
+  </p:cSld>
+  <p:clrMapOvr>
+    <a:masterClrMapping/>
+  </p:clrMapOvr>
+  <p:transition>
+    <p:fade/>
+  </p:transition>
+  <p:timing>
+    <p:tnLst>
+      <p:par>
+        <p:cTn id="1" dur="indefinite" restart="never" nodeType="tmRoot"/>
+      </p:par>
+    </p:tnLst>
+  </p:timing>
+</p:sld>
+</file>
+
+<file path=ppt/slides/slide2.xml><?xml version="1.0" encoding="utf-8"?>
+<p:sld xmlns:a="http://schemas.openxmlformats.org/drawingml/2006/main" xmlns:r="http://schemas.openxmlformats.org/officeDocument/2006/relationships" xmlns:p="http://schemas.openxmlformats.org/presentationml/2006/main">
+  <p:cSld>
+    <p:spTree>
+      <p:nvGrpSpPr>
+        <p:cNvPr id="1" name=""/>
+        <p:cNvGrpSpPr/>
+        <p:nvPr/>
+      </p:nvGrpSpPr>
+      <p:grpSpPr>
+        <a:xfrm>
+          <a:off x="0" y="0"/>
+          <a:ext cx="0" cy="0"/>
+          <a:chOff x="0" y="0"/>
+          <a:chExt cx="0" cy="0"/>
+        </a:xfrm>
+      </p:grpSpPr>
+      <p:sp>
+        <p:nvSpPr>
+          <p:cNvPr id="2" name="Объект 1"/>
+          <p:cNvSpPr>
+            <a:spLocks noGrp="1"/>
+          </p:cNvSpPr>
+          <p:nvPr>
+            <p:ph idx="1"/>
+          </p:nvPr>
+        </p:nvSpPr>
+        <p:spPr>
+          <a:xfrm>
+            <a:off x="76201" y="685800"/>
+            <a:ext cx="8991600" cy="6035675"/>
+          </a:xfrm>
+        </p:spPr>
+        <p:txBody>
+          <a:bodyPr>
+            <a:normAutofit/>
+          </a:bodyPr>
+          <a:lstStyle/>
+          <a:p>
+            <a:r>
+              <a:rPr lang="en-US" altLang="en-US" sz="2400" u="sng" dirty="0" smtClean="0"/>
+              <a:t>Variance</a:t>
+            </a:r>
+            <a:r>
+              <a:rPr lang="en-US" altLang="en-US" sz="2400" dirty="0" smtClean="0"/>
+              <a:t> in programming: invariance, covariance, </a:t>
+            </a:r>
+            <a:r>
+              <a:rPr lang="en-US" altLang="en-US" sz="2400" dirty="0" err="1" smtClean="0"/>
+              <a:t>contravariance</a:t>
+            </a:r>
+            <a:r>
+              <a:rPr lang="en-US" altLang="en-US" sz="2400" dirty="0" smtClean="0"/>
+              <a:t> applied for overriding while inheriting and in polymorphic assignments (argument passing) </a:t>
+            </a:r>
+          </a:p>
+          <a:p>
+            <a:pPr lvl="1"/>
+            <a:r>
+              <a:rPr lang="en-US" altLang="en-US" sz="2400" b="1" dirty="0" smtClean="0"/>
+              <a:t>Issue</a:t>
+            </a:r>
+            <a:r>
+              <a:rPr lang="en-US" altLang="en-US" sz="2400" dirty="0" smtClean="0"/>
+              <a:t>:</a:t>
+            </a:r>
+          </a:p>
+          <a:p>
+            <a:pPr lvl="2"/>
+            <a:r>
+              <a:rPr lang="en-US" altLang="en-US" sz="2400" dirty="0" smtClean="0"/>
+              <a:t>covariance may lead to type system breakage during program execution</a:t>
+            </a:r>
+          </a:p>
+          <a:p>
+            <a:pPr marL="914400" lvl="2" indent="0">
+              <a:buNone/>
+            </a:pPr>
+            <a:endParaRPr lang="en-US" altLang="en-US" sz="2400" dirty="0" smtClean="0"/>
+          </a:p>
+          <a:p>
+            <a:r>
+              <a:rPr lang="en-US" altLang="en-US" sz="2400" u="sng" dirty="0" smtClean="0"/>
+              <a:t>Dynamic dispatch</a:t>
+            </a:r>
+            <a:r>
+              <a:rPr lang="en-US" altLang="en-US" sz="2400" dirty="0" smtClean="0"/>
+              <a:t>: dispatch by </a:t>
+            </a:r>
+            <a:r>
+              <a:rPr lang="en-US" altLang="en-US" sz="2400" dirty="0" smtClean="0">
+                <a:latin typeface="Lucida Console" panose="020B0609040504020204" pitchFamily="49" charset="0"/>
+              </a:rPr>
+              <a:t>‘</a:t>
+            </a:r>
+            <a:r>
+              <a:rPr lang="en-US" altLang="en-US" sz="2400" dirty="0" err="1" smtClean="0">
+                <a:latin typeface="Lucida Console" panose="020B0609040504020204" pitchFamily="49" charset="0"/>
+              </a:rPr>
+              <a:t>this’|’self’|’Current</a:t>
+            </a:r>
+            <a:r>
+              <a:rPr lang="en-US" altLang="en-US" sz="2400" dirty="0" smtClean="0">
+                <a:latin typeface="Lucida Console" panose="020B0609040504020204" pitchFamily="49" charset="0"/>
+              </a:rPr>
+              <a:t>’</a:t>
+            </a:r>
+            <a:r>
+              <a:rPr lang="en-US" altLang="en-US" sz="2400" dirty="0" smtClean="0"/>
+              <a:t>, double (multiple) dispatch</a:t>
+            </a:r>
+            <a:r>
+              <a:rPr lang="en-US" altLang="en-US" sz="2400" dirty="0"/>
+              <a:t> </a:t>
+            </a:r>
+            <a:r>
+              <a:rPr lang="en-US" altLang="en-US" sz="2400" dirty="0" smtClean="0"/>
+              <a:t>– after 1</a:t>
+            </a:r>
+            <a:r>
+              <a:rPr lang="en-US" altLang="en-US" sz="2400" baseline="30000" dirty="0" smtClean="0"/>
+              <a:t>st</a:t>
+            </a:r>
+            <a:r>
+              <a:rPr lang="en-US" altLang="en-US" sz="2400" dirty="0" smtClean="0"/>
+              <a:t> dispatch use actual argument types to find a proper version to call</a:t>
+            </a:r>
+          </a:p>
+          <a:p>
+            <a:pPr marL="742950" lvl="2" indent="-342900"/>
+            <a:r>
+              <a:rPr lang="en-US" altLang="en-US" sz="2400" b="1" dirty="0" smtClean="0"/>
+              <a:t>Issue</a:t>
+            </a:r>
+            <a:r>
+              <a:rPr lang="en-US" altLang="en-US" sz="2400" dirty="0" smtClean="0"/>
+              <a:t>: </a:t>
+            </a:r>
+          </a:p>
+          <a:p>
+            <a:pPr marL="1200150" lvl="3" indent="-342900"/>
+            <a:r>
+              <a:rPr lang="en-US" altLang="en-US" sz="2400" dirty="0" smtClean="0"/>
+              <a:t>how to handle second dispatch effectively (eliminate </a:t>
+            </a:r>
+            <a:r>
+              <a:rPr lang="en-US" altLang="en-US" sz="2400" dirty="0" smtClean="0">
+                <a:latin typeface="Lucida Console" panose="020B0609040504020204" pitchFamily="49" charset="0"/>
+              </a:rPr>
+              <a:t>‘</a:t>
+            </a:r>
+            <a:r>
+              <a:rPr lang="en-US" altLang="en-US" sz="2400" dirty="0" err="1" smtClean="0">
+                <a:latin typeface="Lucida Console" panose="020B0609040504020204" pitchFamily="49" charset="0"/>
+              </a:rPr>
+              <a:t>instanceof</a:t>
+            </a:r>
+            <a:r>
+              <a:rPr lang="en-US" altLang="en-US" sz="2400" dirty="0" smtClean="0">
+                <a:latin typeface="Lucida Console" panose="020B0609040504020204" pitchFamily="49" charset="0"/>
+              </a:rPr>
+              <a:t>’</a:t>
+            </a:r>
+            <a:r>
+              <a:rPr lang="en-US" altLang="en-US" sz="2400" dirty="0" smtClean="0"/>
+              <a:t> checks)</a:t>
+            </a:r>
+          </a:p>
+        </p:txBody>
+      </p:sp>
+      <p:sp>
+        <p:nvSpPr>
+          <p:cNvPr id="4" name="Номер слайда 1"/>
+          <p:cNvSpPr txBox="1">
+            <a:spLocks/>
+          </p:cNvSpPr>
+          <p:nvPr/>
+        </p:nvSpPr>
+        <p:spPr>
+          <a:xfrm>
+            <a:off x="8153400" y="6356350"/>
+            <a:ext cx="533400" cy="365125"/>
+          </a:xfrm>
+          <a:prstGeom prst="rect">
+            <a:avLst/>
+          </a:prstGeom>
+        </p:spPr>
+        <p:txBody>
+          <a:bodyPr/>
+          <a:lstStyle>
+            <a:defPPr>
+              <a:defRPr lang="en-US"/>
+            </a:defPPr>
+            <a:lvl1pPr marL="0" algn="l" defTabSz="914400" rtl="0" eaLnBrk="1" latinLnBrk="0" hangingPunct="1">
+              <a:defRPr sz="1800" kern="1200">
+                <a:solidFill>
+                  <a:schemeClr val="tx1"/>
+                </a:solidFill>
+                <a:latin typeface="+mn-lt"/>
+                <a:ea typeface="+mn-ea"/>
+                <a:cs typeface="+mn-cs"/>
+              </a:defRPr>
+            </a:lvl1pPr>
+            <a:lvl2pPr marL="457200" algn="l" defTabSz="914400" rtl="0" eaLnBrk="1" latinLnBrk="0" hangingPunct="1">
+              <a:defRPr sz="1800" kern="1200">
+                <a:solidFill>
+                  <a:schemeClr val="tx1"/>
+                </a:solidFill>
+                <a:latin typeface="+mn-lt"/>
+                <a:ea typeface="+mn-ea"/>
+                <a:cs typeface="+mn-cs"/>
+              </a:defRPr>
+            </a:lvl2pPr>
+            <a:lvl3pPr marL="914400" algn="l" defTabSz="914400" rtl="0" eaLnBrk="1" latinLnBrk="0" hangingPunct="1">
+              <a:defRPr sz="1800" kern="1200">
+                <a:solidFill>
+                  <a:schemeClr val="tx1"/>
+                </a:solidFill>
+                <a:latin typeface="+mn-lt"/>
+                <a:ea typeface="+mn-ea"/>
+                <a:cs typeface="+mn-cs"/>
+              </a:defRPr>
+            </a:lvl3pPr>
+            <a:lvl4pPr marL="1371600" algn="l" defTabSz="914400" rtl="0" eaLnBrk="1" latinLnBrk="0" hangingPunct="1">
+              <a:defRPr sz="1800" kern="1200">
+                <a:solidFill>
+                  <a:schemeClr val="tx1"/>
+                </a:solidFill>
+                <a:latin typeface="+mn-lt"/>
+                <a:ea typeface="+mn-ea"/>
+                <a:cs typeface="+mn-cs"/>
+              </a:defRPr>
+            </a:lvl4pPr>
+            <a:lvl5pPr marL="1828800" algn="l" defTabSz="914400" rtl="0" eaLnBrk="1" latinLnBrk="0" hangingPunct="1">
+              <a:defRPr sz="1800" kern="1200">
+                <a:solidFill>
+                  <a:schemeClr val="tx1"/>
+                </a:solidFill>
+                <a:latin typeface="+mn-lt"/>
+                <a:ea typeface="+mn-ea"/>
+                <a:cs typeface="+mn-cs"/>
+              </a:defRPr>
+            </a:lvl5pPr>
+            <a:lvl6pPr marL="2286000" algn="l" defTabSz="914400" rtl="0" eaLnBrk="1" latinLnBrk="0" hangingPunct="1">
+              <a:defRPr sz="1800" kern="1200">
+                <a:solidFill>
+                  <a:schemeClr val="tx1"/>
+                </a:solidFill>
+                <a:latin typeface="+mn-lt"/>
+                <a:ea typeface="+mn-ea"/>
+                <a:cs typeface="+mn-cs"/>
+              </a:defRPr>
+            </a:lvl6pPr>
+            <a:lvl7pPr marL="2743200" algn="l" defTabSz="914400" rtl="0" eaLnBrk="1" latinLnBrk="0" hangingPunct="1">
+              <a:defRPr sz="1800" kern="1200">
+                <a:solidFill>
+                  <a:schemeClr val="tx1"/>
+                </a:solidFill>
+                <a:latin typeface="+mn-lt"/>
+                <a:ea typeface="+mn-ea"/>
+                <a:cs typeface="+mn-cs"/>
+              </a:defRPr>
+            </a:lvl7pPr>
+            <a:lvl8pPr marL="3200400" algn="l" defTabSz="914400" rtl="0" eaLnBrk="1" latinLnBrk="0" hangingPunct="1">
+              <a:defRPr sz="1800" kern="1200">
+                <a:solidFill>
+                  <a:schemeClr val="tx1"/>
+                </a:solidFill>
+                <a:latin typeface="+mn-lt"/>
+                <a:ea typeface="+mn-ea"/>
+                <a:cs typeface="+mn-cs"/>
+              </a:defRPr>
+            </a:lvl8pPr>
+            <a:lvl9pPr marL="3657600" algn="l" defTabSz="914400" rtl="0" eaLnBrk="1" latinLnBrk="0" hangingPunct="1">
+              <a:defRPr sz="1800" kern="1200">
+                <a:solidFill>
+                  <a:schemeClr val="tx1"/>
+                </a:solidFill>
+                <a:latin typeface="+mn-lt"/>
+                <a:ea typeface="+mn-ea"/>
+                <a:cs typeface="+mn-cs"/>
+              </a:defRPr>
+            </a:lvl9pPr>
+          </a:lstStyle>
+          <a:p>
+            <a:fld id="{6278F348-CCBC-472B-BC3F-23EBF19EE4D4}" type="slidenum">
+              <a:rPr lang="en-US" smtClean="0"/>
+              <a:pPr/>
+              <a:t>2</a:t>
+            </a:fld>
+            <a:endParaRPr lang="en-US" dirty="0"/>
+          </a:p>
+        </p:txBody>
+      </p:sp>
+      <p:sp>
+        <p:nvSpPr>
+          <p:cNvPr id="6" name="Title 1"/>
+          <p:cNvSpPr txBox="1">
+            <a:spLocks/>
+          </p:cNvSpPr>
+          <p:nvPr/>
+        </p:nvSpPr>
+        <p:spPr>
+          <a:xfrm>
+            <a:off x="685800" y="5862"/>
+            <a:ext cx="8229600" cy="657225"/>
+          </a:xfrm>
+          <a:prstGeom prst="rect">
+            <a:avLst/>
+          </a:prstGeom>
+        </p:spPr>
+        <p:txBody>
+          <a:bodyPr vert="horz" lIns="0" tIns="45720" rIns="0" bIns="45720" rtlCol="0" anchor="ctr">
+            <a:normAutofit/>
+          </a:bodyPr>
+          <a:lstStyle>
+            <a:lvl1pPr algn="l" defTabSz="914400" rtl="0" eaLnBrk="1" latinLnBrk="0" hangingPunct="1">
+              <a:spcBef>
+                <a:spcPct val="0"/>
+              </a:spcBef>
+              <a:buNone/>
+              <a:defRPr kumimoji="1" lang="ko-KR" altLang="en-US" sz="3000" kern="1200" baseline="0" dirty="0">
+                <a:solidFill>
+                  <a:schemeClr val="bg1"/>
+                </a:solidFill>
+                <a:latin typeface="Arial" panose="020B0604020202020204" pitchFamily="34" charset="0"/>
+                <a:ea typeface="Arial Unicode MS" panose="020B0604020202020204" pitchFamily="34" charset="-128"/>
+                <a:cs typeface="+mn-cs"/>
+              </a:defRPr>
+            </a:lvl1pPr>
+          </a:lstStyle>
+          <a:p>
+            <a:r>
+              <a:rPr lang="en-US" sz="3400" b="1" dirty="0" smtClean="0">
+                <a:solidFill>
+                  <a:srgbClr val="CC6600"/>
+                </a:solidFill>
+                <a:latin typeface="Comic Sans MS" pitchFamily="66" charset="0"/>
+              </a:rPr>
+              <a:t>Introduction</a:t>
+            </a:r>
+            <a:endParaRPr lang="en-US" sz="3400" b="1" dirty="0">
+              <a:solidFill>
+                <a:srgbClr val="CC6600"/>
+              </a:solidFill>
+              <a:latin typeface="Comic Sans MS" pitchFamily="66" charset="0"/>
+            </a:endParaRPr>
+          </a:p>
+        </p:txBody>
+      </p:sp>
+    </p:spTree>
+    <p:extLst>
+      <p:ext uri="{BB962C8B-B14F-4D97-AF65-F5344CB8AC3E}">
+        <p14:creationId xmlns:p14="http://schemas.microsoft.com/office/powerpoint/2010/main" val="2213936106"/>
+      </p:ext>
+    </p:extLst>
+  </p:cSld>
+  <p:clrMapOvr>
+    <a:masterClrMapping/>
+  </p:clrMapOvr>
+  <p:transition>
+    <p:fade/>
+  </p:transition>
+  <p:timing>
+    <p:tnLst>
+      <p:par>
+        <p:cTn id="1" dur="indefinite" restart="never" nodeType="tmRoot"/>
+      </p:par>
+    </p:tnLst>
+  </p:timing>
+</p:sld>
+</file>
+
+<file path=ppt/slides/slide20.xml><?xml version="1.0" encoding="utf-8"?>
+<p:sld xmlns:a="http://schemas.openxmlformats.org/drawingml/2006/main" xmlns:r="http://schemas.openxmlformats.org/officeDocument/2006/relationships" xmlns:p="http://schemas.openxmlformats.org/presentationml/2006/main">
+  <p:cSld>
+    <p:spTree>
+      <p:nvGrpSpPr>
+        <p:cNvPr id="1" name=""/>
+        <p:cNvGrpSpPr/>
+        <p:nvPr/>
+      </p:nvGrpSpPr>
+      <p:grpSpPr>
+        <a:xfrm>
+          <a:off x="0" y="0"/>
+          <a:ext cx="0" cy="0"/>
+          <a:chOff x="0" y="0"/>
+          <a:chExt cx="0" cy="0"/>
+        </a:xfrm>
+      </p:grpSpPr>
+      <p:sp>
+        <p:nvSpPr>
+          <p:cNvPr id="51" name="TextBox 50"/>
+          <p:cNvSpPr txBox="1"/>
+          <p:nvPr/>
+        </p:nvSpPr>
+        <p:spPr>
+          <a:xfrm>
+            <a:off x="35496" y="548680"/>
+            <a:ext cx="9001000" cy="5909310"/>
+          </a:xfrm>
+          <a:prstGeom prst="rect">
+            <a:avLst/>
+          </a:prstGeom>
+          <a:noFill/>
+        </p:spPr>
+        <p:txBody>
+          <a:bodyPr wrap="square" rtlCol="0">
+            <a:spAutoFit/>
+          </a:bodyPr>
+          <a:lstStyle/>
+          <a:p>
+            <a:r>
+              <a:rPr lang="en-US" altLang="en-US" b="1" dirty="0" smtClean="0">
+                <a:solidFill>
+                  <a:srgbClr val="0000FF"/>
+                </a:solidFill>
+                <a:latin typeface="Lucida Console" pitchFamily="49" charset="0"/>
+                <a:cs typeface="Calibri" pitchFamily="34" charset="0"/>
+              </a:rPr>
+              <a:t>type</a:t>
+            </a:r>
+            <a:r>
+              <a:rPr lang="en-US" altLang="en-US" dirty="0" smtClean="0">
+                <a:solidFill>
+                  <a:srgbClr val="0000FF"/>
+                </a:solidFill>
+                <a:latin typeface="Lucida Console" pitchFamily="49" charset="0"/>
+                <a:cs typeface="Calibri" pitchFamily="34" charset="0"/>
+              </a:rPr>
+              <a:t> A {</a:t>
+            </a:r>
+            <a:endParaRPr lang="en-US" altLang="en-US" dirty="0">
+              <a:solidFill>
+                <a:srgbClr val="0000FF"/>
+              </a:solidFill>
+              <a:latin typeface="Lucida Console" pitchFamily="49" charset="0"/>
+              <a:cs typeface="Calibri" pitchFamily="34" charset="0"/>
+            </a:endParaRPr>
+          </a:p>
+          <a:p>
+            <a:r>
+              <a:rPr lang="en-US" altLang="en-US" dirty="0" smtClean="0">
+                <a:solidFill>
+                  <a:srgbClr val="0000FF"/>
+                </a:solidFill>
+                <a:latin typeface="Lucida Console" pitchFamily="49" charset="0"/>
+                <a:cs typeface="Calibri" pitchFamily="34" charset="0"/>
+              </a:rPr>
+              <a:t>  foo </a:t>
+            </a:r>
+            <a:r>
+              <a:rPr lang="en-US" altLang="en-US" dirty="0">
+                <a:solidFill>
+                  <a:srgbClr val="0000FF"/>
+                </a:solidFill>
+                <a:latin typeface="Lucida Console" pitchFamily="49" charset="0"/>
+                <a:cs typeface="Calibri" pitchFamily="34" charset="0"/>
+              </a:rPr>
+              <a:t>(p: A</a:t>
+            </a:r>
+            <a:r>
+              <a:rPr lang="en-US" altLang="en-US" dirty="0" smtClean="0">
+                <a:solidFill>
+                  <a:srgbClr val="0000FF"/>
+                </a:solidFill>
+                <a:latin typeface="Lucida Console" pitchFamily="49" charset="0"/>
+                <a:cs typeface="Calibri" pitchFamily="34" charset="0"/>
+              </a:rPr>
+              <a:t>) { </a:t>
+            </a:r>
+            <a:r>
+              <a:rPr lang="en-US" altLang="en-US" dirty="0" err="1" smtClean="0">
+                <a:solidFill>
+                  <a:srgbClr val="0000FF"/>
+                </a:solidFill>
+                <a:latin typeface="Lucida Console" pitchFamily="49" charset="0"/>
+                <a:cs typeface="Calibri" pitchFamily="34" charset="0"/>
+              </a:rPr>
+              <a:t>p.a_attr</a:t>
+            </a:r>
+            <a:r>
+              <a:rPr lang="en-US" altLang="en-US" dirty="0" smtClean="0">
+                <a:solidFill>
+                  <a:srgbClr val="0000FF"/>
+                </a:solidFill>
+                <a:latin typeface="Lucida Console" pitchFamily="49" charset="0"/>
+                <a:cs typeface="Calibri" pitchFamily="34" charset="0"/>
+              </a:rPr>
+              <a:t> /* </a:t>
+            </a:r>
+            <a:r>
+              <a:rPr lang="en-US" altLang="en-US" dirty="0">
+                <a:solidFill>
+                  <a:srgbClr val="0000FF"/>
+                </a:solidFill>
+                <a:latin typeface="Lucida Console" pitchFamily="49" charset="0"/>
+                <a:cs typeface="Calibri" pitchFamily="34" charset="0"/>
+              </a:rPr>
+              <a:t>All A descendants have </a:t>
+            </a:r>
+            <a:r>
+              <a:rPr lang="en-US" altLang="en-US" dirty="0" err="1" smtClean="0">
+                <a:solidFill>
+                  <a:srgbClr val="0000FF"/>
+                </a:solidFill>
+                <a:latin typeface="Lucida Console" pitchFamily="49" charset="0"/>
+                <a:cs typeface="Calibri" pitchFamily="34" charset="0"/>
+              </a:rPr>
+              <a:t>a_attr</a:t>
+            </a:r>
+            <a:r>
+              <a:rPr lang="en-US" altLang="en-US" dirty="0" smtClean="0">
+                <a:solidFill>
+                  <a:srgbClr val="0000FF"/>
+                </a:solidFill>
+                <a:latin typeface="Lucida Console" pitchFamily="49" charset="0"/>
+                <a:cs typeface="Calibri" pitchFamily="34" charset="0"/>
+              </a:rPr>
+              <a:t> */ }</a:t>
+            </a:r>
+            <a:endParaRPr lang="en-US" altLang="en-US" dirty="0">
+              <a:solidFill>
+                <a:srgbClr val="0000FF"/>
+              </a:solidFill>
+              <a:latin typeface="Lucida Console" pitchFamily="49" charset="0"/>
+              <a:cs typeface="Calibri" pitchFamily="34" charset="0"/>
+            </a:endParaRPr>
+          </a:p>
+          <a:p>
+            <a:r>
+              <a:rPr lang="en-US" altLang="en-US" dirty="0" smtClean="0">
+                <a:solidFill>
+                  <a:srgbClr val="0000FF"/>
+                </a:solidFill>
+                <a:latin typeface="Lucida Console" pitchFamily="49" charset="0"/>
+                <a:cs typeface="Calibri" pitchFamily="34" charset="0"/>
+              </a:rPr>
+              <a:t>  </a:t>
+            </a:r>
+            <a:r>
+              <a:rPr lang="en-US" altLang="en-US" dirty="0" err="1" smtClean="0">
+                <a:solidFill>
+                  <a:srgbClr val="0000FF"/>
+                </a:solidFill>
+                <a:latin typeface="Lucida Console" pitchFamily="49" charset="0"/>
+                <a:cs typeface="Calibri" pitchFamily="34" charset="0"/>
+              </a:rPr>
+              <a:t>a_attr</a:t>
+            </a:r>
+            <a:r>
+              <a:rPr lang="en-US" altLang="en-US" dirty="0">
+                <a:solidFill>
+                  <a:srgbClr val="0000FF"/>
+                </a:solidFill>
+                <a:latin typeface="Lucida Console" pitchFamily="49" charset="0"/>
+                <a:cs typeface="Calibri" pitchFamily="34" charset="0"/>
+              </a:rPr>
+              <a:t>: T1</a:t>
+            </a:r>
+          </a:p>
+          <a:p>
+            <a:r>
+              <a:rPr lang="en-US" altLang="en-US" dirty="0">
+                <a:solidFill>
+                  <a:srgbClr val="0000FF"/>
+                </a:solidFill>
+                <a:latin typeface="Lucida Console" pitchFamily="49" charset="0"/>
+                <a:cs typeface="Calibri" pitchFamily="34" charset="0"/>
+              </a:rPr>
+              <a:t>}</a:t>
+            </a:r>
+          </a:p>
+          <a:p>
+            <a:r>
+              <a:rPr lang="en-US" altLang="en-US" b="1" dirty="0" smtClean="0">
+                <a:solidFill>
+                  <a:srgbClr val="0000FF"/>
+                </a:solidFill>
+                <a:latin typeface="Lucida Console" pitchFamily="49" charset="0"/>
+                <a:cs typeface="Calibri" pitchFamily="34" charset="0"/>
+              </a:rPr>
+              <a:t>type</a:t>
+            </a:r>
+            <a:r>
+              <a:rPr lang="en-US" altLang="en-US" dirty="0" smtClean="0">
+                <a:solidFill>
+                  <a:srgbClr val="0000FF"/>
+                </a:solidFill>
+                <a:latin typeface="Lucida Console" pitchFamily="49" charset="0"/>
+                <a:cs typeface="Calibri" pitchFamily="34" charset="0"/>
+              </a:rPr>
+              <a:t> </a:t>
+            </a:r>
+            <a:r>
+              <a:rPr lang="en-US" altLang="en-US" dirty="0">
+                <a:solidFill>
+                  <a:srgbClr val="0000FF"/>
+                </a:solidFill>
+                <a:latin typeface="Lucida Console" pitchFamily="49" charset="0"/>
+                <a:cs typeface="Calibri" pitchFamily="34" charset="0"/>
+              </a:rPr>
+              <a:t>B </a:t>
+            </a:r>
+            <a:r>
+              <a:rPr lang="en-US" altLang="en-US" b="1" dirty="0">
+                <a:solidFill>
+                  <a:srgbClr val="0000FF"/>
+                </a:solidFill>
+                <a:latin typeface="Lucida Console" pitchFamily="49" charset="0"/>
+                <a:cs typeface="Calibri" pitchFamily="34" charset="0"/>
+              </a:rPr>
+              <a:t>extend</a:t>
+            </a:r>
+            <a:r>
+              <a:rPr lang="en-US" altLang="en-US" dirty="0">
+                <a:solidFill>
+                  <a:srgbClr val="0000FF"/>
+                </a:solidFill>
+                <a:latin typeface="Lucida Console" pitchFamily="49" charset="0"/>
+                <a:cs typeface="Calibri" pitchFamily="34" charset="0"/>
+              </a:rPr>
+              <a:t> </a:t>
+            </a:r>
+            <a:r>
+              <a:rPr lang="en-US" altLang="en-US" dirty="0" smtClean="0">
+                <a:solidFill>
+                  <a:srgbClr val="0000FF"/>
+                </a:solidFill>
+                <a:latin typeface="Lucida Console" pitchFamily="49" charset="0"/>
+                <a:cs typeface="Calibri" pitchFamily="34" charset="0"/>
+              </a:rPr>
+              <a:t>A {</a:t>
+            </a:r>
+            <a:endParaRPr lang="en-US" altLang="en-US" dirty="0">
+              <a:solidFill>
+                <a:srgbClr val="0000FF"/>
+              </a:solidFill>
+              <a:latin typeface="Lucida Console" pitchFamily="49" charset="0"/>
+              <a:cs typeface="Calibri" pitchFamily="34" charset="0"/>
+            </a:endParaRPr>
+          </a:p>
+          <a:p>
+            <a:r>
+              <a:rPr lang="en-US" altLang="en-US" dirty="0" smtClean="0">
+                <a:solidFill>
+                  <a:srgbClr val="0000FF"/>
+                </a:solidFill>
+                <a:latin typeface="Lucida Console" pitchFamily="49" charset="0"/>
+                <a:cs typeface="Calibri" pitchFamily="34" charset="0"/>
+              </a:rPr>
+              <a:t>  </a:t>
+            </a:r>
+            <a:r>
+              <a:rPr lang="en-US" altLang="en-US" b="1" dirty="0" smtClean="0">
+                <a:solidFill>
+                  <a:srgbClr val="0000FF"/>
+                </a:solidFill>
+                <a:latin typeface="Lucida Console" pitchFamily="49" charset="0"/>
+                <a:cs typeface="Calibri" pitchFamily="34" charset="0"/>
+              </a:rPr>
+              <a:t>override</a:t>
+            </a:r>
+            <a:r>
+              <a:rPr lang="en-US" altLang="en-US" dirty="0" smtClean="0">
+                <a:solidFill>
+                  <a:srgbClr val="0000FF"/>
+                </a:solidFill>
+                <a:latin typeface="Lucida Console" pitchFamily="49" charset="0"/>
+                <a:cs typeface="Calibri" pitchFamily="34" charset="0"/>
+              </a:rPr>
+              <a:t> </a:t>
+            </a:r>
+            <a:r>
+              <a:rPr lang="en-US" altLang="en-US" dirty="0">
+                <a:solidFill>
+                  <a:srgbClr val="0000FF"/>
+                </a:solidFill>
+                <a:latin typeface="Lucida Console" pitchFamily="49" charset="0"/>
+                <a:cs typeface="Calibri" pitchFamily="34" charset="0"/>
+              </a:rPr>
+              <a:t>foo (p: A) </a:t>
+            </a:r>
+            <a:r>
+              <a:rPr lang="en-US" altLang="en-US" b="1" dirty="0">
+                <a:solidFill>
+                  <a:srgbClr val="0000FF"/>
+                </a:solidFill>
+                <a:latin typeface="Lucida Console" pitchFamily="49" charset="0"/>
+                <a:cs typeface="Calibri" pitchFamily="34" charset="0"/>
+              </a:rPr>
+              <a:t>old</a:t>
+            </a:r>
+            <a:r>
+              <a:rPr lang="en-US" altLang="en-US" dirty="0">
+                <a:solidFill>
+                  <a:srgbClr val="0000FF"/>
+                </a:solidFill>
+                <a:latin typeface="Lucida Console" pitchFamily="49" charset="0"/>
+                <a:cs typeface="Calibri" pitchFamily="34" charset="0"/>
+              </a:rPr>
+              <a:t>  </a:t>
+            </a:r>
+            <a:r>
+              <a:rPr lang="en-US" altLang="en-US" dirty="0" smtClean="0">
+                <a:solidFill>
+                  <a:srgbClr val="0000FF"/>
+                </a:solidFill>
+                <a:latin typeface="Lucida Console" pitchFamily="49" charset="0"/>
+                <a:cs typeface="Calibri" pitchFamily="34" charset="0"/>
+              </a:rPr>
+              <a:t>/* Precursor(super) </a:t>
+            </a:r>
+            <a:r>
+              <a:rPr lang="en-US" altLang="en-US" dirty="0">
+                <a:solidFill>
+                  <a:srgbClr val="0000FF"/>
+                </a:solidFill>
+                <a:latin typeface="Lucida Console" pitchFamily="49" charset="0"/>
+                <a:cs typeface="Calibri" pitchFamily="34" charset="0"/>
+              </a:rPr>
+              <a:t>to be called for </a:t>
+            </a:r>
+            <a:r>
+              <a:rPr lang="en-US" altLang="en-US" dirty="0" smtClean="0">
+                <a:solidFill>
+                  <a:srgbClr val="0000FF"/>
+                </a:solidFill>
+                <a:latin typeface="Lucida Console" pitchFamily="49" charset="0"/>
+                <a:cs typeface="Calibri" pitchFamily="34" charset="0"/>
+              </a:rPr>
+              <a:t>contravariant to B arguments */</a:t>
+            </a:r>
+            <a:endParaRPr lang="en-US" altLang="en-US" dirty="0">
+              <a:solidFill>
+                <a:srgbClr val="0000FF"/>
+              </a:solidFill>
+              <a:latin typeface="Lucida Console" pitchFamily="49" charset="0"/>
+              <a:cs typeface="Calibri" pitchFamily="34" charset="0"/>
+            </a:endParaRPr>
+          </a:p>
+          <a:p>
+            <a:r>
+              <a:rPr lang="en-US" altLang="en-US" dirty="0" smtClean="0">
+                <a:solidFill>
+                  <a:srgbClr val="0000FF"/>
+                </a:solidFill>
+                <a:latin typeface="Lucida Console" pitchFamily="49" charset="0"/>
+                <a:cs typeface="Calibri" pitchFamily="34" charset="0"/>
+              </a:rPr>
+              <a:t>  </a:t>
+            </a:r>
+            <a:r>
+              <a:rPr lang="en-US" altLang="en-US" b="1" dirty="0" smtClean="0">
+                <a:solidFill>
+                  <a:srgbClr val="0000FF"/>
+                </a:solidFill>
+                <a:latin typeface="Lucida Console" pitchFamily="49" charset="0"/>
+                <a:cs typeface="Calibri" pitchFamily="34" charset="0"/>
+              </a:rPr>
+              <a:t>override</a:t>
+            </a:r>
+            <a:r>
+              <a:rPr lang="en-US" altLang="en-US" dirty="0" smtClean="0">
+                <a:solidFill>
+                  <a:srgbClr val="0000FF"/>
+                </a:solidFill>
+                <a:latin typeface="Lucida Console" pitchFamily="49" charset="0"/>
+                <a:cs typeface="Calibri" pitchFamily="34" charset="0"/>
+              </a:rPr>
+              <a:t> </a:t>
+            </a:r>
+            <a:r>
+              <a:rPr lang="en-US" altLang="en-US" dirty="0">
+                <a:solidFill>
+                  <a:srgbClr val="0000FF"/>
+                </a:solidFill>
+                <a:latin typeface="Lucida Console" pitchFamily="49" charset="0"/>
+                <a:cs typeface="Calibri" pitchFamily="34" charset="0"/>
+              </a:rPr>
+              <a:t>foo (p: B) </a:t>
+            </a:r>
+            <a:r>
+              <a:rPr lang="en-US" altLang="en-US" dirty="0" smtClean="0">
+                <a:solidFill>
+                  <a:srgbClr val="0000FF"/>
+                </a:solidFill>
+                <a:latin typeface="Lucida Console" pitchFamily="49" charset="0"/>
+                <a:cs typeface="Calibri" pitchFamily="34" charset="0"/>
+              </a:rPr>
+              <a:t>{ </a:t>
+            </a:r>
+            <a:r>
+              <a:rPr lang="en-US" altLang="en-US" dirty="0" err="1" smtClean="0">
+                <a:solidFill>
+                  <a:srgbClr val="0000FF"/>
+                </a:solidFill>
+                <a:latin typeface="Lucida Console" pitchFamily="49" charset="0"/>
+                <a:cs typeface="Calibri" pitchFamily="34" charset="0"/>
+              </a:rPr>
+              <a:t>p.a_attr</a:t>
+            </a:r>
+            <a:r>
+              <a:rPr lang="en-US" altLang="en-US" dirty="0" smtClean="0">
+                <a:solidFill>
+                  <a:srgbClr val="0000FF"/>
+                </a:solidFill>
+                <a:latin typeface="Lucida Console" pitchFamily="49" charset="0"/>
+                <a:cs typeface="Calibri" pitchFamily="34" charset="0"/>
+              </a:rPr>
+              <a:t> </a:t>
+            </a:r>
+            <a:r>
+              <a:rPr lang="en-US" altLang="en-US" dirty="0" err="1" smtClean="0">
+                <a:solidFill>
+                  <a:srgbClr val="0000FF"/>
+                </a:solidFill>
+                <a:latin typeface="Lucida Console" pitchFamily="49" charset="0"/>
+                <a:cs typeface="Calibri" pitchFamily="34" charset="0"/>
+              </a:rPr>
+              <a:t>p.b_attr</a:t>
+            </a:r>
+            <a:r>
+              <a:rPr lang="en-US" altLang="en-US" dirty="0" smtClean="0">
+                <a:solidFill>
+                  <a:srgbClr val="0000FF"/>
+                </a:solidFill>
+                <a:latin typeface="Lucida Console" pitchFamily="49" charset="0"/>
+                <a:cs typeface="Calibri" pitchFamily="34" charset="0"/>
+              </a:rPr>
+              <a:t> }</a:t>
+            </a:r>
+            <a:endParaRPr lang="en-US" altLang="en-US" dirty="0">
+              <a:solidFill>
+                <a:srgbClr val="0000FF"/>
+              </a:solidFill>
+              <a:latin typeface="Lucida Console" pitchFamily="49" charset="0"/>
+              <a:cs typeface="Calibri" pitchFamily="34" charset="0"/>
+            </a:endParaRPr>
+          </a:p>
+          <a:p>
+            <a:r>
+              <a:rPr lang="en-US" altLang="en-US" dirty="0" smtClean="0">
+                <a:solidFill>
+                  <a:srgbClr val="0000FF"/>
+                </a:solidFill>
+                <a:latin typeface="Lucida Console" pitchFamily="49" charset="0"/>
+                <a:cs typeface="Calibri" pitchFamily="34" charset="0"/>
+              </a:rPr>
+              <a:t>  // </a:t>
+            </a:r>
+            <a:r>
+              <a:rPr lang="en-US" altLang="en-US" dirty="0">
+                <a:solidFill>
+                  <a:srgbClr val="0000FF"/>
+                </a:solidFill>
+                <a:latin typeface="Lucida Console" pitchFamily="49" charset="0"/>
+                <a:cs typeface="Calibri" pitchFamily="34" charset="0"/>
+              </a:rPr>
+              <a:t>covariance</a:t>
+            </a:r>
+          </a:p>
+          <a:p>
+            <a:r>
+              <a:rPr lang="en-US" altLang="en-US" dirty="0" smtClean="0">
+                <a:solidFill>
+                  <a:srgbClr val="0000FF"/>
+                </a:solidFill>
+                <a:latin typeface="Lucida Console" pitchFamily="49" charset="0"/>
+                <a:cs typeface="Calibri" pitchFamily="34" charset="0"/>
+              </a:rPr>
+              <a:t>  </a:t>
+            </a:r>
+            <a:r>
+              <a:rPr lang="en-US" altLang="en-US" dirty="0" err="1" smtClean="0">
+                <a:solidFill>
+                  <a:srgbClr val="0000FF"/>
+                </a:solidFill>
+                <a:latin typeface="Lucida Console" pitchFamily="49" charset="0"/>
+                <a:cs typeface="Calibri" pitchFamily="34" charset="0"/>
+              </a:rPr>
+              <a:t>b_attr</a:t>
+            </a:r>
+            <a:r>
+              <a:rPr lang="en-US" altLang="en-US" dirty="0">
+                <a:solidFill>
+                  <a:srgbClr val="0000FF"/>
+                </a:solidFill>
+                <a:latin typeface="Lucida Console" pitchFamily="49" charset="0"/>
+                <a:cs typeface="Calibri" pitchFamily="34" charset="0"/>
+              </a:rPr>
+              <a:t>: T2</a:t>
+            </a:r>
+          </a:p>
+          <a:p>
+            <a:r>
+              <a:rPr lang="en-US" altLang="en-US" dirty="0">
+                <a:solidFill>
+                  <a:srgbClr val="0000FF"/>
+                </a:solidFill>
+                <a:latin typeface="Lucida Console" pitchFamily="49" charset="0"/>
+                <a:cs typeface="Calibri" pitchFamily="34" charset="0"/>
+              </a:rPr>
+              <a:t>}</a:t>
+            </a:r>
+          </a:p>
+          <a:p>
+            <a:r>
+              <a:rPr lang="en-US" altLang="en-US" b="1" dirty="0" smtClean="0">
+                <a:solidFill>
+                  <a:srgbClr val="0000FF"/>
+                </a:solidFill>
+                <a:latin typeface="Lucida Console" pitchFamily="49" charset="0"/>
+                <a:cs typeface="Calibri" pitchFamily="34" charset="0"/>
+              </a:rPr>
+              <a:t>type</a:t>
+            </a:r>
+            <a:r>
+              <a:rPr lang="en-US" altLang="en-US" dirty="0" smtClean="0">
+                <a:solidFill>
+                  <a:srgbClr val="0000FF"/>
+                </a:solidFill>
+                <a:latin typeface="Lucida Console" pitchFamily="49" charset="0"/>
+                <a:cs typeface="Calibri" pitchFamily="34" charset="0"/>
+              </a:rPr>
+              <a:t> </a:t>
+            </a:r>
+            <a:r>
+              <a:rPr lang="en-US" altLang="en-US" dirty="0">
+                <a:solidFill>
+                  <a:srgbClr val="0000FF"/>
+                </a:solidFill>
+                <a:latin typeface="Lucida Console" pitchFamily="49" charset="0"/>
+                <a:cs typeface="Calibri" pitchFamily="34" charset="0"/>
+              </a:rPr>
+              <a:t>C </a:t>
+            </a:r>
+            <a:r>
+              <a:rPr lang="en-US" altLang="en-US" b="1" dirty="0">
+                <a:solidFill>
+                  <a:srgbClr val="0000FF"/>
+                </a:solidFill>
+                <a:latin typeface="Lucida Console" pitchFamily="49" charset="0"/>
+                <a:cs typeface="Calibri" pitchFamily="34" charset="0"/>
+              </a:rPr>
+              <a:t>extend</a:t>
+            </a:r>
+            <a:r>
+              <a:rPr lang="en-US" altLang="en-US" dirty="0">
+                <a:solidFill>
+                  <a:srgbClr val="0000FF"/>
+                </a:solidFill>
+                <a:latin typeface="Lucida Console" pitchFamily="49" charset="0"/>
+                <a:cs typeface="Calibri" pitchFamily="34" charset="0"/>
+              </a:rPr>
+              <a:t> </a:t>
+            </a:r>
+            <a:r>
+              <a:rPr lang="en-US" altLang="en-US" dirty="0" smtClean="0">
+                <a:solidFill>
+                  <a:srgbClr val="0000FF"/>
+                </a:solidFill>
+                <a:latin typeface="Lucida Console" pitchFamily="49" charset="0"/>
+                <a:cs typeface="Calibri" pitchFamily="34" charset="0"/>
+              </a:rPr>
+              <a:t>B {</a:t>
+            </a:r>
+            <a:endParaRPr lang="en-US" altLang="en-US" dirty="0">
+              <a:solidFill>
+                <a:srgbClr val="0000FF"/>
+              </a:solidFill>
+              <a:latin typeface="Lucida Console" pitchFamily="49" charset="0"/>
+              <a:cs typeface="Calibri" pitchFamily="34" charset="0"/>
+            </a:endParaRPr>
+          </a:p>
+          <a:p>
+            <a:r>
+              <a:rPr lang="en-US" altLang="en-US" dirty="0" smtClean="0">
+                <a:solidFill>
+                  <a:srgbClr val="0000FF"/>
+                </a:solidFill>
+                <a:latin typeface="Lucida Console" pitchFamily="49" charset="0"/>
+                <a:cs typeface="Calibri" pitchFamily="34" charset="0"/>
+              </a:rPr>
+              <a:t>  </a:t>
+            </a:r>
+            <a:r>
+              <a:rPr lang="en-US" altLang="en-US" b="1" dirty="0" smtClean="0">
+                <a:solidFill>
+                  <a:srgbClr val="0000FF"/>
+                </a:solidFill>
+                <a:latin typeface="Lucida Console" pitchFamily="49" charset="0"/>
+                <a:cs typeface="Calibri" pitchFamily="34" charset="0"/>
+              </a:rPr>
+              <a:t>override</a:t>
+            </a:r>
+            <a:r>
+              <a:rPr lang="en-US" altLang="en-US" dirty="0" smtClean="0">
+                <a:solidFill>
+                  <a:srgbClr val="0000FF"/>
+                </a:solidFill>
+                <a:latin typeface="Lucida Console" pitchFamily="49" charset="0"/>
+                <a:cs typeface="Calibri" pitchFamily="34" charset="0"/>
+              </a:rPr>
+              <a:t> </a:t>
+            </a:r>
+            <a:r>
+              <a:rPr lang="en-US" altLang="en-US" dirty="0">
+                <a:solidFill>
+                  <a:srgbClr val="0000FF"/>
+                </a:solidFill>
+                <a:latin typeface="Lucida Console" pitchFamily="49" charset="0"/>
+                <a:cs typeface="Calibri" pitchFamily="34" charset="0"/>
+              </a:rPr>
+              <a:t>foo (p: A) </a:t>
+            </a:r>
+            <a:r>
+              <a:rPr lang="en-US" altLang="en-US" dirty="0" smtClean="0">
+                <a:solidFill>
+                  <a:srgbClr val="0000FF"/>
+                </a:solidFill>
+                <a:latin typeface="Lucida Console" pitchFamily="49" charset="0"/>
+                <a:cs typeface="Calibri" pitchFamily="34" charset="0"/>
+              </a:rPr>
+              <a:t>{ </a:t>
+            </a:r>
+            <a:r>
+              <a:rPr lang="en-US" altLang="en-US" dirty="0" err="1">
+                <a:solidFill>
+                  <a:srgbClr val="0000FF"/>
+                </a:solidFill>
+                <a:latin typeface="Lucida Console" pitchFamily="49" charset="0"/>
+                <a:cs typeface="Calibri" pitchFamily="34" charset="0"/>
+              </a:rPr>
+              <a:t>p.a_attr</a:t>
+            </a:r>
+            <a:r>
+              <a:rPr lang="en-US" altLang="en-US" dirty="0">
+                <a:solidFill>
+                  <a:srgbClr val="0000FF"/>
+                </a:solidFill>
+                <a:latin typeface="Lucida Console" pitchFamily="49" charset="0"/>
+                <a:cs typeface="Calibri" pitchFamily="34" charset="0"/>
+              </a:rPr>
+              <a:t> }</a:t>
+            </a:r>
+          </a:p>
+          <a:p>
+            <a:r>
+              <a:rPr lang="en-US" altLang="en-US" dirty="0" smtClean="0">
+                <a:solidFill>
+                  <a:srgbClr val="0000FF"/>
+                </a:solidFill>
+                <a:latin typeface="Lucida Console" pitchFamily="49" charset="0"/>
+                <a:cs typeface="Calibri" pitchFamily="34" charset="0"/>
+              </a:rPr>
+              <a:t>  </a:t>
+            </a:r>
+            <a:r>
+              <a:rPr lang="en-US" altLang="en-US" dirty="0">
+                <a:solidFill>
+                  <a:srgbClr val="0000FF"/>
+                </a:solidFill>
+                <a:latin typeface="Lucida Console" pitchFamily="49" charset="0"/>
+                <a:cs typeface="Calibri" pitchFamily="34" charset="0"/>
+              </a:rPr>
+              <a:t>// </a:t>
+            </a:r>
+            <a:r>
+              <a:rPr lang="en-US" altLang="en-US" dirty="0" err="1">
+                <a:solidFill>
+                  <a:srgbClr val="0000FF"/>
+                </a:solidFill>
+                <a:latin typeface="Lucida Console" pitchFamily="49" charset="0"/>
+                <a:cs typeface="Calibri" pitchFamily="34" charset="0"/>
+              </a:rPr>
+              <a:t>contravariance</a:t>
+            </a:r>
+            <a:endParaRPr lang="en-US" altLang="en-US" dirty="0">
+              <a:solidFill>
+                <a:srgbClr val="0000FF"/>
+              </a:solidFill>
+              <a:latin typeface="Lucida Console" pitchFamily="49" charset="0"/>
+              <a:cs typeface="Calibri" pitchFamily="34" charset="0"/>
+            </a:endParaRPr>
+          </a:p>
+          <a:p>
+            <a:r>
+              <a:rPr lang="en-US" altLang="en-US" dirty="0" smtClean="0">
+                <a:solidFill>
+                  <a:srgbClr val="0000FF"/>
+                </a:solidFill>
+                <a:latin typeface="Lucida Console" pitchFamily="49" charset="0"/>
+                <a:cs typeface="Calibri" pitchFamily="34" charset="0"/>
+              </a:rPr>
+              <a:t>  </a:t>
+            </a:r>
+            <a:r>
+              <a:rPr lang="en-US" altLang="en-US" dirty="0" err="1">
+                <a:solidFill>
+                  <a:srgbClr val="0000FF"/>
+                </a:solidFill>
+                <a:latin typeface="Lucida Console" pitchFamily="49" charset="0"/>
+                <a:cs typeface="Calibri" pitchFamily="34" charset="0"/>
+              </a:rPr>
+              <a:t>c_attr</a:t>
+            </a:r>
+            <a:r>
+              <a:rPr lang="en-US" altLang="en-US" dirty="0">
+                <a:solidFill>
+                  <a:srgbClr val="0000FF"/>
+                </a:solidFill>
+                <a:latin typeface="Lucida Console" pitchFamily="49" charset="0"/>
+                <a:cs typeface="Calibri" pitchFamily="34" charset="0"/>
+              </a:rPr>
+              <a:t>: T3</a:t>
+            </a:r>
+          </a:p>
+          <a:p>
+            <a:r>
+              <a:rPr lang="en-US" altLang="en-US" dirty="0" smtClean="0">
+                <a:solidFill>
+                  <a:srgbClr val="0000FF"/>
+                </a:solidFill>
+                <a:latin typeface="Lucida Console" pitchFamily="49" charset="0"/>
+                <a:cs typeface="Calibri" pitchFamily="34" charset="0"/>
+              </a:rPr>
+              <a:t>}</a:t>
+            </a:r>
+            <a:endParaRPr lang="en-US" altLang="en-US" dirty="0">
+              <a:solidFill>
+                <a:srgbClr val="0000FF"/>
+              </a:solidFill>
+              <a:latin typeface="Lucida Console" pitchFamily="49" charset="0"/>
+              <a:cs typeface="Calibri" pitchFamily="34" charset="0"/>
+            </a:endParaRPr>
+          </a:p>
+          <a:p>
+            <a:r>
+              <a:rPr lang="en-US" altLang="en-US" dirty="0" smtClean="0">
+                <a:solidFill>
+                  <a:srgbClr val="0000FF"/>
+                </a:solidFill>
+                <a:latin typeface="Lucida Console" pitchFamily="49" charset="0"/>
+                <a:cs typeface="Calibri" pitchFamily="34" charset="0"/>
+              </a:rPr>
+              <a:t>a</a:t>
+            </a:r>
+            <a:r>
+              <a:rPr lang="en-US" altLang="en-US" dirty="0">
+                <a:solidFill>
+                  <a:srgbClr val="0000FF"/>
+                </a:solidFill>
+                <a:latin typeface="Lucida Console" pitchFamily="49" charset="0"/>
+                <a:cs typeface="Calibri" pitchFamily="34" charset="0"/>
+              </a:rPr>
+              <a:t>: A </a:t>
+            </a:r>
+            <a:r>
+              <a:rPr lang="en-US" altLang="en-US" b="1" dirty="0">
+                <a:solidFill>
+                  <a:srgbClr val="0000FF"/>
+                </a:solidFill>
+                <a:latin typeface="Lucida Console" pitchFamily="49" charset="0"/>
+                <a:cs typeface="Calibri" pitchFamily="34" charset="0"/>
+              </a:rPr>
+              <a:t>is new</a:t>
+            </a:r>
+            <a:r>
+              <a:rPr lang="en-US" altLang="en-US" dirty="0">
+                <a:solidFill>
+                  <a:srgbClr val="0000FF"/>
+                </a:solidFill>
+                <a:latin typeface="Lucida Console" pitchFamily="49" charset="0"/>
+                <a:cs typeface="Calibri" pitchFamily="34" charset="0"/>
+              </a:rPr>
+              <a:t> B</a:t>
+            </a:r>
+          </a:p>
+          <a:p>
+            <a:r>
+              <a:rPr lang="en-US" altLang="en-US" dirty="0" err="1">
+                <a:solidFill>
+                  <a:srgbClr val="0000FF"/>
+                </a:solidFill>
+                <a:latin typeface="Lucida Console" pitchFamily="49" charset="0"/>
+                <a:cs typeface="Calibri" pitchFamily="34" charset="0"/>
+              </a:rPr>
+              <a:t>a.foo</a:t>
+            </a:r>
+            <a:r>
+              <a:rPr lang="en-US" altLang="en-US" dirty="0">
+                <a:solidFill>
+                  <a:srgbClr val="0000FF"/>
+                </a:solidFill>
+                <a:latin typeface="Lucida Console" pitchFamily="49" charset="0"/>
+                <a:cs typeface="Calibri" pitchFamily="34" charset="0"/>
+              </a:rPr>
+              <a:t>(</a:t>
+            </a:r>
+            <a:r>
+              <a:rPr lang="en-US" altLang="en-US" b="1" dirty="0">
+                <a:solidFill>
+                  <a:srgbClr val="0000FF"/>
+                </a:solidFill>
+                <a:latin typeface="Lucida Console" pitchFamily="49" charset="0"/>
+                <a:cs typeface="Calibri" pitchFamily="34" charset="0"/>
+              </a:rPr>
+              <a:t>new</a:t>
+            </a:r>
+            <a:r>
+              <a:rPr lang="en-US" altLang="en-US" dirty="0">
+                <a:solidFill>
+                  <a:srgbClr val="0000FF"/>
+                </a:solidFill>
+                <a:latin typeface="Lucida Console" pitchFamily="49" charset="0"/>
+                <a:cs typeface="Calibri" pitchFamily="34" charset="0"/>
+              </a:rPr>
+              <a:t> A) // type-safe with double-dispatch</a:t>
+            </a:r>
+          </a:p>
+          <a:p>
+            <a:endParaRPr lang="en-US" altLang="en-US" dirty="0">
+              <a:solidFill>
+                <a:srgbClr val="0000FF"/>
+              </a:solidFill>
+              <a:latin typeface="Lucida Console" pitchFamily="49" charset="0"/>
+              <a:cs typeface="Calibri" pitchFamily="34" charset="0"/>
+            </a:endParaRPr>
+          </a:p>
+          <a:p>
+            <a:r>
+              <a:rPr lang="en-US" altLang="en-US" dirty="0">
+                <a:solidFill>
+                  <a:srgbClr val="0000FF"/>
+                </a:solidFill>
+                <a:latin typeface="Lucida Console" pitchFamily="49" charset="0"/>
+                <a:cs typeface="Calibri" pitchFamily="34" charset="0"/>
+              </a:rPr>
+              <a:t>b: B </a:t>
+            </a:r>
+            <a:r>
+              <a:rPr lang="en-US" altLang="en-US" b="1" dirty="0">
+                <a:solidFill>
+                  <a:srgbClr val="0000FF"/>
+                </a:solidFill>
+                <a:latin typeface="Lucida Console" pitchFamily="49" charset="0"/>
+                <a:cs typeface="Calibri" pitchFamily="34" charset="0"/>
+              </a:rPr>
+              <a:t>is new</a:t>
+            </a:r>
+            <a:r>
+              <a:rPr lang="en-US" altLang="en-US" dirty="0">
+                <a:solidFill>
+                  <a:srgbClr val="0000FF"/>
+                </a:solidFill>
+                <a:latin typeface="Lucida Console" pitchFamily="49" charset="0"/>
+                <a:cs typeface="Calibri" pitchFamily="34" charset="0"/>
+              </a:rPr>
+              <a:t> C</a:t>
+            </a:r>
+          </a:p>
+          <a:p>
+            <a:r>
+              <a:rPr lang="en-US" altLang="en-US" dirty="0" err="1">
+                <a:solidFill>
+                  <a:srgbClr val="0000FF"/>
+                </a:solidFill>
+                <a:latin typeface="Lucida Console" pitchFamily="49" charset="0"/>
+                <a:cs typeface="Calibri" pitchFamily="34" charset="0"/>
+              </a:rPr>
+              <a:t>b.foo</a:t>
+            </a:r>
+            <a:r>
+              <a:rPr lang="en-US" altLang="en-US" dirty="0">
+                <a:solidFill>
+                  <a:srgbClr val="0000FF"/>
+                </a:solidFill>
+                <a:latin typeface="Lucida Console" pitchFamily="49" charset="0"/>
+                <a:cs typeface="Calibri" pitchFamily="34" charset="0"/>
+              </a:rPr>
+              <a:t>(</a:t>
+            </a:r>
+            <a:r>
+              <a:rPr lang="en-US" altLang="en-US" b="1" dirty="0">
+                <a:solidFill>
+                  <a:srgbClr val="0000FF"/>
+                </a:solidFill>
+                <a:latin typeface="Lucida Console" pitchFamily="49" charset="0"/>
+                <a:cs typeface="Calibri" pitchFamily="34" charset="0"/>
+              </a:rPr>
+              <a:t>new</a:t>
+            </a:r>
+            <a:r>
+              <a:rPr lang="en-US" altLang="en-US" dirty="0">
+                <a:solidFill>
+                  <a:srgbClr val="0000FF"/>
+                </a:solidFill>
+                <a:latin typeface="Lucida Console" pitchFamily="49" charset="0"/>
+                <a:cs typeface="Calibri" pitchFamily="34" charset="0"/>
+              </a:rPr>
+              <a:t> B) // </a:t>
+            </a:r>
+            <a:r>
+              <a:rPr lang="en-US" altLang="en-US" dirty="0" smtClean="0">
+                <a:solidFill>
+                  <a:srgbClr val="0000FF"/>
+                </a:solidFill>
+                <a:latin typeface="Lucida Console" pitchFamily="49" charset="0"/>
+                <a:cs typeface="Calibri" pitchFamily="34" charset="0"/>
+              </a:rPr>
+              <a:t>type-safe</a:t>
+            </a:r>
+            <a:endParaRPr lang="en-US" altLang="en-US" dirty="0">
+              <a:solidFill>
+                <a:srgbClr val="0000FF"/>
+              </a:solidFill>
+              <a:latin typeface="Lucida Console" pitchFamily="49" charset="0"/>
+              <a:cs typeface="Calibri" pitchFamily="34" charset="0"/>
+            </a:endParaRPr>
+          </a:p>
+        </p:txBody>
+      </p:sp>
+      <p:sp>
+        <p:nvSpPr>
+          <p:cNvPr id="17" name="Номер слайда 1"/>
+          <p:cNvSpPr txBox="1">
+            <a:spLocks/>
+          </p:cNvSpPr>
+          <p:nvPr/>
+        </p:nvSpPr>
+        <p:spPr>
+          <a:xfrm>
+            <a:off x="8153400" y="6356350"/>
+            <a:ext cx="533400" cy="365125"/>
+          </a:xfrm>
+          <a:prstGeom prst="rect">
+            <a:avLst/>
+          </a:prstGeom>
+        </p:spPr>
+        <p:txBody>
+          <a:bodyPr/>
+          <a:lstStyle>
+            <a:defPPr>
+              <a:defRPr lang="en-US"/>
+            </a:defPPr>
+            <a:lvl1pPr marL="0" algn="l" defTabSz="914400" rtl="0" eaLnBrk="1" latinLnBrk="0" hangingPunct="1">
+              <a:defRPr sz="1800" kern="1200">
+                <a:solidFill>
+                  <a:schemeClr val="tx1"/>
+                </a:solidFill>
+                <a:latin typeface="+mn-lt"/>
+                <a:ea typeface="+mn-ea"/>
+                <a:cs typeface="+mn-cs"/>
+              </a:defRPr>
+            </a:lvl1pPr>
+            <a:lvl2pPr marL="457200" algn="l" defTabSz="914400" rtl="0" eaLnBrk="1" latinLnBrk="0" hangingPunct="1">
+              <a:defRPr sz="1800" kern="1200">
+                <a:solidFill>
+                  <a:schemeClr val="tx1"/>
+                </a:solidFill>
+                <a:latin typeface="+mn-lt"/>
+                <a:ea typeface="+mn-ea"/>
+                <a:cs typeface="+mn-cs"/>
+              </a:defRPr>
+            </a:lvl2pPr>
+            <a:lvl3pPr marL="914400" algn="l" defTabSz="914400" rtl="0" eaLnBrk="1" latinLnBrk="0" hangingPunct="1">
+              <a:defRPr sz="1800" kern="1200">
+                <a:solidFill>
+                  <a:schemeClr val="tx1"/>
+                </a:solidFill>
+                <a:latin typeface="+mn-lt"/>
+                <a:ea typeface="+mn-ea"/>
+                <a:cs typeface="+mn-cs"/>
+              </a:defRPr>
+            </a:lvl3pPr>
+            <a:lvl4pPr marL="1371600" algn="l" defTabSz="914400" rtl="0" eaLnBrk="1" latinLnBrk="0" hangingPunct="1">
+              <a:defRPr sz="1800" kern="1200">
+                <a:solidFill>
+                  <a:schemeClr val="tx1"/>
+                </a:solidFill>
+                <a:latin typeface="+mn-lt"/>
+                <a:ea typeface="+mn-ea"/>
+                <a:cs typeface="+mn-cs"/>
+              </a:defRPr>
+            </a:lvl4pPr>
+            <a:lvl5pPr marL="1828800" algn="l" defTabSz="914400" rtl="0" eaLnBrk="1" latinLnBrk="0" hangingPunct="1">
+              <a:defRPr sz="1800" kern="1200">
+                <a:solidFill>
+                  <a:schemeClr val="tx1"/>
+                </a:solidFill>
+                <a:latin typeface="+mn-lt"/>
+                <a:ea typeface="+mn-ea"/>
+                <a:cs typeface="+mn-cs"/>
+              </a:defRPr>
+            </a:lvl5pPr>
+            <a:lvl6pPr marL="2286000" algn="l" defTabSz="914400" rtl="0" eaLnBrk="1" latinLnBrk="0" hangingPunct="1">
+              <a:defRPr sz="1800" kern="1200">
+                <a:solidFill>
+                  <a:schemeClr val="tx1"/>
+                </a:solidFill>
+                <a:latin typeface="+mn-lt"/>
+                <a:ea typeface="+mn-ea"/>
+                <a:cs typeface="+mn-cs"/>
+              </a:defRPr>
+            </a:lvl6pPr>
+            <a:lvl7pPr marL="2743200" algn="l" defTabSz="914400" rtl="0" eaLnBrk="1" latinLnBrk="0" hangingPunct="1">
+              <a:defRPr sz="1800" kern="1200">
+                <a:solidFill>
+                  <a:schemeClr val="tx1"/>
+                </a:solidFill>
+                <a:latin typeface="+mn-lt"/>
+                <a:ea typeface="+mn-ea"/>
+                <a:cs typeface="+mn-cs"/>
+              </a:defRPr>
+            </a:lvl7pPr>
+            <a:lvl8pPr marL="3200400" algn="l" defTabSz="914400" rtl="0" eaLnBrk="1" latinLnBrk="0" hangingPunct="1">
+              <a:defRPr sz="1800" kern="1200">
+                <a:solidFill>
+                  <a:schemeClr val="tx1"/>
+                </a:solidFill>
+                <a:latin typeface="+mn-lt"/>
+                <a:ea typeface="+mn-ea"/>
+                <a:cs typeface="+mn-cs"/>
+              </a:defRPr>
+            </a:lvl8pPr>
+            <a:lvl9pPr marL="3657600" algn="l" defTabSz="914400" rtl="0" eaLnBrk="1" latinLnBrk="0" hangingPunct="1">
+              <a:defRPr sz="1800" kern="1200">
+                <a:solidFill>
+                  <a:schemeClr val="tx1"/>
+                </a:solidFill>
+                <a:latin typeface="+mn-lt"/>
+                <a:ea typeface="+mn-ea"/>
+                <a:cs typeface="+mn-cs"/>
+              </a:defRPr>
+            </a:lvl9pPr>
+          </a:lstStyle>
+          <a:p>
+            <a:fld id="{6278F348-CCBC-472B-BC3F-23EBF19EE4D4}" type="slidenum">
+              <a:rPr lang="en-US" smtClean="0"/>
+              <a:pPr/>
+              <a:t>20</a:t>
             </a:fld>
             <a:endParaRPr lang="en-US" dirty="0"/>
           </a:p>
@@ -14685,12 +16284,6 @@
               </a:rPr>
               <a:t>)</a:t>
             </a:r>
-            <a:endParaRPr lang="en-US" altLang="en-US" dirty="0" smtClean="0">
-              <a:solidFill>
-                <a:srgbClr val="0000FF"/>
-              </a:solidFill>
-              <a:latin typeface="Lucida Console" pitchFamily="49" charset="0"/>
-            </a:endParaRPr>
           </a:p>
         </p:txBody>
       </p:sp>
@@ -14731,7 +16324,7 @@
     </p:spTree>
     <p:extLst>
       <p:ext uri="{BB962C8B-B14F-4D97-AF65-F5344CB8AC3E}">
-        <p14:creationId xmlns:p14="http://schemas.microsoft.com/office/powerpoint/2010/main" val="66225350"/>
+        <p14:creationId xmlns:p14="http://schemas.microsoft.com/office/powerpoint/2010/main" val="2965673234"/>
       </p:ext>
     </p:extLst>
   </p:cSld>
@@ -14751,7 +16344,7 @@
 </p:sld>
 </file>
 
-<file path=ppt/slides/slide19.xml><?xml version="1.0" encoding="utf-8"?>
+<file path=ppt/slides/slide21.xml><?xml version="1.0" encoding="utf-8"?>
 <p:sld xmlns:a="http://schemas.openxmlformats.org/drawingml/2006/main" xmlns:r="http://schemas.openxmlformats.org/officeDocument/2006/relationships" xmlns:p="http://schemas.openxmlformats.org/presentationml/2006/main">
   <p:cSld>
     <p:spTree>
@@ -14798,11 +16391,6 @@
               </a:rPr>
               <a:t>Here is an example:</a:t>
             </a:r>
-            <a:endParaRPr kumimoji="1" lang="en-US" altLang="en-US" sz="2400" dirty="0">
-              <a:latin typeface="Arial" panose="020B0604020202020204" pitchFamily="34" charset="0"/>
-              <a:ea typeface="Arial Unicode MS" panose="020B0604020202020204" pitchFamily="34" charset="-128"/>
-              <a:cs typeface="Arial" panose="020B0604020202020204" pitchFamily="34" charset="0"/>
-            </a:endParaRPr>
           </a:p>
           <a:p>
             <a:endParaRPr lang="en-US" altLang="en-US" sz="2000" b="1" dirty="0" smtClean="0">
@@ -15235,11 +16823,6 @@
               </a:rPr>
               <a:t>How call works:</a:t>
             </a:r>
-            <a:endParaRPr kumimoji="1" lang="en-US" altLang="en-US" sz="2400" dirty="0" smtClean="0">
-              <a:latin typeface="Arial" panose="020B0604020202020204" pitchFamily="34" charset="0"/>
-              <a:ea typeface="Arial Unicode MS" panose="020B0604020202020204" pitchFamily="34" charset="-128"/>
-              <a:cs typeface="Arial" panose="020B0604020202020204" pitchFamily="34" charset="0"/>
-            </a:endParaRPr>
           </a:p>
           <a:p>
             <a:pPr marL="457200" indent="-457200">
@@ -15428,7 +17011,7 @@
             <a:fld id="{6278F348-CCBC-472B-BC3F-23EBF19EE4D4}" type="slidenum">
               <a:rPr lang="en-US" smtClean="0"/>
               <a:pPr/>
-              <a:t>19</a:t>
+              <a:t>21</a:t>
             </a:fld>
             <a:endParaRPr lang="en-US" dirty="0"/>
           </a:p>
@@ -15901,399 +17484,6 @@
 </p:sld>
 </file>
 
-<file path=ppt/slides/slide2.xml><?xml version="1.0" encoding="utf-8"?>
-<p:sld xmlns:a="http://schemas.openxmlformats.org/drawingml/2006/main" xmlns:r="http://schemas.openxmlformats.org/officeDocument/2006/relationships" xmlns:p="http://schemas.openxmlformats.org/presentationml/2006/main">
-  <p:cSld>
-    <p:spTree>
-      <p:nvGrpSpPr>
-        <p:cNvPr id="1" name=""/>
-        <p:cNvGrpSpPr/>
-        <p:nvPr/>
-      </p:nvGrpSpPr>
-      <p:grpSpPr>
-        <a:xfrm>
-          <a:off x="0" y="0"/>
-          <a:ext cx="0" cy="0"/>
-          <a:chOff x="0" y="0"/>
-          <a:chExt cx="0" cy="0"/>
-        </a:xfrm>
-      </p:grpSpPr>
-      <p:sp>
-        <p:nvSpPr>
-          <p:cNvPr id="2" name="Объект 1"/>
-          <p:cNvSpPr>
-            <a:spLocks noGrp="1"/>
-          </p:cNvSpPr>
-          <p:nvPr>
-            <p:ph idx="1"/>
-          </p:nvPr>
-        </p:nvSpPr>
-        <p:spPr>
-          <a:xfrm>
-            <a:off x="76201" y="685800"/>
-            <a:ext cx="8991600" cy="6035675"/>
-          </a:xfrm>
-        </p:spPr>
-        <p:txBody>
-          <a:bodyPr>
-            <a:normAutofit/>
-          </a:bodyPr>
-          <a:lstStyle/>
-          <a:p>
-            <a:r>
-              <a:rPr lang="en-US" altLang="en-US" sz="2400" u="sng" dirty="0" smtClean="0"/>
-              <a:t>Variance</a:t>
-            </a:r>
-            <a:r>
-              <a:rPr lang="en-US" altLang="en-US" sz="2400" dirty="0" smtClean="0"/>
-              <a:t> in programming: invariance, covariance, </a:t>
-            </a:r>
-            <a:r>
-              <a:rPr lang="en-US" altLang="en-US" sz="2400" dirty="0" err="1" smtClean="0"/>
-              <a:t>contravariance</a:t>
-            </a:r>
-            <a:r>
-              <a:rPr lang="en-US" altLang="en-US" sz="2400" dirty="0" smtClean="0"/>
-              <a:t> applied for overriding while inheriting and in polymorphic assignments (</a:t>
-            </a:r>
-            <a:r>
-              <a:rPr lang="en-US" altLang="en-US" sz="2400" dirty="0" smtClean="0"/>
-              <a:t>argument </a:t>
-            </a:r>
-            <a:r>
-              <a:rPr lang="en-US" altLang="en-US" sz="2400" dirty="0" smtClean="0"/>
-              <a:t>passing) </a:t>
-            </a:r>
-          </a:p>
-          <a:p>
-            <a:pPr lvl="1"/>
-            <a:r>
-              <a:rPr lang="en-US" altLang="en-US" sz="2400" b="1" dirty="0" smtClean="0"/>
-              <a:t>Issue</a:t>
-            </a:r>
-            <a:r>
-              <a:rPr lang="en-US" altLang="en-US" sz="2400" dirty="0" smtClean="0"/>
-              <a:t>:</a:t>
-            </a:r>
-          </a:p>
-          <a:p>
-            <a:pPr lvl="2"/>
-            <a:r>
-              <a:rPr lang="en-US" altLang="en-US" sz="2400" dirty="0" smtClean="0"/>
-              <a:t>covariance may lead to type system breakage during program </a:t>
-            </a:r>
-            <a:r>
-              <a:rPr lang="en-US" altLang="en-US" sz="2400" dirty="0" smtClean="0"/>
-              <a:t>execution</a:t>
-            </a:r>
-          </a:p>
-          <a:p>
-            <a:pPr marL="914400" lvl="2" indent="0">
-              <a:buNone/>
-            </a:pPr>
-            <a:endParaRPr lang="en-US" altLang="en-US" sz="2400" dirty="0" smtClean="0"/>
-          </a:p>
-          <a:p>
-            <a:r>
-              <a:rPr lang="en-US" altLang="en-US" sz="2400" u="sng" dirty="0" smtClean="0"/>
-              <a:t>Dynamic dispatch</a:t>
-            </a:r>
-            <a:r>
-              <a:rPr lang="en-US" altLang="en-US" sz="2400" dirty="0" smtClean="0"/>
-              <a:t>: dispatch by </a:t>
-            </a:r>
-            <a:r>
-              <a:rPr lang="en-US" altLang="en-US" sz="2400" dirty="0" smtClean="0">
-                <a:latin typeface="Lucida Console" panose="020B0609040504020204" pitchFamily="49" charset="0"/>
-              </a:rPr>
-              <a:t>‘</a:t>
-            </a:r>
-            <a:r>
-              <a:rPr lang="en-US" altLang="en-US" sz="2400" dirty="0" err="1" smtClean="0">
-                <a:latin typeface="Lucida Console" panose="020B0609040504020204" pitchFamily="49" charset="0"/>
-              </a:rPr>
-              <a:t>this’|’self’|’Current</a:t>
-            </a:r>
-            <a:r>
-              <a:rPr lang="en-US" altLang="en-US" sz="2400" dirty="0" smtClean="0">
-                <a:latin typeface="Lucida Console" panose="020B0609040504020204" pitchFamily="49" charset="0"/>
-              </a:rPr>
-              <a:t>’</a:t>
-            </a:r>
-            <a:r>
-              <a:rPr lang="en-US" altLang="en-US" sz="2400" dirty="0" smtClean="0"/>
-              <a:t>, double (multiple) dispatch</a:t>
-            </a:r>
-            <a:r>
-              <a:rPr lang="en-US" altLang="en-US" sz="2400" dirty="0"/>
-              <a:t> </a:t>
-            </a:r>
-            <a:r>
-              <a:rPr lang="en-US" altLang="en-US" sz="2400" dirty="0" smtClean="0"/>
-              <a:t>– after 1</a:t>
-            </a:r>
-            <a:r>
-              <a:rPr lang="en-US" altLang="en-US" sz="2400" baseline="30000" dirty="0" smtClean="0"/>
-              <a:t>st</a:t>
-            </a:r>
-            <a:r>
-              <a:rPr lang="en-US" altLang="en-US" sz="2400" dirty="0" smtClean="0"/>
-              <a:t> dispatch use actual argument types to find a proper version </a:t>
-            </a:r>
-            <a:r>
-              <a:rPr lang="en-US" altLang="en-US" sz="2400" dirty="0" smtClean="0"/>
-              <a:t>to </a:t>
-            </a:r>
-            <a:r>
-              <a:rPr lang="en-US" altLang="en-US" sz="2400" dirty="0" smtClean="0"/>
-              <a:t>call</a:t>
-            </a:r>
-          </a:p>
-          <a:p>
-            <a:pPr marL="742950" lvl="2" indent="-342900"/>
-            <a:r>
-              <a:rPr lang="en-US" altLang="en-US" sz="2400" b="1" dirty="0" smtClean="0"/>
-              <a:t>Issue</a:t>
-            </a:r>
-            <a:r>
-              <a:rPr lang="en-US" altLang="en-US" sz="2400" dirty="0" smtClean="0"/>
-              <a:t>: </a:t>
-            </a:r>
-          </a:p>
-          <a:p>
-            <a:pPr marL="1200150" lvl="3" indent="-342900"/>
-            <a:r>
-              <a:rPr lang="en-US" altLang="en-US" sz="2400" dirty="0" smtClean="0"/>
-              <a:t>how to handle second dispatch effectively (eliminate </a:t>
-            </a:r>
-            <a:r>
-              <a:rPr lang="en-US" altLang="en-US" sz="2400" dirty="0" smtClean="0">
-                <a:latin typeface="Lucida Console" panose="020B0609040504020204" pitchFamily="49" charset="0"/>
-              </a:rPr>
-              <a:t>‘</a:t>
-            </a:r>
-            <a:r>
-              <a:rPr lang="en-US" altLang="en-US" sz="2400" dirty="0" err="1" smtClean="0">
-                <a:latin typeface="Lucida Console" panose="020B0609040504020204" pitchFamily="49" charset="0"/>
-              </a:rPr>
-              <a:t>instanceof</a:t>
-            </a:r>
-            <a:r>
-              <a:rPr lang="en-US" altLang="en-US" sz="2400" dirty="0" smtClean="0">
-                <a:latin typeface="Lucida Console" panose="020B0609040504020204" pitchFamily="49" charset="0"/>
-              </a:rPr>
-              <a:t>’</a:t>
-            </a:r>
-            <a:r>
-              <a:rPr lang="en-US" altLang="en-US" sz="2400" dirty="0" smtClean="0"/>
-              <a:t> checks)</a:t>
-            </a:r>
-          </a:p>
-        </p:txBody>
-      </p:sp>
-      <p:sp>
-        <p:nvSpPr>
-          <p:cNvPr id="4" name="Номер слайда 1"/>
-          <p:cNvSpPr txBox="1">
-            <a:spLocks/>
-          </p:cNvSpPr>
-          <p:nvPr/>
-        </p:nvSpPr>
-        <p:spPr>
-          <a:xfrm>
-            <a:off x="8153400" y="6356350"/>
-            <a:ext cx="533400" cy="365125"/>
-          </a:xfrm>
-          <a:prstGeom prst="rect">
-            <a:avLst/>
-          </a:prstGeom>
-        </p:spPr>
-        <p:txBody>
-          <a:bodyPr/>
-          <a:lstStyle>
-            <a:defPPr>
-              <a:defRPr lang="en-US"/>
-            </a:defPPr>
-            <a:lvl1pPr marL="0" algn="l" defTabSz="914400" rtl="0" eaLnBrk="1" latinLnBrk="0" hangingPunct="1">
-              <a:defRPr sz="1800" kern="1200">
-                <a:solidFill>
-                  <a:schemeClr val="tx1"/>
-                </a:solidFill>
-                <a:latin typeface="+mn-lt"/>
-                <a:ea typeface="+mn-ea"/>
-                <a:cs typeface="+mn-cs"/>
-              </a:defRPr>
-            </a:lvl1pPr>
-            <a:lvl2pPr marL="457200" algn="l" defTabSz="914400" rtl="0" eaLnBrk="1" latinLnBrk="0" hangingPunct="1">
-              <a:defRPr sz="1800" kern="1200">
-                <a:solidFill>
-                  <a:schemeClr val="tx1"/>
-                </a:solidFill>
-                <a:latin typeface="+mn-lt"/>
-                <a:ea typeface="+mn-ea"/>
-                <a:cs typeface="+mn-cs"/>
-              </a:defRPr>
-            </a:lvl2pPr>
-            <a:lvl3pPr marL="914400" algn="l" defTabSz="914400" rtl="0" eaLnBrk="1" latinLnBrk="0" hangingPunct="1">
-              <a:defRPr sz="1800" kern="1200">
-                <a:solidFill>
-                  <a:schemeClr val="tx1"/>
-                </a:solidFill>
-                <a:latin typeface="+mn-lt"/>
-                <a:ea typeface="+mn-ea"/>
-                <a:cs typeface="+mn-cs"/>
-              </a:defRPr>
-            </a:lvl3pPr>
-            <a:lvl4pPr marL="1371600" algn="l" defTabSz="914400" rtl="0" eaLnBrk="1" latinLnBrk="0" hangingPunct="1">
-              <a:defRPr sz="1800" kern="1200">
-                <a:solidFill>
-                  <a:schemeClr val="tx1"/>
-                </a:solidFill>
-                <a:latin typeface="+mn-lt"/>
-                <a:ea typeface="+mn-ea"/>
-                <a:cs typeface="+mn-cs"/>
-              </a:defRPr>
-            </a:lvl4pPr>
-            <a:lvl5pPr marL="1828800" algn="l" defTabSz="914400" rtl="0" eaLnBrk="1" latinLnBrk="0" hangingPunct="1">
-              <a:defRPr sz="1800" kern="1200">
-                <a:solidFill>
-                  <a:schemeClr val="tx1"/>
-                </a:solidFill>
-                <a:latin typeface="+mn-lt"/>
-                <a:ea typeface="+mn-ea"/>
-                <a:cs typeface="+mn-cs"/>
-              </a:defRPr>
-            </a:lvl5pPr>
-            <a:lvl6pPr marL="2286000" algn="l" defTabSz="914400" rtl="0" eaLnBrk="1" latinLnBrk="0" hangingPunct="1">
-              <a:defRPr sz="1800" kern="1200">
-                <a:solidFill>
-                  <a:schemeClr val="tx1"/>
-                </a:solidFill>
-                <a:latin typeface="+mn-lt"/>
-                <a:ea typeface="+mn-ea"/>
-                <a:cs typeface="+mn-cs"/>
-              </a:defRPr>
-            </a:lvl6pPr>
-            <a:lvl7pPr marL="2743200" algn="l" defTabSz="914400" rtl="0" eaLnBrk="1" latinLnBrk="0" hangingPunct="1">
-              <a:defRPr sz="1800" kern="1200">
-                <a:solidFill>
-                  <a:schemeClr val="tx1"/>
-                </a:solidFill>
-                <a:latin typeface="+mn-lt"/>
-                <a:ea typeface="+mn-ea"/>
-                <a:cs typeface="+mn-cs"/>
-              </a:defRPr>
-            </a:lvl7pPr>
-            <a:lvl8pPr marL="3200400" algn="l" defTabSz="914400" rtl="0" eaLnBrk="1" latinLnBrk="0" hangingPunct="1">
-              <a:defRPr sz="1800" kern="1200">
-                <a:solidFill>
-                  <a:schemeClr val="tx1"/>
-                </a:solidFill>
-                <a:latin typeface="+mn-lt"/>
-                <a:ea typeface="+mn-ea"/>
-                <a:cs typeface="+mn-cs"/>
-              </a:defRPr>
-            </a:lvl8pPr>
-            <a:lvl9pPr marL="3657600" algn="l" defTabSz="914400" rtl="0" eaLnBrk="1" latinLnBrk="0" hangingPunct="1">
-              <a:defRPr sz="1800" kern="1200">
-                <a:solidFill>
-                  <a:schemeClr val="tx1"/>
-                </a:solidFill>
-                <a:latin typeface="+mn-lt"/>
-                <a:ea typeface="+mn-ea"/>
-                <a:cs typeface="+mn-cs"/>
-              </a:defRPr>
-            </a:lvl9pPr>
-          </a:lstStyle>
-          <a:p>
-            <a:fld id="{6278F348-CCBC-472B-BC3F-23EBF19EE4D4}" type="slidenum">
-              <a:rPr lang="en-US" smtClean="0"/>
-              <a:pPr/>
-              <a:t>2</a:t>
-            </a:fld>
-            <a:endParaRPr lang="en-US" dirty="0"/>
-          </a:p>
-        </p:txBody>
-      </p:sp>
-      <p:sp>
-        <p:nvSpPr>
-          <p:cNvPr id="6" name="Title 1"/>
-          <p:cNvSpPr txBox="1">
-            <a:spLocks/>
-          </p:cNvSpPr>
-          <p:nvPr/>
-        </p:nvSpPr>
-        <p:spPr>
-          <a:xfrm>
-            <a:off x="685800" y="5862"/>
-            <a:ext cx="8229600" cy="657225"/>
-          </a:xfrm>
-          <a:prstGeom prst="rect">
-            <a:avLst/>
-          </a:prstGeom>
-        </p:spPr>
-        <p:txBody>
-          <a:bodyPr vert="horz" lIns="0" tIns="45720" rIns="0" bIns="45720" rtlCol="0" anchor="ctr">
-            <a:normAutofit/>
-          </a:bodyPr>
-          <a:lstStyle>
-            <a:lvl1pPr algn="l" defTabSz="914400" rtl="0" eaLnBrk="1" latinLnBrk="0" hangingPunct="1">
-              <a:spcBef>
-                <a:spcPct val="0"/>
-              </a:spcBef>
-              <a:buNone/>
-              <a:defRPr kumimoji="1" lang="ko-KR" altLang="en-US" sz="3000" kern="1200" baseline="0" dirty="0">
-                <a:solidFill>
-                  <a:schemeClr val="bg1"/>
-                </a:solidFill>
-                <a:latin typeface="Arial" panose="020B0604020202020204" pitchFamily="34" charset="0"/>
-                <a:ea typeface="Arial Unicode MS" panose="020B0604020202020204" pitchFamily="34" charset="-128"/>
-                <a:cs typeface="+mn-cs"/>
-              </a:defRPr>
-            </a:lvl1pPr>
-          </a:lstStyle>
-          <a:p>
-            <a:r>
-              <a:rPr lang="en-US" sz="3400" b="1" dirty="0" smtClean="0">
-                <a:solidFill>
-                  <a:srgbClr val="CC6600"/>
-                </a:solidFill>
-                <a:latin typeface="Comic Sans MS" pitchFamily="66" charset="0"/>
-              </a:rPr>
-              <a:t>Introduction</a:t>
-            </a:r>
-            <a:endParaRPr lang="en-US" sz="3400" b="1" dirty="0">
-              <a:solidFill>
-                <a:srgbClr val="CC6600"/>
-              </a:solidFill>
-              <a:latin typeface="Comic Sans MS" pitchFamily="66" charset="0"/>
-            </a:endParaRPr>
-          </a:p>
-        </p:txBody>
-      </p:sp>
-    </p:spTree>
-    <p:extLst>
-      <p:ext uri="{BB962C8B-B14F-4D97-AF65-F5344CB8AC3E}">
-        <p14:creationId xmlns:p14="http://schemas.microsoft.com/office/powerpoint/2010/main" val="2213936106"/>
-      </p:ext>
-    </p:extLst>
-  </p:cSld>
-  <p:clrMapOvr>
-    <a:masterClrMapping/>
-  </p:clrMapOvr>
-  <p:transition>
-    <p:fade/>
-  </p:transition>
-  <p:timing>
-    <p:tnLst>
-      <p:par>
-        <p:cTn id="1" dur="indefinite" restart="never" nodeType="tmRoot"/>
-      </p:par>
-    </p:tnLst>
-  </p:timing>
-</p:sld>
-</file>
-
 <file path=ppt/slides/slide3.xml><?xml version="1.0" encoding="utf-8"?>
 <p:sld xmlns:a="http://schemas.openxmlformats.org/drawingml/2006/main" xmlns:r="http://schemas.openxmlformats.org/officeDocument/2006/relationships" xmlns:p="http://schemas.openxmlformats.org/presentationml/2006/main">
   <p:cSld>
@@ -16387,11 +17577,7 @@
             </a:pPr>
             <a:r>
               <a:rPr lang="en-US" altLang="en-US" sz="2400" dirty="0" smtClean="0"/>
-              <a:t>There are only </a:t>
-            </a:r>
-            <a:r>
-              <a:rPr lang="en-US" altLang="en-US" sz="2400" dirty="0" smtClean="0"/>
-              <a:t>30 min for all </a:t>
+              <a:t>There are only 30 min for all </a:t>
             </a:r>
             <a:r>
               <a:rPr lang="en-US" altLang="en-US" sz="2400" dirty="0" smtClean="0">
@@ -16708,17 +17894,8 @@
           <a:p>
             <a:r>
               <a:rPr lang="en-US" altLang="en-US" sz="2400" dirty="0" smtClean="0"/>
-              <a:t>Invariance </a:t>
-            </a:r>
-            <a:r>
-              <a:rPr lang="en-US" altLang="en-US" sz="2400" dirty="0" smtClean="0"/>
-              <a:t>only – all is </a:t>
-            </a:r>
-            <a:r>
-              <a:rPr lang="en-US" altLang="en-US" sz="2400" dirty="0" smtClean="0"/>
-              <a:t>type-safe, historical</a:t>
-            </a:r>
-            <a:endParaRPr lang="en-US" altLang="en-US" sz="2400" dirty="0" smtClean="0"/>
+              <a:t>Invariance only – all is type-safe, historical</a:t>
+            </a:r>
           </a:p>
           <a:p>
             <a:r>
@@ -16731,13 +17908,8 @@
             </a:r>
             <a:r>
               <a:rPr lang="en-US" altLang="en-US" sz="2400" dirty="0" smtClean="0"/>
-              <a:t>, +/- Scala, wildcards </a:t>
-            </a:r>
-            <a:r>
-              <a:rPr lang="en-US" altLang="en-US" sz="2400" dirty="0" smtClean="0"/>
-              <a:t>Java, …</a:t>
-            </a:r>
-            <a:endParaRPr lang="en-US" altLang="en-US" sz="2400" dirty="0" smtClean="0"/>
+              <a:t>, +/- Scala, wildcards Java, …</a:t>
+            </a:r>
           </a:p>
           <a:p>
             <a:r>
@@ -16750,28 +17922,14 @@
             </a:r>
             <a:r>
               <a:rPr lang="en-US" altLang="en-US" sz="2400" dirty="0" smtClean="0"/>
-              <a:t>, </a:t>
-            </a:r>
+              <a:t>, …</a:t>
+            </a:r>
+          </a:p>
+          <a:p>
             <a:r>
               <a:rPr lang="en-US" altLang="en-US" sz="2400" dirty="0" smtClean="0"/>
-              <a:t>…</a:t>
-            </a:r>
-            <a:endParaRPr lang="en-US" altLang="en-US" sz="2400" dirty="0" smtClean="0"/>
-          </a:p>
-          <a:p>
-            <a:r>
-              <a:rPr lang="en-US" altLang="en-US" sz="2400" dirty="0" smtClean="0"/>
-              <a:t>Invariance for parameters, covariance for function/method results – type </a:t>
-            </a:r>
-            <a:r>
-              <a:rPr lang="en-US" altLang="en-US" sz="2400" dirty="0" smtClean="0"/>
-              <a:t>safe. </a:t>
-            </a:r>
-            <a:r>
-              <a:rPr lang="en-US" altLang="en-US" sz="2400" dirty="0" smtClean="0"/>
-              <a:t>C++, …</a:t>
-            </a:r>
-            <a:endParaRPr lang="en-US" altLang="en-US" sz="2400" dirty="0" smtClean="0"/>
+              <a:t>Invariance for parameters, covariance for function/method results – type safe. C++, …</a:t>
+            </a:r>
           </a:p>
           <a:p>
             <a:endParaRPr lang="en-US" altLang="en-US" sz="2400" dirty="0" smtClean="0"/>
@@ -16820,7 +17978,6 @@
               <a:rPr lang="en-US" altLang="en-US" sz="2400" dirty="0" smtClean="0"/>
               <a:t>No need to know what variance is, which one to be used when and how. Simplicity for average programmer</a:t>
             </a:r>
-            <a:endParaRPr lang="en-US" altLang="en-US" sz="2400" dirty="0" smtClean="0"/>
           </a:p>
         </p:txBody>
       </p:sp>
@@ -16993,16 +18150,7 @@
                 </a:solidFill>
                 <a:latin typeface="Comic Sans MS" pitchFamily="66" charset="0"/>
               </a:rPr>
-              <a:t>Landscape </a:t>
-            </a:r>
-            <a:r>
-              <a:rPr lang="en-US" sz="3400" b="1" dirty="0" smtClean="0">
-                <a:solidFill>
-                  <a:srgbClr val="CC6600"/>
-                </a:solidFill>
-                <a:latin typeface="Comic Sans MS" pitchFamily="66" charset="0"/>
-              </a:rPr>
-              <a:t>overview and why we need covariance</a:t>
+              <a:t>Landscape overview and why we need covariance</a:t>
             </a:r>
             <a:endParaRPr lang="en-US" sz="3400" b="1" dirty="0">
               <a:solidFill>
@@ -17080,13 +18228,8 @@
             </a:pPr>
             <a:r>
               <a:rPr lang="en-US" altLang="en-US" sz="2400" dirty="0" smtClean="0"/>
-              <a:t>Covariance </a:t>
-            </a:r>
-            <a:r>
-              <a:rPr lang="en-US" altLang="en-US" sz="2400" dirty="0" smtClean="0"/>
-              <a:t>parameter overriding easily leads to type-safety brakeage</a:t>
-            </a:r>
-            <a:endParaRPr lang="en-US" altLang="en-US" sz="2400" dirty="0" smtClean="0"/>
+              <a:t>Covariance parameter overriding easily leads to type-safety brakeage</a:t>
+            </a:r>
           </a:p>
           <a:p>
             <a:pPr marL="0" indent="0">
@@ -17108,34 +18251,7 @@
                 </a:solidFill>
                 <a:latin typeface="Lucida Console" pitchFamily="49" charset="0"/>
               </a:rPr>
-              <a:t> </a:t>
-            </a:r>
-            <a:r>
-              <a:rPr lang="en-US" altLang="en-US" sz="2000" dirty="0" smtClean="0">
-                <a:solidFill>
-                  <a:srgbClr val="0000FF"/>
-                </a:solidFill>
-                <a:latin typeface="Lucida Console" pitchFamily="49" charset="0"/>
-              </a:rPr>
-              <a:t>Base </a:t>
-            </a:r>
-            <a:r>
-              <a:rPr lang="en-US" altLang="en-US" sz="2000" dirty="0" smtClean="0">
-                <a:solidFill>
-                  <a:srgbClr val="0000FF"/>
-                </a:solidFill>
-                <a:latin typeface="Lucida Console" pitchFamily="49" charset="0"/>
-              </a:rPr>
-              <a:t>{ </a:t>
-            </a:r>
-            <a:r>
-              <a:rPr lang="en-US" altLang="en-US" sz="2000" dirty="0" smtClean="0">
-                <a:solidFill>
-                  <a:srgbClr val="0000FF"/>
-                </a:solidFill>
-                <a:latin typeface="Lucida Console" pitchFamily="49" charset="0"/>
-              </a:rPr>
-              <a:t>foo </a:t>
+              <a:t> Base { foo </a:t>
             </a:r>
             <a:r>
               <a:rPr lang="en-US" altLang="en-US" sz="2000" dirty="0">
@@ -18322,34 +19438,7 @@
                 </a:solidFill>
                 <a:latin typeface="Lucida Console" pitchFamily="49" charset="0"/>
               </a:rPr>
-              <a:t> </a:t>
-            </a:r>
-            <a:r>
-              <a:rPr lang="en-US" altLang="en-US" sz="2000" dirty="0" smtClean="0">
-                <a:solidFill>
-                  <a:srgbClr val="0000FF"/>
-                </a:solidFill>
-                <a:latin typeface="Lucida Console" pitchFamily="49" charset="0"/>
-              </a:rPr>
-              <a:t>Base </a:t>
-            </a:r>
-            <a:r>
-              <a:rPr lang="en-US" altLang="en-US" sz="2000" dirty="0" smtClean="0">
-                <a:solidFill>
-                  <a:srgbClr val="0000FF"/>
-                </a:solidFill>
-                <a:latin typeface="Lucida Console" pitchFamily="49" charset="0"/>
-              </a:rPr>
-              <a:t>{ </a:t>
-            </a:r>
-            <a:r>
-              <a:rPr lang="en-US" altLang="en-US" sz="2000" dirty="0" smtClean="0">
-                <a:solidFill>
-                  <a:srgbClr val="0000FF"/>
-                </a:solidFill>
-                <a:latin typeface="Lucida Console" pitchFamily="49" charset="0"/>
-              </a:rPr>
-              <a:t>foo </a:t>
+              <a:t> Base { foo </a:t>
             </a:r>
             <a:r>
               <a:rPr lang="en-US" altLang="en-US" sz="2000" dirty="0">
@@ -19056,32 +20145,17 @@
                 </a:solidFill>
                 <a:latin typeface="Comic Sans MS" pitchFamily="66" charset="0"/>
               </a:rPr>
-              <a:t>Covariance type-safety</a:t>
-            </a:r>
-            <a:r>
-              <a:rPr lang="en-US" sz="3400" b="1" dirty="0" smtClean="0">
+              <a:t>Covariance type-safety – 1st </a:t>
+            </a:r>
+            <a:r>
+              <a:rPr lang="en-US" sz="3400" b="1" dirty="0">
                 <a:solidFill>
                   <a:srgbClr val="CC6600"/>
                 </a:solidFill>
                 <a:latin typeface="Comic Sans MS" pitchFamily="66" charset="0"/>
               </a:rPr>
-              <a:t> – 1st </a:t>
-            </a:r>
-            <a:r>
-              <a:rPr lang="en-US" sz="3400" b="1" dirty="0">
-                <a:solidFill>
-                  <a:srgbClr val="CC6600"/>
-                </a:solidFill>
-                <a:latin typeface="Comic Sans MS" pitchFamily="66" charset="0"/>
-              </a:rPr>
               <a:t>solution (BM 1986)</a:t>
             </a:r>
-            <a:endParaRPr lang="en-US" sz="3400" b="1" dirty="0">
-              <a:solidFill>
-                <a:srgbClr val="CC6600"/>
-              </a:solidFill>
-              <a:latin typeface="Comic Sans MS" pitchFamily="66" charset="0"/>
-            </a:endParaRPr>
           </a:p>
         </p:txBody>
       </p:sp>
@@ -19727,12 +20801,6 @@
               </a:rPr>
               <a:t>}</a:t>
             </a:r>
-            <a:endParaRPr lang="en-US" altLang="en-US" sz="1800" b="1" dirty="0" smtClean="0">
-              <a:solidFill>
-                <a:srgbClr val="0000FF"/>
-              </a:solidFill>
-              <a:latin typeface="Lucida Console" pitchFamily="49" charset="0"/>
-            </a:endParaRPr>
           </a:p>
           <a:p>
             <a:pPr marL="0" indent="0">
@@ -20840,34 +21908,7 @@
                 </a:solidFill>
                 <a:latin typeface="Lucida Console" pitchFamily="49" charset="0"/>
               </a:rPr>
-              <a:t> </a:t>
-            </a:r>
-            <a:r>
-              <a:rPr lang="en-US" altLang="en-US" sz="2000" dirty="0" smtClean="0">
-                <a:solidFill>
-                  <a:srgbClr val="0000FF"/>
-                </a:solidFill>
-                <a:latin typeface="Lucida Console" pitchFamily="49" charset="0"/>
-              </a:rPr>
-              <a:t>Base </a:t>
-            </a:r>
-            <a:r>
-              <a:rPr lang="en-US" altLang="en-US" sz="2000" dirty="0" smtClean="0">
-                <a:solidFill>
-                  <a:srgbClr val="0000FF"/>
-                </a:solidFill>
-                <a:latin typeface="Lucida Console" pitchFamily="49" charset="0"/>
-              </a:rPr>
-              <a:t>{ </a:t>
-            </a:r>
-            <a:r>
-              <a:rPr lang="en-US" altLang="en-US" sz="2000" dirty="0" smtClean="0">
-                <a:solidFill>
-                  <a:srgbClr val="0000FF"/>
-                </a:solidFill>
-                <a:latin typeface="Lucida Console" pitchFamily="49" charset="0"/>
-              </a:rPr>
-              <a:t>foo </a:t>
+              <a:t> Base { foo </a:t>
             </a:r>
             <a:r>
               <a:rPr lang="en-US" altLang="en-US" sz="2000" dirty="0">
@@ -21669,12 +22710,6 @@
               </a:rPr>
               <a:t>solution (~2000)</a:t>
             </a:r>
-            <a:endParaRPr lang="en-US" sz="3400" b="1" dirty="0">
-              <a:solidFill>
-                <a:srgbClr val="CC6600"/>
-              </a:solidFill>
-              <a:latin typeface="Comic Sans MS" pitchFamily="66" charset="0"/>
-            </a:endParaRPr>
           </a:p>
         </p:txBody>
       </p:sp>
@@ -21822,7 +22857,7 @@
             <a:effectLst/>
             <a:extLst>
               <a:ext uri="{C572A759-6A51-4108-AA02-DFA0A04FC94B}">
-                <ma14:wrappingTextBoxFlag xmlns:ma14="http://schemas.microsoft.com/office/mac/drawingml/2011/main" xmlns:a14="http://schemas.microsoft.com/office/drawing/2010/main" xmlns:m="http://schemas.openxmlformats.org/officeDocument/2006/math" xmlns="" val="1"/>
+                <ma14:wrappingTextBoxFlag xmlns="" xmlns:m="http://schemas.openxmlformats.org/officeDocument/2006/math" xmlns:a14="http://schemas.microsoft.com/office/drawing/2010/main" xmlns:ma14="http://schemas.microsoft.com/office/mac/drawingml/2011/main" val="1"/>
               </a:ext>
             </a:extLst>
           </p:spPr>
@@ -22044,7 +23079,7 @@
         <p:fade/>
       </p:transition>
     </mc:Choice>
-    <mc:Fallback xmlns:a14="http://schemas.microsoft.com/office/drawing/2010/main" xmlns:m="http://schemas.openxmlformats.org/officeDocument/2006/math" xmlns="">
+    <mc:Fallback xmlns="" xmlns:m="http://schemas.openxmlformats.org/officeDocument/2006/math" xmlns:a14="http://schemas.microsoft.com/office/drawing/2010/main">
       <p:transition spd="med">
         <p:fade/>
       </p:transition>
